--- a/Machine Learning 개념과 종류.pptx
+++ b/Machine Learning 개념과 종류.pptx
@@ -5,12 +5,17 @@
     <p:sldMasterId id="2147483672" r:id="rId1"/>
   </p:sldMasterIdLst>
   <p:notesMasterIdLst>
-    <p:notesMasterId r:id="rId5"/>
+    <p:notesMasterId r:id="rId10"/>
   </p:notesMasterIdLst>
   <p:sldIdLst>
     <p:sldId id="258" r:id="rId2"/>
     <p:sldId id="259" r:id="rId3"/>
     <p:sldId id="260" r:id="rId4"/>
+    <p:sldId id="261" r:id="rId5"/>
+    <p:sldId id="262" r:id="rId6"/>
+    <p:sldId id="263" r:id="rId7"/>
+    <p:sldId id="264" r:id="rId8"/>
+    <p:sldId id="265" r:id="rId9"/>
   </p:sldIdLst>
   <p:sldSz cx="9144000" cy="6858000" type="screen4x3"/>
   <p:notesSz cx="6858000" cy="9144000"/>
@@ -194,7 +199,7 @@
           <a:p>
             <a:fld id="{693111F3-E7F7-4110-B747-A18B068C936E}" type="datetimeFigureOut">
               <a:rPr lang="ko-KR" altLang="en-US" smtClean="0"/>
-              <a:t>2020-10-12</a:t>
+              <a:t>2020-10-13</a:t>
             </a:fld>
             <a:endParaRPr lang="ko-KR" altLang="en-US"/>
           </a:p>
@@ -605,7 +610,7 @@
           <a:p>
             <a:fld id="{426225CE-111E-4274-8066-27895E711E53}" type="datetimeFigureOut">
               <a:rPr lang="ko-KR" altLang="en-US" smtClean="0"/>
-              <a:t>2020-10-12</a:t>
+              <a:t>2020-10-13</a:t>
             </a:fld>
             <a:endParaRPr lang="ko-KR" altLang="en-US"/>
           </a:p>
@@ -964,7 +969,7 @@
           <a:p>
             <a:fld id="{426225CE-111E-4274-8066-27895E711E53}" type="datetimeFigureOut">
               <a:rPr lang="ko-KR" altLang="en-US" smtClean="0"/>
-              <a:t>2020-10-12</a:t>
+              <a:t>2020-10-13</a:t>
             </a:fld>
             <a:endParaRPr lang="ko-KR" altLang="en-US"/>
           </a:p>
@@ -1139,7 +1144,7 @@
           <a:p>
             <a:fld id="{426225CE-111E-4274-8066-27895E711E53}" type="datetimeFigureOut">
               <a:rPr lang="ko-KR" altLang="en-US" smtClean="0"/>
-              <a:t>2020-10-12</a:t>
+              <a:t>2020-10-13</a:t>
             </a:fld>
             <a:endParaRPr lang="ko-KR" altLang="en-US"/>
           </a:p>
@@ -1374,7 +1379,7 @@
           <a:p>
             <a:fld id="{426225CE-111E-4274-8066-27895E711E53}" type="datetimeFigureOut">
               <a:rPr lang="ko-KR" altLang="en-US" smtClean="0"/>
-              <a:t>2020-10-12</a:t>
+              <a:t>2020-10-13</a:t>
             </a:fld>
             <a:endParaRPr lang="ko-KR" altLang="en-US"/>
           </a:p>
@@ -1643,7 +1648,7 @@
           <a:p>
             <a:fld id="{426225CE-111E-4274-8066-27895E711E53}" type="datetimeFigureOut">
               <a:rPr lang="ko-KR" altLang="en-US" smtClean="0"/>
-              <a:t>2020-10-12</a:t>
+              <a:t>2020-10-13</a:t>
             </a:fld>
             <a:endParaRPr lang="ko-KR" altLang="en-US"/>
           </a:p>
@@ -1863,7 +1868,7 @@
           <a:p>
             <a:fld id="{426225CE-111E-4274-8066-27895E711E53}" type="datetimeFigureOut">
               <a:rPr lang="ko-KR" altLang="en-US" smtClean="0"/>
-              <a:t>2020-10-12</a:t>
+              <a:t>2020-10-13</a:t>
             </a:fld>
             <a:endParaRPr lang="ko-KR" altLang="en-US"/>
           </a:p>
@@ -2215,7 +2220,7 @@
           <a:p>
             <a:fld id="{426225CE-111E-4274-8066-27895E711E53}" type="datetimeFigureOut">
               <a:rPr lang="ko-KR" altLang="en-US" smtClean="0"/>
-              <a:t>2020-10-12</a:t>
+              <a:t>2020-10-13</a:t>
             </a:fld>
             <a:endParaRPr lang="ko-KR" altLang="en-US"/>
           </a:p>
@@ -2447,7 +2452,7 @@
           <a:p>
             <a:fld id="{426225CE-111E-4274-8066-27895E711E53}" type="datetimeFigureOut">
               <a:rPr lang="ko-KR" altLang="en-US" smtClean="0"/>
-              <a:t>2020-10-12</a:t>
+              <a:t>2020-10-13</a:t>
             </a:fld>
             <a:endParaRPr lang="ko-KR" altLang="en-US"/>
           </a:p>
@@ -2587,7 +2592,7 @@
           <a:p>
             <a:fld id="{426225CE-111E-4274-8066-27895E711E53}" type="datetimeFigureOut">
               <a:rPr lang="ko-KR" altLang="en-US" smtClean="0"/>
-              <a:t>2020-10-12</a:t>
+              <a:t>2020-10-13</a:t>
             </a:fld>
             <a:endParaRPr lang="ko-KR" altLang="en-US"/>
           </a:p>
@@ -2864,7 +2869,7 @@
           <a:p>
             <a:fld id="{426225CE-111E-4274-8066-27895E711E53}" type="datetimeFigureOut">
               <a:rPr lang="ko-KR" altLang="en-US" smtClean="0"/>
-              <a:t>2020-10-12</a:t>
+              <a:t>2020-10-13</a:t>
             </a:fld>
             <a:endParaRPr lang="ko-KR" altLang="en-US"/>
           </a:p>
@@ -3271,7 +3276,7 @@
           <a:p>
             <a:fld id="{426225CE-111E-4274-8066-27895E711E53}" type="datetimeFigureOut">
               <a:rPr lang="ko-KR" altLang="en-US" smtClean="0"/>
-              <a:t>2020-10-12</a:t>
+              <a:t>2020-10-13</a:t>
             </a:fld>
             <a:endParaRPr lang="ko-KR" altLang="en-US"/>
           </a:p>
@@ -3609,7 +3614,7 @@
           <a:p>
             <a:fld id="{426225CE-111E-4274-8066-27895E711E53}" type="datetimeFigureOut">
               <a:rPr lang="ko-KR" altLang="en-US" smtClean="0"/>
-              <a:t>2020-10-12</a:t>
+              <a:t>2020-10-13</a:t>
             </a:fld>
             <a:endParaRPr lang="ko-KR" altLang="en-US"/>
           </a:p>
@@ -4691,8 +4696,8 @@
           </a:p>
         </p:txBody>
       </p:sp>
-      <mc:AlternateContent xmlns:mc="http://schemas.openxmlformats.org/markup-compatibility/2006">
-        <mc:Choice xmlns:a14="http://schemas.microsoft.com/office/drawing/2010/main" Requires="a14">
+      <mc:AlternateContent xmlns:mc="http://schemas.openxmlformats.org/markup-compatibility/2006" xmlns:a14="http://schemas.microsoft.com/office/drawing/2010/main">
+        <mc:Choice Requires="a14">
           <p:sp>
             <p:nvSpPr>
               <p:cNvPr id="3" name="내용 개체 틀 2"/>
@@ -5430,7 +5435,7 @@
             </p:txBody>
           </p:sp>
         </mc:Choice>
-        <mc:Fallback>
+        <mc:Fallback xmlns="">
           <p:sp>
             <p:nvSpPr>
               <p:cNvPr id="3" name="내용 개체 틀 2"/>
@@ -8223,8 +8228,8 @@
           </a:fontRef>
         </p:style>
       </p:cxnSp>
-      <mc:AlternateContent xmlns:mc="http://schemas.openxmlformats.org/markup-compatibility/2006">
-        <mc:Choice xmlns:a14="http://schemas.microsoft.com/office/drawing/2010/main" Requires="a14">
+      <mc:AlternateContent xmlns:mc="http://schemas.openxmlformats.org/markup-compatibility/2006" xmlns:a14="http://schemas.microsoft.com/office/drawing/2010/main">
+        <mc:Choice Requires="a14">
           <p:sp>
             <p:nvSpPr>
               <p:cNvPr id="59" name="TextBox 58"/>
@@ -8247,6 +8252,7 @@
               </a:bodyPr>
               <a:lstStyle/>
               <a:p>
+                <a:pPr/>
                 <a14:m>
                   <m:oMathPara xmlns:m="http://schemas.openxmlformats.org/officeDocument/2006/math">
                     <m:oMathParaPr>
@@ -8321,7 +8327,7 @@
             </p:txBody>
           </p:sp>
         </mc:Choice>
-        <mc:Fallback>
+        <mc:Fallback xmlns="">
           <p:sp>
             <p:nvSpPr>
               <p:cNvPr id="59" name="TextBox 58"/>
@@ -8364,6 +8370,2844 @@
     <p:extLst>
       <p:ext uri="{BB962C8B-B14F-4D97-AF65-F5344CB8AC3E}">
         <p14:creationId xmlns:p14="http://schemas.microsoft.com/office/powerpoint/2010/main" val="2038950543"/>
+      </p:ext>
+    </p:extLst>
+  </p:cSld>
+  <p:clrMapOvr>
+    <a:masterClrMapping/>
+  </p:clrMapOvr>
+  <p:timing>
+    <p:tnLst>
+      <p:par>
+        <p:cTn id="1" dur="indefinite" restart="never" nodeType="tmRoot"/>
+      </p:par>
+    </p:tnLst>
+  </p:timing>
+</p:sld>
+</file>
+
+<file path=ppt/slides/slide4.xml><?xml version="1.0" encoding="utf-8"?>
+<p:sld xmlns:a="http://schemas.openxmlformats.org/drawingml/2006/main" xmlns:r="http://schemas.openxmlformats.org/officeDocument/2006/relationships" xmlns:p="http://schemas.openxmlformats.org/presentationml/2006/main">
+  <p:cSld>
+    <p:spTree>
+      <p:nvGrpSpPr>
+        <p:cNvPr id="1" name=""/>
+        <p:cNvGrpSpPr/>
+        <p:nvPr/>
+      </p:nvGrpSpPr>
+      <p:grpSpPr>
+        <a:xfrm>
+          <a:off x="0" y="0"/>
+          <a:ext cx="0" cy="0"/>
+          <a:chOff x="0" y="0"/>
+          <a:chExt cx="0" cy="0"/>
+        </a:xfrm>
+      </p:grpSpPr>
+      <p:sp>
+        <p:nvSpPr>
+          <p:cNvPr id="2" name="제목 1"/>
+          <p:cNvSpPr>
+            <a:spLocks noGrp="1"/>
+          </p:cNvSpPr>
+          <p:nvPr>
+            <p:ph type="title"/>
+          </p:nvPr>
+        </p:nvSpPr>
+        <p:spPr/>
+        <p:txBody>
+          <a:bodyPr>
+            <a:normAutofit/>
+          </a:bodyPr>
+          <a:lstStyle/>
+          <a:p>
+            <a:r>
+              <a:rPr lang="en-US" altLang="ko-KR" sz="3600" b="1" dirty="0" smtClean="0">
+                <a:latin typeface="+mn-ea"/>
+                <a:ea typeface="+mn-ea"/>
+              </a:rPr>
+              <a:t>02. </a:t>
+            </a:r>
+            <a:r>
+              <a:rPr lang="ko-KR" altLang="en-US" sz="3600" b="1" dirty="0" smtClean="0">
+                <a:latin typeface="+mn-ea"/>
+                <a:ea typeface="+mn-ea"/>
+              </a:rPr>
+              <a:t>지도 학습과 비지도 학습</a:t>
+            </a:r>
+            <a:endParaRPr lang="ko-KR" altLang="en-US" sz="3600" b="1" dirty="0">
+              <a:latin typeface="+mn-ea"/>
+              <a:ea typeface="+mn-ea"/>
+            </a:endParaRPr>
+          </a:p>
+        </p:txBody>
+      </p:sp>
+      <mc:AlternateContent xmlns:mc="http://schemas.openxmlformats.org/markup-compatibility/2006">
+        <mc:Choice xmlns:a14="http://schemas.microsoft.com/office/drawing/2010/main" Requires="a14">
+          <p:sp>
+            <p:nvSpPr>
+              <p:cNvPr id="4" name="내용 개체 틀 3"/>
+              <p:cNvSpPr>
+                <a:spLocks noGrp="1"/>
+              </p:cNvSpPr>
+              <p:nvPr>
+                <p:ph sz="quarter" idx="1"/>
+              </p:nvPr>
+            </p:nvSpPr>
+            <p:spPr>
+              <a:xfrm>
+                <a:off x="467544" y="1368490"/>
+                <a:ext cx="8229600" cy="4937760"/>
+              </a:xfrm>
+            </p:spPr>
+            <p:txBody>
+              <a:bodyPr>
+                <a:normAutofit/>
+              </a:bodyPr>
+              <a:lstStyle/>
+              <a:p>
+                <a:pPr>
+                  <a:lnSpc>
+                    <a:spcPct val="150000"/>
+                  </a:lnSpc>
+                </a:pPr>
+                <a:r>
+                  <a:rPr lang="ko-KR" altLang="en-US" sz="2000" b="1" dirty="0" smtClean="0"/>
+                  <a:t>지도 학습 </a:t>
+                </a:r>
+                <a:r>
+                  <a:rPr lang="en-US" altLang="ko-KR" sz="2000" b="1" dirty="0" smtClean="0"/>
+                  <a:t>(Supervised Learning)</a:t>
+                </a:r>
+              </a:p>
+              <a:p>
+                <a:pPr marL="0" indent="0">
+                  <a:lnSpc>
+                    <a:spcPct val="150000"/>
+                  </a:lnSpc>
+                  <a:buNone/>
+                </a:pPr>
+                <a:r>
+                  <a:rPr lang="en-US" altLang="ko-KR" sz="1600" dirty="0" smtClean="0">
+                    <a:latin typeface="+mn-ea"/>
+                  </a:rPr>
+                  <a:t>: </a:t>
+                </a:r>
+                <a14:m>
+                  <m:oMath xmlns:m="http://schemas.openxmlformats.org/officeDocument/2006/math">
+                    <m:r>
+                      <m:rPr>
+                        <m:sty m:val="p"/>
+                      </m:rPr>
+                      <a:rPr lang="en-US" altLang="ko-KR" sz="1600" b="0" i="0" smtClean="0">
+                        <a:latin typeface="Cambria Math"/>
+                      </a:rPr>
+                      <m:t>Y</m:t>
+                    </m:r>
+                    <m:r>
+                      <a:rPr lang="en-US" altLang="ko-KR" sz="1600" i="1">
+                        <a:latin typeface="Cambria Math"/>
+                      </a:rPr>
+                      <m:t>=</m:t>
+                    </m:r>
+                    <m:r>
+                      <a:rPr lang="en-US" altLang="ko-KR" sz="1600" b="0" i="1" smtClean="0">
+                        <a:latin typeface="Cambria Math"/>
+                      </a:rPr>
+                      <m:t>𝑓</m:t>
+                    </m:r>
+                    <m:d>
+                      <m:dPr>
+                        <m:ctrlPr>
+                          <a:rPr lang="en-US" altLang="ko-KR" sz="1600" b="0" i="1" smtClean="0">
+                            <a:latin typeface="Cambria Math"/>
+                          </a:rPr>
+                        </m:ctrlPr>
+                      </m:dPr>
+                      <m:e>
+                        <m:r>
+                          <a:rPr lang="en-US" altLang="ko-KR" sz="1600" i="1">
+                            <a:latin typeface="Cambria Math"/>
+                          </a:rPr>
+                          <m:t>𝑋</m:t>
+                        </m:r>
+                      </m:e>
+                    </m:d>
+                  </m:oMath>
+                </a14:m>
+                <a:r>
+                  <a:rPr lang="ko-KR" altLang="en-US" sz="1600" dirty="0" smtClean="0">
+                    <a:latin typeface="+mn-ea"/>
+                  </a:rPr>
+                  <a:t>에 대하여 입력변수</a:t>
+                </a:r>
+                <a:r>
+                  <a:rPr lang="en-US" altLang="ko-KR" sz="1600" dirty="0" smtClean="0">
+                    <a:latin typeface="+mn-ea"/>
+                  </a:rPr>
+                  <a:t>(X)</a:t>
+                </a:r>
+                <a:r>
+                  <a:rPr lang="ko-KR" altLang="en-US" sz="1600" dirty="0" smtClean="0">
+                    <a:latin typeface="+mn-ea"/>
+                  </a:rPr>
+                  <a:t>와 출력변수</a:t>
+                </a:r>
+                <a:r>
+                  <a:rPr lang="en-US" altLang="ko-KR" sz="1600" dirty="0" smtClean="0">
+                    <a:latin typeface="+mn-ea"/>
+                  </a:rPr>
+                  <a:t>(Y)</a:t>
+                </a:r>
+                <a:r>
+                  <a:rPr lang="ko-KR" altLang="en-US" sz="1600" dirty="0" smtClean="0">
+                    <a:latin typeface="+mn-ea"/>
+                  </a:rPr>
+                  <a:t>간 관계를 모델링 하는 것</a:t>
+                </a:r>
+                <a:endParaRPr lang="en-US" altLang="ko-KR" sz="1600" dirty="0" smtClean="0">
+                  <a:latin typeface="+mn-ea"/>
+                </a:endParaRPr>
+              </a:p>
+              <a:p>
+                <a:pPr marL="0" indent="0">
+                  <a:lnSpc>
+                    <a:spcPct val="150000"/>
+                  </a:lnSpc>
+                  <a:buNone/>
+                </a:pPr>
+                <a:r>
+                  <a:rPr lang="ko-KR" altLang="en-US" sz="1600" dirty="0" smtClean="0">
+                    <a:latin typeface="+mn-ea"/>
+                  </a:rPr>
+                  <a:t>  ☞ 즉</a:t>
+                </a:r>
+                <a:r>
+                  <a:rPr lang="en-US" altLang="ko-KR" sz="1600" dirty="0" smtClean="0">
+                    <a:latin typeface="+mn-ea"/>
+                  </a:rPr>
+                  <a:t>,  </a:t>
+                </a:r>
+                <a:r>
+                  <a:rPr lang="ko-KR" altLang="en-US" sz="1600" b="1" u="sng" dirty="0" smtClean="0">
+                    <a:latin typeface="+mn-ea"/>
+                  </a:rPr>
+                  <a:t>과거의 데이터</a:t>
+                </a:r>
+                <a:r>
+                  <a:rPr lang="ko-KR" altLang="en-US" sz="1600" dirty="0" smtClean="0">
+                    <a:latin typeface="+mn-ea"/>
+                  </a:rPr>
+                  <a:t>를 통해 </a:t>
+                </a:r>
+                <a:r>
+                  <a:rPr lang="ko-KR" altLang="en-US" sz="1600" b="1" dirty="0" smtClean="0">
+                    <a:solidFill>
+                      <a:srgbClr val="C00000"/>
+                    </a:solidFill>
+                    <a:latin typeface="+mn-ea"/>
+                  </a:rPr>
+                  <a:t>미래를 예측</a:t>
+                </a:r>
+                <a:r>
+                  <a:rPr lang="ko-KR" altLang="en-US" sz="1600" dirty="0" smtClean="0">
+                    <a:latin typeface="+mn-ea"/>
+                  </a:rPr>
+                  <a:t>하고자 함</a:t>
+                </a:r>
+                <a:r>
+                  <a:rPr lang="en-US" altLang="ko-KR" sz="1600" dirty="0" smtClean="0">
+                    <a:latin typeface="+mn-ea"/>
+                  </a:rPr>
+                  <a:t>.</a:t>
+                </a:r>
+              </a:p>
+              <a:p>
+                <a:pPr marL="0" indent="0">
+                  <a:buNone/>
+                </a:pPr>
+                <a:endParaRPr lang="ko-KR" altLang="en-US" sz="2000" dirty="0">
+                  <a:latin typeface="+mn-ea"/>
+                </a:endParaRPr>
+              </a:p>
+            </p:txBody>
+          </p:sp>
+        </mc:Choice>
+        <mc:Fallback>
+          <p:sp>
+            <p:nvSpPr>
+              <p:cNvPr id="4" name="내용 개체 틀 3"/>
+              <p:cNvSpPr>
+                <a:spLocks noGrp="1" noRot="1" noChangeAspect="1" noMove="1" noResize="1" noEditPoints="1" noAdjustHandles="1" noChangeArrowheads="1" noChangeShapeType="1" noTextEdit="1"/>
+              </p:cNvSpPr>
+              <p:nvPr>
+                <p:ph sz="quarter" idx="1"/>
+              </p:nvPr>
+            </p:nvSpPr>
+            <p:spPr>
+              <a:xfrm>
+                <a:off x="467544" y="1368490"/>
+                <a:ext cx="8229600" cy="4937760"/>
+              </a:xfrm>
+              <a:blipFill rotWithShape="1">
+                <a:blip r:embed="rId2"/>
+                <a:stretch>
+                  <a:fillRect l="-444"/>
+                </a:stretch>
+              </a:blipFill>
+            </p:spPr>
+            <p:txBody>
+              <a:bodyPr/>
+              <a:lstStyle/>
+              <a:p>
+                <a:r>
+                  <a:rPr lang="ko-KR" altLang="en-US">
+                    <a:noFill/>
+                  </a:rPr>
+                  <a:t> </a:t>
+                </a:r>
+              </a:p>
+            </p:txBody>
+          </p:sp>
+        </mc:Fallback>
+      </mc:AlternateContent>
+      <p:pic>
+        <p:nvPicPr>
+          <p:cNvPr id="1026" name="Picture 2"/>
+          <p:cNvPicPr>
+            <a:picLocks noChangeAspect="1" noChangeArrowheads="1"/>
+          </p:cNvPicPr>
+          <p:nvPr/>
+        </p:nvPicPr>
+        <p:blipFill>
+          <a:blip r:embed="rId3">
+            <a:extLst>
+              <a:ext uri="{28A0092B-C50C-407E-A947-70E740481C1C}">
+                <a14:useLocalDpi xmlns:a14="http://schemas.microsoft.com/office/drawing/2010/main" val="0"/>
+              </a:ext>
+            </a:extLst>
+          </a:blip>
+          <a:srcRect/>
+          <a:stretch>
+            <a:fillRect/>
+          </a:stretch>
+        </p:blipFill>
+        <p:spPr bwMode="auto">
+          <a:xfrm>
+            <a:off x="1064295" y="4320839"/>
+            <a:ext cx="2787623" cy="1851125"/>
+          </a:xfrm>
+          <a:prstGeom prst="rect">
+            <a:avLst/>
+          </a:prstGeom>
+          <a:noFill/>
+          <a:ln>
+            <a:noFill/>
+          </a:ln>
+          <a:extLst>
+            <a:ext uri="{909E8E84-426E-40DD-AFC4-6F175D3DCCD1}">
+              <a14:hiddenFill xmlns:a14="http://schemas.microsoft.com/office/drawing/2010/main">
+                <a:solidFill>
+                  <a:schemeClr val="accent1"/>
+                </a:solidFill>
+              </a14:hiddenFill>
+            </a:ext>
+            <a:ext uri="{91240B29-F687-4F45-9708-019B960494DF}">
+              <a14:hiddenLine xmlns:a14="http://schemas.microsoft.com/office/drawing/2010/main" w="9525">
+                <a:solidFill>
+                  <a:schemeClr val="tx1"/>
+                </a:solidFill>
+                <a:miter lim="800000"/>
+                <a:headEnd/>
+                <a:tailEnd/>
+              </a14:hiddenLine>
+            </a:ext>
+          </a:extLst>
+        </p:spPr>
+      </p:pic>
+      <p:pic>
+        <p:nvPicPr>
+          <p:cNvPr id="1027" name="Picture 3"/>
+          <p:cNvPicPr>
+            <a:picLocks noChangeAspect="1" noChangeArrowheads="1"/>
+          </p:cNvPicPr>
+          <p:nvPr/>
+        </p:nvPicPr>
+        <p:blipFill>
+          <a:blip r:embed="rId4">
+            <a:extLst>
+              <a:ext uri="{28A0092B-C50C-407E-A947-70E740481C1C}">
+                <a14:useLocalDpi xmlns:a14="http://schemas.microsoft.com/office/drawing/2010/main" val="0"/>
+              </a:ext>
+            </a:extLst>
+          </a:blip>
+          <a:srcRect/>
+          <a:stretch>
+            <a:fillRect/>
+          </a:stretch>
+        </p:blipFill>
+        <p:spPr bwMode="auto">
+          <a:xfrm>
+            <a:off x="4419059" y="4417504"/>
+            <a:ext cx="2673221" cy="1737219"/>
+          </a:xfrm>
+          <a:prstGeom prst="rect">
+            <a:avLst/>
+          </a:prstGeom>
+          <a:noFill/>
+          <a:ln>
+            <a:noFill/>
+          </a:ln>
+          <a:extLst>
+            <a:ext uri="{909E8E84-426E-40DD-AFC4-6F175D3DCCD1}">
+              <a14:hiddenFill xmlns:a14="http://schemas.microsoft.com/office/drawing/2010/main">
+                <a:solidFill>
+                  <a:schemeClr val="accent1"/>
+                </a:solidFill>
+              </a14:hiddenFill>
+            </a:ext>
+            <a:ext uri="{91240B29-F687-4F45-9708-019B960494DF}">
+              <a14:hiddenLine xmlns:a14="http://schemas.microsoft.com/office/drawing/2010/main" w="9525">
+                <a:solidFill>
+                  <a:schemeClr val="tx1"/>
+                </a:solidFill>
+                <a:miter lim="800000"/>
+                <a:headEnd/>
+                <a:tailEnd/>
+              </a14:hiddenLine>
+            </a:ext>
+          </a:extLst>
+        </p:spPr>
+      </p:pic>
+      <p:sp>
+        <p:nvSpPr>
+          <p:cNvPr id="5" name="직사각형 4"/>
+          <p:cNvSpPr/>
+          <p:nvPr/>
+        </p:nvSpPr>
+        <p:spPr>
+          <a:xfrm>
+            <a:off x="1064296" y="3844572"/>
+            <a:ext cx="2787623" cy="457403"/>
+          </a:xfrm>
+          <a:prstGeom prst="rect">
+            <a:avLst/>
+          </a:prstGeom>
+          <a:solidFill>
+            <a:schemeClr val="accent1"/>
+          </a:solidFill>
+          <a:ln>
+            <a:noFill/>
+          </a:ln>
+          <a:effectLst>
+            <a:outerShdw blurRad="44450" dist="27940" dir="5400000" algn="ctr">
+              <a:srgbClr val="000000">
+                <a:alpha val="32000"/>
+              </a:srgbClr>
+            </a:outerShdw>
+          </a:effectLst>
+          <a:scene3d>
+            <a:camera prst="orthographicFront">
+              <a:rot lat="0" lon="0" rev="0"/>
+            </a:camera>
+            <a:lightRig rig="balanced" dir="t">
+              <a:rot lat="0" lon="0" rev="8700000"/>
+            </a:lightRig>
+          </a:scene3d>
+          <a:sp3d>
+            <a:bevelT w="190500" h="38100"/>
+          </a:sp3d>
+        </p:spPr>
+        <p:style>
+          <a:lnRef idx="2">
+            <a:schemeClr val="accent1">
+              <a:shade val="50000"/>
+            </a:schemeClr>
+          </a:lnRef>
+          <a:fillRef idx="1">
+            <a:schemeClr val="accent1"/>
+          </a:fillRef>
+          <a:effectRef idx="0">
+            <a:schemeClr val="accent1"/>
+          </a:effectRef>
+          <a:fontRef idx="minor">
+            <a:schemeClr val="lt1"/>
+          </a:fontRef>
+        </p:style>
+        <p:txBody>
+          <a:bodyPr rtlCol="0" anchor="ctr"/>
+          <a:lstStyle/>
+          <a:p>
+            <a:pPr algn="ctr"/>
+            <a:r>
+              <a:rPr lang="ko-KR" altLang="en-US" dirty="0" smtClean="0"/>
+              <a:t>예측</a:t>
+            </a:r>
+            <a:endParaRPr lang="ko-KR" altLang="en-US" dirty="0"/>
+          </a:p>
+        </p:txBody>
+      </p:sp>
+      <p:sp>
+        <p:nvSpPr>
+          <p:cNvPr id="54" name="직사각형 53"/>
+          <p:cNvSpPr/>
+          <p:nvPr/>
+        </p:nvSpPr>
+        <p:spPr>
+          <a:xfrm>
+            <a:off x="4302832" y="3844571"/>
+            <a:ext cx="2787622" cy="457403"/>
+          </a:xfrm>
+          <a:prstGeom prst="rect">
+            <a:avLst/>
+          </a:prstGeom>
+          <a:solidFill>
+            <a:schemeClr val="accent1"/>
+          </a:solidFill>
+          <a:ln>
+            <a:noFill/>
+          </a:ln>
+          <a:effectLst>
+            <a:outerShdw blurRad="44450" dist="27940" dir="5400000" algn="ctr">
+              <a:srgbClr val="000000">
+                <a:alpha val="32000"/>
+              </a:srgbClr>
+            </a:outerShdw>
+          </a:effectLst>
+          <a:scene3d>
+            <a:camera prst="orthographicFront">
+              <a:rot lat="0" lon="0" rev="0"/>
+            </a:camera>
+            <a:lightRig rig="balanced" dir="t">
+              <a:rot lat="0" lon="0" rev="8700000"/>
+            </a:lightRig>
+          </a:scene3d>
+          <a:sp3d>
+            <a:bevelT w="190500" h="38100"/>
+          </a:sp3d>
+        </p:spPr>
+        <p:style>
+          <a:lnRef idx="2">
+            <a:schemeClr val="accent1">
+              <a:shade val="50000"/>
+            </a:schemeClr>
+          </a:lnRef>
+          <a:fillRef idx="1">
+            <a:schemeClr val="accent1"/>
+          </a:fillRef>
+          <a:effectRef idx="0">
+            <a:schemeClr val="accent1"/>
+          </a:effectRef>
+          <a:fontRef idx="minor">
+            <a:schemeClr val="lt1"/>
+          </a:fontRef>
+        </p:style>
+        <p:txBody>
+          <a:bodyPr rtlCol="0" anchor="ctr"/>
+          <a:lstStyle/>
+          <a:p>
+            <a:pPr algn="ctr"/>
+            <a:r>
+              <a:rPr lang="ko-KR" altLang="en-US" dirty="0" smtClean="0"/>
+              <a:t>분류</a:t>
+            </a:r>
+            <a:endParaRPr lang="ko-KR" altLang="en-US" dirty="0"/>
+          </a:p>
+        </p:txBody>
+      </p:sp>
+      <p:sp>
+        <p:nvSpPr>
+          <p:cNvPr id="56" name="직사각형 55"/>
+          <p:cNvSpPr/>
+          <p:nvPr/>
+        </p:nvSpPr>
+        <p:spPr>
+          <a:xfrm>
+            <a:off x="1043608" y="3140968"/>
+            <a:ext cx="6048672" cy="457403"/>
+          </a:xfrm>
+          <a:prstGeom prst="rect">
+            <a:avLst/>
+          </a:prstGeom>
+          <a:solidFill>
+            <a:schemeClr val="accent5">
+              <a:lumMod val="75000"/>
+            </a:schemeClr>
+          </a:solidFill>
+          <a:ln>
+            <a:noFill/>
+          </a:ln>
+          <a:effectLst>
+            <a:outerShdw blurRad="44450" dist="27940" dir="5400000" algn="ctr">
+              <a:srgbClr val="000000">
+                <a:alpha val="32000"/>
+              </a:srgbClr>
+            </a:outerShdw>
+          </a:effectLst>
+          <a:scene3d>
+            <a:camera prst="orthographicFront">
+              <a:rot lat="0" lon="0" rev="0"/>
+            </a:camera>
+            <a:lightRig rig="balanced" dir="t">
+              <a:rot lat="0" lon="0" rev="8700000"/>
+            </a:lightRig>
+          </a:scene3d>
+          <a:sp3d>
+            <a:bevelT w="190500" h="38100"/>
+          </a:sp3d>
+        </p:spPr>
+        <p:style>
+          <a:lnRef idx="2">
+            <a:schemeClr val="accent1">
+              <a:shade val="50000"/>
+            </a:schemeClr>
+          </a:lnRef>
+          <a:fillRef idx="1">
+            <a:schemeClr val="accent1"/>
+          </a:fillRef>
+          <a:effectRef idx="0">
+            <a:schemeClr val="accent1"/>
+          </a:effectRef>
+          <a:fontRef idx="minor">
+            <a:schemeClr val="lt1"/>
+          </a:fontRef>
+        </p:style>
+        <p:txBody>
+          <a:bodyPr rtlCol="0" anchor="ctr"/>
+          <a:lstStyle/>
+          <a:p>
+            <a:pPr algn="ctr"/>
+            <a:r>
+              <a:rPr lang="ko-KR" altLang="en-US" dirty="0" smtClean="0"/>
+              <a:t>지도 학습</a:t>
+            </a:r>
+            <a:endParaRPr lang="ko-KR" altLang="en-US" dirty="0"/>
+          </a:p>
+        </p:txBody>
+      </p:sp>
+    </p:spTree>
+    <p:extLst>
+      <p:ext uri="{BB962C8B-B14F-4D97-AF65-F5344CB8AC3E}">
+        <p14:creationId xmlns:p14="http://schemas.microsoft.com/office/powerpoint/2010/main" val="332719529"/>
+      </p:ext>
+    </p:extLst>
+  </p:cSld>
+  <p:clrMapOvr>
+    <a:masterClrMapping/>
+  </p:clrMapOvr>
+  <p:timing>
+    <p:tnLst>
+      <p:par>
+        <p:cTn id="1" dur="indefinite" restart="never" nodeType="tmRoot"/>
+      </p:par>
+    </p:tnLst>
+  </p:timing>
+</p:sld>
+</file>
+
+<file path=ppt/slides/slide5.xml><?xml version="1.0" encoding="utf-8"?>
+<p:sld xmlns:a="http://schemas.openxmlformats.org/drawingml/2006/main" xmlns:r="http://schemas.openxmlformats.org/officeDocument/2006/relationships" xmlns:p="http://schemas.openxmlformats.org/presentationml/2006/main">
+  <p:cSld>
+    <p:spTree>
+      <p:nvGrpSpPr>
+        <p:cNvPr id="1" name=""/>
+        <p:cNvGrpSpPr/>
+        <p:nvPr/>
+      </p:nvGrpSpPr>
+      <p:grpSpPr>
+        <a:xfrm>
+          <a:off x="0" y="0"/>
+          <a:ext cx="0" cy="0"/>
+          <a:chOff x="0" y="0"/>
+          <a:chExt cx="0" cy="0"/>
+        </a:xfrm>
+      </p:grpSpPr>
+      <p:sp>
+        <p:nvSpPr>
+          <p:cNvPr id="2" name="제목 1"/>
+          <p:cNvSpPr>
+            <a:spLocks noGrp="1"/>
+          </p:cNvSpPr>
+          <p:nvPr>
+            <p:ph type="title"/>
+          </p:nvPr>
+        </p:nvSpPr>
+        <p:spPr/>
+        <p:txBody>
+          <a:bodyPr>
+            <a:normAutofit/>
+          </a:bodyPr>
+          <a:lstStyle/>
+          <a:p>
+            <a:r>
+              <a:rPr lang="en-US" altLang="ko-KR" sz="3600" b="1" dirty="0" smtClean="0">
+                <a:latin typeface="+mn-ea"/>
+                <a:ea typeface="+mn-ea"/>
+              </a:rPr>
+              <a:t>02. </a:t>
+            </a:r>
+            <a:r>
+              <a:rPr lang="ko-KR" altLang="en-US" sz="3600" b="1" dirty="0" smtClean="0">
+                <a:latin typeface="+mn-ea"/>
+                <a:ea typeface="+mn-ea"/>
+              </a:rPr>
+              <a:t>지도 학습과 비지도 학습</a:t>
+            </a:r>
+            <a:endParaRPr lang="ko-KR" altLang="en-US" sz="3600" b="1" dirty="0">
+              <a:latin typeface="+mn-ea"/>
+              <a:ea typeface="+mn-ea"/>
+            </a:endParaRPr>
+          </a:p>
+        </p:txBody>
+      </p:sp>
+      <mc:AlternateContent xmlns:mc="http://schemas.openxmlformats.org/markup-compatibility/2006">
+        <mc:Choice xmlns:a14="http://schemas.microsoft.com/office/drawing/2010/main" Requires="a14">
+          <p:sp>
+            <p:nvSpPr>
+              <p:cNvPr id="4" name="내용 개체 틀 3"/>
+              <p:cNvSpPr>
+                <a:spLocks noGrp="1"/>
+              </p:cNvSpPr>
+              <p:nvPr>
+                <p:ph sz="quarter" idx="1"/>
+              </p:nvPr>
+            </p:nvSpPr>
+            <p:spPr>
+              <a:xfrm>
+                <a:off x="467544" y="1368490"/>
+                <a:ext cx="8229600" cy="4937760"/>
+              </a:xfrm>
+            </p:spPr>
+            <p:txBody>
+              <a:bodyPr>
+                <a:normAutofit/>
+              </a:bodyPr>
+              <a:lstStyle/>
+              <a:p>
+                <a:pPr>
+                  <a:lnSpc>
+                    <a:spcPct val="150000"/>
+                  </a:lnSpc>
+                </a:pPr>
+                <a:r>
+                  <a:rPr lang="ko-KR" altLang="en-US" sz="2000" b="1" dirty="0" smtClean="0"/>
+                  <a:t>비지도 학습 </a:t>
+                </a:r>
+                <a:r>
+                  <a:rPr lang="en-US" altLang="ko-KR" sz="2000" b="1" dirty="0" smtClean="0"/>
+                  <a:t>(Unsupervised Learning)</a:t>
+                </a:r>
+              </a:p>
+              <a:p>
+                <a:pPr marL="0" indent="0">
+                  <a:lnSpc>
+                    <a:spcPct val="150000"/>
+                  </a:lnSpc>
+                  <a:buNone/>
+                </a:pPr>
+                <a:r>
+                  <a:rPr lang="en-US" altLang="ko-KR" sz="1600" dirty="0" smtClean="0">
+                    <a:latin typeface="+mn-ea"/>
+                  </a:rPr>
+                  <a:t>: </a:t>
+                </a:r>
+                <a:r>
+                  <a:rPr lang="ko-KR" altLang="en-US" sz="1600" dirty="0" smtClean="0">
+                    <a:latin typeface="+mn-ea"/>
+                  </a:rPr>
+                  <a:t>출력변수 </a:t>
+                </a:r>
+                <a14:m>
+                  <m:oMath xmlns:m="http://schemas.openxmlformats.org/officeDocument/2006/math">
+                    <m:r>
+                      <m:rPr>
+                        <m:sty m:val="p"/>
+                      </m:rPr>
+                      <a:rPr lang="en-US" altLang="ko-KR" sz="1600" b="0" i="0" smtClean="0">
+                        <a:latin typeface="Cambria Math"/>
+                      </a:rPr>
+                      <m:t>Y</m:t>
+                    </m:r>
+                  </m:oMath>
+                </a14:m>
+                <a:r>
+                  <a:rPr lang="ko-KR" altLang="en-US" sz="1600" dirty="0" smtClean="0">
+                    <a:latin typeface="+mn-ea"/>
+                  </a:rPr>
+                  <a:t>가 없고</a:t>
+                </a:r>
+                <a:r>
+                  <a:rPr lang="en-US" altLang="ko-KR" sz="1600" dirty="0" smtClean="0">
+                    <a:latin typeface="+mn-ea"/>
+                  </a:rPr>
+                  <a:t>, </a:t>
+                </a:r>
+                <a:r>
+                  <a:rPr lang="ko-KR" altLang="en-US" sz="1600" dirty="0" smtClean="0">
+                    <a:latin typeface="+mn-ea"/>
+                  </a:rPr>
+                  <a:t>입력변수</a:t>
+                </a:r>
+                <a:r>
+                  <a:rPr lang="en-US" altLang="ko-KR" sz="1600" dirty="0" smtClean="0">
+                    <a:latin typeface="+mn-ea"/>
+                  </a:rPr>
+                  <a:t>(X)</a:t>
+                </a:r>
+                <a:r>
+                  <a:rPr lang="ko-KR" altLang="en-US" sz="1600" dirty="0" smtClean="0">
+                    <a:latin typeface="+mn-ea"/>
+                  </a:rPr>
+                  <a:t>간 관계를 모델링 하는 것</a:t>
+                </a:r>
+                <a:endParaRPr lang="en-US" altLang="ko-KR" sz="1600" dirty="0" smtClean="0">
+                  <a:latin typeface="+mn-ea"/>
+                </a:endParaRPr>
+              </a:p>
+              <a:p>
+                <a:pPr marL="0" indent="0">
+                  <a:lnSpc>
+                    <a:spcPct val="150000"/>
+                  </a:lnSpc>
+                  <a:buNone/>
+                </a:pPr>
+                <a:r>
+                  <a:rPr lang="ko-KR" altLang="en-US" sz="1600" dirty="0" smtClean="0">
+                    <a:latin typeface="+mn-ea"/>
+                  </a:rPr>
+                  <a:t>  ☞ 즉</a:t>
+                </a:r>
+                <a:r>
+                  <a:rPr lang="en-US" altLang="ko-KR" sz="1600" dirty="0" smtClean="0">
+                    <a:latin typeface="+mn-ea"/>
+                  </a:rPr>
+                  <a:t>, </a:t>
+                </a:r>
+                <a:r>
+                  <a:rPr lang="ko-KR" altLang="en-US" sz="1600" dirty="0" smtClean="0">
+                    <a:latin typeface="+mn-ea"/>
+                  </a:rPr>
+                  <a:t>존재하는 </a:t>
+                </a:r>
+                <a:r>
+                  <a:rPr lang="ko-KR" altLang="en-US" sz="1600" b="1" u="sng" dirty="0" smtClean="0">
+                    <a:latin typeface="+mn-ea"/>
+                  </a:rPr>
+                  <a:t>데</a:t>
+                </a:r>
+                <a:r>
+                  <a:rPr lang="en-US" altLang="ko-KR" sz="1600" b="1" u="sng" dirty="0" smtClean="0">
+                    <a:latin typeface="+mn-ea"/>
+                  </a:rPr>
+                  <a:t>	</a:t>
+                </a:r>
+                <a:r>
+                  <a:rPr lang="ko-KR" altLang="en-US" sz="1600" b="1" u="sng" dirty="0" err="1" smtClean="0">
+                    <a:latin typeface="+mn-ea"/>
+                  </a:rPr>
+                  <a:t>이터</a:t>
+                </a:r>
+                <a:r>
+                  <a:rPr lang="ko-KR" altLang="en-US" sz="1600" b="1" u="sng" dirty="0" smtClean="0">
+                    <a:latin typeface="+mn-ea"/>
+                  </a:rPr>
+                  <a:t> 간 관계</a:t>
+                </a:r>
+                <a:r>
+                  <a:rPr lang="ko-KR" altLang="en-US" sz="1600" dirty="0" smtClean="0">
+                    <a:latin typeface="+mn-ea"/>
+                  </a:rPr>
+                  <a:t>를 통해 </a:t>
+                </a:r>
+                <a:r>
+                  <a:rPr lang="ko-KR" altLang="en-US" sz="1600" b="1" dirty="0" smtClean="0">
+                    <a:solidFill>
+                      <a:srgbClr val="C00000"/>
+                    </a:solidFill>
+                    <a:latin typeface="+mn-ea"/>
+                  </a:rPr>
+                  <a:t>새로운 의미나 패턴</a:t>
+                </a:r>
+                <a:r>
+                  <a:rPr lang="ko-KR" altLang="en-US" sz="1600" dirty="0" smtClean="0">
+                    <a:latin typeface="+mn-ea"/>
+                  </a:rPr>
+                  <a:t>을 밝혀내고자 함</a:t>
+                </a:r>
+                <a:r>
+                  <a:rPr lang="en-US" altLang="ko-KR" sz="1600" dirty="0" smtClean="0">
+                    <a:latin typeface="+mn-ea"/>
+                  </a:rPr>
+                  <a:t>.</a:t>
+                </a:r>
+              </a:p>
+              <a:p>
+                <a:pPr marL="0" indent="0">
+                  <a:buNone/>
+                </a:pPr>
+                <a:endParaRPr lang="ko-KR" altLang="en-US" sz="2000" dirty="0">
+                  <a:latin typeface="+mn-ea"/>
+                </a:endParaRPr>
+              </a:p>
+            </p:txBody>
+          </p:sp>
+        </mc:Choice>
+        <mc:Fallback>
+          <p:sp>
+            <p:nvSpPr>
+              <p:cNvPr id="4" name="내용 개체 틀 3"/>
+              <p:cNvSpPr>
+                <a:spLocks noGrp="1" noRot="1" noChangeAspect="1" noMove="1" noResize="1" noEditPoints="1" noAdjustHandles="1" noChangeArrowheads="1" noChangeShapeType="1" noTextEdit="1"/>
+              </p:cNvSpPr>
+              <p:nvPr>
+                <p:ph sz="quarter" idx="1"/>
+              </p:nvPr>
+            </p:nvSpPr>
+            <p:spPr>
+              <a:xfrm>
+                <a:off x="467544" y="1368490"/>
+                <a:ext cx="8229600" cy="4937760"/>
+              </a:xfrm>
+              <a:blipFill rotWithShape="1">
+                <a:blip r:embed="rId2"/>
+                <a:stretch>
+                  <a:fillRect l="-444"/>
+                </a:stretch>
+              </a:blipFill>
+            </p:spPr>
+            <p:txBody>
+              <a:bodyPr/>
+              <a:lstStyle/>
+              <a:p>
+                <a:r>
+                  <a:rPr lang="ko-KR" altLang="en-US">
+                    <a:noFill/>
+                  </a:rPr>
+                  <a:t> </a:t>
+                </a:r>
+              </a:p>
+            </p:txBody>
+          </p:sp>
+        </mc:Fallback>
+      </mc:AlternateContent>
+      <p:sp>
+        <p:nvSpPr>
+          <p:cNvPr id="5" name="직사각형 4"/>
+          <p:cNvSpPr/>
+          <p:nvPr/>
+        </p:nvSpPr>
+        <p:spPr>
+          <a:xfrm>
+            <a:off x="575250" y="3284984"/>
+            <a:ext cx="1393811" cy="1124439"/>
+          </a:xfrm>
+          <a:prstGeom prst="rect">
+            <a:avLst/>
+          </a:prstGeom>
+          <a:solidFill>
+            <a:schemeClr val="accent1"/>
+          </a:solidFill>
+          <a:ln>
+            <a:noFill/>
+          </a:ln>
+          <a:effectLst>
+            <a:outerShdw blurRad="44450" dist="27940" dir="5400000" algn="ctr">
+              <a:srgbClr val="000000">
+                <a:alpha val="32000"/>
+              </a:srgbClr>
+            </a:outerShdw>
+          </a:effectLst>
+          <a:scene3d>
+            <a:camera prst="orthographicFront">
+              <a:rot lat="0" lon="0" rev="0"/>
+            </a:camera>
+            <a:lightRig rig="balanced" dir="t">
+              <a:rot lat="0" lon="0" rev="8700000"/>
+            </a:lightRig>
+          </a:scene3d>
+          <a:sp3d>
+            <a:bevelT w="190500" h="38100"/>
+          </a:sp3d>
+        </p:spPr>
+        <p:style>
+          <a:lnRef idx="2">
+            <a:schemeClr val="accent1">
+              <a:shade val="50000"/>
+            </a:schemeClr>
+          </a:lnRef>
+          <a:fillRef idx="1">
+            <a:schemeClr val="accent1"/>
+          </a:fillRef>
+          <a:effectRef idx="0">
+            <a:schemeClr val="accent1"/>
+          </a:effectRef>
+          <a:fontRef idx="minor">
+            <a:schemeClr val="lt1"/>
+          </a:fontRef>
+        </p:style>
+        <p:txBody>
+          <a:bodyPr rtlCol="0" anchor="ctr"/>
+          <a:lstStyle/>
+          <a:p>
+            <a:pPr algn="ctr"/>
+            <a:r>
+              <a:rPr lang="ko-KR" altLang="en-US" dirty="0" smtClean="0"/>
+              <a:t>군집화</a:t>
+            </a:r>
+            <a:endParaRPr lang="ko-KR" altLang="en-US" dirty="0"/>
+          </a:p>
+        </p:txBody>
+      </p:sp>
+      <p:sp>
+        <p:nvSpPr>
+          <p:cNvPr id="54" name="직사각형 53"/>
+          <p:cNvSpPr/>
+          <p:nvPr/>
+        </p:nvSpPr>
+        <p:spPr>
+          <a:xfrm>
+            <a:off x="575250" y="4941168"/>
+            <a:ext cx="1393811" cy="1124439"/>
+          </a:xfrm>
+          <a:prstGeom prst="rect">
+            <a:avLst/>
+          </a:prstGeom>
+          <a:solidFill>
+            <a:schemeClr val="accent1"/>
+          </a:solidFill>
+          <a:ln>
+            <a:noFill/>
+          </a:ln>
+          <a:effectLst>
+            <a:outerShdw blurRad="44450" dist="27940" dir="5400000" algn="ctr">
+              <a:srgbClr val="000000">
+                <a:alpha val="32000"/>
+              </a:srgbClr>
+            </a:outerShdw>
+          </a:effectLst>
+          <a:scene3d>
+            <a:camera prst="orthographicFront">
+              <a:rot lat="0" lon="0" rev="0"/>
+            </a:camera>
+            <a:lightRig rig="balanced" dir="t">
+              <a:rot lat="0" lon="0" rev="8700000"/>
+            </a:lightRig>
+          </a:scene3d>
+          <a:sp3d>
+            <a:bevelT w="190500" h="38100"/>
+          </a:sp3d>
+        </p:spPr>
+        <p:style>
+          <a:lnRef idx="2">
+            <a:schemeClr val="accent1">
+              <a:shade val="50000"/>
+            </a:schemeClr>
+          </a:lnRef>
+          <a:fillRef idx="1">
+            <a:schemeClr val="accent1"/>
+          </a:fillRef>
+          <a:effectRef idx="0">
+            <a:schemeClr val="accent1"/>
+          </a:effectRef>
+          <a:fontRef idx="minor">
+            <a:schemeClr val="lt1"/>
+          </a:fontRef>
+        </p:style>
+        <p:txBody>
+          <a:bodyPr rtlCol="0" anchor="ctr"/>
+          <a:lstStyle/>
+          <a:p>
+            <a:pPr algn="ctr"/>
+            <a:r>
+              <a:rPr lang="en-US" altLang="ko-KR" dirty="0" smtClean="0"/>
+              <a:t>PCA</a:t>
+            </a:r>
+          </a:p>
+          <a:p>
+            <a:pPr algn="ctr"/>
+            <a:r>
+              <a:rPr lang="en-US" altLang="ko-KR" sz="1400" dirty="0" smtClean="0"/>
+              <a:t>(</a:t>
+            </a:r>
+            <a:r>
+              <a:rPr lang="ko-KR" altLang="en-US" sz="1400" dirty="0" smtClean="0"/>
+              <a:t>주성분분석</a:t>
+            </a:r>
+            <a:r>
+              <a:rPr lang="en-US" altLang="ko-KR" sz="1400" dirty="0" smtClean="0"/>
+              <a:t>)</a:t>
+            </a:r>
+            <a:endParaRPr lang="ko-KR" altLang="en-US" dirty="0"/>
+          </a:p>
+        </p:txBody>
+      </p:sp>
+      <p:sp>
+        <p:nvSpPr>
+          <p:cNvPr id="3" name="TextBox 2"/>
+          <p:cNvSpPr txBox="1"/>
+          <p:nvPr/>
+        </p:nvSpPr>
+        <p:spPr>
+          <a:xfrm>
+            <a:off x="2195736" y="3284984"/>
+            <a:ext cx="4729180" cy="1169551"/>
+          </a:xfrm>
+          <a:prstGeom prst="rect">
+            <a:avLst/>
+          </a:prstGeom>
+          <a:noFill/>
+        </p:spPr>
+        <p:txBody>
+          <a:bodyPr wrap="none" rtlCol="0">
+            <a:spAutoFit/>
+          </a:bodyPr>
+          <a:lstStyle/>
+          <a:p>
+            <a:r>
+              <a:rPr lang="ko-KR" altLang="en-US" sz="1400" dirty="0" smtClean="0">
+                <a:latin typeface="+mn-ea"/>
+              </a:rPr>
+              <a:t>유사한 데이터 간 그룹화</a:t>
+            </a:r>
+            <a:r>
+              <a:rPr lang="en-US" altLang="ko-KR" sz="1400" dirty="0" smtClean="0">
+                <a:latin typeface="+mn-ea"/>
+              </a:rPr>
+              <a:t>(</a:t>
+            </a:r>
+            <a:r>
+              <a:rPr lang="en-US" altLang="ko-KR" sz="1400" dirty="0" err="1" smtClean="0">
+                <a:latin typeface="+mn-ea"/>
+              </a:rPr>
+              <a:t>Groupping</a:t>
+            </a:r>
+            <a:r>
+              <a:rPr lang="en-US" altLang="ko-KR" sz="1400" dirty="0" smtClean="0">
+                <a:latin typeface="+mn-ea"/>
+              </a:rPr>
+              <a:t>)</a:t>
+            </a:r>
+          </a:p>
+          <a:p>
+            <a:endParaRPr lang="en-US" altLang="ko-KR" sz="1400" dirty="0">
+              <a:latin typeface="+mn-ea"/>
+            </a:endParaRPr>
+          </a:p>
+          <a:p>
+            <a:r>
+              <a:rPr lang="en-US" altLang="ko-KR" sz="1400" dirty="0" smtClean="0">
+                <a:latin typeface="+mn-ea"/>
+              </a:rPr>
+              <a:t> </a:t>
+            </a:r>
+            <a:r>
+              <a:rPr lang="ko-KR" altLang="en-US" sz="1400" b="1" dirty="0" smtClean="0">
+                <a:solidFill>
+                  <a:srgbClr val="C00000"/>
+                </a:solidFill>
+                <a:latin typeface="+mn-ea"/>
+              </a:rPr>
+              <a:t>☞ 분류와 차이점</a:t>
+            </a:r>
+            <a:endParaRPr lang="en-US" altLang="ko-KR" sz="1400" b="1" dirty="0" smtClean="0">
+              <a:solidFill>
+                <a:srgbClr val="C00000"/>
+              </a:solidFill>
+              <a:latin typeface="+mn-ea"/>
+            </a:endParaRPr>
+          </a:p>
+          <a:p>
+            <a:r>
+              <a:rPr lang="ko-KR" altLang="en-US" sz="1400" dirty="0" smtClean="0">
+                <a:latin typeface="+mn-ea"/>
+              </a:rPr>
+              <a:t>군집화는 </a:t>
+            </a:r>
+            <a:r>
+              <a:rPr lang="ko-KR" altLang="en-US" sz="1400" b="1" dirty="0" smtClean="0">
+                <a:latin typeface="+mn-ea"/>
+              </a:rPr>
+              <a:t>어떤 대상을 구분하여 그룹을 만드는 것</a:t>
+            </a:r>
+            <a:r>
+              <a:rPr lang="ko-KR" altLang="en-US" sz="1400" dirty="0" smtClean="0">
+                <a:latin typeface="+mn-ea"/>
+              </a:rPr>
+              <a:t>이라면</a:t>
+            </a:r>
+            <a:r>
+              <a:rPr lang="en-US" altLang="ko-KR" sz="1400" dirty="0" smtClean="0">
+                <a:latin typeface="+mn-ea"/>
+              </a:rPr>
+              <a:t>,</a:t>
+            </a:r>
+          </a:p>
+          <a:p>
+            <a:r>
+              <a:rPr lang="ko-KR" altLang="en-US" sz="1400" dirty="0" smtClean="0">
+                <a:latin typeface="+mn-ea"/>
+              </a:rPr>
+              <a:t>분류는 </a:t>
+            </a:r>
+            <a:r>
+              <a:rPr lang="ko-KR" altLang="en-US" sz="1400" b="1" dirty="0" smtClean="0">
+                <a:latin typeface="+mn-ea"/>
+              </a:rPr>
+              <a:t>어떤 대상이 어떤 그룹에 속하는지 판단</a:t>
+            </a:r>
+            <a:r>
+              <a:rPr lang="ko-KR" altLang="en-US" sz="1400" dirty="0" smtClean="0">
+                <a:latin typeface="+mn-ea"/>
+              </a:rPr>
+              <a:t>하는 것</a:t>
+            </a:r>
+            <a:r>
+              <a:rPr lang="en-US" altLang="ko-KR" sz="1400" dirty="0" smtClean="0">
+                <a:latin typeface="+mn-ea"/>
+              </a:rPr>
+              <a:t>!</a:t>
+            </a:r>
+            <a:endParaRPr lang="ko-KR" altLang="en-US" sz="1400" dirty="0">
+              <a:latin typeface="+mn-ea"/>
+            </a:endParaRPr>
+          </a:p>
+        </p:txBody>
+      </p:sp>
+      <p:sp>
+        <p:nvSpPr>
+          <p:cNvPr id="11" name="TextBox 10"/>
+          <p:cNvSpPr txBox="1"/>
+          <p:nvPr/>
+        </p:nvSpPr>
+        <p:spPr>
+          <a:xfrm>
+            <a:off x="2348136" y="5026333"/>
+            <a:ext cx="5814412" cy="954107"/>
+          </a:xfrm>
+          <a:prstGeom prst="rect">
+            <a:avLst/>
+          </a:prstGeom>
+          <a:noFill/>
+        </p:spPr>
+        <p:txBody>
+          <a:bodyPr wrap="none" rtlCol="0">
+            <a:spAutoFit/>
+          </a:bodyPr>
+          <a:lstStyle/>
+          <a:p>
+            <a:r>
+              <a:rPr lang="ko-KR" altLang="en-US" sz="1400" dirty="0" smtClean="0">
+                <a:latin typeface="+mn-ea"/>
+              </a:rPr>
+              <a:t>독립 변수들의 차원을 축소화</a:t>
+            </a:r>
+            <a:endParaRPr lang="en-US" altLang="ko-KR" sz="1400" dirty="0" smtClean="0">
+              <a:latin typeface="+mn-ea"/>
+            </a:endParaRPr>
+          </a:p>
+          <a:p>
+            <a:endParaRPr lang="en-US" altLang="ko-KR" sz="1400" dirty="0">
+              <a:latin typeface="+mn-ea"/>
+            </a:endParaRPr>
+          </a:p>
+          <a:p>
+            <a:r>
+              <a:rPr lang="ko-KR" altLang="en-US" sz="1400" dirty="0" smtClean="0">
+                <a:latin typeface="+mn-ea"/>
+              </a:rPr>
+              <a:t>여러 변수 간 존재하는 상관 관계를 이용하여</a:t>
+            </a:r>
+            <a:r>
+              <a:rPr lang="en-US" altLang="ko-KR" sz="1400" dirty="0" smtClean="0">
+                <a:latin typeface="+mn-ea"/>
+              </a:rPr>
+              <a:t>,</a:t>
+            </a:r>
+            <a:r>
+              <a:rPr lang="ko-KR" altLang="en-US" sz="1400" dirty="0" smtClean="0">
+                <a:latin typeface="+mn-ea"/>
+              </a:rPr>
+              <a:t> 이를 대표하는 주성분을</a:t>
+            </a:r>
+            <a:endParaRPr lang="en-US" altLang="ko-KR" sz="1400" dirty="0" smtClean="0">
+              <a:latin typeface="+mn-ea"/>
+            </a:endParaRPr>
+          </a:p>
+          <a:p>
+            <a:r>
+              <a:rPr lang="ko-KR" altLang="en-US" sz="1400" dirty="0" smtClean="0">
+                <a:latin typeface="+mn-ea"/>
+              </a:rPr>
+              <a:t>추출해 차원을 축소하는 기법</a:t>
+            </a:r>
+            <a:endParaRPr lang="en-US" altLang="ko-KR" sz="1400" dirty="0" smtClean="0">
+              <a:latin typeface="+mn-ea"/>
+            </a:endParaRPr>
+          </a:p>
+        </p:txBody>
+      </p:sp>
+    </p:spTree>
+    <p:extLst>
+      <p:ext uri="{BB962C8B-B14F-4D97-AF65-F5344CB8AC3E}">
+        <p14:creationId xmlns:p14="http://schemas.microsoft.com/office/powerpoint/2010/main" val="2015218420"/>
+      </p:ext>
+    </p:extLst>
+  </p:cSld>
+  <p:clrMapOvr>
+    <a:masterClrMapping/>
+  </p:clrMapOvr>
+  <p:timing>
+    <p:tnLst>
+      <p:par>
+        <p:cTn id="1" dur="indefinite" restart="never" nodeType="tmRoot"/>
+      </p:par>
+    </p:tnLst>
+  </p:timing>
+</p:sld>
+</file>
+
+<file path=ppt/slides/slide6.xml><?xml version="1.0" encoding="utf-8"?>
+<p:sld xmlns:a="http://schemas.openxmlformats.org/drawingml/2006/main" xmlns:r="http://schemas.openxmlformats.org/officeDocument/2006/relationships" xmlns:p="http://schemas.openxmlformats.org/presentationml/2006/main">
+  <p:cSld>
+    <p:spTree>
+      <p:nvGrpSpPr>
+        <p:cNvPr id="1" name=""/>
+        <p:cNvGrpSpPr/>
+        <p:nvPr/>
+      </p:nvGrpSpPr>
+      <p:grpSpPr>
+        <a:xfrm>
+          <a:off x="0" y="0"/>
+          <a:ext cx="0" cy="0"/>
+          <a:chOff x="0" y="0"/>
+          <a:chExt cx="0" cy="0"/>
+        </a:xfrm>
+      </p:grpSpPr>
+      <p:sp>
+        <p:nvSpPr>
+          <p:cNvPr id="2" name="제목 1"/>
+          <p:cNvSpPr>
+            <a:spLocks noGrp="1"/>
+          </p:cNvSpPr>
+          <p:nvPr>
+            <p:ph type="title"/>
+          </p:nvPr>
+        </p:nvSpPr>
+        <p:spPr/>
+        <p:txBody>
+          <a:bodyPr>
+            <a:normAutofit/>
+          </a:bodyPr>
+          <a:lstStyle/>
+          <a:p>
+            <a:r>
+              <a:rPr lang="en-US" altLang="ko-KR" sz="3600" b="1" dirty="0" smtClean="0">
+                <a:latin typeface="+mn-ea"/>
+                <a:ea typeface="+mn-ea"/>
+              </a:rPr>
+              <a:t>02. </a:t>
+            </a:r>
+            <a:r>
+              <a:rPr lang="ko-KR" altLang="en-US" sz="3600" b="1" dirty="0" smtClean="0">
+                <a:latin typeface="+mn-ea"/>
+                <a:ea typeface="+mn-ea"/>
+              </a:rPr>
+              <a:t>지도 학습과 비지도 학습</a:t>
+            </a:r>
+            <a:endParaRPr lang="ko-KR" altLang="en-US" sz="3600" b="1" dirty="0">
+              <a:latin typeface="+mn-ea"/>
+              <a:ea typeface="+mn-ea"/>
+            </a:endParaRPr>
+          </a:p>
+        </p:txBody>
+      </p:sp>
+      <p:sp>
+        <p:nvSpPr>
+          <p:cNvPr id="4" name="내용 개체 틀 3"/>
+          <p:cNvSpPr>
+            <a:spLocks noGrp="1"/>
+          </p:cNvSpPr>
+          <p:nvPr>
+            <p:ph sz="quarter" idx="1"/>
+          </p:nvPr>
+        </p:nvSpPr>
+        <p:spPr>
+          <a:xfrm>
+            <a:off x="467544" y="1368490"/>
+            <a:ext cx="8229600" cy="4937760"/>
+          </a:xfrm>
+        </p:spPr>
+        <p:txBody>
+          <a:bodyPr>
+            <a:normAutofit/>
+          </a:bodyPr>
+          <a:lstStyle/>
+          <a:p>
+            <a:pPr>
+              <a:lnSpc>
+                <a:spcPct val="150000"/>
+              </a:lnSpc>
+            </a:pPr>
+            <a:r>
+              <a:rPr lang="ko-KR" altLang="en-US" sz="2000" b="1" dirty="0" smtClean="0"/>
+              <a:t>강화 학습</a:t>
+            </a:r>
+            <a:r>
+              <a:rPr lang="en-US" altLang="ko-KR" sz="2000" b="1" dirty="0" smtClean="0"/>
+              <a:t>(Reinforcement Learning)</a:t>
+            </a:r>
+          </a:p>
+          <a:p>
+            <a:pPr marL="0" indent="0">
+              <a:lnSpc>
+                <a:spcPct val="150000"/>
+              </a:lnSpc>
+              <a:buNone/>
+            </a:pPr>
+            <a:r>
+              <a:rPr lang="en-US" altLang="ko-KR" sz="1600" dirty="0" smtClean="0">
+                <a:latin typeface="+mn-ea"/>
+              </a:rPr>
+              <a:t>: </a:t>
+            </a:r>
+            <a:r>
+              <a:rPr lang="ko-KR" altLang="en-US" sz="1600" dirty="0" smtClean="0">
+                <a:latin typeface="+mn-ea"/>
+              </a:rPr>
+              <a:t>수많은 시뮬레이션을 통해 현재의 선택이 먼 미래에 보상이 최대가 되도록 학습</a:t>
+            </a:r>
+            <a:endParaRPr lang="en-US" altLang="ko-KR" sz="1600" dirty="0" smtClean="0">
+              <a:latin typeface="+mn-ea"/>
+            </a:endParaRPr>
+          </a:p>
+          <a:p>
+            <a:pPr marL="0" indent="0">
+              <a:lnSpc>
+                <a:spcPct val="150000"/>
+              </a:lnSpc>
+              <a:buNone/>
+            </a:pPr>
+            <a:r>
+              <a:rPr lang="ko-KR" altLang="en-US" sz="1600" dirty="0" smtClean="0">
+                <a:latin typeface="+mn-ea"/>
+              </a:rPr>
+              <a:t>  ☞ </a:t>
+            </a:r>
+            <a:r>
+              <a:rPr lang="ko-KR" altLang="en-US" sz="1600" b="1" u="sng" dirty="0" smtClean="0">
+                <a:latin typeface="+mn-ea"/>
+              </a:rPr>
+              <a:t>더 많은 보상</a:t>
+            </a:r>
+            <a:r>
+              <a:rPr lang="ko-KR" altLang="en-US" sz="1600" dirty="0" smtClean="0">
+                <a:latin typeface="+mn-ea"/>
+              </a:rPr>
+              <a:t>을 받을 수 있는 </a:t>
+            </a:r>
+            <a:r>
+              <a:rPr lang="ko-KR" altLang="en-US" sz="1600" b="1" dirty="0" smtClean="0">
+                <a:solidFill>
+                  <a:srgbClr val="C00000"/>
+                </a:solidFill>
+                <a:latin typeface="+mn-ea"/>
+              </a:rPr>
+              <a:t>정책</a:t>
+            </a:r>
+            <a:r>
+              <a:rPr lang="en-US" altLang="ko-KR" sz="1600" b="1" dirty="0" smtClean="0">
+                <a:solidFill>
+                  <a:srgbClr val="C00000"/>
+                </a:solidFill>
+                <a:latin typeface="+mn-ea"/>
+              </a:rPr>
+              <a:t>(Policy)</a:t>
+            </a:r>
+            <a:r>
+              <a:rPr lang="ko-KR" altLang="en-US" sz="1600" b="1" dirty="0" smtClean="0">
+                <a:solidFill>
+                  <a:srgbClr val="C00000"/>
+                </a:solidFill>
+                <a:latin typeface="+mn-ea"/>
+              </a:rPr>
+              <a:t>을 만드는 것</a:t>
+            </a:r>
+            <a:r>
+              <a:rPr lang="ko-KR" altLang="en-US" sz="1600" dirty="0" smtClean="0">
+                <a:latin typeface="+mn-ea"/>
+              </a:rPr>
+              <a:t>이 핵심</a:t>
+            </a:r>
+            <a:r>
+              <a:rPr lang="en-US" altLang="ko-KR" sz="1600" dirty="0" smtClean="0">
+                <a:latin typeface="+mn-ea"/>
+              </a:rPr>
+              <a:t>! (ex. </a:t>
+            </a:r>
+            <a:r>
+              <a:rPr lang="ko-KR" altLang="en-US" sz="1600" dirty="0" smtClean="0">
+                <a:latin typeface="+mn-ea"/>
+              </a:rPr>
+              <a:t>알파고</a:t>
+            </a:r>
+            <a:r>
+              <a:rPr lang="en-US" altLang="ko-KR" sz="1600" dirty="0" smtClean="0">
+                <a:latin typeface="+mn-ea"/>
+              </a:rPr>
+              <a:t>)</a:t>
+            </a:r>
+          </a:p>
+          <a:p>
+            <a:pPr marL="0" indent="0">
+              <a:buNone/>
+            </a:pPr>
+            <a:endParaRPr lang="ko-KR" altLang="en-US" sz="2000" dirty="0">
+              <a:latin typeface="+mn-ea"/>
+            </a:endParaRPr>
+          </a:p>
+        </p:txBody>
+      </p:sp>
+      <p:pic>
+        <p:nvPicPr>
+          <p:cNvPr id="2050" name="Picture 2"/>
+          <p:cNvPicPr>
+            <a:picLocks noChangeAspect="1" noChangeArrowheads="1"/>
+          </p:cNvPicPr>
+          <p:nvPr/>
+        </p:nvPicPr>
+        <p:blipFill>
+          <a:blip r:embed="rId2">
+            <a:extLst>
+              <a:ext uri="{28A0092B-C50C-407E-A947-70E740481C1C}">
+                <a14:useLocalDpi xmlns:a14="http://schemas.microsoft.com/office/drawing/2010/main" val="0"/>
+              </a:ext>
+            </a:extLst>
+          </a:blip>
+          <a:srcRect/>
+          <a:stretch>
+            <a:fillRect/>
+          </a:stretch>
+        </p:blipFill>
+        <p:spPr bwMode="auto">
+          <a:xfrm>
+            <a:off x="957604" y="3314199"/>
+            <a:ext cx="4968552" cy="2317692"/>
+          </a:xfrm>
+          <a:prstGeom prst="rect">
+            <a:avLst/>
+          </a:prstGeom>
+          <a:noFill/>
+          <a:ln>
+            <a:noFill/>
+          </a:ln>
+          <a:extLst>
+            <a:ext uri="{909E8E84-426E-40DD-AFC4-6F175D3DCCD1}">
+              <a14:hiddenFill xmlns:a14="http://schemas.microsoft.com/office/drawing/2010/main">
+                <a:solidFill>
+                  <a:schemeClr val="accent1"/>
+                </a:solidFill>
+              </a14:hiddenFill>
+            </a:ext>
+            <a:ext uri="{91240B29-F687-4F45-9708-019B960494DF}">
+              <a14:hiddenLine xmlns:a14="http://schemas.microsoft.com/office/drawing/2010/main" w="9525">
+                <a:solidFill>
+                  <a:schemeClr val="tx1"/>
+                </a:solidFill>
+                <a:miter lim="800000"/>
+                <a:headEnd/>
+                <a:tailEnd/>
+              </a14:hiddenLine>
+            </a:ext>
+          </a:extLst>
+        </p:spPr>
+      </p:pic>
+      <p:sp>
+        <p:nvSpPr>
+          <p:cNvPr id="6" name="TextBox 5"/>
+          <p:cNvSpPr txBox="1"/>
+          <p:nvPr/>
+        </p:nvSpPr>
+        <p:spPr>
+          <a:xfrm>
+            <a:off x="3981940" y="3445598"/>
+            <a:ext cx="1858522" cy="276999"/>
+          </a:xfrm>
+          <a:prstGeom prst="rect">
+            <a:avLst/>
+          </a:prstGeom>
+          <a:noFill/>
+        </p:spPr>
+        <p:txBody>
+          <a:bodyPr wrap="none" rtlCol="0">
+            <a:spAutoFit/>
+          </a:bodyPr>
+          <a:lstStyle/>
+          <a:p>
+            <a:r>
+              <a:rPr lang="en-US" altLang="ko-KR" sz="1200" dirty="0" smtClean="0"/>
+              <a:t>01. Agent</a:t>
+            </a:r>
+            <a:r>
+              <a:rPr lang="ko-KR" altLang="en-US" sz="1200" dirty="0" smtClean="0"/>
+              <a:t>가 </a:t>
+            </a:r>
+            <a:r>
+              <a:rPr lang="en-US" altLang="ko-KR" sz="1200" dirty="0" smtClean="0"/>
+              <a:t>Action</a:t>
+            </a:r>
+            <a:r>
+              <a:rPr lang="ko-KR" altLang="en-US" sz="1200" dirty="0" smtClean="0"/>
+              <a:t>을 취함</a:t>
+            </a:r>
+            <a:endParaRPr lang="ko-KR" altLang="en-US" sz="1200" dirty="0"/>
+          </a:p>
+        </p:txBody>
+      </p:sp>
+      <p:sp>
+        <p:nvSpPr>
+          <p:cNvPr id="10" name="TextBox 9"/>
+          <p:cNvSpPr txBox="1"/>
+          <p:nvPr/>
+        </p:nvSpPr>
+        <p:spPr>
+          <a:xfrm>
+            <a:off x="2448026" y="4207331"/>
+            <a:ext cx="2463175" cy="276999"/>
+          </a:xfrm>
+          <a:prstGeom prst="rect">
+            <a:avLst/>
+          </a:prstGeom>
+          <a:noFill/>
+        </p:spPr>
+        <p:txBody>
+          <a:bodyPr wrap="none" rtlCol="0">
+            <a:spAutoFit/>
+          </a:bodyPr>
+          <a:lstStyle/>
+          <a:p>
+            <a:r>
+              <a:rPr lang="en-US" altLang="ko-KR" sz="1200" dirty="0" smtClean="0"/>
+              <a:t>02. </a:t>
+            </a:r>
+            <a:r>
+              <a:rPr lang="ko-KR" altLang="en-US" sz="1200" dirty="0" smtClean="0"/>
+              <a:t>정책에 따른 상과 벌이 주어짐</a:t>
+            </a:r>
+            <a:endParaRPr lang="ko-KR" altLang="en-US" sz="1200" dirty="0"/>
+          </a:p>
+        </p:txBody>
+      </p:sp>
+      <p:sp>
+        <p:nvSpPr>
+          <p:cNvPr id="12" name="TextBox 11"/>
+          <p:cNvSpPr txBox="1"/>
+          <p:nvPr/>
+        </p:nvSpPr>
+        <p:spPr>
+          <a:xfrm>
+            <a:off x="957604" y="3152000"/>
+            <a:ext cx="3113353" cy="276999"/>
+          </a:xfrm>
+          <a:prstGeom prst="rect">
+            <a:avLst/>
+          </a:prstGeom>
+          <a:noFill/>
+        </p:spPr>
+        <p:txBody>
+          <a:bodyPr wrap="none" rtlCol="0">
+            <a:spAutoFit/>
+          </a:bodyPr>
+          <a:lstStyle/>
+          <a:p>
+            <a:r>
+              <a:rPr lang="en-US" altLang="ko-KR" sz="1200" dirty="0" smtClean="0"/>
+              <a:t>03.Agent</a:t>
+            </a:r>
+            <a:r>
+              <a:rPr lang="ko-KR" altLang="en-US" sz="1200" dirty="0" smtClean="0"/>
+              <a:t>는 보상과 함께 해당 상태를 인지함</a:t>
+            </a:r>
+            <a:endParaRPr lang="ko-KR" altLang="en-US" sz="1200" dirty="0"/>
+          </a:p>
+        </p:txBody>
+      </p:sp>
+    </p:spTree>
+    <p:extLst>
+      <p:ext uri="{BB962C8B-B14F-4D97-AF65-F5344CB8AC3E}">
+        <p14:creationId xmlns:p14="http://schemas.microsoft.com/office/powerpoint/2010/main" val="500015660"/>
+      </p:ext>
+    </p:extLst>
+  </p:cSld>
+  <p:clrMapOvr>
+    <a:masterClrMapping/>
+  </p:clrMapOvr>
+  <p:timing>
+    <p:tnLst>
+      <p:par>
+        <p:cTn id="1" dur="indefinite" restart="never" nodeType="tmRoot"/>
+      </p:par>
+    </p:tnLst>
+  </p:timing>
+</p:sld>
+</file>
+
+<file path=ppt/slides/slide7.xml><?xml version="1.0" encoding="utf-8"?>
+<p:sld xmlns:a="http://schemas.openxmlformats.org/drawingml/2006/main" xmlns:r="http://schemas.openxmlformats.org/officeDocument/2006/relationships" xmlns:p="http://schemas.openxmlformats.org/presentationml/2006/main">
+  <p:cSld>
+    <p:spTree>
+      <p:nvGrpSpPr>
+        <p:cNvPr id="1" name=""/>
+        <p:cNvGrpSpPr/>
+        <p:nvPr/>
+      </p:nvGrpSpPr>
+      <p:grpSpPr>
+        <a:xfrm>
+          <a:off x="0" y="0"/>
+          <a:ext cx="0" cy="0"/>
+          <a:chOff x="0" y="0"/>
+          <a:chExt cx="0" cy="0"/>
+        </a:xfrm>
+      </p:grpSpPr>
+      <p:sp>
+        <p:nvSpPr>
+          <p:cNvPr id="2" name="제목 1"/>
+          <p:cNvSpPr>
+            <a:spLocks noGrp="1"/>
+          </p:cNvSpPr>
+          <p:nvPr>
+            <p:ph type="title"/>
+          </p:nvPr>
+        </p:nvSpPr>
+        <p:spPr/>
+        <p:txBody>
+          <a:bodyPr>
+            <a:normAutofit/>
+          </a:bodyPr>
+          <a:lstStyle/>
+          <a:p>
+            <a:r>
+              <a:rPr lang="en-US" altLang="ko-KR" sz="3600" b="1" dirty="0" smtClean="0">
+                <a:latin typeface="+mn-ea"/>
+                <a:ea typeface="+mn-ea"/>
+              </a:rPr>
+              <a:t>02. </a:t>
+            </a:r>
+            <a:r>
+              <a:rPr lang="ko-KR" altLang="en-US" sz="3600" b="1" dirty="0" smtClean="0">
+                <a:latin typeface="+mn-ea"/>
+                <a:ea typeface="+mn-ea"/>
+              </a:rPr>
+              <a:t>지도 학습과 비지도 학습</a:t>
+            </a:r>
+            <a:endParaRPr lang="ko-KR" altLang="en-US" sz="3600" b="1" dirty="0">
+              <a:latin typeface="+mn-ea"/>
+              <a:ea typeface="+mn-ea"/>
+            </a:endParaRPr>
+          </a:p>
+        </p:txBody>
+      </p:sp>
+      <p:sp>
+        <p:nvSpPr>
+          <p:cNvPr id="4" name="내용 개체 틀 3"/>
+          <p:cNvSpPr>
+            <a:spLocks noGrp="1"/>
+          </p:cNvSpPr>
+          <p:nvPr>
+            <p:ph sz="quarter" idx="1"/>
+          </p:nvPr>
+        </p:nvSpPr>
+        <p:spPr>
+          <a:xfrm>
+            <a:off x="467544" y="1368490"/>
+            <a:ext cx="8229600" cy="4937760"/>
+          </a:xfrm>
+        </p:spPr>
+        <p:txBody>
+          <a:bodyPr>
+            <a:normAutofit/>
+          </a:bodyPr>
+          <a:lstStyle/>
+          <a:p>
+            <a:pPr>
+              <a:lnSpc>
+                <a:spcPct val="150000"/>
+              </a:lnSpc>
+            </a:pPr>
+            <a:r>
+              <a:rPr lang="ko-KR" altLang="en-US" sz="2000" b="1" dirty="0" smtClean="0"/>
+              <a:t>지도 학습</a:t>
+            </a:r>
+            <a:r>
+              <a:rPr lang="en-US" altLang="ko-KR" sz="2000" b="1" dirty="0" smtClean="0"/>
+              <a:t>/</a:t>
+            </a:r>
+            <a:r>
+              <a:rPr lang="ko-KR" altLang="en-US" sz="2000" b="1" dirty="0" smtClean="0"/>
+              <a:t>비지도 학습</a:t>
+            </a:r>
+            <a:r>
+              <a:rPr lang="en-US" altLang="ko-KR" sz="2000" b="1" dirty="0" smtClean="0"/>
+              <a:t>/</a:t>
+            </a:r>
+            <a:r>
+              <a:rPr lang="ko-KR" altLang="en-US" sz="2000" b="1" dirty="0" smtClean="0"/>
+              <a:t>강화 학습 예시</a:t>
+            </a:r>
+            <a:endParaRPr lang="en-US" altLang="ko-KR" sz="2000" b="1" dirty="0" smtClean="0"/>
+          </a:p>
+        </p:txBody>
+      </p:sp>
+      <p:pic>
+        <p:nvPicPr>
+          <p:cNvPr id="3074" name="Picture 2"/>
+          <p:cNvPicPr>
+            <a:picLocks noChangeAspect="1" noChangeArrowheads="1"/>
+          </p:cNvPicPr>
+          <p:nvPr/>
+        </p:nvPicPr>
+        <p:blipFill>
+          <a:blip r:embed="rId2">
+            <a:extLst>
+              <a:ext uri="{28A0092B-C50C-407E-A947-70E740481C1C}">
+                <a14:useLocalDpi xmlns:a14="http://schemas.microsoft.com/office/drawing/2010/main" val="0"/>
+              </a:ext>
+            </a:extLst>
+          </a:blip>
+          <a:srcRect/>
+          <a:stretch>
+            <a:fillRect/>
+          </a:stretch>
+        </p:blipFill>
+        <p:spPr bwMode="auto">
+          <a:xfrm>
+            <a:off x="539551" y="2060848"/>
+            <a:ext cx="8355793" cy="3981450"/>
+          </a:xfrm>
+          <a:prstGeom prst="rect">
+            <a:avLst/>
+          </a:prstGeom>
+          <a:noFill/>
+          <a:ln>
+            <a:noFill/>
+          </a:ln>
+          <a:extLst>
+            <a:ext uri="{909E8E84-426E-40DD-AFC4-6F175D3DCCD1}">
+              <a14:hiddenFill xmlns:a14="http://schemas.microsoft.com/office/drawing/2010/main">
+                <a:solidFill>
+                  <a:schemeClr val="accent1"/>
+                </a:solidFill>
+              </a14:hiddenFill>
+            </a:ext>
+            <a:ext uri="{91240B29-F687-4F45-9708-019B960494DF}">
+              <a14:hiddenLine xmlns:a14="http://schemas.microsoft.com/office/drawing/2010/main" w="9525">
+                <a:solidFill>
+                  <a:schemeClr val="tx1"/>
+                </a:solidFill>
+                <a:miter lim="800000"/>
+                <a:headEnd/>
+                <a:tailEnd/>
+              </a14:hiddenLine>
+            </a:ext>
+          </a:extLst>
+        </p:spPr>
+      </p:pic>
+    </p:spTree>
+    <p:extLst>
+      <p:ext uri="{BB962C8B-B14F-4D97-AF65-F5344CB8AC3E}">
+        <p14:creationId xmlns:p14="http://schemas.microsoft.com/office/powerpoint/2010/main" val="4197667196"/>
+      </p:ext>
+    </p:extLst>
+  </p:cSld>
+  <p:clrMapOvr>
+    <a:masterClrMapping/>
+  </p:clrMapOvr>
+  <p:timing>
+    <p:tnLst>
+      <p:par>
+        <p:cTn id="1" dur="indefinite" restart="never" nodeType="tmRoot"/>
+      </p:par>
+    </p:tnLst>
+  </p:timing>
+</p:sld>
+</file>
+
+<file path=ppt/slides/slide8.xml><?xml version="1.0" encoding="utf-8"?>
+<p:sld xmlns:a="http://schemas.openxmlformats.org/drawingml/2006/main" xmlns:r="http://schemas.openxmlformats.org/officeDocument/2006/relationships" xmlns:p="http://schemas.openxmlformats.org/presentationml/2006/main">
+  <p:cSld>
+    <p:spTree>
+      <p:nvGrpSpPr>
+        <p:cNvPr id="1" name=""/>
+        <p:cNvGrpSpPr/>
+        <p:nvPr/>
+      </p:nvGrpSpPr>
+      <p:grpSpPr>
+        <a:xfrm>
+          <a:off x="0" y="0"/>
+          <a:ext cx="0" cy="0"/>
+          <a:chOff x="0" y="0"/>
+          <a:chExt cx="0" cy="0"/>
+        </a:xfrm>
+      </p:grpSpPr>
+      <p:sp>
+        <p:nvSpPr>
+          <p:cNvPr id="2" name="제목 1"/>
+          <p:cNvSpPr>
+            <a:spLocks noGrp="1"/>
+          </p:cNvSpPr>
+          <p:nvPr>
+            <p:ph type="title"/>
+          </p:nvPr>
+        </p:nvSpPr>
+        <p:spPr/>
+        <p:txBody>
+          <a:bodyPr>
+            <a:normAutofit/>
+          </a:bodyPr>
+          <a:lstStyle/>
+          <a:p>
+            <a:r>
+              <a:rPr lang="en-US" altLang="ko-KR" sz="3600" b="1" dirty="0" smtClean="0">
+                <a:latin typeface="+mn-ea"/>
+                <a:ea typeface="+mn-ea"/>
+              </a:rPr>
+              <a:t>03. Machine Learning </a:t>
+            </a:r>
+            <a:r>
+              <a:rPr lang="ko-KR" altLang="en-US" sz="3600" b="1" dirty="0" smtClean="0">
+                <a:latin typeface="+mn-ea"/>
+                <a:ea typeface="+mn-ea"/>
+              </a:rPr>
+              <a:t>종류</a:t>
+            </a:r>
+            <a:endParaRPr lang="ko-KR" altLang="en-US" sz="3600" b="1" dirty="0">
+              <a:latin typeface="+mn-ea"/>
+              <a:ea typeface="+mn-ea"/>
+            </a:endParaRPr>
+          </a:p>
+        </p:txBody>
+      </p:sp>
+      <p:sp>
+        <p:nvSpPr>
+          <p:cNvPr id="4" name="내용 개체 틀 3"/>
+          <p:cNvSpPr>
+            <a:spLocks noGrp="1"/>
+          </p:cNvSpPr>
+          <p:nvPr>
+            <p:ph sz="quarter" idx="1"/>
+          </p:nvPr>
+        </p:nvSpPr>
+        <p:spPr>
+          <a:xfrm>
+            <a:off x="467544" y="1368490"/>
+            <a:ext cx="8229600" cy="4937760"/>
+          </a:xfrm>
+        </p:spPr>
+        <p:txBody>
+          <a:bodyPr>
+            <a:normAutofit/>
+          </a:bodyPr>
+          <a:lstStyle/>
+          <a:p>
+            <a:pPr>
+              <a:lnSpc>
+                <a:spcPct val="150000"/>
+              </a:lnSpc>
+            </a:pPr>
+            <a:r>
+              <a:rPr lang="en-US" altLang="ko-KR" sz="2000" b="1" dirty="0" smtClean="0"/>
+              <a:t>Machine Learning </a:t>
+            </a:r>
+            <a:r>
+              <a:rPr lang="ko-KR" altLang="en-US" sz="2000" b="1" dirty="0" smtClean="0"/>
+              <a:t>종류 요약</a:t>
+            </a:r>
+            <a:endParaRPr lang="en-US" altLang="ko-KR" sz="2000" b="1" dirty="0" smtClean="0"/>
+          </a:p>
+        </p:txBody>
+      </p:sp>
+      <p:graphicFrame>
+        <p:nvGraphicFramePr>
+          <p:cNvPr id="3" name="표 2"/>
+          <p:cNvGraphicFramePr>
+            <a:graphicFrameLocks noGrp="1"/>
+          </p:cNvGraphicFramePr>
+          <p:nvPr>
+            <p:extLst>
+              <p:ext uri="{D42A27DB-BD31-4B8C-83A1-F6EECF244321}">
+                <p14:modId xmlns:p14="http://schemas.microsoft.com/office/powerpoint/2010/main" val="498707471"/>
+              </p:ext>
+            </p:extLst>
+          </p:nvPr>
+        </p:nvGraphicFramePr>
+        <p:xfrm>
+          <a:off x="683568" y="2132856"/>
+          <a:ext cx="7776864" cy="3581400"/>
+        </p:xfrm>
+        <a:graphic>
+          <a:graphicData uri="http://schemas.openxmlformats.org/drawingml/2006/table">
+            <a:tbl>
+              <a:tblPr firstRow="1" bandRow="1">
+                <a:tableStyleId>{5C22544A-7EE6-4342-B048-85BDC9FD1C3A}</a:tableStyleId>
+              </a:tblPr>
+              <a:tblGrid>
+                <a:gridCol w="2520280"/>
+                <a:gridCol w="5256584"/>
+              </a:tblGrid>
+              <a:tr h="370840">
+                <a:tc>
+                  <a:txBody>
+                    <a:bodyPr/>
+                    <a:lstStyle/>
+                    <a:p>
+                      <a:pPr algn="ctr" latinLnBrk="1"/>
+                      <a:r>
+                        <a:rPr lang="ko-KR" altLang="en-US" sz="1200" dirty="0" smtClean="0">
+                          <a:latin typeface="+mn-ea"/>
+                          <a:ea typeface="+mn-ea"/>
+                        </a:rPr>
+                        <a:t>종류</a:t>
+                      </a:r>
+                      <a:endParaRPr lang="ko-KR" altLang="en-US" sz="1200" dirty="0">
+                        <a:latin typeface="+mn-ea"/>
+                        <a:ea typeface="+mn-ea"/>
+                      </a:endParaRPr>
+                    </a:p>
+                  </a:txBody>
+                  <a:tcPr/>
+                </a:tc>
+                <a:tc>
+                  <a:txBody>
+                    <a:bodyPr/>
+                    <a:lstStyle/>
+                    <a:p>
+                      <a:pPr algn="ctr" latinLnBrk="1"/>
+                      <a:r>
+                        <a:rPr lang="ko-KR" altLang="en-US" sz="1200" dirty="0" smtClean="0">
+                          <a:latin typeface="+mn-ea"/>
+                          <a:ea typeface="+mn-ea"/>
+                        </a:rPr>
+                        <a:t>내용</a:t>
+                      </a:r>
+                      <a:endParaRPr lang="ko-KR" altLang="en-US" sz="1200" dirty="0">
+                        <a:latin typeface="+mn-ea"/>
+                        <a:ea typeface="+mn-ea"/>
+                      </a:endParaRPr>
+                    </a:p>
+                  </a:txBody>
+                  <a:tcPr/>
+                </a:tc>
+              </a:tr>
+              <a:tr h="370840">
+                <a:tc>
+                  <a:txBody>
+                    <a:bodyPr/>
+                    <a:lstStyle/>
+                    <a:p>
+                      <a:pPr latinLnBrk="1"/>
+                      <a:r>
+                        <a:rPr lang="ko-KR" altLang="en-US" sz="1200" dirty="0" smtClean="0">
+                          <a:latin typeface="+mn-ea"/>
+                          <a:ea typeface="+mn-ea"/>
+                        </a:rPr>
+                        <a:t>선형 회귀분석</a:t>
+                      </a:r>
+                      <a:endParaRPr lang="ko-KR" altLang="en-US" sz="1200" dirty="0">
+                        <a:latin typeface="+mn-ea"/>
+                        <a:ea typeface="+mn-ea"/>
+                      </a:endParaRPr>
+                    </a:p>
+                  </a:txBody>
+                  <a:tcPr/>
+                </a:tc>
+                <a:tc>
+                  <a:txBody>
+                    <a:bodyPr/>
+                    <a:lstStyle/>
+                    <a:p>
+                      <a:pPr latinLnBrk="1"/>
+                      <a:r>
+                        <a:rPr lang="ko-KR" altLang="en-US" sz="1200" dirty="0" smtClean="0">
+                          <a:latin typeface="+mn-ea"/>
+                          <a:ea typeface="+mn-ea"/>
+                        </a:rPr>
+                        <a:t>독립변수와 종속변수 간</a:t>
+                      </a:r>
+                      <a:r>
+                        <a:rPr lang="en-US" altLang="ko-KR" sz="1200" dirty="0" smtClean="0">
+                          <a:latin typeface="+mn-ea"/>
+                          <a:ea typeface="+mn-ea"/>
+                        </a:rPr>
+                        <a:t>, </a:t>
+                      </a:r>
+                      <a:r>
+                        <a:rPr lang="ko-KR" altLang="en-US" sz="1200" dirty="0" smtClean="0">
+                          <a:latin typeface="+mn-ea"/>
+                          <a:ea typeface="+mn-ea"/>
+                        </a:rPr>
+                        <a:t>선형적인 관계가 있다는 가정하에 분석</a:t>
+                      </a:r>
+                      <a:endParaRPr lang="en-US" altLang="ko-KR" sz="1200" dirty="0" smtClean="0">
+                        <a:latin typeface="+mn-ea"/>
+                        <a:ea typeface="+mn-ea"/>
+                      </a:endParaRPr>
+                    </a:p>
+                    <a:p>
+                      <a:pPr latinLnBrk="1"/>
+                      <a:r>
+                        <a:rPr lang="ko-KR" altLang="ko-KR" sz="1200" dirty="0" smtClean="0">
+                          <a:latin typeface="+mn-ea"/>
+                          <a:ea typeface="+mn-ea"/>
+                        </a:rPr>
+                        <a:t>☞</a:t>
+                      </a:r>
+                      <a:r>
+                        <a:rPr lang="en-US" altLang="ko-KR" sz="1200" dirty="0" smtClean="0">
+                          <a:latin typeface="+mn-ea"/>
+                          <a:ea typeface="+mn-ea"/>
+                        </a:rPr>
+                        <a:t> </a:t>
+                      </a:r>
+                      <a:r>
+                        <a:rPr lang="ko-KR" altLang="en-US" sz="1200" dirty="0" smtClean="0">
+                          <a:latin typeface="+mn-ea"/>
+                          <a:ea typeface="+mn-ea"/>
+                        </a:rPr>
+                        <a:t>직선을 통해 예측하기 때문에 독립변수의 중요도</a:t>
+                      </a:r>
+                      <a:r>
+                        <a:rPr lang="en-US" altLang="ko-KR" sz="1200" dirty="0" smtClean="0">
+                          <a:latin typeface="+mn-ea"/>
+                          <a:ea typeface="+mn-ea"/>
+                        </a:rPr>
+                        <a:t>,</a:t>
+                      </a:r>
+                      <a:r>
+                        <a:rPr lang="ko-KR" altLang="en-US" sz="1200" dirty="0" smtClean="0">
+                          <a:latin typeface="+mn-ea"/>
+                          <a:ea typeface="+mn-ea"/>
+                        </a:rPr>
+                        <a:t>영향도 파악이 용이</a:t>
+                      </a:r>
+                      <a:endParaRPr lang="ko-KR" altLang="en-US" sz="1200" dirty="0">
+                        <a:latin typeface="+mn-ea"/>
+                        <a:ea typeface="+mn-ea"/>
+                      </a:endParaRPr>
+                    </a:p>
+                  </a:txBody>
+                  <a:tcPr/>
+                </a:tc>
+              </a:tr>
+              <a:tr h="370840">
+                <a:tc>
+                  <a:txBody>
+                    <a:bodyPr/>
+                    <a:lstStyle/>
+                    <a:p>
+                      <a:pPr latinLnBrk="1"/>
+                      <a:r>
+                        <a:rPr lang="ko-KR" altLang="en-US" sz="1200" dirty="0" smtClean="0">
+                          <a:latin typeface="+mn-ea"/>
+                          <a:ea typeface="+mn-ea"/>
+                        </a:rPr>
+                        <a:t>의사결정나무</a:t>
+                      </a:r>
+                      <a:endParaRPr lang="ko-KR" altLang="en-US" sz="1200" dirty="0">
+                        <a:latin typeface="+mn-ea"/>
+                        <a:ea typeface="+mn-ea"/>
+                      </a:endParaRPr>
+                    </a:p>
+                  </a:txBody>
+                  <a:tcPr/>
+                </a:tc>
+                <a:tc>
+                  <a:txBody>
+                    <a:bodyPr/>
+                    <a:lstStyle/>
+                    <a:p>
+                      <a:pPr latinLnBrk="1"/>
+                      <a:r>
+                        <a:rPr lang="ko-KR" altLang="en-US" sz="1200" dirty="0" smtClean="0">
+                          <a:latin typeface="+mn-ea"/>
+                          <a:ea typeface="+mn-ea"/>
+                        </a:rPr>
+                        <a:t>독립변수의 조건에 따라 종속변수를 분리해 나감</a:t>
+                      </a:r>
+                      <a:r>
+                        <a:rPr lang="en-US" altLang="ko-KR" sz="1200" dirty="0" smtClean="0">
+                          <a:latin typeface="+mn-ea"/>
+                          <a:ea typeface="+mn-ea"/>
+                        </a:rPr>
+                        <a:t>(</a:t>
+                      </a:r>
+                      <a:r>
+                        <a:rPr lang="ko-KR" altLang="en-US" sz="1200" dirty="0" smtClean="0">
+                          <a:latin typeface="+mn-ea"/>
+                          <a:ea typeface="+mn-ea"/>
+                        </a:rPr>
+                        <a:t>비가 내림</a:t>
+                      </a:r>
+                      <a:r>
+                        <a:rPr lang="en-US" altLang="ko-KR" sz="1200" dirty="0" smtClean="0">
+                          <a:latin typeface="+mn-ea"/>
+                          <a:ea typeface="+mn-ea"/>
+                        </a:rPr>
+                        <a:t>-&gt;</a:t>
+                      </a:r>
+                      <a:r>
+                        <a:rPr lang="ko-KR" altLang="en-US" sz="1200" dirty="0" smtClean="0">
+                          <a:latin typeface="+mn-ea"/>
+                          <a:ea typeface="+mn-ea"/>
+                        </a:rPr>
+                        <a:t>소풍을 </a:t>
+                      </a:r>
+                      <a:r>
+                        <a:rPr lang="ko-KR" altLang="en-US" sz="1200" dirty="0" err="1" smtClean="0">
+                          <a:latin typeface="+mn-ea"/>
+                          <a:ea typeface="+mn-ea"/>
+                        </a:rPr>
+                        <a:t>못감</a:t>
+                      </a:r>
+                      <a:r>
+                        <a:rPr lang="en-US" altLang="ko-KR" sz="1200" dirty="0" smtClean="0">
+                          <a:latin typeface="+mn-ea"/>
+                          <a:ea typeface="+mn-ea"/>
+                        </a:rPr>
+                        <a:t>)</a:t>
+                      </a:r>
+                    </a:p>
+                    <a:p>
+                      <a:pPr latinLnBrk="1"/>
+                      <a:r>
+                        <a:rPr lang="ko-KR" altLang="ko-KR" sz="1200" dirty="0" smtClean="0">
+                          <a:latin typeface="+mn-ea"/>
+                          <a:ea typeface="+mn-ea"/>
+                        </a:rPr>
+                        <a:t>☞</a:t>
+                      </a:r>
+                      <a:r>
+                        <a:rPr lang="en-US" altLang="ko-KR" sz="1200" dirty="0" smtClean="0">
+                          <a:latin typeface="+mn-ea"/>
+                          <a:ea typeface="+mn-ea"/>
+                        </a:rPr>
+                        <a:t> </a:t>
+                      </a:r>
+                      <a:r>
+                        <a:rPr lang="ko-KR" altLang="en-US" sz="1200" dirty="0" smtClean="0">
+                          <a:latin typeface="+mn-ea"/>
+                          <a:ea typeface="+mn-ea"/>
+                        </a:rPr>
+                        <a:t>직관적인 해석이 가능하나</a:t>
+                      </a:r>
+                      <a:r>
+                        <a:rPr lang="en-US" altLang="ko-KR" sz="1200" dirty="0" smtClean="0">
+                          <a:latin typeface="+mn-ea"/>
+                          <a:ea typeface="+mn-ea"/>
+                        </a:rPr>
+                        <a:t>, </a:t>
+                      </a:r>
+                      <a:r>
+                        <a:rPr lang="ko-KR" altLang="en-US" sz="1200" dirty="0" err="1" smtClean="0">
+                          <a:latin typeface="+mn-ea"/>
+                          <a:ea typeface="+mn-ea"/>
+                        </a:rPr>
+                        <a:t>과적합</a:t>
+                      </a:r>
+                      <a:r>
+                        <a:rPr lang="en-US" altLang="ko-KR" sz="1200" dirty="0" smtClean="0">
+                          <a:latin typeface="+mn-ea"/>
+                          <a:ea typeface="+mn-ea"/>
+                        </a:rPr>
+                        <a:t>(Overfitting)</a:t>
+                      </a:r>
+                      <a:r>
+                        <a:rPr lang="ko-KR" altLang="en-US" sz="1200" dirty="0" smtClean="0">
+                          <a:latin typeface="+mn-ea"/>
+                          <a:ea typeface="+mn-ea"/>
+                        </a:rPr>
+                        <a:t>이 잘 일어남</a:t>
+                      </a:r>
+                      <a:endParaRPr lang="ko-KR" altLang="en-US" sz="1200" dirty="0">
+                        <a:latin typeface="+mn-ea"/>
+                        <a:ea typeface="+mn-ea"/>
+                      </a:endParaRPr>
+                    </a:p>
+                  </a:txBody>
+                  <a:tcPr/>
+                </a:tc>
+              </a:tr>
+              <a:tr h="370840">
+                <a:tc>
+                  <a:txBody>
+                    <a:bodyPr/>
+                    <a:lstStyle/>
+                    <a:p>
+                      <a:pPr latinLnBrk="1"/>
+                      <a:r>
+                        <a:rPr lang="en-US" altLang="ko-KR" sz="1200" dirty="0" smtClean="0">
+                          <a:latin typeface="+mn-ea"/>
+                          <a:ea typeface="+mn-ea"/>
+                        </a:rPr>
+                        <a:t>KNN(K-Nearest</a:t>
+                      </a:r>
+                      <a:r>
+                        <a:rPr lang="en-US" altLang="ko-KR" sz="1200" baseline="0" dirty="0" smtClean="0">
+                          <a:latin typeface="+mn-ea"/>
+                          <a:ea typeface="+mn-ea"/>
+                        </a:rPr>
+                        <a:t> Neighbor)</a:t>
+                      </a:r>
+                      <a:endParaRPr lang="ko-KR" altLang="en-US" sz="1200" dirty="0">
+                        <a:latin typeface="+mn-ea"/>
+                        <a:ea typeface="+mn-ea"/>
+                      </a:endParaRPr>
+                    </a:p>
+                  </a:txBody>
+                  <a:tcPr/>
+                </a:tc>
+                <a:tc>
+                  <a:txBody>
+                    <a:bodyPr/>
+                    <a:lstStyle/>
+                    <a:p>
+                      <a:pPr latinLnBrk="1"/>
+                      <a:r>
+                        <a:rPr lang="ko-KR" altLang="en-US" sz="1200" dirty="0" smtClean="0">
+                          <a:latin typeface="+mn-ea"/>
+                          <a:ea typeface="+mn-ea"/>
+                        </a:rPr>
+                        <a:t>새로 들어온 데이터의 주변 </a:t>
+                      </a:r>
+                      <a:r>
+                        <a:rPr lang="en-US" altLang="ko-KR" sz="1200" dirty="0" smtClean="0">
+                          <a:latin typeface="+mn-ea"/>
+                          <a:ea typeface="+mn-ea"/>
+                        </a:rPr>
+                        <a:t>K</a:t>
+                      </a:r>
+                      <a:r>
+                        <a:rPr lang="ko-KR" altLang="en-US" sz="1200" dirty="0" smtClean="0">
+                          <a:latin typeface="+mn-ea"/>
+                          <a:ea typeface="+mn-ea"/>
+                        </a:rPr>
+                        <a:t>개를 대상으로 범주</a:t>
+                      </a:r>
+                      <a:r>
+                        <a:rPr lang="en-US" altLang="ko-KR" sz="1200" dirty="0" smtClean="0">
+                          <a:latin typeface="+mn-ea"/>
+                          <a:ea typeface="+mn-ea"/>
+                        </a:rPr>
+                        <a:t>(Class)</a:t>
+                      </a:r>
+                      <a:r>
+                        <a:rPr lang="ko-KR" altLang="en-US" sz="1200" dirty="0" smtClean="0">
+                          <a:latin typeface="+mn-ea"/>
+                          <a:ea typeface="+mn-ea"/>
+                        </a:rPr>
+                        <a:t>를 분류</a:t>
+                      </a:r>
+                      <a:endParaRPr lang="en-US" altLang="ko-KR" sz="1200" dirty="0" smtClean="0">
+                        <a:latin typeface="+mn-ea"/>
+                        <a:ea typeface="+mn-ea"/>
+                      </a:endParaRPr>
+                    </a:p>
+                    <a:p>
+                      <a:pPr latinLnBrk="1"/>
+                      <a:r>
+                        <a:rPr lang="ko-KR" altLang="ko-KR" sz="1200" dirty="0" smtClean="0">
+                          <a:latin typeface="+mn-ea"/>
+                          <a:ea typeface="+mn-ea"/>
+                        </a:rPr>
+                        <a:t>☞</a:t>
+                      </a:r>
+                      <a:r>
+                        <a:rPr lang="en-US" altLang="ko-KR" sz="1200" dirty="0" smtClean="0">
+                          <a:latin typeface="+mn-ea"/>
+                          <a:ea typeface="+mn-ea"/>
+                        </a:rPr>
+                        <a:t> </a:t>
+                      </a:r>
+                      <a:r>
+                        <a:rPr lang="ko-KR" altLang="en-US" sz="1200" dirty="0" smtClean="0">
+                          <a:latin typeface="+mn-ea"/>
+                          <a:ea typeface="+mn-ea"/>
+                        </a:rPr>
+                        <a:t>좌표평면 위 음식의 신맛</a:t>
+                      </a:r>
+                      <a:r>
+                        <a:rPr lang="en-US" altLang="ko-KR" sz="1200" dirty="0" smtClean="0">
+                          <a:latin typeface="+mn-ea"/>
+                          <a:ea typeface="+mn-ea"/>
+                        </a:rPr>
+                        <a:t>(X</a:t>
+                      </a:r>
+                      <a:r>
+                        <a:rPr lang="ko-KR" altLang="en-US" sz="1200" dirty="0" smtClean="0">
+                          <a:latin typeface="+mn-ea"/>
+                          <a:ea typeface="+mn-ea"/>
+                        </a:rPr>
+                        <a:t>축</a:t>
+                      </a:r>
+                      <a:r>
+                        <a:rPr lang="en-US" altLang="ko-KR" sz="1200" dirty="0" smtClean="0">
+                          <a:latin typeface="+mn-ea"/>
+                          <a:ea typeface="+mn-ea"/>
+                        </a:rPr>
+                        <a:t>), </a:t>
+                      </a:r>
+                      <a:r>
+                        <a:rPr lang="ko-KR" altLang="en-US" sz="1200" dirty="0" smtClean="0">
+                          <a:latin typeface="+mn-ea"/>
+                          <a:ea typeface="+mn-ea"/>
+                        </a:rPr>
+                        <a:t>단맛</a:t>
+                      </a:r>
+                      <a:r>
+                        <a:rPr lang="en-US" altLang="ko-KR" sz="1200" baseline="0" dirty="0" smtClean="0">
+                          <a:latin typeface="+mn-ea"/>
+                          <a:ea typeface="+mn-ea"/>
+                        </a:rPr>
+                        <a:t>(Y</a:t>
+                      </a:r>
+                      <a:r>
+                        <a:rPr lang="ko-KR" altLang="en-US" sz="1200" baseline="0" dirty="0" smtClean="0">
+                          <a:latin typeface="+mn-ea"/>
+                          <a:ea typeface="+mn-ea"/>
+                        </a:rPr>
+                        <a:t>축</a:t>
+                      </a:r>
+                      <a:r>
+                        <a:rPr lang="en-US" altLang="ko-KR" sz="1200" baseline="0" dirty="0" smtClean="0">
+                          <a:latin typeface="+mn-ea"/>
+                          <a:ea typeface="+mn-ea"/>
+                        </a:rPr>
+                        <a:t>)</a:t>
+                      </a:r>
+                      <a:r>
+                        <a:rPr lang="ko-KR" altLang="en-US" sz="1200" baseline="0" dirty="0" smtClean="0">
+                          <a:latin typeface="+mn-ea"/>
+                          <a:ea typeface="+mn-ea"/>
+                        </a:rPr>
+                        <a:t>의</a:t>
+                      </a:r>
+                      <a:r>
+                        <a:rPr lang="en-US" altLang="ko-KR" sz="1200" dirty="0" smtClean="0">
+                          <a:latin typeface="+mn-ea"/>
+                          <a:ea typeface="+mn-ea"/>
+                        </a:rPr>
+                        <a:t> Class</a:t>
+                      </a:r>
+                      <a:r>
+                        <a:rPr lang="ko-KR" altLang="en-US" sz="1200" dirty="0" smtClean="0">
+                          <a:latin typeface="+mn-ea"/>
+                          <a:ea typeface="+mn-ea"/>
+                        </a:rPr>
+                        <a:t>가 있을 때</a:t>
+                      </a:r>
+                      <a:r>
+                        <a:rPr lang="en-US" altLang="ko-KR" sz="1200" dirty="0" smtClean="0">
+                          <a:latin typeface="+mn-ea"/>
+                          <a:ea typeface="+mn-ea"/>
+                        </a:rPr>
+                        <a:t>,</a:t>
+                      </a:r>
+                    </a:p>
+                    <a:p>
+                      <a:pPr latinLnBrk="1"/>
+                      <a:r>
+                        <a:rPr lang="en-US" altLang="ko-KR" sz="1200" dirty="0" smtClean="0">
+                          <a:latin typeface="+mn-ea"/>
+                          <a:ea typeface="+mn-ea"/>
+                        </a:rPr>
+                        <a:t>    (5,5)</a:t>
+                      </a:r>
+                      <a:r>
+                        <a:rPr lang="en-US" altLang="ko-KR" sz="1200" baseline="0" dirty="0" smtClean="0">
+                          <a:latin typeface="+mn-ea"/>
+                          <a:ea typeface="+mn-ea"/>
+                        </a:rPr>
+                        <a:t> </a:t>
+                      </a:r>
+                      <a:r>
+                        <a:rPr lang="ko-KR" altLang="en-US" sz="1200" baseline="0" dirty="0" smtClean="0">
+                          <a:latin typeface="+mn-ea"/>
+                          <a:ea typeface="+mn-ea"/>
+                        </a:rPr>
+                        <a:t>좌표를 가진 토마토는 어느 범주에 속하는지 분류</a:t>
+                      </a:r>
+                      <a:r>
+                        <a:rPr lang="ko-KR" altLang="en-US" sz="1200" dirty="0" smtClean="0">
+                          <a:latin typeface="+mn-ea"/>
+                          <a:ea typeface="+mn-ea"/>
+                        </a:rPr>
+                        <a:t> </a:t>
+                      </a:r>
+                      <a:endParaRPr lang="ko-KR" altLang="en-US" sz="1200" dirty="0">
+                        <a:latin typeface="+mn-ea"/>
+                        <a:ea typeface="+mn-ea"/>
+                      </a:endParaRPr>
+                    </a:p>
+                  </a:txBody>
+                  <a:tcPr/>
+                </a:tc>
+              </a:tr>
+              <a:tr h="370840">
+                <a:tc>
+                  <a:txBody>
+                    <a:bodyPr/>
+                    <a:lstStyle/>
+                    <a:p>
+                      <a:pPr latinLnBrk="1"/>
+                      <a:r>
+                        <a:rPr lang="en-US" altLang="ko-KR" sz="1200" dirty="0" smtClean="0">
+                          <a:latin typeface="+mn-ea"/>
+                          <a:ea typeface="+mn-ea"/>
+                        </a:rPr>
+                        <a:t>Neural Network</a:t>
+                      </a:r>
+                      <a:endParaRPr lang="ko-KR" altLang="en-US" sz="1200" dirty="0">
+                        <a:latin typeface="+mn-ea"/>
+                        <a:ea typeface="+mn-ea"/>
+                      </a:endParaRPr>
+                    </a:p>
+                  </a:txBody>
+                  <a:tcPr/>
+                </a:tc>
+                <a:tc>
+                  <a:txBody>
+                    <a:bodyPr/>
+                    <a:lstStyle/>
+                    <a:p>
+                      <a:pPr latinLnBrk="1"/>
+                      <a:r>
+                        <a:rPr lang="ko-KR" altLang="en-US" sz="1200" dirty="0" smtClean="0">
+                          <a:latin typeface="+mn-ea"/>
+                          <a:ea typeface="+mn-ea"/>
+                        </a:rPr>
+                        <a:t>입력</a:t>
+                      </a:r>
+                      <a:r>
+                        <a:rPr lang="en-US" altLang="ko-KR" sz="1200" dirty="0" smtClean="0">
+                          <a:latin typeface="+mn-ea"/>
+                          <a:ea typeface="+mn-ea"/>
+                        </a:rPr>
+                        <a:t>/</a:t>
+                      </a:r>
+                      <a:r>
+                        <a:rPr lang="ko-KR" altLang="en-US" sz="1200" dirty="0" smtClean="0">
+                          <a:latin typeface="+mn-ea"/>
+                          <a:ea typeface="+mn-ea"/>
+                        </a:rPr>
+                        <a:t>은닉</a:t>
+                      </a:r>
+                      <a:r>
+                        <a:rPr lang="en-US" altLang="ko-KR" sz="1200" dirty="0" smtClean="0">
+                          <a:latin typeface="+mn-ea"/>
+                          <a:ea typeface="+mn-ea"/>
+                        </a:rPr>
+                        <a:t>/</a:t>
+                      </a:r>
+                      <a:r>
+                        <a:rPr lang="ko-KR" altLang="en-US" sz="1200" dirty="0" err="1" smtClean="0">
+                          <a:latin typeface="+mn-ea"/>
+                          <a:ea typeface="+mn-ea"/>
+                        </a:rPr>
+                        <a:t>출력층으로</a:t>
+                      </a:r>
+                      <a:r>
+                        <a:rPr lang="ko-KR" altLang="en-US" sz="1200" dirty="0" smtClean="0">
+                          <a:latin typeface="+mn-ea"/>
+                          <a:ea typeface="+mn-ea"/>
+                        </a:rPr>
+                        <a:t> 구성된 모형으로</a:t>
+                      </a:r>
+                      <a:r>
+                        <a:rPr lang="en-US" altLang="ko-KR" sz="1200" dirty="0" smtClean="0">
+                          <a:latin typeface="+mn-ea"/>
+                          <a:ea typeface="+mn-ea"/>
+                        </a:rPr>
+                        <a:t>, </a:t>
+                      </a:r>
+                      <a:r>
+                        <a:rPr lang="ko-KR" altLang="en-US" sz="1200" dirty="0" smtClean="0">
+                          <a:latin typeface="+mn-ea"/>
+                          <a:ea typeface="+mn-ea"/>
+                        </a:rPr>
+                        <a:t>각 층을 연결하는 </a:t>
+                      </a:r>
+                      <a:r>
+                        <a:rPr lang="ko-KR" altLang="en-US" sz="1200" dirty="0" err="1" smtClean="0">
+                          <a:latin typeface="+mn-ea"/>
+                          <a:ea typeface="+mn-ea"/>
+                        </a:rPr>
+                        <a:t>노드의</a:t>
+                      </a:r>
+                      <a:endParaRPr lang="en-US" altLang="ko-KR" sz="1200" dirty="0" smtClean="0">
+                        <a:latin typeface="+mn-ea"/>
+                        <a:ea typeface="+mn-ea"/>
+                      </a:endParaRPr>
+                    </a:p>
+                    <a:p>
+                      <a:pPr latinLnBrk="1"/>
+                      <a:r>
+                        <a:rPr lang="ko-KR" altLang="en-US" sz="1200" dirty="0" smtClean="0">
+                          <a:latin typeface="+mn-ea"/>
+                          <a:ea typeface="+mn-ea"/>
+                        </a:rPr>
+                        <a:t>가중치를 업데이트하며 학습</a:t>
+                      </a:r>
+                      <a:endParaRPr lang="ko-KR" altLang="en-US" sz="1200" dirty="0">
+                        <a:latin typeface="+mn-ea"/>
+                        <a:ea typeface="+mn-ea"/>
+                      </a:endParaRPr>
+                    </a:p>
+                  </a:txBody>
+                  <a:tcPr/>
+                </a:tc>
+              </a:tr>
+              <a:tr h="370840">
+                <a:tc>
+                  <a:txBody>
+                    <a:bodyPr/>
+                    <a:lstStyle/>
+                    <a:p>
+                      <a:pPr latinLnBrk="1"/>
+                      <a:r>
+                        <a:rPr lang="en-US" altLang="ko-KR" sz="1200" dirty="0" smtClean="0">
+                          <a:latin typeface="+mn-ea"/>
+                          <a:ea typeface="+mn-ea"/>
+                        </a:rPr>
+                        <a:t>SVM(Support</a:t>
+                      </a:r>
+                      <a:r>
+                        <a:rPr lang="en-US" altLang="ko-KR" sz="1200" baseline="0" dirty="0" smtClean="0">
+                          <a:latin typeface="+mn-ea"/>
+                          <a:ea typeface="+mn-ea"/>
+                        </a:rPr>
+                        <a:t> Vector Machine) </a:t>
+                      </a:r>
+                      <a:endParaRPr lang="ko-KR" altLang="en-US" sz="1200" dirty="0">
+                        <a:latin typeface="+mn-ea"/>
+                        <a:ea typeface="+mn-ea"/>
+                      </a:endParaRPr>
+                    </a:p>
+                  </a:txBody>
+                  <a:tcPr/>
+                </a:tc>
+                <a:tc>
+                  <a:txBody>
+                    <a:bodyPr/>
+                    <a:lstStyle/>
+                    <a:p>
+                      <a:pPr latinLnBrk="1"/>
+                      <a:r>
+                        <a:rPr lang="en-US" altLang="ko-KR" sz="1200" dirty="0" smtClean="0">
+                          <a:latin typeface="+mn-ea"/>
+                          <a:ea typeface="+mn-ea"/>
+                        </a:rPr>
+                        <a:t>Class</a:t>
+                      </a:r>
+                      <a:r>
+                        <a:rPr lang="en-US" altLang="ko-KR" sz="1200" baseline="0" dirty="0" smtClean="0">
+                          <a:latin typeface="+mn-ea"/>
+                          <a:ea typeface="+mn-ea"/>
+                        </a:rPr>
+                        <a:t> </a:t>
+                      </a:r>
+                      <a:r>
+                        <a:rPr lang="ko-KR" altLang="en-US" sz="1200" baseline="0" dirty="0" smtClean="0">
+                          <a:latin typeface="+mn-ea"/>
+                          <a:ea typeface="+mn-ea"/>
+                        </a:rPr>
+                        <a:t>간 거리</a:t>
+                      </a:r>
+                      <a:r>
+                        <a:rPr lang="en-US" altLang="ko-KR" sz="1200" baseline="0" dirty="0" smtClean="0">
+                          <a:latin typeface="+mn-ea"/>
+                          <a:ea typeface="+mn-ea"/>
+                        </a:rPr>
+                        <a:t>(Margin)</a:t>
+                      </a:r>
+                      <a:r>
+                        <a:rPr lang="ko-KR" altLang="en-US" sz="1200" baseline="0" dirty="0" smtClean="0">
+                          <a:latin typeface="+mn-ea"/>
+                          <a:ea typeface="+mn-ea"/>
+                        </a:rPr>
+                        <a:t>가 최대가 되도록</a:t>
+                      </a:r>
+                      <a:r>
+                        <a:rPr lang="en-US" altLang="ko-KR" sz="1200" baseline="0" dirty="0" smtClean="0">
+                          <a:latin typeface="+mn-ea"/>
+                          <a:ea typeface="+mn-ea"/>
+                        </a:rPr>
+                        <a:t> </a:t>
+                      </a:r>
+                      <a:r>
+                        <a:rPr lang="ko-KR" altLang="en-US" sz="1200" baseline="0" dirty="0" smtClean="0">
+                          <a:latin typeface="+mn-ea"/>
+                          <a:ea typeface="+mn-ea"/>
+                        </a:rPr>
+                        <a:t>결정 경계</a:t>
+                      </a:r>
+                      <a:r>
+                        <a:rPr lang="en-US" altLang="ko-KR" sz="1200" baseline="0" dirty="0" smtClean="0">
+                          <a:latin typeface="+mn-ea"/>
+                          <a:ea typeface="+mn-ea"/>
+                        </a:rPr>
+                        <a:t>(Decision Boundary), </a:t>
+                      </a:r>
+                      <a:r>
+                        <a:rPr lang="ko-KR" altLang="en-US" sz="1200" baseline="0" dirty="0" smtClean="0">
+                          <a:latin typeface="+mn-ea"/>
+                          <a:ea typeface="+mn-ea"/>
+                        </a:rPr>
+                        <a:t>즉 분류를 위한 기준선을 정의</a:t>
+                      </a:r>
+                      <a:endParaRPr lang="en-US" altLang="ko-KR" sz="1200" baseline="0" dirty="0" smtClean="0">
+                        <a:latin typeface="+mn-ea"/>
+                        <a:ea typeface="+mn-ea"/>
+                      </a:endParaRPr>
+                    </a:p>
+                  </a:txBody>
+                  <a:tcPr/>
+                </a:tc>
+              </a:tr>
+              <a:tr h="370840">
+                <a:tc>
+                  <a:txBody>
+                    <a:bodyPr/>
+                    <a:lstStyle/>
+                    <a:p>
+                      <a:pPr latinLnBrk="1"/>
+                      <a:r>
+                        <a:rPr lang="en-US" altLang="ko-KR" sz="1200" dirty="0" smtClean="0">
+                          <a:latin typeface="+mn-ea"/>
+                          <a:ea typeface="+mn-ea"/>
+                        </a:rPr>
+                        <a:t>Ensemble Learning</a:t>
+                      </a:r>
+                      <a:endParaRPr lang="ko-KR" altLang="en-US" sz="1200" dirty="0">
+                        <a:latin typeface="+mn-ea"/>
+                        <a:ea typeface="+mn-ea"/>
+                      </a:endParaRPr>
+                    </a:p>
+                  </a:txBody>
+                  <a:tcPr/>
+                </a:tc>
+                <a:tc>
+                  <a:txBody>
+                    <a:bodyPr/>
+                    <a:lstStyle/>
+                    <a:p>
+                      <a:pPr latinLnBrk="1"/>
+                      <a:r>
+                        <a:rPr lang="ko-KR" altLang="en-US" sz="1200" dirty="0" smtClean="0">
+                          <a:latin typeface="+mn-ea"/>
+                          <a:ea typeface="+mn-ea"/>
+                        </a:rPr>
+                        <a:t>여러 개의 모델을 결합 하여 사용하는 모델</a:t>
+                      </a:r>
+                      <a:endParaRPr lang="ko-KR" altLang="en-US" sz="1200" dirty="0">
+                        <a:latin typeface="+mn-ea"/>
+                        <a:ea typeface="+mn-ea"/>
+                      </a:endParaRPr>
+                    </a:p>
+                  </a:txBody>
+                  <a:tcPr/>
+                </a:tc>
+              </a:tr>
+              <a:tr h="370840">
+                <a:tc>
+                  <a:txBody>
+                    <a:bodyPr/>
+                    <a:lstStyle/>
+                    <a:p>
+                      <a:pPr latinLnBrk="1"/>
+                      <a:r>
+                        <a:rPr lang="en-US" altLang="ko-KR" sz="1200" dirty="0" smtClean="0">
+                          <a:latin typeface="+mn-ea"/>
+                          <a:ea typeface="+mn-ea"/>
+                        </a:rPr>
+                        <a:t>K-means Clustering</a:t>
+                      </a:r>
+                      <a:endParaRPr lang="ko-KR" altLang="en-US" sz="1200" dirty="0">
+                        <a:latin typeface="+mn-ea"/>
+                        <a:ea typeface="+mn-ea"/>
+                      </a:endParaRPr>
+                    </a:p>
+                  </a:txBody>
+                  <a:tcPr/>
+                </a:tc>
+                <a:tc>
+                  <a:txBody>
+                    <a:bodyPr/>
+                    <a:lstStyle/>
+                    <a:p>
+                      <a:pPr latinLnBrk="1"/>
+                      <a:r>
+                        <a:rPr lang="ko-KR" altLang="en-US" sz="1200" dirty="0" smtClean="0">
+                          <a:latin typeface="+mn-ea"/>
+                          <a:ea typeface="+mn-ea"/>
+                        </a:rPr>
+                        <a:t>서로 유사한 관찰치를 그룹으로 묶어</a:t>
+                      </a:r>
+                      <a:r>
+                        <a:rPr lang="en-US" altLang="ko-KR" sz="1200" dirty="0" smtClean="0">
+                          <a:latin typeface="+mn-ea"/>
+                          <a:ea typeface="+mn-ea"/>
+                        </a:rPr>
+                        <a:t>, K</a:t>
+                      </a:r>
+                      <a:r>
+                        <a:rPr lang="ko-KR" altLang="en-US" sz="1200" dirty="0" smtClean="0">
+                          <a:latin typeface="+mn-ea"/>
+                          <a:ea typeface="+mn-ea"/>
+                        </a:rPr>
+                        <a:t>개</a:t>
+                      </a:r>
+                      <a:r>
+                        <a:rPr lang="ko-KR" altLang="en-US" sz="1200" baseline="0" dirty="0" smtClean="0">
+                          <a:latin typeface="+mn-ea"/>
+                          <a:ea typeface="+mn-ea"/>
+                        </a:rPr>
+                        <a:t>의 </a:t>
+                      </a:r>
+                      <a:r>
+                        <a:rPr lang="ko-KR" altLang="en-US" sz="1200" dirty="0" smtClean="0">
+                          <a:latin typeface="+mn-ea"/>
+                          <a:ea typeface="+mn-ea"/>
+                        </a:rPr>
+                        <a:t>군집</a:t>
+                      </a:r>
+                      <a:r>
+                        <a:rPr lang="en-US" altLang="ko-KR" sz="1200" dirty="0" smtClean="0">
+                          <a:latin typeface="+mn-ea"/>
+                          <a:ea typeface="+mn-ea"/>
+                        </a:rPr>
+                        <a:t>(cluster)</a:t>
+                      </a:r>
+                      <a:r>
+                        <a:rPr lang="ko-KR" altLang="en-US" sz="1200" dirty="0" smtClean="0">
+                          <a:latin typeface="+mn-ea"/>
+                          <a:ea typeface="+mn-ea"/>
+                        </a:rPr>
+                        <a:t>를 찾아내는 것</a:t>
+                      </a:r>
+                      <a:endParaRPr lang="en-US" altLang="ko-KR" sz="1200" dirty="0" smtClean="0">
+                        <a:latin typeface="+mn-ea"/>
+                        <a:ea typeface="+mn-ea"/>
+                      </a:endParaRPr>
+                    </a:p>
+                  </a:txBody>
+                  <a:tcPr/>
+                </a:tc>
+              </a:tr>
+            </a:tbl>
+          </a:graphicData>
+        </a:graphic>
+      </p:graphicFrame>
+    </p:spTree>
+    <p:extLst>
+      <p:ext uri="{BB962C8B-B14F-4D97-AF65-F5344CB8AC3E}">
+        <p14:creationId xmlns:p14="http://schemas.microsoft.com/office/powerpoint/2010/main" val="4221346138"/>
       </p:ext>
     </p:extLst>
   </p:cSld>

--- a/Machine Learning 개념과 종류.pptx
+++ b/Machine Learning 개념과 종류.pptx
@@ -5,7 +5,7 @@
     <p:sldMasterId id="2147483672" r:id="rId1"/>
   </p:sldMasterIdLst>
   <p:notesMasterIdLst>
-    <p:notesMasterId r:id="rId10"/>
+    <p:notesMasterId r:id="rId13"/>
   </p:notesMasterIdLst>
   <p:sldIdLst>
     <p:sldId id="258" r:id="rId2"/>
@@ -16,6 +16,9 @@
     <p:sldId id="263" r:id="rId7"/>
     <p:sldId id="264" r:id="rId8"/>
     <p:sldId id="265" r:id="rId9"/>
+    <p:sldId id="266" r:id="rId10"/>
+    <p:sldId id="267" r:id="rId11"/>
+    <p:sldId id="268" r:id="rId12"/>
   </p:sldIdLst>
   <p:sldSz cx="9144000" cy="6858000" type="screen4x3"/>
   <p:notesSz cx="6858000" cy="9144000"/>
@@ -199,7 +202,7 @@
           <a:p>
             <a:fld id="{693111F3-E7F7-4110-B747-A18B068C936E}" type="datetimeFigureOut">
               <a:rPr lang="ko-KR" altLang="en-US" smtClean="0"/>
-              <a:t>2020-10-13</a:t>
+              <a:t>2020-10-14</a:t>
             </a:fld>
             <a:endParaRPr lang="ko-KR" altLang="en-US"/>
           </a:p>
@@ -610,7 +613,7 @@
           <a:p>
             <a:fld id="{426225CE-111E-4274-8066-27895E711E53}" type="datetimeFigureOut">
               <a:rPr lang="ko-KR" altLang="en-US" smtClean="0"/>
-              <a:t>2020-10-13</a:t>
+              <a:t>2020-10-14</a:t>
             </a:fld>
             <a:endParaRPr lang="ko-KR" altLang="en-US"/>
           </a:p>
@@ -969,7 +972,7 @@
           <a:p>
             <a:fld id="{426225CE-111E-4274-8066-27895E711E53}" type="datetimeFigureOut">
               <a:rPr lang="ko-KR" altLang="en-US" smtClean="0"/>
-              <a:t>2020-10-13</a:t>
+              <a:t>2020-10-14</a:t>
             </a:fld>
             <a:endParaRPr lang="ko-KR" altLang="en-US"/>
           </a:p>
@@ -1144,7 +1147,7 @@
           <a:p>
             <a:fld id="{426225CE-111E-4274-8066-27895E711E53}" type="datetimeFigureOut">
               <a:rPr lang="ko-KR" altLang="en-US" smtClean="0"/>
-              <a:t>2020-10-13</a:t>
+              <a:t>2020-10-14</a:t>
             </a:fld>
             <a:endParaRPr lang="ko-KR" altLang="en-US"/>
           </a:p>
@@ -1379,7 +1382,7 @@
           <a:p>
             <a:fld id="{426225CE-111E-4274-8066-27895E711E53}" type="datetimeFigureOut">
               <a:rPr lang="ko-KR" altLang="en-US" smtClean="0"/>
-              <a:t>2020-10-13</a:t>
+              <a:t>2020-10-14</a:t>
             </a:fld>
             <a:endParaRPr lang="ko-KR" altLang="en-US"/>
           </a:p>
@@ -1648,7 +1651,7 @@
           <a:p>
             <a:fld id="{426225CE-111E-4274-8066-27895E711E53}" type="datetimeFigureOut">
               <a:rPr lang="ko-KR" altLang="en-US" smtClean="0"/>
-              <a:t>2020-10-13</a:t>
+              <a:t>2020-10-14</a:t>
             </a:fld>
             <a:endParaRPr lang="ko-KR" altLang="en-US"/>
           </a:p>
@@ -1868,7 +1871,7 @@
           <a:p>
             <a:fld id="{426225CE-111E-4274-8066-27895E711E53}" type="datetimeFigureOut">
               <a:rPr lang="ko-KR" altLang="en-US" smtClean="0"/>
-              <a:t>2020-10-13</a:t>
+              <a:t>2020-10-14</a:t>
             </a:fld>
             <a:endParaRPr lang="ko-KR" altLang="en-US"/>
           </a:p>
@@ -2220,7 +2223,7 @@
           <a:p>
             <a:fld id="{426225CE-111E-4274-8066-27895E711E53}" type="datetimeFigureOut">
               <a:rPr lang="ko-KR" altLang="en-US" smtClean="0"/>
-              <a:t>2020-10-13</a:t>
+              <a:t>2020-10-14</a:t>
             </a:fld>
             <a:endParaRPr lang="ko-KR" altLang="en-US"/>
           </a:p>
@@ -2452,7 +2455,7 @@
           <a:p>
             <a:fld id="{426225CE-111E-4274-8066-27895E711E53}" type="datetimeFigureOut">
               <a:rPr lang="ko-KR" altLang="en-US" smtClean="0"/>
-              <a:t>2020-10-13</a:t>
+              <a:t>2020-10-14</a:t>
             </a:fld>
             <a:endParaRPr lang="ko-KR" altLang="en-US"/>
           </a:p>
@@ -2592,7 +2595,7 @@
           <a:p>
             <a:fld id="{426225CE-111E-4274-8066-27895E711E53}" type="datetimeFigureOut">
               <a:rPr lang="ko-KR" altLang="en-US" smtClean="0"/>
-              <a:t>2020-10-13</a:t>
+              <a:t>2020-10-14</a:t>
             </a:fld>
             <a:endParaRPr lang="ko-KR" altLang="en-US"/>
           </a:p>
@@ -2869,7 +2872,7 @@
           <a:p>
             <a:fld id="{426225CE-111E-4274-8066-27895E711E53}" type="datetimeFigureOut">
               <a:rPr lang="ko-KR" altLang="en-US" smtClean="0"/>
-              <a:t>2020-10-13</a:t>
+              <a:t>2020-10-14</a:t>
             </a:fld>
             <a:endParaRPr lang="ko-KR" altLang="en-US"/>
           </a:p>
@@ -3276,7 +3279,7 @@
           <a:p>
             <a:fld id="{426225CE-111E-4274-8066-27895E711E53}" type="datetimeFigureOut">
               <a:rPr lang="ko-KR" altLang="en-US" smtClean="0"/>
-              <a:t>2020-10-13</a:t>
+              <a:t>2020-10-14</a:t>
             </a:fld>
             <a:endParaRPr lang="ko-KR" altLang="en-US"/>
           </a:p>
@@ -3614,7 +3617,7 @@
           <a:p>
             <a:fld id="{426225CE-111E-4274-8066-27895E711E53}" type="datetimeFigureOut">
               <a:rPr lang="ko-KR" altLang="en-US" smtClean="0"/>
-              <a:t>2020-10-13</a:t>
+              <a:t>2020-10-14</a:t>
             </a:fld>
             <a:endParaRPr lang="ko-KR" altLang="en-US"/>
           </a:p>
@@ -4625,6 +4628,868 @@
     <p:extLst>
       <p:ext uri="{BB962C8B-B14F-4D97-AF65-F5344CB8AC3E}">
         <p14:creationId xmlns:p14="http://schemas.microsoft.com/office/powerpoint/2010/main" val="773671668"/>
+      </p:ext>
+    </p:extLst>
+  </p:cSld>
+  <p:clrMapOvr>
+    <a:masterClrMapping/>
+  </p:clrMapOvr>
+  <p:timing>
+    <p:tnLst>
+      <p:par>
+        <p:cTn id="1" dur="indefinite" restart="never" nodeType="tmRoot"/>
+      </p:par>
+    </p:tnLst>
+  </p:timing>
+</p:sld>
+</file>
+
+<file path=ppt/slides/slide10.xml><?xml version="1.0" encoding="utf-8"?>
+<p:sld xmlns:a="http://schemas.openxmlformats.org/drawingml/2006/main" xmlns:r="http://schemas.openxmlformats.org/officeDocument/2006/relationships" xmlns:p="http://schemas.openxmlformats.org/presentationml/2006/main">
+  <p:cSld>
+    <p:spTree>
+      <p:nvGrpSpPr>
+        <p:cNvPr id="1" name=""/>
+        <p:cNvGrpSpPr/>
+        <p:nvPr/>
+      </p:nvGrpSpPr>
+      <p:grpSpPr>
+        <a:xfrm>
+          <a:off x="0" y="0"/>
+          <a:ext cx="0" cy="0"/>
+          <a:chOff x="0" y="0"/>
+          <a:chExt cx="0" cy="0"/>
+        </a:xfrm>
+      </p:grpSpPr>
+      <p:sp>
+        <p:nvSpPr>
+          <p:cNvPr id="2" name="제목 1"/>
+          <p:cNvSpPr>
+            <a:spLocks noGrp="1"/>
+          </p:cNvSpPr>
+          <p:nvPr>
+            <p:ph type="title"/>
+          </p:nvPr>
+        </p:nvSpPr>
+        <p:spPr/>
+        <p:txBody>
+          <a:bodyPr>
+            <a:normAutofit/>
+          </a:bodyPr>
+          <a:lstStyle/>
+          <a:p>
+            <a:r>
+              <a:rPr lang="en-US" altLang="ko-KR" sz="3600" b="1" dirty="0" smtClean="0">
+                <a:latin typeface="+mn-ea"/>
+                <a:ea typeface="+mn-ea"/>
+              </a:rPr>
+              <a:t>04. </a:t>
+            </a:r>
+            <a:r>
+              <a:rPr lang="en-US" altLang="ko-KR" sz="3600" b="1" dirty="0" smtClean="0">
+                <a:latin typeface="+mn-ea"/>
+                <a:ea typeface="+mn-ea"/>
+              </a:rPr>
+              <a:t>Deep </a:t>
+            </a:r>
+            <a:r>
+              <a:rPr lang="en-US" altLang="ko-KR" sz="3600" b="1" dirty="0" smtClean="0">
+                <a:latin typeface="+mn-ea"/>
+                <a:ea typeface="+mn-ea"/>
+              </a:rPr>
+              <a:t>Learning</a:t>
+            </a:r>
+            <a:endParaRPr lang="ko-KR" altLang="en-US" sz="3600" b="1" dirty="0">
+              <a:latin typeface="+mn-ea"/>
+              <a:ea typeface="+mn-ea"/>
+            </a:endParaRPr>
+          </a:p>
+        </p:txBody>
+      </p:sp>
+      <p:sp>
+        <p:nvSpPr>
+          <p:cNvPr id="4" name="내용 개체 틀 3"/>
+          <p:cNvSpPr>
+            <a:spLocks noGrp="1"/>
+          </p:cNvSpPr>
+          <p:nvPr>
+            <p:ph sz="quarter" idx="1"/>
+          </p:nvPr>
+        </p:nvSpPr>
+        <p:spPr>
+          <a:xfrm>
+            <a:off x="467544" y="1368490"/>
+            <a:ext cx="8229600" cy="4937760"/>
+          </a:xfrm>
+        </p:spPr>
+        <p:txBody>
+          <a:bodyPr>
+            <a:normAutofit/>
+          </a:bodyPr>
+          <a:lstStyle/>
+          <a:p>
+            <a:pPr>
+              <a:lnSpc>
+                <a:spcPct val="150000"/>
+              </a:lnSpc>
+            </a:pPr>
+            <a:r>
+              <a:rPr lang="en-US" altLang="ko-KR" sz="2000" b="1" dirty="0" smtClean="0"/>
+              <a:t>CNN (Convolutional Neural Network)</a:t>
+            </a:r>
+            <a:endParaRPr lang="en-US" altLang="ko-KR" sz="1600" dirty="0" smtClean="0">
+              <a:latin typeface="+mn-ea"/>
+            </a:endParaRPr>
+          </a:p>
+          <a:p>
+            <a:pPr marL="0" indent="0">
+              <a:lnSpc>
+                <a:spcPct val="150000"/>
+              </a:lnSpc>
+              <a:buNone/>
+            </a:pPr>
+            <a:r>
+              <a:rPr lang="en-US" altLang="ko-KR" sz="1600" dirty="0" smtClean="0">
+                <a:latin typeface="+mn-ea"/>
+              </a:rPr>
+              <a:t>: </a:t>
+            </a:r>
+            <a:r>
+              <a:rPr lang="ko-KR" altLang="en-US" sz="1600" dirty="0" smtClean="0">
+                <a:latin typeface="+mn-ea"/>
+              </a:rPr>
+              <a:t>이미지를 인식하기 위한 패턴 생성에 유용</a:t>
+            </a:r>
+            <a:endParaRPr lang="en-US" altLang="ko-KR" sz="1600" dirty="0" smtClean="0">
+              <a:latin typeface="+mn-ea"/>
+            </a:endParaRPr>
+          </a:p>
+          <a:p>
+            <a:pPr marL="0" indent="0">
+              <a:lnSpc>
+                <a:spcPct val="150000"/>
+              </a:lnSpc>
+              <a:buNone/>
+            </a:pPr>
+            <a:r>
+              <a:rPr lang="en-US" altLang="ko-KR" sz="1400" dirty="0" smtClean="0">
+                <a:latin typeface="+mn-ea"/>
+              </a:rPr>
+              <a:t>  ☞ </a:t>
+            </a:r>
+            <a:r>
+              <a:rPr lang="ko-KR" altLang="en-US" sz="1400" dirty="0" smtClean="0">
+                <a:latin typeface="+mn-ea"/>
+              </a:rPr>
+              <a:t>이미지의 </a:t>
+            </a:r>
+            <a:r>
+              <a:rPr lang="ko-KR" altLang="en-US" sz="1400" b="1" dirty="0" smtClean="0">
+                <a:solidFill>
+                  <a:srgbClr val="C00000"/>
+                </a:solidFill>
+                <a:latin typeface="+mn-ea"/>
+              </a:rPr>
+              <a:t>지역별 </a:t>
+            </a:r>
+            <a:r>
+              <a:rPr lang="en-US" altLang="ko-KR" sz="1400" b="1" dirty="0" smtClean="0">
+                <a:solidFill>
+                  <a:srgbClr val="C00000"/>
+                </a:solidFill>
+                <a:latin typeface="+mn-ea"/>
+              </a:rPr>
+              <a:t>Feature Map(</a:t>
+            </a:r>
+            <a:r>
+              <a:rPr lang="ko-KR" altLang="en-US" sz="1400" b="1" dirty="0" smtClean="0">
+                <a:solidFill>
+                  <a:srgbClr val="C00000"/>
+                </a:solidFill>
+                <a:latin typeface="+mn-ea"/>
+              </a:rPr>
+              <a:t>특징</a:t>
+            </a:r>
+            <a:r>
+              <a:rPr lang="en-US" altLang="ko-KR" sz="1400" b="1" dirty="0" smtClean="0">
+                <a:solidFill>
+                  <a:srgbClr val="C00000"/>
+                </a:solidFill>
+                <a:latin typeface="+mn-ea"/>
+              </a:rPr>
+              <a:t>)</a:t>
+            </a:r>
+            <a:r>
+              <a:rPr lang="ko-KR" altLang="en-US" sz="1400" b="1" dirty="0" smtClean="0">
+                <a:solidFill>
+                  <a:srgbClr val="C00000"/>
+                </a:solidFill>
+                <a:latin typeface="+mn-ea"/>
+              </a:rPr>
+              <a:t>을 뽑아 이미지를 인식</a:t>
+            </a:r>
+            <a:r>
+              <a:rPr lang="ko-KR" altLang="en-US" sz="1400" dirty="0" smtClean="0">
+                <a:latin typeface="+mn-ea"/>
+              </a:rPr>
+              <a:t>하고자 함</a:t>
+            </a:r>
+            <a:r>
+              <a:rPr lang="en-US" altLang="ko-KR" sz="1400" dirty="0" smtClean="0">
+                <a:latin typeface="+mn-ea"/>
+              </a:rPr>
+              <a:t>.</a:t>
+            </a:r>
+          </a:p>
+        </p:txBody>
+      </p:sp>
+      <p:pic>
+        <p:nvPicPr>
+          <p:cNvPr id="1026" name="Picture 2"/>
+          <p:cNvPicPr>
+            <a:picLocks noChangeAspect="1" noChangeArrowheads="1"/>
+          </p:cNvPicPr>
+          <p:nvPr/>
+        </p:nvPicPr>
+        <p:blipFill rotWithShape="1">
+          <a:blip r:embed="rId2">
+            <a:extLst>
+              <a:ext uri="{28A0092B-C50C-407E-A947-70E740481C1C}">
+                <a14:useLocalDpi xmlns:a14="http://schemas.microsoft.com/office/drawing/2010/main" val="0"/>
+              </a:ext>
+            </a:extLst>
+          </a:blip>
+          <a:srcRect l="1560" b="19286"/>
+          <a:stretch/>
+        </p:blipFill>
+        <p:spPr bwMode="auto">
+          <a:xfrm>
+            <a:off x="363893" y="2791817"/>
+            <a:ext cx="4749281" cy="2365375"/>
+          </a:xfrm>
+          <a:prstGeom prst="rect">
+            <a:avLst/>
+          </a:prstGeom>
+          <a:noFill/>
+          <a:ln>
+            <a:noFill/>
+          </a:ln>
+          <a:extLst>
+            <a:ext uri="{909E8E84-426E-40DD-AFC4-6F175D3DCCD1}">
+              <a14:hiddenFill xmlns:a14="http://schemas.microsoft.com/office/drawing/2010/main">
+                <a:solidFill>
+                  <a:schemeClr val="accent1"/>
+                </a:solidFill>
+              </a14:hiddenFill>
+            </a:ext>
+            <a:ext uri="{91240B29-F687-4F45-9708-019B960494DF}">
+              <a14:hiddenLine xmlns:a14="http://schemas.microsoft.com/office/drawing/2010/main" w="9525">
+                <a:solidFill>
+                  <a:schemeClr val="tx1"/>
+                </a:solidFill>
+                <a:miter lim="800000"/>
+                <a:headEnd/>
+                <a:tailEnd/>
+              </a14:hiddenLine>
+            </a:ext>
+          </a:extLst>
+        </p:spPr>
+      </p:pic>
+      <p:pic>
+        <p:nvPicPr>
+          <p:cNvPr id="1027" name="Picture 3"/>
+          <p:cNvPicPr>
+            <a:picLocks noChangeAspect="1" noChangeArrowheads="1"/>
+          </p:cNvPicPr>
+          <p:nvPr/>
+        </p:nvPicPr>
+        <p:blipFill>
+          <a:blip r:embed="rId3">
+            <a:extLst>
+              <a:ext uri="{28A0092B-C50C-407E-A947-70E740481C1C}">
+                <a14:useLocalDpi xmlns:a14="http://schemas.microsoft.com/office/drawing/2010/main" val="0"/>
+              </a:ext>
+            </a:extLst>
+          </a:blip>
+          <a:srcRect/>
+          <a:stretch>
+            <a:fillRect/>
+          </a:stretch>
+        </p:blipFill>
+        <p:spPr bwMode="auto">
+          <a:xfrm>
+            <a:off x="5113175" y="3346102"/>
+            <a:ext cx="3876723" cy="2376264"/>
+          </a:xfrm>
+          <a:prstGeom prst="rect">
+            <a:avLst/>
+          </a:prstGeom>
+          <a:noFill/>
+          <a:ln>
+            <a:noFill/>
+          </a:ln>
+          <a:extLst>
+            <a:ext uri="{909E8E84-426E-40DD-AFC4-6F175D3DCCD1}">
+              <a14:hiddenFill xmlns:a14="http://schemas.microsoft.com/office/drawing/2010/main">
+                <a:solidFill>
+                  <a:schemeClr val="accent1"/>
+                </a:solidFill>
+              </a14:hiddenFill>
+            </a:ext>
+            <a:ext uri="{91240B29-F687-4F45-9708-019B960494DF}">
+              <a14:hiddenLine xmlns:a14="http://schemas.microsoft.com/office/drawing/2010/main" w="9525">
+                <a:solidFill>
+                  <a:schemeClr val="tx1"/>
+                </a:solidFill>
+                <a:miter lim="800000"/>
+                <a:headEnd/>
+                <a:tailEnd/>
+              </a14:hiddenLine>
+            </a:ext>
+          </a:extLst>
+        </p:spPr>
+      </p:pic>
+      <p:cxnSp>
+        <p:nvCxnSpPr>
+          <p:cNvPr id="5" name="직선 화살표 연결선 4"/>
+          <p:cNvCxnSpPr/>
+          <p:nvPr/>
+        </p:nvCxnSpPr>
+        <p:spPr>
+          <a:xfrm>
+            <a:off x="6156176" y="3346102"/>
+            <a:ext cx="2520280" cy="0"/>
+          </a:xfrm>
+          <a:prstGeom prst="straightConnector1">
+            <a:avLst/>
+          </a:prstGeom>
+          <a:ln>
+            <a:tailEnd type="arrow"/>
+          </a:ln>
+        </p:spPr>
+        <p:style>
+          <a:lnRef idx="1">
+            <a:schemeClr val="accent1"/>
+          </a:lnRef>
+          <a:fillRef idx="0">
+            <a:schemeClr val="accent1"/>
+          </a:fillRef>
+          <a:effectRef idx="0">
+            <a:schemeClr val="accent1"/>
+          </a:effectRef>
+          <a:fontRef idx="minor">
+            <a:schemeClr val="tx1"/>
+          </a:fontRef>
+        </p:style>
+      </p:cxnSp>
+      <p:sp>
+        <p:nvSpPr>
+          <p:cNvPr id="9" name="TextBox 8"/>
+          <p:cNvSpPr txBox="1"/>
+          <p:nvPr/>
+        </p:nvSpPr>
+        <p:spPr>
+          <a:xfrm>
+            <a:off x="6156175" y="3059609"/>
+            <a:ext cx="2486115" cy="276999"/>
+          </a:xfrm>
+          <a:prstGeom prst="rect">
+            <a:avLst/>
+          </a:prstGeom>
+          <a:noFill/>
+        </p:spPr>
+        <p:txBody>
+          <a:bodyPr wrap="square" rtlCol="0">
+            <a:spAutoFit/>
+          </a:bodyPr>
+          <a:lstStyle/>
+          <a:p>
+            <a:r>
+              <a:rPr lang="ko-KR" altLang="en-US" sz="1200" dirty="0" err="1" smtClean="0"/>
+              <a:t>저차원</a:t>
+            </a:r>
+            <a:r>
+              <a:rPr lang="ko-KR" altLang="en-US" sz="1200" dirty="0" smtClean="0"/>
+              <a:t>                                고차원</a:t>
+            </a:r>
+            <a:endParaRPr lang="ko-KR" altLang="en-US" sz="1200" dirty="0"/>
+          </a:p>
+        </p:txBody>
+      </p:sp>
+      <p:sp>
+        <p:nvSpPr>
+          <p:cNvPr id="10" name="직사각형 9"/>
+          <p:cNvSpPr/>
+          <p:nvPr/>
+        </p:nvSpPr>
+        <p:spPr>
+          <a:xfrm>
+            <a:off x="1403648" y="3059609"/>
+            <a:ext cx="1656184" cy="2097583"/>
+          </a:xfrm>
+          <a:prstGeom prst="rect">
+            <a:avLst/>
+          </a:prstGeom>
+          <a:noFill/>
+        </p:spPr>
+        <p:style>
+          <a:lnRef idx="2">
+            <a:schemeClr val="accent1">
+              <a:shade val="50000"/>
+            </a:schemeClr>
+          </a:lnRef>
+          <a:fillRef idx="1">
+            <a:schemeClr val="accent1"/>
+          </a:fillRef>
+          <a:effectRef idx="0">
+            <a:schemeClr val="accent1"/>
+          </a:effectRef>
+          <a:fontRef idx="minor">
+            <a:schemeClr val="lt1"/>
+          </a:fontRef>
+        </p:style>
+        <p:txBody>
+          <a:bodyPr rtlCol="0" anchor="ctr"/>
+          <a:lstStyle/>
+          <a:p>
+            <a:pPr algn="ctr"/>
+            <a:endParaRPr lang="ko-KR" altLang="en-US"/>
+          </a:p>
+        </p:txBody>
+      </p:sp>
+      <p:sp>
+        <p:nvSpPr>
+          <p:cNvPr id="11" name="위로 구부러진 화살표 10"/>
+          <p:cNvSpPr/>
+          <p:nvPr/>
+        </p:nvSpPr>
+        <p:spPr>
+          <a:xfrm>
+            <a:off x="2753136" y="5254314"/>
+            <a:ext cx="2360037" cy="936104"/>
+          </a:xfrm>
+          <a:prstGeom prst="curvedUpArrow">
+            <a:avLst>
+              <a:gd name="adj1" fmla="val 25000"/>
+              <a:gd name="adj2" fmla="val 52030"/>
+              <a:gd name="adj3" fmla="val 36961"/>
+            </a:avLst>
+          </a:prstGeom>
+        </p:spPr>
+        <p:style>
+          <a:lnRef idx="2">
+            <a:schemeClr val="accent1">
+              <a:shade val="50000"/>
+            </a:schemeClr>
+          </a:lnRef>
+          <a:fillRef idx="1">
+            <a:schemeClr val="accent1"/>
+          </a:fillRef>
+          <a:effectRef idx="0">
+            <a:schemeClr val="accent1"/>
+          </a:effectRef>
+          <a:fontRef idx="minor">
+            <a:schemeClr val="lt1"/>
+          </a:fontRef>
+        </p:style>
+        <p:txBody>
+          <a:bodyPr rtlCol="0" anchor="ctr"/>
+          <a:lstStyle/>
+          <a:p>
+            <a:pPr algn="ctr"/>
+            <a:endParaRPr lang="ko-KR" altLang="en-US">
+              <a:solidFill>
+                <a:schemeClr val="tx1"/>
+              </a:solidFill>
+            </a:endParaRPr>
+          </a:p>
+        </p:txBody>
+      </p:sp>
+    </p:spTree>
+    <p:extLst>
+      <p:ext uri="{BB962C8B-B14F-4D97-AF65-F5344CB8AC3E}">
+        <p14:creationId xmlns:p14="http://schemas.microsoft.com/office/powerpoint/2010/main" val="1231413398"/>
+      </p:ext>
+    </p:extLst>
+  </p:cSld>
+  <p:clrMapOvr>
+    <a:masterClrMapping/>
+  </p:clrMapOvr>
+  <p:timing>
+    <p:tnLst>
+      <p:par>
+        <p:cTn id="1" dur="indefinite" restart="never" nodeType="tmRoot"/>
+      </p:par>
+    </p:tnLst>
+  </p:timing>
+</p:sld>
+</file>
+
+<file path=ppt/slides/slide11.xml><?xml version="1.0" encoding="utf-8"?>
+<p:sld xmlns:a="http://schemas.openxmlformats.org/drawingml/2006/main" xmlns:r="http://schemas.openxmlformats.org/officeDocument/2006/relationships" xmlns:p="http://schemas.openxmlformats.org/presentationml/2006/main">
+  <p:cSld>
+    <p:spTree>
+      <p:nvGrpSpPr>
+        <p:cNvPr id="1" name=""/>
+        <p:cNvGrpSpPr/>
+        <p:nvPr/>
+      </p:nvGrpSpPr>
+      <p:grpSpPr>
+        <a:xfrm>
+          <a:off x="0" y="0"/>
+          <a:ext cx="0" cy="0"/>
+          <a:chOff x="0" y="0"/>
+          <a:chExt cx="0" cy="0"/>
+        </a:xfrm>
+      </p:grpSpPr>
+      <p:sp>
+        <p:nvSpPr>
+          <p:cNvPr id="2" name="제목 1"/>
+          <p:cNvSpPr>
+            <a:spLocks noGrp="1"/>
+          </p:cNvSpPr>
+          <p:nvPr>
+            <p:ph type="title"/>
+          </p:nvPr>
+        </p:nvSpPr>
+        <p:spPr/>
+        <p:txBody>
+          <a:bodyPr>
+            <a:normAutofit/>
+          </a:bodyPr>
+          <a:lstStyle/>
+          <a:p>
+            <a:r>
+              <a:rPr lang="en-US" altLang="ko-KR" sz="3600" b="1" dirty="0" smtClean="0">
+                <a:latin typeface="+mn-ea"/>
+                <a:ea typeface="+mn-ea"/>
+              </a:rPr>
+              <a:t>04. </a:t>
+            </a:r>
+            <a:r>
+              <a:rPr lang="en-US" altLang="ko-KR" sz="3600" b="1" dirty="0" smtClean="0">
+                <a:latin typeface="+mn-ea"/>
+                <a:ea typeface="+mn-ea"/>
+              </a:rPr>
+              <a:t>Deep </a:t>
+            </a:r>
+            <a:r>
+              <a:rPr lang="en-US" altLang="ko-KR" sz="3600" b="1" dirty="0" smtClean="0">
+                <a:latin typeface="+mn-ea"/>
+                <a:ea typeface="+mn-ea"/>
+              </a:rPr>
+              <a:t>Learning</a:t>
+            </a:r>
+            <a:endParaRPr lang="ko-KR" altLang="en-US" sz="3600" b="1" dirty="0">
+              <a:latin typeface="+mn-ea"/>
+              <a:ea typeface="+mn-ea"/>
+            </a:endParaRPr>
+          </a:p>
+        </p:txBody>
+      </p:sp>
+      <p:sp>
+        <p:nvSpPr>
+          <p:cNvPr id="4" name="내용 개체 틀 3"/>
+          <p:cNvSpPr>
+            <a:spLocks noGrp="1"/>
+          </p:cNvSpPr>
+          <p:nvPr>
+            <p:ph sz="quarter" idx="1"/>
+          </p:nvPr>
+        </p:nvSpPr>
+        <p:spPr>
+          <a:xfrm>
+            <a:off x="467544" y="1368490"/>
+            <a:ext cx="8229600" cy="4937760"/>
+          </a:xfrm>
+        </p:spPr>
+        <p:txBody>
+          <a:bodyPr>
+            <a:normAutofit/>
+          </a:bodyPr>
+          <a:lstStyle/>
+          <a:p>
+            <a:pPr>
+              <a:lnSpc>
+                <a:spcPct val="150000"/>
+              </a:lnSpc>
+            </a:pPr>
+            <a:r>
+              <a:rPr lang="en-US" altLang="ko-KR" sz="2000" b="1" dirty="0" smtClean="0"/>
+              <a:t>RNN</a:t>
+            </a:r>
+            <a:endParaRPr lang="en-US" altLang="ko-KR" sz="1600" dirty="0" smtClean="0">
+              <a:latin typeface="+mn-ea"/>
+            </a:endParaRPr>
+          </a:p>
+          <a:p>
+            <a:pPr marL="0" indent="0">
+              <a:lnSpc>
+                <a:spcPct val="150000"/>
+              </a:lnSpc>
+              <a:buNone/>
+            </a:pPr>
+            <a:r>
+              <a:rPr lang="en-US" altLang="ko-KR" sz="1400" dirty="0" smtClean="0">
+                <a:latin typeface="+mn-ea"/>
+              </a:rPr>
+              <a:t> - </a:t>
+            </a:r>
+            <a:r>
+              <a:rPr lang="ko-KR" altLang="en-US" sz="1400" dirty="0" smtClean="0">
+                <a:latin typeface="+mn-ea"/>
+              </a:rPr>
+              <a:t>순환 구조를 이용해 </a:t>
+            </a:r>
+            <a:r>
+              <a:rPr lang="ko-KR" altLang="en-US" sz="1400" b="1" u="sng" dirty="0" smtClean="0">
+                <a:latin typeface="+mn-ea"/>
+              </a:rPr>
+              <a:t>과거의 학습을 </a:t>
+            </a:r>
+            <a:r>
+              <a:rPr lang="en-US" altLang="ko-KR" sz="1400" b="1" u="sng" dirty="0" smtClean="0">
+                <a:latin typeface="+mn-ea"/>
+              </a:rPr>
+              <a:t>Weight</a:t>
+            </a:r>
+            <a:r>
+              <a:rPr lang="ko-KR" altLang="en-US" sz="1400" b="1" u="sng" dirty="0" smtClean="0">
+                <a:latin typeface="+mn-ea"/>
+              </a:rPr>
+              <a:t>를 통해 현재 학습에 반영</a:t>
+            </a:r>
+            <a:endParaRPr lang="en-US" altLang="ko-KR" sz="1400" b="1" u="sng" dirty="0" smtClean="0">
+              <a:latin typeface="+mn-ea"/>
+            </a:endParaRPr>
+          </a:p>
+          <a:p>
+            <a:pPr marL="0" indent="0">
+              <a:lnSpc>
+                <a:spcPct val="150000"/>
+              </a:lnSpc>
+              <a:buNone/>
+            </a:pPr>
+            <a:r>
+              <a:rPr lang="en-US" altLang="ko-KR" sz="1400" dirty="0" smtClean="0">
+                <a:latin typeface="+mn-ea"/>
+              </a:rPr>
+              <a:t> - </a:t>
+            </a:r>
+            <a:r>
+              <a:rPr lang="ko-KR" altLang="en-US" sz="1400" b="1" dirty="0" smtClean="0">
+                <a:latin typeface="+mn-ea"/>
+              </a:rPr>
+              <a:t>반복적이고 순차적인 데이터</a:t>
+            </a:r>
+            <a:r>
+              <a:rPr lang="en-US" altLang="ko-KR" sz="1400" b="1" dirty="0" smtClean="0">
+                <a:latin typeface="+mn-ea"/>
+              </a:rPr>
+              <a:t>(Sequential Data) </a:t>
+            </a:r>
+            <a:r>
+              <a:rPr lang="ko-KR" altLang="en-US" sz="1400" b="1" dirty="0" smtClean="0">
+                <a:latin typeface="+mn-ea"/>
+              </a:rPr>
+              <a:t>학습</a:t>
+            </a:r>
+            <a:r>
+              <a:rPr lang="ko-KR" altLang="en-US" sz="1400" dirty="0" smtClean="0">
+                <a:latin typeface="+mn-ea"/>
+              </a:rPr>
+              <a:t>에 특화 </a:t>
+            </a:r>
+            <a:endParaRPr lang="en-US" altLang="ko-KR" sz="1400" dirty="0" smtClean="0">
+              <a:latin typeface="+mn-ea"/>
+            </a:endParaRPr>
+          </a:p>
+          <a:p>
+            <a:pPr marL="0" indent="0">
+              <a:lnSpc>
+                <a:spcPct val="150000"/>
+              </a:lnSpc>
+              <a:buNone/>
+            </a:pPr>
+            <a:r>
+              <a:rPr lang="en-US" altLang="ko-KR" sz="1400" dirty="0">
+                <a:latin typeface="+mn-ea"/>
+                <a:ea typeface="바탕"/>
+              </a:rPr>
+              <a:t> </a:t>
+            </a:r>
+            <a:r>
+              <a:rPr lang="en-US" altLang="ko-KR" sz="1400" dirty="0" smtClean="0">
+                <a:latin typeface="+mn-ea"/>
+                <a:ea typeface="바탕"/>
+              </a:rPr>
+              <a:t>  </a:t>
+            </a:r>
+            <a:r>
+              <a:rPr lang="en-US" altLang="ko-KR" sz="1400" dirty="0" smtClean="0">
+                <a:latin typeface="+mn-ea"/>
+              </a:rPr>
+              <a:t>☞ </a:t>
+            </a:r>
+            <a:r>
+              <a:rPr lang="ko-KR" altLang="en-US" sz="1400" b="1" dirty="0" smtClean="0">
+                <a:solidFill>
+                  <a:srgbClr val="C00000"/>
+                </a:solidFill>
+                <a:latin typeface="+mn-ea"/>
+              </a:rPr>
+              <a:t>음성 </a:t>
+            </a:r>
+            <a:r>
+              <a:rPr lang="ko-KR" altLang="en-US" sz="1400" b="1" dirty="0" err="1" smtClean="0">
+                <a:solidFill>
+                  <a:srgbClr val="C00000"/>
+                </a:solidFill>
+                <a:latin typeface="+mn-ea"/>
+              </a:rPr>
+              <a:t>웨이브폼</a:t>
+            </a:r>
+            <a:r>
+              <a:rPr lang="ko-KR" altLang="en-US" sz="1400" b="1" dirty="0" smtClean="0">
+                <a:solidFill>
+                  <a:srgbClr val="C00000"/>
+                </a:solidFill>
+                <a:latin typeface="+mn-ea"/>
+              </a:rPr>
+              <a:t> 파악이나</a:t>
+            </a:r>
+            <a:r>
+              <a:rPr lang="en-US" altLang="ko-KR" sz="1400" b="1" dirty="0" smtClean="0">
+                <a:solidFill>
+                  <a:srgbClr val="C00000"/>
+                </a:solidFill>
+                <a:latin typeface="+mn-ea"/>
+              </a:rPr>
+              <a:t>, </a:t>
+            </a:r>
+            <a:r>
+              <a:rPr lang="ko-KR" altLang="en-US" sz="1400" b="1" dirty="0" smtClean="0">
+                <a:solidFill>
+                  <a:srgbClr val="C00000"/>
+                </a:solidFill>
+                <a:latin typeface="+mn-ea"/>
+              </a:rPr>
+              <a:t>텍스트의 앞</a:t>
+            </a:r>
+            <a:r>
+              <a:rPr lang="en-US" altLang="ko-KR" sz="1400" b="1" dirty="0" smtClean="0">
+                <a:solidFill>
+                  <a:srgbClr val="C00000"/>
+                </a:solidFill>
+                <a:latin typeface="+mn-ea"/>
+              </a:rPr>
+              <a:t>/</a:t>
+            </a:r>
+            <a:r>
+              <a:rPr lang="ko-KR" altLang="en-US" sz="1400" b="1" dirty="0" smtClean="0">
+                <a:solidFill>
+                  <a:srgbClr val="C00000"/>
+                </a:solidFill>
+                <a:latin typeface="+mn-ea"/>
+              </a:rPr>
+              <a:t>뒤 성분을 파악</a:t>
+            </a:r>
+            <a:r>
+              <a:rPr lang="ko-KR" altLang="en-US" sz="1400" dirty="0" smtClean="0">
+                <a:latin typeface="+mn-ea"/>
+              </a:rPr>
+              <a:t>하는데 주로 사용</a:t>
+            </a:r>
+            <a:endParaRPr lang="en-US" altLang="ko-KR" sz="1400" dirty="0" smtClean="0">
+              <a:latin typeface="+mn-ea"/>
+            </a:endParaRPr>
+          </a:p>
+          <a:p>
+            <a:pPr marL="0" indent="0">
+              <a:lnSpc>
+                <a:spcPct val="150000"/>
+              </a:lnSpc>
+              <a:buNone/>
+            </a:pPr>
+            <a:r>
+              <a:rPr lang="en-US" altLang="ko-KR" sz="1400" dirty="0" smtClean="0">
+                <a:latin typeface="+mn-ea"/>
+              </a:rPr>
+              <a:t>	</a:t>
+            </a:r>
+          </a:p>
+          <a:p>
+            <a:pPr marL="0" indent="0">
+              <a:lnSpc>
+                <a:spcPct val="150000"/>
+              </a:lnSpc>
+              <a:buNone/>
+            </a:pPr>
+            <a:r>
+              <a:rPr lang="en-US" altLang="ko-KR" sz="1400" dirty="0" smtClean="0">
+                <a:latin typeface="+mn-ea"/>
+              </a:rPr>
+              <a:t> </a:t>
+            </a:r>
+          </a:p>
+        </p:txBody>
+      </p:sp>
+      <p:pic>
+        <p:nvPicPr>
+          <p:cNvPr id="2050" name="Picture 2"/>
+          <p:cNvPicPr>
+            <a:picLocks noChangeAspect="1" noChangeArrowheads="1"/>
+          </p:cNvPicPr>
+          <p:nvPr/>
+        </p:nvPicPr>
+        <p:blipFill rotWithShape="1">
+          <a:blip r:embed="rId2">
+            <a:extLst>
+              <a:ext uri="{28A0092B-C50C-407E-A947-70E740481C1C}">
+                <a14:useLocalDpi xmlns:a14="http://schemas.microsoft.com/office/drawing/2010/main" val="0"/>
+              </a:ext>
+            </a:extLst>
+          </a:blip>
+          <a:srcRect t="8013" r="57520"/>
+          <a:stretch/>
+        </p:blipFill>
+        <p:spPr bwMode="auto">
+          <a:xfrm>
+            <a:off x="1331640" y="3191068"/>
+            <a:ext cx="3207297" cy="3054925"/>
+          </a:xfrm>
+          <a:prstGeom prst="rect">
+            <a:avLst/>
+          </a:prstGeom>
+          <a:noFill/>
+          <a:ln>
+            <a:noFill/>
+          </a:ln>
+          <a:extLst>
+            <a:ext uri="{909E8E84-426E-40DD-AFC4-6F175D3DCCD1}">
+              <a14:hiddenFill xmlns:a14="http://schemas.microsoft.com/office/drawing/2010/main">
+                <a:solidFill>
+                  <a:schemeClr val="accent1"/>
+                </a:solidFill>
+              </a14:hiddenFill>
+            </a:ext>
+            <a:ext uri="{91240B29-F687-4F45-9708-019B960494DF}">
+              <a14:hiddenLine xmlns:a14="http://schemas.microsoft.com/office/drawing/2010/main" w="9525">
+                <a:solidFill>
+                  <a:schemeClr val="tx1"/>
+                </a:solidFill>
+                <a:miter lim="800000"/>
+                <a:headEnd/>
+                <a:tailEnd/>
+              </a14:hiddenLine>
+            </a:ext>
+          </a:extLst>
+        </p:spPr>
+      </p:pic>
+    </p:spTree>
+    <p:extLst>
+      <p:ext uri="{BB962C8B-B14F-4D97-AF65-F5344CB8AC3E}">
+        <p14:creationId xmlns:p14="http://schemas.microsoft.com/office/powerpoint/2010/main" val="3579711763"/>
       </p:ext>
     </p:extLst>
   </p:cSld>
@@ -8441,8 +9306,8 @@
           </a:p>
         </p:txBody>
       </p:sp>
-      <mc:AlternateContent xmlns:mc="http://schemas.openxmlformats.org/markup-compatibility/2006">
-        <mc:Choice xmlns:a14="http://schemas.microsoft.com/office/drawing/2010/main" Requires="a14">
+      <mc:AlternateContent xmlns:mc="http://schemas.openxmlformats.org/markup-compatibility/2006" xmlns:a14="http://schemas.microsoft.com/office/drawing/2010/main">
+        <mc:Choice Requires="a14">
           <p:sp>
             <p:nvSpPr>
               <p:cNvPr id="4" name="내용 개체 틀 3"/>
@@ -8632,7 +9497,7 @@
             </p:txBody>
           </p:sp>
         </mc:Choice>
-        <mc:Fallback>
+        <mc:Fallback xmlns="">
           <p:sp>
             <p:nvSpPr>
               <p:cNvPr id="4" name="내용 개체 틀 3"/>
@@ -9059,8 +9924,8 @@
           </a:p>
         </p:txBody>
       </p:sp>
-      <mc:AlternateContent xmlns:mc="http://schemas.openxmlformats.org/markup-compatibility/2006">
-        <mc:Choice xmlns:a14="http://schemas.microsoft.com/office/drawing/2010/main" Requires="a14">
+      <mc:AlternateContent xmlns:mc="http://schemas.openxmlformats.org/markup-compatibility/2006" xmlns:a14="http://schemas.microsoft.com/office/drawing/2010/main">
+        <mc:Choice Requires="a14">
           <p:sp>
             <p:nvSpPr>
               <p:cNvPr id="4" name="내용 개체 틀 3"/>
@@ -9251,7 +10116,7 @@
             </p:txBody>
           </p:sp>
         </mc:Choice>
-        <mc:Fallback>
+        <mc:Fallback xmlns="">
           <p:sp>
             <p:nvSpPr>
               <p:cNvPr id="4" name="내용 개체 틀 3"/>
@@ -11224,6 +12089,430 @@
 </p:sld>
 </file>
 
+<file path=ppt/slides/slide9.xml><?xml version="1.0" encoding="utf-8"?>
+<p:sld xmlns:a="http://schemas.openxmlformats.org/drawingml/2006/main" xmlns:r="http://schemas.openxmlformats.org/officeDocument/2006/relationships" xmlns:p="http://schemas.openxmlformats.org/presentationml/2006/main">
+  <p:cSld>
+    <p:spTree>
+      <p:nvGrpSpPr>
+        <p:cNvPr id="1" name=""/>
+        <p:cNvGrpSpPr/>
+        <p:nvPr/>
+      </p:nvGrpSpPr>
+      <p:grpSpPr>
+        <a:xfrm>
+          <a:off x="0" y="0"/>
+          <a:ext cx="0" cy="0"/>
+          <a:chOff x="0" y="0"/>
+          <a:chExt cx="0" cy="0"/>
+        </a:xfrm>
+      </p:grpSpPr>
+      <p:sp>
+        <p:nvSpPr>
+          <p:cNvPr id="2" name="제목 1"/>
+          <p:cNvSpPr>
+            <a:spLocks noGrp="1"/>
+          </p:cNvSpPr>
+          <p:nvPr>
+            <p:ph type="title"/>
+          </p:nvPr>
+        </p:nvSpPr>
+        <p:spPr/>
+        <p:txBody>
+          <a:bodyPr>
+            <a:normAutofit/>
+          </a:bodyPr>
+          <a:lstStyle/>
+          <a:p>
+            <a:r>
+              <a:rPr lang="en-US" altLang="ko-KR" sz="3600" b="1" dirty="0" smtClean="0">
+                <a:latin typeface="+mn-ea"/>
+                <a:ea typeface="+mn-ea"/>
+              </a:rPr>
+              <a:t>04. </a:t>
+            </a:r>
+            <a:r>
+              <a:rPr lang="en-US" altLang="ko-KR" sz="3600" b="1" dirty="0" smtClean="0">
+                <a:latin typeface="+mn-ea"/>
+                <a:ea typeface="+mn-ea"/>
+              </a:rPr>
+              <a:t>Deep </a:t>
+            </a:r>
+            <a:r>
+              <a:rPr lang="en-US" altLang="ko-KR" sz="3600" b="1" dirty="0" smtClean="0">
+                <a:latin typeface="+mn-ea"/>
+                <a:ea typeface="+mn-ea"/>
+              </a:rPr>
+              <a:t>Learning</a:t>
+            </a:r>
+            <a:endParaRPr lang="ko-KR" altLang="en-US" sz="3600" b="1" dirty="0">
+              <a:latin typeface="+mn-ea"/>
+              <a:ea typeface="+mn-ea"/>
+            </a:endParaRPr>
+          </a:p>
+        </p:txBody>
+      </p:sp>
+      <p:sp>
+        <p:nvSpPr>
+          <p:cNvPr id="4" name="내용 개체 틀 3"/>
+          <p:cNvSpPr>
+            <a:spLocks noGrp="1"/>
+          </p:cNvSpPr>
+          <p:nvPr>
+            <p:ph sz="quarter" idx="1"/>
+          </p:nvPr>
+        </p:nvSpPr>
+        <p:spPr>
+          <a:xfrm>
+            <a:off x="467544" y="1368490"/>
+            <a:ext cx="8229600" cy="4937760"/>
+          </a:xfrm>
+        </p:spPr>
+        <p:txBody>
+          <a:bodyPr>
+            <a:normAutofit/>
+          </a:bodyPr>
+          <a:lstStyle/>
+          <a:p>
+            <a:pPr marL="0" indent="0">
+              <a:lnSpc>
+                <a:spcPct val="150000"/>
+              </a:lnSpc>
+              <a:buNone/>
+            </a:pPr>
+            <a:r>
+              <a:rPr lang="en-US" altLang="ko-KR" sz="1200" b="1" dirty="0">
+                <a:latin typeface="+mn-ea"/>
+              </a:rPr>
+              <a:t> </a:t>
+            </a:r>
+            <a:r>
+              <a:rPr lang="ko-KR" altLang="en-US" sz="1200" dirty="0">
+                <a:latin typeface="+mn-ea"/>
+              </a:rPr>
+              <a:t>☞ </a:t>
+            </a:r>
+            <a:r>
+              <a:rPr lang="en-US" altLang="ko-KR" sz="1200" dirty="0">
+                <a:latin typeface="+mn-ea"/>
+              </a:rPr>
+              <a:t>Machine Learning</a:t>
+            </a:r>
+            <a:r>
+              <a:rPr lang="ko-KR" altLang="en-US" sz="1200" dirty="0">
+                <a:latin typeface="+mn-ea"/>
+              </a:rPr>
+              <a:t>의 </a:t>
+            </a:r>
+            <a:r>
+              <a:rPr lang="en-US" altLang="ko-KR" sz="1200" b="1" u="sng" dirty="0">
+                <a:latin typeface="+mn-ea"/>
+              </a:rPr>
+              <a:t>Neural Network</a:t>
+            </a:r>
+            <a:r>
+              <a:rPr lang="ko-KR" altLang="en-US" sz="1200" dirty="0">
+                <a:latin typeface="+mn-ea"/>
+              </a:rPr>
+              <a:t>는 </a:t>
+            </a:r>
+            <a:r>
+              <a:rPr lang="en-US" altLang="ko-KR" sz="1200" dirty="0">
+                <a:latin typeface="+mn-ea"/>
+              </a:rPr>
+              <a:t>Overfitting</a:t>
+            </a:r>
+            <a:r>
+              <a:rPr lang="ko-KR" altLang="en-US" sz="1200" dirty="0">
+                <a:latin typeface="+mn-ea"/>
+              </a:rPr>
+              <a:t>이 심하고</a:t>
+            </a:r>
+            <a:r>
+              <a:rPr lang="en-US" altLang="ko-KR" sz="1200" dirty="0">
+                <a:latin typeface="+mn-ea"/>
+              </a:rPr>
+              <a:t>, </a:t>
+            </a:r>
+            <a:r>
+              <a:rPr lang="ko-KR" altLang="en-US" sz="1200" dirty="0">
+                <a:latin typeface="+mn-ea"/>
+              </a:rPr>
+              <a:t>시간이 오래 걸리는 단점 존재 </a:t>
+            </a:r>
+          </a:p>
+          <a:p>
+            <a:pPr marL="0" indent="0">
+              <a:lnSpc>
+                <a:spcPct val="150000"/>
+              </a:lnSpc>
+              <a:buNone/>
+            </a:pPr>
+            <a:endParaRPr lang="en-US" altLang="ko-KR" sz="2000" b="1" dirty="0" smtClean="0"/>
+          </a:p>
+          <a:p>
+            <a:pPr marL="0" indent="0">
+              <a:lnSpc>
+                <a:spcPct val="150000"/>
+              </a:lnSpc>
+              <a:buNone/>
+            </a:pPr>
+            <a:endParaRPr lang="en-US" altLang="ko-KR" sz="2000" b="1" dirty="0" smtClean="0"/>
+          </a:p>
+          <a:p>
+            <a:pPr>
+              <a:lnSpc>
+                <a:spcPct val="150000"/>
+              </a:lnSpc>
+            </a:pPr>
+            <a:r>
+              <a:rPr lang="en-US" altLang="ko-KR" sz="2000" b="1" dirty="0" smtClean="0"/>
+              <a:t>Deep Learning</a:t>
+            </a:r>
+          </a:p>
+          <a:p>
+            <a:pPr marL="0" indent="0">
+              <a:lnSpc>
+                <a:spcPct val="150000"/>
+              </a:lnSpc>
+              <a:buNone/>
+            </a:pPr>
+            <a:r>
+              <a:rPr lang="en-US" altLang="ko-KR" sz="2000" b="1" dirty="0"/>
+              <a:t> </a:t>
+            </a:r>
+            <a:r>
+              <a:rPr lang="en-US" altLang="ko-KR" sz="2000" b="1" dirty="0" smtClean="0"/>
+              <a:t> - </a:t>
+            </a:r>
+            <a:r>
+              <a:rPr lang="ko-KR" altLang="en-US" sz="2000" b="1" dirty="0">
+                <a:solidFill>
+                  <a:srgbClr val="C00000"/>
+                </a:solidFill>
+              </a:rPr>
+              <a:t>기계 학습 알고리즘의 집합</a:t>
+            </a:r>
+            <a:r>
+              <a:rPr lang="ko-KR" altLang="en-US" sz="2000" b="1" dirty="0"/>
+              <a:t>으로 </a:t>
+            </a:r>
+            <a:r>
+              <a:rPr lang="ko-KR" altLang="en-US" sz="2000" b="1" dirty="0" smtClean="0"/>
+              <a:t>정의</a:t>
+            </a:r>
+            <a:endParaRPr lang="en-US" altLang="ko-KR" sz="2000" b="1" dirty="0" smtClean="0"/>
+          </a:p>
+          <a:p>
+            <a:pPr marL="0" indent="0">
+              <a:lnSpc>
+                <a:spcPct val="150000"/>
+              </a:lnSpc>
+              <a:buNone/>
+            </a:pPr>
+            <a:r>
+              <a:rPr lang="en-US" altLang="ko-KR" sz="2000" b="1" dirty="0"/>
+              <a:t> </a:t>
+            </a:r>
+            <a:r>
+              <a:rPr lang="en-US" altLang="ko-KR" sz="2000" b="1" dirty="0" smtClean="0"/>
+              <a:t>- Machine </a:t>
+            </a:r>
+            <a:r>
+              <a:rPr lang="en-US" altLang="ko-KR" sz="2000" b="1" dirty="0"/>
+              <a:t>Learning</a:t>
+            </a:r>
+            <a:r>
+              <a:rPr lang="ko-KR" altLang="en-US" sz="2000" b="1" dirty="0"/>
+              <a:t>의 </a:t>
+            </a:r>
+            <a:r>
+              <a:rPr lang="en-US" altLang="ko-KR" sz="2000" b="1" u="sng" dirty="0"/>
+              <a:t>Neural Network</a:t>
+            </a:r>
+            <a:r>
+              <a:rPr lang="ko-KR" altLang="en-US" sz="2000" b="1" u="sng" dirty="0"/>
+              <a:t>를 기반</a:t>
+            </a:r>
+            <a:r>
+              <a:rPr lang="ko-KR" altLang="en-US" sz="2000" b="1" dirty="0"/>
+              <a:t>으로 </a:t>
+            </a:r>
+            <a:r>
+              <a:rPr lang="ko-KR" altLang="en-US" sz="2000" b="1" dirty="0" smtClean="0"/>
+              <a:t>구현</a:t>
+            </a:r>
+            <a:endParaRPr lang="en-US" altLang="ko-KR" sz="2000" b="1" dirty="0" smtClean="0"/>
+          </a:p>
+          <a:p>
+            <a:pPr marL="0" indent="0">
+              <a:lnSpc>
+                <a:spcPct val="150000"/>
+              </a:lnSpc>
+              <a:buNone/>
+            </a:pPr>
+            <a:r>
+              <a:rPr lang="en-US" altLang="ko-KR" sz="2000" b="1" dirty="0"/>
+              <a:t> </a:t>
+            </a:r>
+            <a:r>
+              <a:rPr lang="en-US" altLang="ko-KR" sz="2000" b="1" dirty="0" smtClean="0"/>
+              <a:t>- </a:t>
+            </a:r>
+            <a:r>
+              <a:rPr lang="ko-KR" altLang="en-US" sz="2000" b="1" dirty="0" smtClean="0"/>
+              <a:t>다층의 </a:t>
+            </a:r>
+            <a:r>
+              <a:rPr lang="en-US" altLang="ko-KR" sz="2000" b="1" dirty="0" smtClean="0"/>
+              <a:t>Layer</a:t>
+            </a:r>
+            <a:r>
+              <a:rPr lang="ko-KR" altLang="en-US" sz="2000" b="1" dirty="0" smtClean="0"/>
+              <a:t>를 통해 복잡한 학습이 가능하도록 함</a:t>
+            </a:r>
+            <a:endParaRPr lang="en-US" altLang="ko-KR" sz="2000" b="1" dirty="0" smtClean="0"/>
+          </a:p>
+          <a:p>
+            <a:pPr marL="0" indent="0">
+              <a:lnSpc>
+                <a:spcPct val="150000"/>
+              </a:lnSpc>
+              <a:buNone/>
+            </a:pPr>
+            <a:r>
+              <a:rPr lang="en-US" altLang="ko-KR" sz="2000" b="1" dirty="0" smtClean="0"/>
+              <a:t>  </a:t>
+            </a:r>
+            <a:endParaRPr lang="en-US" altLang="ko-KR" sz="2000" b="1" dirty="0" smtClean="0"/>
+          </a:p>
+        </p:txBody>
+      </p:sp>
+      <p:cxnSp>
+        <p:nvCxnSpPr>
+          <p:cNvPr id="6" name="직선 화살표 연결선 5"/>
+          <p:cNvCxnSpPr/>
+          <p:nvPr/>
+        </p:nvCxnSpPr>
+        <p:spPr>
+          <a:xfrm>
+            <a:off x="4283968" y="1772816"/>
+            <a:ext cx="0" cy="936104"/>
+          </a:xfrm>
+          <a:prstGeom prst="straightConnector1">
+            <a:avLst/>
+          </a:prstGeom>
+          <a:ln>
+            <a:tailEnd type="arrow"/>
+          </a:ln>
+        </p:spPr>
+        <p:style>
+          <a:lnRef idx="1">
+            <a:schemeClr val="accent1"/>
+          </a:lnRef>
+          <a:fillRef idx="0">
+            <a:schemeClr val="accent1"/>
+          </a:fillRef>
+          <a:effectRef idx="0">
+            <a:schemeClr val="accent1"/>
+          </a:effectRef>
+          <a:fontRef idx="minor">
+            <a:schemeClr val="tx1"/>
+          </a:fontRef>
+        </p:style>
+      </p:cxnSp>
+      <p:sp>
+        <p:nvSpPr>
+          <p:cNvPr id="7" name="TextBox 6"/>
+          <p:cNvSpPr txBox="1"/>
+          <p:nvPr/>
+        </p:nvSpPr>
+        <p:spPr>
+          <a:xfrm>
+            <a:off x="4019871" y="2065240"/>
+            <a:ext cx="543739" cy="307777"/>
+          </a:xfrm>
+          <a:prstGeom prst="rect">
+            <a:avLst/>
+          </a:prstGeom>
+          <a:solidFill>
+            <a:schemeClr val="bg1"/>
+          </a:solidFill>
+        </p:spPr>
+        <p:txBody>
+          <a:bodyPr wrap="none" rtlCol="0">
+            <a:spAutoFit/>
+          </a:bodyPr>
+          <a:lstStyle/>
+          <a:p>
+            <a:r>
+              <a:rPr lang="ko-KR" altLang="en-US" sz="1400" dirty="0" smtClean="0"/>
+              <a:t>보완</a:t>
+            </a:r>
+            <a:endParaRPr lang="ko-KR" altLang="en-US" sz="1400" dirty="0"/>
+          </a:p>
+        </p:txBody>
+      </p:sp>
+      <p:sp>
+        <p:nvSpPr>
+          <p:cNvPr id="8" name="직사각형 7"/>
+          <p:cNvSpPr/>
+          <p:nvPr/>
+        </p:nvSpPr>
+        <p:spPr>
+          <a:xfrm>
+            <a:off x="467544" y="2780928"/>
+            <a:ext cx="8280920" cy="2304256"/>
+          </a:xfrm>
+          <a:prstGeom prst="rect">
+            <a:avLst/>
+          </a:prstGeom>
+          <a:noFill/>
+        </p:spPr>
+        <p:style>
+          <a:lnRef idx="2">
+            <a:schemeClr val="accent1">
+              <a:shade val="50000"/>
+            </a:schemeClr>
+          </a:lnRef>
+          <a:fillRef idx="1">
+            <a:schemeClr val="accent1"/>
+          </a:fillRef>
+          <a:effectRef idx="0">
+            <a:schemeClr val="accent1"/>
+          </a:effectRef>
+          <a:fontRef idx="minor">
+            <a:schemeClr val="lt1"/>
+          </a:fontRef>
+        </p:style>
+        <p:txBody>
+          <a:bodyPr rtlCol="0" anchor="ctr"/>
+          <a:lstStyle/>
+          <a:p>
+            <a:pPr algn="ctr"/>
+            <a:endParaRPr lang="ko-KR" altLang="en-US"/>
+          </a:p>
+        </p:txBody>
+      </p:sp>
+    </p:spTree>
+    <p:extLst>
+      <p:ext uri="{BB962C8B-B14F-4D97-AF65-F5344CB8AC3E}">
+        <p14:creationId xmlns:p14="http://schemas.microsoft.com/office/powerpoint/2010/main" val="3079767613"/>
+      </p:ext>
+    </p:extLst>
+  </p:cSld>
+  <p:clrMapOvr>
+    <a:masterClrMapping/>
+  </p:clrMapOvr>
+  <p:timing>
+    <p:tnLst>
+      <p:par>
+        <p:cTn id="1" dur="indefinite" restart="never" nodeType="tmRoot"/>
+      </p:par>
+    </p:tnLst>
+  </p:timing>
+</p:sld>
+</file>
+
 <file path=ppt/theme/theme1.xml><?xml version="1.0" encoding="utf-8"?>
 <a:theme xmlns:a="http://schemas.openxmlformats.org/drawingml/2006/main" name="원본">
   <a:themeElements>

--- a/Machine Learning 개념과 종류.pptx
+++ b/Machine Learning 개념과 종류.pptx
@@ -5,7 +5,7 @@
     <p:sldMasterId id="2147483672" r:id="rId1"/>
   </p:sldMasterIdLst>
   <p:notesMasterIdLst>
-    <p:notesMasterId r:id="rId13"/>
+    <p:notesMasterId r:id="rId19"/>
   </p:notesMasterIdLst>
   <p:sldIdLst>
     <p:sldId id="258" r:id="rId2"/>
@@ -19,6 +19,12 @@
     <p:sldId id="266" r:id="rId10"/>
     <p:sldId id="267" r:id="rId11"/>
     <p:sldId id="268" r:id="rId12"/>
+    <p:sldId id="269" r:id="rId13"/>
+    <p:sldId id="270" r:id="rId14"/>
+    <p:sldId id="271" r:id="rId15"/>
+    <p:sldId id="272" r:id="rId16"/>
+    <p:sldId id="273" r:id="rId17"/>
+    <p:sldId id="274" r:id="rId18"/>
   </p:sldIdLst>
   <p:sldSz cx="9144000" cy="6858000" type="screen4x3"/>
   <p:notesSz cx="6858000" cy="9144000"/>
@@ -202,7 +208,7 @@
           <a:p>
             <a:fld id="{693111F3-E7F7-4110-B747-A18B068C936E}" type="datetimeFigureOut">
               <a:rPr lang="ko-KR" altLang="en-US" smtClean="0"/>
-              <a:t>2020-10-14</a:t>
+              <a:t>2020-10-16</a:t>
             </a:fld>
             <a:endParaRPr lang="ko-KR" altLang="en-US"/>
           </a:p>
@@ -613,7 +619,7 @@
           <a:p>
             <a:fld id="{426225CE-111E-4274-8066-27895E711E53}" type="datetimeFigureOut">
               <a:rPr lang="ko-KR" altLang="en-US" smtClean="0"/>
-              <a:t>2020-10-14</a:t>
+              <a:t>2020-10-16</a:t>
             </a:fld>
             <a:endParaRPr lang="ko-KR" altLang="en-US"/>
           </a:p>
@@ -972,7 +978,7 @@
           <a:p>
             <a:fld id="{426225CE-111E-4274-8066-27895E711E53}" type="datetimeFigureOut">
               <a:rPr lang="ko-KR" altLang="en-US" smtClean="0"/>
-              <a:t>2020-10-14</a:t>
+              <a:t>2020-10-16</a:t>
             </a:fld>
             <a:endParaRPr lang="ko-KR" altLang="en-US"/>
           </a:p>
@@ -1147,7 +1153,7 @@
           <a:p>
             <a:fld id="{426225CE-111E-4274-8066-27895E711E53}" type="datetimeFigureOut">
               <a:rPr lang="ko-KR" altLang="en-US" smtClean="0"/>
-              <a:t>2020-10-14</a:t>
+              <a:t>2020-10-16</a:t>
             </a:fld>
             <a:endParaRPr lang="ko-KR" altLang="en-US"/>
           </a:p>
@@ -1382,7 +1388,7 @@
           <a:p>
             <a:fld id="{426225CE-111E-4274-8066-27895E711E53}" type="datetimeFigureOut">
               <a:rPr lang="ko-KR" altLang="en-US" smtClean="0"/>
-              <a:t>2020-10-14</a:t>
+              <a:t>2020-10-16</a:t>
             </a:fld>
             <a:endParaRPr lang="ko-KR" altLang="en-US"/>
           </a:p>
@@ -1651,7 +1657,7 @@
           <a:p>
             <a:fld id="{426225CE-111E-4274-8066-27895E711E53}" type="datetimeFigureOut">
               <a:rPr lang="ko-KR" altLang="en-US" smtClean="0"/>
-              <a:t>2020-10-14</a:t>
+              <a:t>2020-10-16</a:t>
             </a:fld>
             <a:endParaRPr lang="ko-KR" altLang="en-US"/>
           </a:p>
@@ -1871,7 +1877,7 @@
           <a:p>
             <a:fld id="{426225CE-111E-4274-8066-27895E711E53}" type="datetimeFigureOut">
               <a:rPr lang="ko-KR" altLang="en-US" smtClean="0"/>
-              <a:t>2020-10-14</a:t>
+              <a:t>2020-10-16</a:t>
             </a:fld>
             <a:endParaRPr lang="ko-KR" altLang="en-US"/>
           </a:p>
@@ -2223,7 +2229,7 @@
           <a:p>
             <a:fld id="{426225CE-111E-4274-8066-27895E711E53}" type="datetimeFigureOut">
               <a:rPr lang="ko-KR" altLang="en-US" smtClean="0"/>
-              <a:t>2020-10-14</a:t>
+              <a:t>2020-10-16</a:t>
             </a:fld>
             <a:endParaRPr lang="ko-KR" altLang="en-US"/>
           </a:p>
@@ -2455,7 +2461,7 @@
           <a:p>
             <a:fld id="{426225CE-111E-4274-8066-27895E711E53}" type="datetimeFigureOut">
               <a:rPr lang="ko-KR" altLang="en-US" smtClean="0"/>
-              <a:t>2020-10-14</a:t>
+              <a:t>2020-10-16</a:t>
             </a:fld>
             <a:endParaRPr lang="ko-KR" altLang="en-US"/>
           </a:p>
@@ -2595,7 +2601,7 @@
           <a:p>
             <a:fld id="{426225CE-111E-4274-8066-27895E711E53}" type="datetimeFigureOut">
               <a:rPr lang="ko-KR" altLang="en-US" smtClean="0"/>
-              <a:t>2020-10-14</a:t>
+              <a:t>2020-10-16</a:t>
             </a:fld>
             <a:endParaRPr lang="ko-KR" altLang="en-US"/>
           </a:p>
@@ -2872,7 +2878,7 @@
           <a:p>
             <a:fld id="{426225CE-111E-4274-8066-27895E711E53}" type="datetimeFigureOut">
               <a:rPr lang="ko-KR" altLang="en-US" smtClean="0"/>
-              <a:t>2020-10-14</a:t>
+              <a:t>2020-10-16</a:t>
             </a:fld>
             <a:endParaRPr lang="ko-KR" altLang="en-US"/>
           </a:p>
@@ -3279,7 +3285,7 @@
           <a:p>
             <a:fld id="{426225CE-111E-4274-8066-27895E711E53}" type="datetimeFigureOut">
               <a:rPr lang="ko-KR" altLang="en-US" smtClean="0"/>
-              <a:t>2020-10-14</a:t>
+              <a:t>2020-10-16</a:t>
             </a:fld>
             <a:endParaRPr lang="ko-KR" altLang="en-US"/>
           </a:p>
@@ -3617,7 +3623,7 @@
           <a:p>
             <a:fld id="{426225CE-111E-4274-8066-27895E711E53}" type="datetimeFigureOut">
               <a:rPr lang="ko-KR" altLang="en-US" smtClean="0"/>
-              <a:t>2020-10-14</a:t>
+              <a:t>2020-10-16</a:t>
             </a:fld>
             <a:endParaRPr lang="ko-KR" altLang="en-US"/>
           </a:p>
@@ -4683,21 +4689,7 @@
                 <a:latin typeface="+mn-ea"/>
                 <a:ea typeface="+mn-ea"/>
               </a:rPr>
-              <a:t>04. </a:t>
-            </a:r>
-            <a:r>
-              <a:rPr lang="en-US" altLang="ko-KR" sz="3600" b="1" dirty="0" smtClean="0">
-                <a:latin typeface="+mn-ea"/>
-                <a:ea typeface="+mn-ea"/>
-              </a:rPr>
-              <a:t>Deep </a:t>
-            </a:r>
-            <a:r>
-              <a:rPr lang="en-US" altLang="ko-KR" sz="3600" b="1" dirty="0" smtClean="0">
-                <a:latin typeface="+mn-ea"/>
-                <a:ea typeface="+mn-ea"/>
-              </a:rPr>
-              <a:t>Learning</a:t>
+              <a:t>04. Deep Learning</a:t>
             </a:r>
             <a:endParaRPr lang="ko-KR" altLang="en-US" sz="3600" b="1" dirty="0">
               <a:latin typeface="+mn-ea"/>
@@ -5164,21 +5156,7 @@
                 <a:latin typeface="+mn-ea"/>
                 <a:ea typeface="+mn-ea"/>
               </a:rPr>
-              <a:t>04. </a:t>
-            </a:r>
-            <a:r>
-              <a:rPr lang="en-US" altLang="ko-KR" sz="3600" b="1" dirty="0" smtClean="0">
-                <a:latin typeface="+mn-ea"/>
-                <a:ea typeface="+mn-ea"/>
-              </a:rPr>
-              <a:t>Deep </a:t>
-            </a:r>
-            <a:r>
-              <a:rPr lang="en-US" altLang="ko-KR" sz="3600" b="1" dirty="0" smtClean="0">
-                <a:latin typeface="+mn-ea"/>
-                <a:ea typeface="+mn-ea"/>
-              </a:rPr>
-              <a:t>Learning</a:t>
+              <a:t>04. Deep Learning</a:t>
             </a:r>
             <a:endParaRPr lang="ko-KR" altLang="en-US" sz="3600" b="1" dirty="0">
               <a:latin typeface="+mn-ea"/>
@@ -5490,6 +5468,3680 @@
     <p:extLst>
       <p:ext uri="{BB962C8B-B14F-4D97-AF65-F5344CB8AC3E}">
         <p14:creationId xmlns:p14="http://schemas.microsoft.com/office/powerpoint/2010/main" val="3579711763"/>
+      </p:ext>
+    </p:extLst>
+  </p:cSld>
+  <p:clrMapOvr>
+    <a:masterClrMapping/>
+  </p:clrMapOvr>
+  <p:timing>
+    <p:tnLst>
+      <p:par>
+        <p:cTn id="1" dur="indefinite" restart="never" nodeType="tmRoot"/>
+      </p:par>
+    </p:tnLst>
+  </p:timing>
+</p:sld>
+</file>
+
+<file path=ppt/slides/slide12.xml><?xml version="1.0" encoding="utf-8"?>
+<p:sld xmlns:a="http://schemas.openxmlformats.org/drawingml/2006/main" xmlns:r="http://schemas.openxmlformats.org/officeDocument/2006/relationships" xmlns:p="http://schemas.openxmlformats.org/presentationml/2006/main">
+  <p:cSld>
+    <p:spTree>
+      <p:nvGrpSpPr>
+        <p:cNvPr id="1" name=""/>
+        <p:cNvGrpSpPr/>
+        <p:nvPr/>
+      </p:nvGrpSpPr>
+      <p:grpSpPr>
+        <a:xfrm>
+          <a:off x="0" y="0"/>
+          <a:ext cx="0" cy="0"/>
+          <a:chOff x="0" y="0"/>
+          <a:chExt cx="0" cy="0"/>
+        </a:xfrm>
+      </p:grpSpPr>
+      <p:sp>
+        <p:nvSpPr>
+          <p:cNvPr id="2" name="제목 1"/>
+          <p:cNvSpPr>
+            <a:spLocks noGrp="1"/>
+          </p:cNvSpPr>
+          <p:nvPr>
+            <p:ph type="title"/>
+          </p:nvPr>
+        </p:nvSpPr>
+        <p:spPr/>
+        <p:txBody>
+          <a:bodyPr>
+            <a:normAutofit/>
+          </a:bodyPr>
+          <a:lstStyle/>
+          <a:p>
+            <a:r>
+              <a:rPr lang="en-US" altLang="ko-KR" sz="3600" b="1" dirty="0" smtClean="0">
+                <a:latin typeface="+mn-ea"/>
+                <a:ea typeface="+mn-ea"/>
+              </a:rPr>
+              <a:t>04. Deep Learning</a:t>
+            </a:r>
+            <a:endParaRPr lang="ko-KR" altLang="en-US" sz="3600" b="1" dirty="0">
+              <a:latin typeface="+mn-ea"/>
+              <a:ea typeface="+mn-ea"/>
+            </a:endParaRPr>
+          </a:p>
+        </p:txBody>
+      </p:sp>
+      <p:sp>
+        <p:nvSpPr>
+          <p:cNvPr id="4" name="내용 개체 틀 3"/>
+          <p:cNvSpPr>
+            <a:spLocks noGrp="1"/>
+          </p:cNvSpPr>
+          <p:nvPr>
+            <p:ph sz="quarter" idx="1"/>
+          </p:nvPr>
+        </p:nvSpPr>
+        <p:spPr>
+          <a:xfrm>
+            <a:off x="467544" y="1124744"/>
+            <a:ext cx="8229600" cy="5181506"/>
+          </a:xfrm>
+        </p:spPr>
+        <p:txBody>
+          <a:bodyPr>
+            <a:normAutofit/>
+          </a:bodyPr>
+          <a:lstStyle/>
+          <a:p>
+            <a:pPr>
+              <a:lnSpc>
+                <a:spcPct val="150000"/>
+              </a:lnSpc>
+            </a:pPr>
+            <a:r>
+              <a:rPr lang="ko-KR" altLang="en-US" sz="2000" b="1" dirty="0" smtClean="0"/>
+              <a:t>다양한 분야의 </a:t>
+            </a:r>
+            <a:r>
+              <a:rPr lang="en-US" altLang="ko-KR" sz="2000" b="1" dirty="0" smtClean="0"/>
+              <a:t>Deep Learning</a:t>
+            </a:r>
+            <a:endParaRPr lang="en-US" altLang="ko-KR" sz="1600" dirty="0" smtClean="0">
+              <a:latin typeface="+mn-ea"/>
+            </a:endParaRPr>
+          </a:p>
+          <a:p>
+            <a:pPr marL="0" indent="0">
+              <a:lnSpc>
+                <a:spcPct val="150000"/>
+              </a:lnSpc>
+              <a:buNone/>
+            </a:pPr>
+            <a:r>
+              <a:rPr lang="en-US" altLang="ko-KR" sz="1200" b="1" dirty="0" smtClean="0">
+                <a:latin typeface="+mn-ea"/>
+              </a:rPr>
+              <a:t> </a:t>
+            </a:r>
+            <a:r>
+              <a:rPr lang="en-US" altLang="ko-KR" sz="1200" b="1" dirty="0">
+                <a:latin typeface="+mn-ea"/>
+              </a:rPr>
+              <a:t> </a:t>
+            </a:r>
+            <a:r>
+              <a:rPr lang="en-US" altLang="ko-KR" sz="1400" b="1" dirty="0" smtClean="0">
+                <a:latin typeface="+mn-ea"/>
+              </a:rPr>
+              <a:t>☞ object detection (</a:t>
+            </a:r>
+            <a:r>
+              <a:rPr lang="ko-KR" altLang="en-US" sz="1400" b="1" dirty="0" smtClean="0">
+                <a:latin typeface="+mn-ea"/>
+              </a:rPr>
+              <a:t>객체 탐지</a:t>
+            </a:r>
+            <a:r>
+              <a:rPr lang="en-US" altLang="ko-KR" sz="1400" b="1" dirty="0" smtClean="0">
+                <a:latin typeface="+mn-ea"/>
+              </a:rPr>
+              <a:t>)                      ☞ Style transfer</a:t>
+            </a:r>
+          </a:p>
+          <a:p>
+            <a:pPr marL="0" indent="0">
+              <a:lnSpc>
+                <a:spcPct val="150000"/>
+              </a:lnSpc>
+              <a:buNone/>
+            </a:pPr>
+            <a:r>
+              <a:rPr lang="en-US" altLang="ko-KR" sz="1400" dirty="0" smtClean="0">
+                <a:latin typeface="+mn-ea"/>
+              </a:rPr>
+              <a:t> </a:t>
+            </a:r>
+          </a:p>
+          <a:p>
+            <a:pPr marL="0" indent="0">
+              <a:lnSpc>
+                <a:spcPct val="150000"/>
+              </a:lnSpc>
+              <a:buNone/>
+            </a:pPr>
+            <a:endParaRPr lang="en-US" altLang="ko-KR" sz="1400" dirty="0">
+              <a:latin typeface="+mn-ea"/>
+            </a:endParaRPr>
+          </a:p>
+          <a:p>
+            <a:pPr marL="0" indent="0">
+              <a:lnSpc>
+                <a:spcPct val="150000"/>
+              </a:lnSpc>
+              <a:buNone/>
+            </a:pPr>
+            <a:endParaRPr lang="en-US" altLang="ko-KR" sz="1400" dirty="0" smtClean="0">
+              <a:latin typeface="+mn-ea"/>
+            </a:endParaRPr>
+          </a:p>
+          <a:p>
+            <a:pPr marL="0" indent="0">
+              <a:lnSpc>
+                <a:spcPct val="150000"/>
+              </a:lnSpc>
+              <a:buNone/>
+            </a:pPr>
+            <a:endParaRPr lang="en-US" altLang="ko-KR" sz="1400" dirty="0">
+              <a:latin typeface="+mn-ea"/>
+            </a:endParaRPr>
+          </a:p>
+          <a:p>
+            <a:pPr marL="0" indent="0">
+              <a:lnSpc>
+                <a:spcPct val="150000"/>
+              </a:lnSpc>
+              <a:buNone/>
+            </a:pPr>
+            <a:endParaRPr lang="en-US" altLang="ko-KR" sz="1400" dirty="0" smtClean="0">
+              <a:latin typeface="+mn-ea"/>
+            </a:endParaRPr>
+          </a:p>
+          <a:p>
+            <a:pPr marL="0" indent="0">
+              <a:lnSpc>
+                <a:spcPct val="150000"/>
+              </a:lnSpc>
+              <a:buNone/>
+            </a:pPr>
+            <a:r>
+              <a:rPr lang="en-US" altLang="ko-KR" sz="1100" b="1" dirty="0">
+                <a:latin typeface="+mn-ea"/>
+              </a:rPr>
+              <a:t> ☞</a:t>
+            </a:r>
+            <a:r>
+              <a:rPr lang="en-US" altLang="ko-KR" sz="1400" b="1" dirty="0">
+                <a:latin typeface="+mn-ea"/>
+              </a:rPr>
+              <a:t> image </a:t>
+            </a:r>
+            <a:r>
+              <a:rPr lang="en-US" altLang="ko-KR" sz="1400" b="1" dirty="0" smtClean="0">
+                <a:latin typeface="+mn-ea"/>
+              </a:rPr>
+              <a:t>resolution (</a:t>
+            </a:r>
+            <a:r>
+              <a:rPr lang="ko-KR" altLang="en-US" sz="1400" b="1" dirty="0" smtClean="0">
+                <a:latin typeface="+mn-ea"/>
+              </a:rPr>
+              <a:t>해상도 복원</a:t>
+            </a:r>
+            <a:r>
+              <a:rPr lang="en-US" altLang="ko-KR" sz="1400" b="1" dirty="0" smtClean="0">
+                <a:latin typeface="+mn-ea"/>
+              </a:rPr>
+              <a:t>)                    </a:t>
+            </a:r>
+            <a:r>
+              <a:rPr lang="en-US" altLang="ko-KR" sz="1100" b="1" dirty="0" smtClean="0">
+                <a:latin typeface="+mn-ea"/>
+              </a:rPr>
+              <a:t>☞</a:t>
+            </a:r>
+            <a:r>
+              <a:rPr lang="en-US" altLang="ko-KR" sz="1400" b="1" dirty="0" smtClean="0">
+                <a:latin typeface="+mn-ea"/>
+              </a:rPr>
+              <a:t> Colorization</a:t>
+            </a:r>
+            <a:endParaRPr lang="en-US" altLang="ko-KR" sz="1400" dirty="0" smtClean="0">
+              <a:latin typeface="+mn-ea"/>
+            </a:endParaRPr>
+          </a:p>
+        </p:txBody>
+      </p:sp>
+      <p:pic>
+        <p:nvPicPr>
+          <p:cNvPr id="1026" name="Picture 2"/>
+          <p:cNvPicPr>
+            <a:picLocks noChangeAspect="1" noChangeArrowheads="1"/>
+          </p:cNvPicPr>
+          <p:nvPr/>
+        </p:nvPicPr>
+        <p:blipFill>
+          <a:blip r:embed="rId2">
+            <a:extLst>
+              <a:ext uri="{28A0092B-C50C-407E-A947-70E740481C1C}">
+                <a14:useLocalDpi xmlns:a14="http://schemas.microsoft.com/office/drawing/2010/main" val="0"/>
+              </a:ext>
+            </a:extLst>
+          </a:blip>
+          <a:srcRect/>
+          <a:stretch>
+            <a:fillRect/>
+          </a:stretch>
+        </p:blipFill>
+        <p:spPr bwMode="auto">
+          <a:xfrm>
+            <a:off x="755576" y="2132856"/>
+            <a:ext cx="2520280" cy="1656184"/>
+          </a:xfrm>
+          <a:prstGeom prst="rect">
+            <a:avLst/>
+          </a:prstGeom>
+          <a:noFill/>
+          <a:ln>
+            <a:noFill/>
+          </a:ln>
+          <a:extLst>
+            <a:ext uri="{909E8E84-426E-40DD-AFC4-6F175D3DCCD1}">
+              <a14:hiddenFill xmlns:a14="http://schemas.microsoft.com/office/drawing/2010/main">
+                <a:solidFill>
+                  <a:schemeClr val="accent1"/>
+                </a:solidFill>
+              </a14:hiddenFill>
+            </a:ext>
+            <a:ext uri="{91240B29-F687-4F45-9708-019B960494DF}">
+              <a14:hiddenLine xmlns:a14="http://schemas.microsoft.com/office/drawing/2010/main" w="9525">
+                <a:solidFill>
+                  <a:schemeClr val="tx1"/>
+                </a:solidFill>
+                <a:miter lim="800000"/>
+                <a:headEnd/>
+                <a:tailEnd/>
+              </a14:hiddenLine>
+            </a:ext>
+          </a:extLst>
+        </p:spPr>
+      </p:pic>
+      <p:pic>
+        <p:nvPicPr>
+          <p:cNvPr id="1027" name="Picture 3"/>
+          <p:cNvPicPr>
+            <a:picLocks noChangeAspect="1" noChangeArrowheads="1"/>
+          </p:cNvPicPr>
+          <p:nvPr/>
+        </p:nvPicPr>
+        <p:blipFill>
+          <a:blip r:embed="rId3">
+            <a:extLst>
+              <a:ext uri="{28A0092B-C50C-407E-A947-70E740481C1C}">
+                <a14:useLocalDpi xmlns:a14="http://schemas.microsoft.com/office/drawing/2010/main" val="0"/>
+              </a:ext>
+            </a:extLst>
+          </a:blip>
+          <a:srcRect/>
+          <a:stretch>
+            <a:fillRect/>
+          </a:stretch>
+        </p:blipFill>
+        <p:spPr bwMode="auto">
+          <a:xfrm>
+            <a:off x="683568" y="4419171"/>
+            <a:ext cx="2736304" cy="1741284"/>
+          </a:xfrm>
+          <a:prstGeom prst="rect">
+            <a:avLst/>
+          </a:prstGeom>
+          <a:noFill/>
+          <a:ln>
+            <a:noFill/>
+          </a:ln>
+          <a:extLst>
+            <a:ext uri="{909E8E84-426E-40DD-AFC4-6F175D3DCCD1}">
+              <a14:hiddenFill xmlns:a14="http://schemas.microsoft.com/office/drawing/2010/main">
+                <a:solidFill>
+                  <a:schemeClr val="accent1"/>
+                </a:solidFill>
+              </a14:hiddenFill>
+            </a:ext>
+            <a:ext uri="{91240B29-F687-4F45-9708-019B960494DF}">
+              <a14:hiddenLine xmlns:a14="http://schemas.microsoft.com/office/drawing/2010/main" w="9525">
+                <a:solidFill>
+                  <a:schemeClr val="tx1"/>
+                </a:solidFill>
+                <a:miter lim="800000"/>
+                <a:headEnd/>
+                <a:tailEnd/>
+              </a14:hiddenLine>
+            </a:ext>
+          </a:extLst>
+        </p:spPr>
+      </p:pic>
+      <p:pic>
+        <p:nvPicPr>
+          <p:cNvPr id="1029" name="Picture 5"/>
+          <p:cNvPicPr>
+            <a:picLocks noChangeAspect="1" noChangeArrowheads="1"/>
+          </p:cNvPicPr>
+          <p:nvPr/>
+        </p:nvPicPr>
+        <p:blipFill>
+          <a:blip r:embed="rId4">
+            <a:extLst>
+              <a:ext uri="{28A0092B-C50C-407E-A947-70E740481C1C}">
+                <a14:useLocalDpi xmlns:a14="http://schemas.microsoft.com/office/drawing/2010/main" val="0"/>
+              </a:ext>
+            </a:extLst>
+          </a:blip>
+          <a:srcRect/>
+          <a:stretch>
+            <a:fillRect/>
+          </a:stretch>
+        </p:blipFill>
+        <p:spPr bwMode="auto">
+          <a:xfrm>
+            <a:off x="4788024" y="2060848"/>
+            <a:ext cx="3456383" cy="1728192"/>
+          </a:xfrm>
+          <a:prstGeom prst="rect">
+            <a:avLst/>
+          </a:prstGeom>
+          <a:noFill/>
+          <a:ln>
+            <a:noFill/>
+          </a:ln>
+          <a:extLst>
+            <a:ext uri="{909E8E84-426E-40DD-AFC4-6F175D3DCCD1}">
+              <a14:hiddenFill xmlns:a14="http://schemas.microsoft.com/office/drawing/2010/main">
+                <a:solidFill>
+                  <a:schemeClr val="accent1"/>
+                </a:solidFill>
+              </a14:hiddenFill>
+            </a:ext>
+            <a:ext uri="{91240B29-F687-4F45-9708-019B960494DF}">
+              <a14:hiddenLine xmlns:a14="http://schemas.microsoft.com/office/drawing/2010/main" w="9525">
+                <a:solidFill>
+                  <a:schemeClr val="tx1"/>
+                </a:solidFill>
+                <a:miter lim="800000"/>
+                <a:headEnd/>
+                <a:tailEnd/>
+              </a14:hiddenLine>
+            </a:ext>
+          </a:extLst>
+        </p:spPr>
+      </p:pic>
+      <p:pic>
+        <p:nvPicPr>
+          <p:cNvPr id="1030" name="Picture 6"/>
+          <p:cNvPicPr>
+            <a:picLocks noChangeAspect="1" noChangeArrowheads="1"/>
+          </p:cNvPicPr>
+          <p:nvPr/>
+        </p:nvPicPr>
+        <p:blipFill>
+          <a:blip r:embed="rId5">
+            <a:extLst>
+              <a:ext uri="{28A0092B-C50C-407E-A947-70E740481C1C}">
+                <a14:useLocalDpi xmlns:a14="http://schemas.microsoft.com/office/drawing/2010/main" val="0"/>
+              </a:ext>
+            </a:extLst>
+          </a:blip>
+          <a:srcRect/>
+          <a:stretch>
+            <a:fillRect/>
+          </a:stretch>
+        </p:blipFill>
+        <p:spPr bwMode="auto">
+          <a:xfrm>
+            <a:off x="4932039" y="4484189"/>
+            <a:ext cx="3456384" cy="1611247"/>
+          </a:xfrm>
+          <a:prstGeom prst="rect">
+            <a:avLst/>
+          </a:prstGeom>
+          <a:noFill/>
+          <a:ln>
+            <a:noFill/>
+          </a:ln>
+          <a:extLst>
+            <a:ext uri="{909E8E84-426E-40DD-AFC4-6F175D3DCCD1}">
+              <a14:hiddenFill xmlns:a14="http://schemas.microsoft.com/office/drawing/2010/main">
+                <a:solidFill>
+                  <a:schemeClr val="accent1"/>
+                </a:solidFill>
+              </a14:hiddenFill>
+            </a:ext>
+            <a:ext uri="{91240B29-F687-4F45-9708-019B960494DF}">
+              <a14:hiddenLine xmlns:a14="http://schemas.microsoft.com/office/drawing/2010/main" w="9525">
+                <a:solidFill>
+                  <a:schemeClr val="tx1"/>
+                </a:solidFill>
+                <a:miter lim="800000"/>
+                <a:headEnd/>
+                <a:tailEnd/>
+              </a14:hiddenLine>
+            </a:ext>
+          </a:extLst>
+        </p:spPr>
+      </p:pic>
+    </p:spTree>
+    <p:extLst>
+      <p:ext uri="{BB962C8B-B14F-4D97-AF65-F5344CB8AC3E}">
+        <p14:creationId xmlns:p14="http://schemas.microsoft.com/office/powerpoint/2010/main" val="2108452486"/>
+      </p:ext>
+    </p:extLst>
+  </p:cSld>
+  <p:clrMapOvr>
+    <a:masterClrMapping/>
+  </p:clrMapOvr>
+  <p:timing>
+    <p:tnLst>
+      <p:par>
+        <p:cTn id="1" dur="indefinite" restart="never" nodeType="tmRoot"/>
+      </p:par>
+    </p:tnLst>
+  </p:timing>
+</p:sld>
+</file>
+
+<file path=ppt/slides/slide13.xml><?xml version="1.0" encoding="utf-8"?>
+<p:sld xmlns:a="http://schemas.openxmlformats.org/drawingml/2006/main" xmlns:r="http://schemas.openxmlformats.org/officeDocument/2006/relationships" xmlns:p="http://schemas.openxmlformats.org/presentationml/2006/main">
+  <p:cSld>
+    <p:spTree>
+      <p:nvGrpSpPr>
+        <p:cNvPr id="1" name=""/>
+        <p:cNvGrpSpPr/>
+        <p:nvPr/>
+      </p:nvGrpSpPr>
+      <p:grpSpPr>
+        <a:xfrm>
+          <a:off x="0" y="0"/>
+          <a:ext cx="0" cy="0"/>
+          <a:chOff x="0" y="0"/>
+          <a:chExt cx="0" cy="0"/>
+        </a:xfrm>
+      </p:grpSpPr>
+      <p:sp>
+        <p:nvSpPr>
+          <p:cNvPr id="2" name="제목 1"/>
+          <p:cNvSpPr>
+            <a:spLocks noGrp="1"/>
+          </p:cNvSpPr>
+          <p:nvPr>
+            <p:ph type="title"/>
+          </p:nvPr>
+        </p:nvSpPr>
+        <p:spPr/>
+        <p:txBody>
+          <a:bodyPr>
+            <a:normAutofit/>
+          </a:bodyPr>
+          <a:lstStyle/>
+          <a:p>
+            <a:r>
+              <a:rPr lang="en-US" altLang="ko-KR" sz="3600" b="1" dirty="0" smtClean="0">
+                <a:latin typeface="+mn-ea"/>
+                <a:ea typeface="+mn-ea"/>
+              </a:rPr>
+              <a:t>05. </a:t>
+            </a:r>
+            <a:r>
+              <a:rPr lang="en-US" altLang="ko-KR" sz="3600" b="1" dirty="0" smtClean="0">
+                <a:latin typeface="+mn-ea"/>
+                <a:ea typeface="+mn-ea"/>
+              </a:rPr>
+              <a:t>Deep </a:t>
+            </a:r>
+            <a:r>
+              <a:rPr lang="en-US" altLang="ko-KR" sz="3600" b="1" dirty="0" smtClean="0">
+                <a:latin typeface="+mn-ea"/>
+                <a:ea typeface="+mn-ea"/>
+              </a:rPr>
+              <a:t>Learning </a:t>
+            </a:r>
+            <a:r>
+              <a:rPr lang="ko-KR" altLang="en-US" sz="3600" b="1" dirty="0" smtClean="0">
+                <a:latin typeface="+mn-ea"/>
+                <a:ea typeface="+mn-ea"/>
+              </a:rPr>
+              <a:t>주요 모델</a:t>
+            </a:r>
+            <a:endParaRPr lang="ko-KR" altLang="en-US" sz="3600" b="1" dirty="0">
+              <a:latin typeface="+mn-ea"/>
+              <a:ea typeface="+mn-ea"/>
+            </a:endParaRPr>
+          </a:p>
+        </p:txBody>
+      </p:sp>
+      <p:sp>
+        <p:nvSpPr>
+          <p:cNvPr id="4" name="내용 개체 틀 3"/>
+          <p:cNvSpPr>
+            <a:spLocks noGrp="1"/>
+          </p:cNvSpPr>
+          <p:nvPr>
+            <p:ph sz="quarter" idx="1"/>
+          </p:nvPr>
+        </p:nvSpPr>
+        <p:spPr>
+          <a:xfrm>
+            <a:off x="467544" y="1124744"/>
+            <a:ext cx="8229600" cy="5181506"/>
+          </a:xfrm>
+        </p:spPr>
+        <p:txBody>
+          <a:bodyPr>
+            <a:normAutofit/>
+          </a:bodyPr>
+          <a:lstStyle/>
+          <a:p>
+            <a:pPr>
+              <a:lnSpc>
+                <a:spcPct val="150000"/>
+              </a:lnSpc>
+            </a:pPr>
+            <a:r>
+              <a:rPr lang="en-US" altLang="ko-KR" sz="2000" b="1" dirty="0" smtClean="0"/>
+              <a:t>GAN (Generative Adversarial Network)</a:t>
+            </a:r>
+          </a:p>
+          <a:p>
+            <a:pPr marL="0" indent="0">
+              <a:lnSpc>
+                <a:spcPct val="150000"/>
+              </a:lnSpc>
+              <a:buNone/>
+            </a:pPr>
+            <a:r>
+              <a:rPr lang="en-US" altLang="ko-KR" sz="1400" dirty="0">
+                <a:latin typeface="+mn-ea"/>
+              </a:rPr>
+              <a:t> </a:t>
+            </a:r>
+            <a:r>
+              <a:rPr lang="en-US" altLang="ko-KR" sz="1400" dirty="0" smtClean="0">
+                <a:latin typeface="+mn-ea"/>
+              </a:rPr>
+              <a:t>: DATA</a:t>
+            </a:r>
+            <a:r>
+              <a:rPr lang="ko-KR" altLang="en-US" sz="1400" dirty="0" smtClean="0">
+                <a:latin typeface="+mn-ea"/>
+              </a:rPr>
+              <a:t>를 만들어내는 </a:t>
+            </a:r>
+            <a:r>
+              <a:rPr lang="en-US" altLang="ko-KR" sz="1400" b="1" dirty="0" smtClean="0">
+                <a:latin typeface="+mn-ea"/>
+              </a:rPr>
+              <a:t>Generator </a:t>
+            </a:r>
+            <a:r>
+              <a:rPr lang="en-US" altLang="ko-KR" sz="1400" b="1" dirty="0" smtClean="0">
+                <a:latin typeface="바탕"/>
+                <a:ea typeface="바탕"/>
+              </a:rPr>
+              <a:t>↔ </a:t>
+            </a:r>
+            <a:r>
+              <a:rPr lang="ko-KR" altLang="en-US" sz="1400" dirty="0">
+                <a:latin typeface="+mn-ea"/>
+              </a:rPr>
+              <a:t>만들어진 </a:t>
+            </a:r>
+            <a:r>
+              <a:rPr lang="en-US" altLang="ko-KR" sz="1400" dirty="0">
+                <a:latin typeface="+mn-ea"/>
+              </a:rPr>
+              <a:t>DATA</a:t>
+            </a:r>
+            <a:r>
+              <a:rPr lang="ko-KR" altLang="en-US" sz="1400" dirty="0">
+                <a:latin typeface="+mn-ea"/>
+              </a:rPr>
+              <a:t>를 평가하는 </a:t>
+            </a:r>
+            <a:r>
+              <a:rPr lang="en-US" altLang="ko-KR" sz="1400" b="1" dirty="0">
+                <a:latin typeface="+mn-ea"/>
+              </a:rPr>
+              <a:t>Discriminator</a:t>
+            </a:r>
+            <a:endParaRPr lang="en-US" altLang="ko-KR" sz="1400" b="1" dirty="0" smtClean="0">
+              <a:latin typeface="+mn-ea"/>
+            </a:endParaRPr>
+          </a:p>
+          <a:p>
+            <a:pPr marL="0" indent="0">
+              <a:lnSpc>
+                <a:spcPct val="150000"/>
+              </a:lnSpc>
+              <a:buNone/>
+            </a:pPr>
+            <a:r>
+              <a:rPr lang="en-US" altLang="ko-KR" sz="1400" dirty="0">
+                <a:latin typeface="+mn-ea"/>
+              </a:rPr>
+              <a:t>  </a:t>
+            </a:r>
+            <a:r>
+              <a:rPr lang="en-US" altLang="ko-KR" sz="1400" dirty="0" smtClean="0">
+                <a:latin typeface="+mn-ea"/>
+              </a:rPr>
+              <a:t> </a:t>
+            </a:r>
+            <a:r>
+              <a:rPr lang="ko-KR" altLang="en-US" sz="1400" dirty="0" smtClean="0">
+                <a:latin typeface="+mn-ea"/>
+              </a:rPr>
+              <a:t>이들이 </a:t>
+            </a:r>
+            <a:r>
+              <a:rPr lang="ko-KR" altLang="en-US" sz="1400" b="1" u="sng" dirty="0" smtClean="0">
+                <a:latin typeface="+mn-ea"/>
+              </a:rPr>
+              <a:t>서로 대립</a:t>
+            </a:r>
+            <a:r>
+              <a:rPr lang="en-US" altLang="ko-KR" sz="1400" b="1" u="sng" dirty="0" smtClean="0">
+                <a:latin typeface="+mn-ea"/>
+              </a:rPr>
+              <a:t>(Adversarial)</a:t>
+            </a:r>
+            <a:r>
+              <a:rPr lang="ko-KR" altLang="en-US" sz="1400" b="1" u="sng" dirty="0" smtClean="0">
+                <a:latin typeface="+mn-ea"/>
+              </a:rPr>
+              <a:t>적으로 학습</a:t>
+            </a:r>
+            <a:r>
+              <a:rPr lang="ko-KR" altLang="en-US" sz="1400" dirty="0" smtClean="0">
+                <a:latin typeface="+mn-ea"/>
+              </a:rPr>
+              <a:t>해가며 성능을 점차 개선해 나가잔 개념</a:t>
+            </a:r>
+            <a:endParaRPr lang="en-US" altLang="ko-KR" sz="1400" dirty="0" smtClean="0">
+              <a:latin typeface="+mn-ea"/>
+            </a:endParaRPr>
+          </a:p>
+          <a:p>
+            <a:pPr marL="0" indent="0">
+              <a:lnSpc>
+                <a:spcPct val="150000"/>
+              </a:lnSpc>
+              <a:buNone/>
+            </a:pPr>
+            <a:endParaRPr lang="en-US" altLang="ko-KR" sz="1400" dirty="0">
+              <a:latin typeface="+mn-ea"/>
+            </a:endParaRPr>
+          </a:p>
+          <a:p>
+            <a:pPr marL="0" indent="0">
+              <a:lnSpc>
+                <a:spcPct val="150000"/>
+              </a:lnSpc>
+              <a:buNone/>
+            </a:pPr>
+            <a:r>
+              <a:rPr lang="en-US" altLang="ko-KR" sz="1400" dirty="0">
+                <a:latin typeface="+mn-ea"/>
+              </a:rPr>
+              <a:t> </a:t>
+            </a:r>
+            <a:r>
+              <a:rPr lang="en-US" altLang="ko-KR" sz="1400" dirty="0" smtClean="0">
+                <a:latin typeface="+mn-ea"/>
+              </a:rPr>
+              <a:t>1)</a:t>
+            </a:r>
+            <a:r>
+              <a:rPr lang="en-US" altLang="ko-KR" sz="1400" dirty="0" smtClean="0">
+                <a:latin typeface="+mn-ea"/>
+              </a:rPr>
+              <a:t> </a:t>
+            </a:r>
+            <a:r>
+              <a:rPr lang="en-US" altLang="ko-KR" sz="1400" b="1" dirty="0" smtClean="0">
+                <a:latin typeface="+mn-ea"/>
+              </a:rPr>
+              <a:t>Discriminator </a:t>
+            </a:r>
+            <a:r>
+              <a:rPr lang="ko-KR" altLang="en-US" sz="1400" b="1" dirty="0" smtClean="0">
+                <a:latin typeface="+mn-ea"/>
+              </a:rPr>
+              <a:t>학습</a:t>
+            </a:r>
+            <a:endParaRPr lang="en-US" altLang="ko-KR" sz="1400" b="1" dirty="0" smtClean="0">
+              <a:latin typeface="+mn-ea"/>
+            </a:endParaRPr>
+          </a:p>
+          <a:p>
+            <a:pPr marL="0" indent="0">
+              <a:lnSpc>
+                <a:spcPct val="150000"/>
+              </a:lnSpc>
+              <a:buNone/>
+            </a:pPr>
+            <a:r>
+              <a:rPr lang="en-US" altLang="ko-KR" sz="1400" dirty="0">
+                <a:latin typeface="+mn-ea"/>
+              </a:rPr>
+              <a:t> </a:t>
+            </a:r>
+            <a:r>
+              <a:rPr lang="en-US" altLang="ko-KR" sz="1400" dirty="0" smtClean="0">
+                <a:latin typeface="+mn-ea"/>
+              </a:rPr>
+              <a:t>: D(X)</a:t>
+            </a:r>
+            <a:r>
+              <a:rPr lang="ko-KR" altLang="en-US" sz="1400" dirty="0" smtClean="0">
+                <a:latin typeface="+mn-ea"/>
+              </a:rPr>
+              <a:t>가 </a:t>
+            </a:r>
+            <a:r>
+              <a:rPr lang="en-US" altLang="ko-KR" sz="1400" dirty="0" smtClean="0">
+                <a:latin typeface="+mn-ea"/>
+              </a:rPr>
+              <a:t>1</a:t>
+            </a:r>
+            <a:r>
+              <a:rPr lang="ko-KR" altLang="en-US" sz="1400" dirty="0" smtClean="0">
+                <a:latin typeface="+mn-ea"/>
+              </a:rPr>
+              <a:t>이 되고</a:t>
+            </a:r>
+            <a:r>
+              <a:rPr lang="en-US" altLang="ko-KR" sz="1400" dirty="0" smtClean="0">
+                <a:latin typeface="+mn-ea"/>
+              </a:rPr>
+              <a:t>,  D(G(z))</a:t>
+            </a:r>
+            <a:r>
+              <a:rPr lang="ko-KR" altLang="en-US" sz="1400" dirty="0" smtClean="0">
+                <a:latin typeface="+mn-ea"/>
+              </a:rPr>
+              <a:t>가 </a:t>
+            </a:r>
+            <a:r>
+              <a:rPr lang="en-US" altLang="ko-KR" sz="1400" dirty="0" smtClean="0">
+                <a:latin typeface="+mn-ea"/>
+              </a:rPr>
+              <a:t>0</a:t>
+            </a:r>
+            <a:r>
+              <a:rPr lang="ko-KR" altLang="en-US" sz="1400" dirty="0" smtClean="0">
+                <a:latin typeface="+mn-ea"/>
+              </a:rPr>
+              <a:t>이 되도록 학습 </a:t>
+            </a:r>
+            <a:r>
+              <a:rPr lang="en-US" altLang="ko-KR" sz="1400" dirty="0" smtClean="0">
+                <a:latin typeface="+mn-ea"/>
+              </a:rPr>
+              <a:t>(=</a:t>
+            </a:r>
+            <a:r>
+              <a:rPr lang="ko-KR" altLang="en-US" sz="1400" dirty="0" smtClean="0">
+                <a:latin typeface="+mn-ea"/>
+              </a:rPr>
+              <a:t>진짜 데이터는 진짜로</a:t>
+            </a:r>
+            <a:r>
+              <a:rPr lang="en-US" altLang="ko-KR" sz="1400" dirty="0" smtClean="0">
+                <a:latin typeface="+mn-ea"/>
+              </a:rPr>
+              <a:t>, </a:t>
+            </a:r>
+            <a:r>
+              <a:rPr lang="ko-KR" altLang="en-US" sz="1400" dirty="0" smtClean="0">
+                <a:latin typeface="+mn-ea"/>
+              </a:rPr>
+              <a:t>가짜 데이터는 가짜로 판별</a:t>
+            </a:r>
+            <a:r>
+              <a:rPr lang="en-US" altLang="ko-KR" sz="1400" dirty="0" smtClean="0">
+                <a:latin typeface="+mn-ea"/>
+              </a:rPr>
+              <a:t>)</a:t>
+            </a:r>
+          </a:p>
+          <a:p>
+            <a:pPr marL="0" indent="0">
+              <a:lnSpc>
+                <a:spcPct val="150000"/>
+              </a:lnSpc>
+              <a:buNone/>
+            </a:pPr>
+            <a:endParaRPr lang="en-US" altLang="ko-KR" sz="1400" dirty="0">
+              <a:latin typeface="+mn-ea"/>
+            </a:endParaRPr>
+          </a:p>
+          <a:p>
+            <a:pPr marL="0" indent="0">
+              <a:lnSpc>
+                <a:spcPct val="150000"/>
+              </a:lnSpc>
+              <a:buNone/>
+            </a:pPr>
+            <a:r>
+              <a:rPr lang="en-US" altLang="ko-KR" sz="1400" dirty="0" smtClean="0">
+                <a:latin typeface="+mn-ea"/>
+              </a:rPr>
+              <a:t> 2) </a:t>
+            </a:r>
+            <a:r>
+              <a:rPr lang="en-US" altLang="ko-KR" sz="1400" b="1" dirty="0" smtClean="0">
+                <a:latin typeface="+mn-ea"/>
+              </a:rPr>
+              <a:t>Generator </a:t>
+            </a:r>
+            <a:r>
+              <a:rPr lang="ko-KR" altLang="en-US" sz="1400" b="1" dirty="0" smtClean="0">
+                <a:latin typeface="+mn-ea"/>
+              </a:rPr>
+              <a:t>학습</a:t>
+            </a:r>
+            <a:endParaRPr lang="en-US" altLang="ko-KR" sz="1400" b="1" dirty="0" smtClean="0">
+              <a:latin typeface="+mn-ea"/>
+            </a:endParaRPr>
+          </a:p>
+          <a:p>
+            <a:pPr marL="0" indent="0">
+              <a:lnSpc>
+                <a:spcPct val="150000"/>
+              </a:lnSpc>
+              <a:buNone/>
+            </a:pPr>
+            <a:r>
+              <a:rPr lang="en-US" altLang="ko-KR" sz="1400" dirty="0" smtClean="0">
+                <a:latin typeface="+mn-ea"/>
+              </a:rPr>
+              <a:t> : </a:t>
+            </a:r>
+            <a:r>
+              <a:rPr lang="en-US" altLang="ko-KR" sz="1400" dirty="0" smtClean="0">
+                <a:latin typeface="+mn-ea"/>
+              </a:rPr>
+              <a:t>D(G(z))</a:t>
+            </a:r>
+            <a:r>
+              <a:rPr lang="ko-KR" altLang="en-US" sz="1400" dirty="0" smtClean="0">
+                <a:latin typeface="+mn-ea"/>
+              </a:rPr>
+              <a:t>가 </a:t>
+            </a:r>
+            <a:r>
+              <a:rPr lang="en-US" altLang="ko-KR" sz="1400" dirty="0" smtClean="0">
+                <a:latin typeface="+mn-ea"/>
+              </a:rPr>
+              <a:t>1</a:t>
+            </a:r>
+            <a:r>
+              <a:rPr lang="ko-KR" altLang="en-US" sz="1400" dirty="0" smtClean="0">
+                <a:latin typeface="+mn-ea"/>
+              </a:rPr>
+              <a:t>이 되도록 학습 </a:t>
+            </a:r>
+            <a:r>
+              <a:rPr lang="en-US" altLang="ko-KR" sz="1400" dirty="0" smtClean="0">
+                <a:latin typeface="+mn-ea"/>
+              </a:rPr>
+              <a:t>(=</a:t>
+            </a:r>
+            <a:r>
+              <a:rPr lang="ko-KR" altLang="en-US" sz="1400" dirty="0" smtClean="0">
+                <a:latin typeface="+mn-ea"/>
+              </a:rPr>
+              <a:t>가짜 데이터를 </a:t>
+            </a:r>
+            <a:r>
+              <a:rPr lang="en-US" altLang="ko-KR" sz="1400" dirty="0" smtClean="0">
+                <a:latin typeface="+mn-ea"/>
+              </a:rPr>
+              <a:t>Discriminator</a:t>
+            </a:r>
+            <a:r>
+              <a:rPr lang="ko-KR" altLang="en-US" sz="1400" dirty="0" smtClean="0">
+                <a:latin typeface="+mn-ea"/>
+              </a:rPr>
+              <a:t>가 구분하지 못하도록 학습</a:t>
+            </a:r>
+            <a:r>
+              <a:rPr lang="en-US" altLang="ko-KR" sz="1400" dirty="0" smtClean="0">
+                <a:latin typeface="+mn-ea"/>
+              </a:rPr>
+              <a:t>)</a:t>
+            </a:r>
+            <a:endParaRPr lang="en-US" altLang="ko-KR" sz="1400" dirty="0" smtClean="0">
+              <a:latin typeface="+mn-ea"/>
+            </a:endParaRPr>
+          </a:p>
+        </p:txBody>
+      </p:sp>
+      <p:sp>
+        <p:nvSpPr>
+          <p:cNvPr id="3" name="직사각형 2"/>
+          <p:cNvSpPr/>
+          <p:nvPr/>
+        </p:nvSpPr>
+        <p:spPr>
+          <a:xfrm>
+            <a:off x="539552" y="5445224"/>
+            <a:ext cx="7992888" cy="307777"/>
+          </a:xfrm>
+          <a:prstGeom prst="rect">
+            <a:avLst/>
+          </a:prstGeom>
+        </p:spPr>
+        <p:txBody>
+          <a:bodyPr wrap="square">
+            <a:spAutoFit/>
+          </a:bodyPr>
+          <a:lstStyle/>
+          <a:p>
+            <a:r>
+              <a:rPr lang="ko-KR" altLang="en-US" sz="1400" dirty="0" smtClean="0">
+                <a:latin typeface="+mn-ea"/>
+              </a:rPr>
+              <a:t>이미지 </a:t>
+            </a:r>
+            <a:r>
+              <a:rPr lang="ko-KR" altLang="en-US" sz="1400" dirty="0">
+                <a:latin typeface="+mn-ea"/>
+              </a:rPr>
+              <a:t>생성</a:t>
+            </a:r>
+            <a:r>
+              <a:rPr lang="en-US" altLang="ko-KR" sz="1400" dirty="0">
+                <a:latin typeface="+mn-ea"/>
+              </a:rPr>
+              <a:t>(generation</a:t>
+            </a:r>
+            <a:r>
+              <a:rPr lang="en-US" altLang="ko-KR" sz="1400" dirty="0" smtClean="0">
+                <a:latin typeface="+mn-ea"/>
+              </a:rPr>
+              <a:t>), </a:t>
+            </a:r>
+            <a:r>
+              <a:rPr lang="ko-KR" altLang="en-US" sz="1400" dirty="0" smtClean="0">
+                <a:latin typeface="+mn-ea"/>
+              </a:rPr>
+              <a:t> </a:t>
+            </a:r>
+            <a:r>
+              <a:rPr lang="ko-KR" altLang="en-US" sz="1400" dirty="0">
+                <a:latin typeface="+mn-ea"/>
+              </a:rPr>
+              <a:t>스타일 변환</a:t>
+            </a:r>
+            <a:r>
+              <a:rPr lang="en-US" altLang="ko-KR" sz="1400" dirty="0">
+                <a:latin typeface="+mn-ea"/>
+              </a:rPr>
+              <a:t>(style translation), </a:t>
+            </a:r>
+            <a:r>
+              <a:rPr lang="en-US" altLang="ko-KR" sz="1400" dirty="0" smtClean="0">
+                <a:latin typeface="+mn-ea"/>
+              </a:rPr>
+              <a:t> </a:t>
+            </a:r>
+            <a:r>
+              <a:rPr lang="ko-KR" altLang="en-US" sz="1400" dirty="0" smtClean="0">
+                <a:latin typeface="+mn-ea"/>
+              </a:rPr>
+              <a:t>얼굴 </a:t>
+            </a:r>
+            <a:r>
+              <a:rPr lang="ko-KR" altLang="en-US" sz="1400" dirty="0">
+                <a:latin typeface="+mn-ea"/>
+              </a:rPr>
+              <a:t>이미지 합성</a:t>
+            </a:r>
+            <a:r>
+              <a:rPr lang="en-US" altLang="ko-KR" sz="1400" dirty="0">
+                <a:latin typeface="+mn-ea"/>
+              </a:rPr>
+              <a:t>(face image synthesis)</a:t>
+            </a:r>
+            <a:endParaRPr lang="ko-KR" altLang="en-US" sz="1400" dirty="0">
+              <a:latin typeface="+mn-ea"/>
+            </a:endParaRPr>
+          </a:p>
+        </p:txBody>
+      </p:sp>
+      <p:grpSp>
+        <p:nvGrpSpPr>
+          <p:cNvPr id="7" name="그룹 6"/>
+          <p:cNvGrpSpPr/>
+          <p:nvPr/>
+        </p:nvGrpSpPr>
+        <p:grpSpPr>
+          <a:xfrm>
+            <a:off x="539552" y="5044534"/>
+            <a:ext cx="7992888" cy="832738"/>
+            <a:chOff x="683568" y="5044534"/>
+            <a:chExt cx="7992888" cy="832738"/>
+          </a:xfrm>
+        </p:grpSpPr>
+        <p:sp>
+          <p:nvSpPr>
+            <p:cNvPr id="5" name="직사각형 4"/>
+            <p:cNvSpPr/>
+            <p:nvPr/>
+          </p:nvSpPr>
+          <p:spPr>
+            <a:xfrm>
+              <a:off x="683568" y="5229200"/>
+              <a:ext cx="7992888" cy="648072"/>
+            </a:xfrm>
+            <a:prstGeom prst="rect">
+              <a:avLst/>
+            </a:prstGeom>
+            <a:noFill/>
+          </p:spPr>
+          <p:style>
+            <a:lnRef idx="2">
+              <a:schemeClr val="accent1">
+                <a:shade val="50000"/>
+              </a:schemeClr>
+            </a:lnRef>
+            <a:fillRef idx="1">
+              <a:schemeClr val="accent1"/>
+            </a:fillRef>
+            <a:effectRef idx="0">
+              <a:schemeClr val="accent1"/>
+            </a:effectRef>
+            <a:fontRef idx="minor">
+              <a:schemeClr val="lt1"/>
+            </a:fontRef>
+          </p:style>
+          <p:txBody>
+            <a:bodyPr rtlCol="0" anchor="ctr"/>
+            <a:lstStyle/>
+            <a:p>
+              <a:pPr algn="ctr"/>
+              <a:endParaRPr lang="ko-KR" altLang="en-US" dirty="0"/>
+            </a:p>
+          </p:txBody>
+        </p:sp>
+        <p:sp>
+          <p:nvSpPr>
+            <p:cNvPr id="6" name="TextBox 5"/>
+            <p:cNvSpPr txBox="1"/>
+            <p:nvPr/>
+          </p:nvSpPr>
+          <p:spPr>
+            <a:xfrm>
+              <a:off x="4093954" y="5044534"/>
+              <a:ext cx="1172116" cy="369332"/>
+            </a:xfrm>
+            <a:prstGeom prst="rect">
+              <a:avLst/>
+            </a:prstGeom>
+            <a:solidFill>
+              <a:schemeClr val="bg1"/>
+            </a:solidFill>
+          </p:spPr>
+          <p:txBody>
+            <a:bodyPr wrap="none" rtlCol="0">
+              <a:spAutoFit/>
+            </a:bodyPr>
+            <a:lstStyle/>
+            <a:p>
+              <a:r>
+                <a:rPr lang="ko-KR" altLang="en-US" dirty="0" smtClean="0"/>
+                <a:t>활용 사례</a:t>
+              </a:r>
+              <a:endParaRPr lang="ko-KR" altLang="en-US" dirty="0"/>
+            </a:p>
+          </p:txBody>
+        </p:sp>
+      </p:grpSp>
+    </p:spTree>
+    <p:extLst>
+      <p:ext uri="{BB962C8B-B14F-4D97-AF65-F5344CB8AC3E}">
+        <p14:creationId xmlns:p14="http://schemas.microsoft.com/office/powerpoint/2010/main" val="2842149591"/>
+      </p:ext>
+    </p:extLst>
+  </p:cSld>
+  <p:clrMapOvr>
+    <a:masterClrMapping/>
+  </p:clrMapOvr>
+  <p:timing>
+    <p:tnLst>
+      <p:par>
+        <p:cTn id="1" dur="indefinite" restart="never" nodeType="tmRoot"/>
+      </p:par>
+    </p:tnLst>
+  </p:timing>
+</p:sld>
+</file>
+
+<file path=ppt/slides/slide14.xml><?xml version="1.0" encoding="utf-8"?>
+<p:sld xmlns:a="http://schemas.openxmlformats.org/drawingml/2006/main" xmlns:r="http://schemas.openxmlformats.org/officeDocument/2006/relationships" xmlns:p="http://schemas.openxmlformats.org/presentationml/2006/main">
+  <p:cSld>
+    <p:spTree>
+      <p:nvGrpSpPr>
+        <p:cNvPr id="1" name=""/>
+        <p:cNvGrpSpPr/>
+        <p:nvPr/>
+      </p:nvGrpSpPr>
+      <p:grpSpPr>
+        <a:xfrm>
+          <a:off x="0" y="0"/>
+          <a:ext cx="0" cy="0"/>
+          <a:chOff x="0" y="0"/>
+          <a:chExt cx="0" cy="0"/>
+        </a:xfrm>
+      </p:grpSpPr>
+      <p:sp>
+        <p:nvSpPr>
+          <p:cNvPr id="2" name="제목 1"/>
+          <p:cNvSpPr>
+            <a:spLocks noGrp="1"/>
+          </p:cNvSpPr>
+          <p:nvPr>
+            <p:ph type="title"/>
+          </p:nvPr>
+        </p:nvSpPr>
+        <p:spPr/>
+        <p:txBody>
+          <a:bodyPr>
+            <a:normAutofit/>
+          </a:bodyPr>
+          <a:lstStyle/>
+          <a:p>
+            <a:r>
+              <a:rPr lang="en-US" altLang="ko-KR" sz="3600" b="1" dirty="0" smtClean="0">
+                <a:latin typeface="+mn-ea"/>
+                <a:ea typeface="+mn-ea"/>
+              </a:rPr>
+              <a:t>05. </a:t>
+            </a:r>
+            <a:r>
+              <a:rPr lang="en-US" altLang="ko-KR" sz="3600" b="1" dirty="0" smtClean="0">
+                <a:latin typeface="+mn-ea"/>
+                <a:ea typeface="+mn-ea"/>
+              </a:rPr>
+              <a:t>Deep </a:t>
+            </a:r>
+            <a:r>
+              <a:rPr lang="en-US" altLang="ko-KR" sz="3600" b="1" dirty="0" smtClean="0">
+                <a:latin typeface="+mn-ea"/>
+                <a:ea typeface="+mn-ea"/>
+              </a:rPr>
+              <a:t>Learning </a:t>
+            </a:r>
+            <a:r>
+              <a:rPr lang="ko-KR" altLang="en-US" sz="3600" b="1" dirty="0" smtClean="0">
+                <a:latin typeface="+mn-ea"/>
+                <a:ea typeface="+mn-ea"/>
+              </a:rPr>
+              <a:t>주요 모델</a:t>
+            </a:r>
+            <a:endParaRPr lang="ko-KR" altLang="en-US" sz="3600" b="1" dirty="0">
+              <a:latin typeface="+mn-ea"/>
+              <a:ea typeface="+mn-ea"/>
+            </a:endParaRPr>
+          </a:p>
+        </p:txBody>
+      </p:sp>
+      <p:sp>
+        <p:nvSpPr>
+          <p:cNvPr id="4" name="내용 개체 틀 3"/>
+          <p:cNvSpPr>
+            <a:spLocks noGrp="1"/>
+          </p:cNvSpPr>
+          <p:nvPr>
+            <p:ph sz="quarter" idx="1"/>
+          </p:nvPr>
+        </p:nvSpPr>
+        <p:spPr>
+          <a:xfrm>
+            <a:off x="467544" y="1124744"/>
+            <a:ext cx="8229600" cy="5181506"/>
+          </a:xfrm>
+        </p:spPr>
+        <p:txBody>
+          <a:bodyPr>
+            <a:normAutofit/>
+          </a:bodyPr>
+          <a:lstStyle/>
+          <a:p>
+            <a:pPr>
+              <a:lnSpc>
+                <a:spcPct val="150000"/>
+              </a:lnSpc>
+            </a:pPr>
+            <a:r>
+              <a:rPr lang="ko-KR" altLang="en-US" sz="2000" b="1" dirty="0" smtClean="0"/>
+              <a:t>강화 학습</a:t>
+            </a:r>
+            <a:r>
+              <a:rPr lang="en-US" altLang="ko-KR" sz="2000" b="1" dirty="0" smtClean="0"/>
+              <a:t>(Reinforcement Learning)</a:t>
+            </a:r>
+          </a:p>
+          <a:p>
+            <a:pPr marL="274320" lvl="1" indent="0">
+              <a:lnSpc>
+                <a:spcPct val="150000"/>
+              </a:lnSpc>
+              <a:buNone/>
+            </a:pPr>
+            <a:r>
+              <a:rPr lang="en-US" altLang="ko-KR" sz="1600" b="1" dirty="0" smtClean="0">
+                <a:latin typeface="+mn-ea"/>
+                <a:ea typeface="바탕"/>
+              </a:rPr>
+              <a:t>☞ </a:t>
+            </a:r>
+            <a:r>
+              <a:rPr lang="en-US" altLang="ko-KR" sz="1600" b="1" dirty="0" smtClean="0">
+                <a:latin typeface="+mn-ea"/>
+              </a:rPr>
+              <a:t> Q-Learning</a:t>
+            </a:r>
+          </a:p>
+          <a:p>
+            <a:pPr marL="274320" lvl="1" indent="0">
+              <a:lnSpc>
+                <a:spcPct val="150000"/>
+              </a:lnSpc>
+              <a:buNone/>
+            </a:pPr>
+            <a:r>
+              <a:rPr lang="en-US" altLang="ko-KR" sz="1400" dirty="0" smtClean="0">
+                <a:latin typeface="+mn-ea"/>
+              </a:rPr>
+              <a:t>: </a:t>
+            </a:r>
+            <a:r>
+              <a:rPr lang="ko-KR" altLang="en-US" sz="1400" dirty="0" smtClean="0">
+                <a:latin typeface="+mn-ea"/>
+              </a:rPr>
+              <a:t>현재 </a:t>
+            </a:r>
+            <a:r>
+              <a:rPr lang="ko-KR" altLang="en-US" sz="1400" dirty="0" smtClean="0">
+                <a:latin typeface="+mn-ea"/>
+              </a:rPr>
+              <a:t>상태부터 먼 미래까지 가장 큰 보상을 얻을 수 있는 행동을 학습 시키는 것</a:t>
+            </a:r>
+            <a:endParaRPr lang="en-US" altLang="ko-KR" sz="1400" dirty="0" smtClean="0">
+              <a:latin typeface="+mn-ea"/>
+            </a:endParaRPr>
+          </a:p>
+          <a:p>
+            <a:pPr marL="274320" lvl="1" indent="0">
+              <a:lnSpc>
+                <a:spcPct val="150000"/>
+              </a:lnSpc>
+              <a:buNone/>
+            </a:pPr>
+            <a:endParaRPr lang="en-US" altLang="ko-KR" sz="1400" dirty="0">
+              <a:latin typeface="+mn-ea"/>
+            </a:endParaRPr>
+          </a:p>
+          <a:p>
+            <a:pPr marL="274320" lvl="1" indent="0">
+              <a:lnSpc>
+                <a:spcPct val="150000"/>
+              </a:lnSpc>
+              <a:buNone/>
+            </a:pPr>
+            <a:endParaRPr lang="en-US" altLang="ko-KR" sz="1400" dirty="0" smtClean="0">
+              <a:latin typeface="+mn-ea"/>
+            </a:endParaRPr>
+          </a:p>
+          <a:p>
+            <a:pPr marL="274320" lvl="1" indent="0">
+              <a:lnSpc>
+                <a:spcPct val="150000"/>
+              </a:lnSpc>
+              <a:buNone/>
+            </a:pPr>
+            <a:endParaRPr lang="en-US" altLang="ko-KR" sz="1400" dirty="0" smtClean="0">
+              <a:latin typeface="+mn-ea"/>
+            </a:endParaRPr>
+          </a:p>
+          <a:p>
+            <a:pPr marL="274320" lvl="1" indent="0">
+              <a:lnSpc>
+                <a:spcPct val="150000"/>
+              </a:lnSpc>
+              <a:buNone/>
+            </a:pPr>
+            <a:endParaRPr lang="en-US" altLang="ko-KR" sz="1400" dirty="0">
+              <a:latin typeface="+mn-ea"/>
+            </a:endParaRPr>
+          </a:p>
+          <a:p>
+            <a:pPr marL="274320" lvl="1" indent="0">
+              <a:lnSpc>
+                <a:spcPct val="150000"/>
+              </a:lnSpc>
+              <a:buNone/>
+            </a:pPr>
+            <a:endParaRPr lang="en-US" altLang="ko-KR" sz="1400" dirty="0" smtClean="0">
+              <a:latin typeface="+mn-ea"/>
+            </a:endParaRPr>
+          </a:p>
+          <a:p>
+            <a:pPr marL="274320" lvl="1" indent="0">
+              <a:lnSpc>
+                <a:spcPct val="150000"/>
+              </a:lnSpc>
+              <a:buNone/>
+            </a:pPr>
+            <a:r>
+              <a:rPr lang="en-US" altLang="ko-KR" sz="1600" b="1" dirty="0">
+                <a:latin typeface="+mn-ea"/>
+                <a:ea typeface="바탕"/>
+              </a:rPr>
+              <a:t>☞ </a:t>
+            </a:r>
+            <a:r>
+              <a:rPr lang="en-US" altLang="ko-KR" sz="1600" b="1" dirty="0">
+                <a:latin typeface="+mn-ea"/>
+              </a:rPr>
+              <a:t> </a:t>
+            </a:r>
+            <a:r>
+              <a:rPr lang="en-US" altLang="ko-KR" sz="1600" b="1" dirty="0" smtClean="0">
+                <a:latin typeface="+mn-ea"/>
+              </a:rPr>
+              <a:t>DQN (Q-Learning + Deep Learning)</a:t>
+            </a:r>
+          </a:p>
+          <a:p>
+            <a:pPr marL="274320" lvl="1" indent="0">
+              <a:lnSpc>
+                <a:spcPct val="150000"/>
+              </a:lnSpc>
+              <a:buNone/>
+            </a:pPr>
+            <a:endParaRPr lang="en-US" altLang="ko-KR" sz="1600" b="1" dirty="0" smtClean="0">
+              <a:latin typeface="+mn-ea"/>
+            </a:endParaRPr>
+          </a:p>
+          <a:p>
+            <a:pPr marL="274320" lvl="1" indent="0">
+              <a:lnSpc>
+                <a:spcPct val="150000"/>
+              </a:lnSpc>
+              <a:buNone/>
+            </a:pPr>
+            <a:endParaRPr lang="en-US" altLang="ko-KR" sz="1400" b="0" dirty="0" smtClean="0"/>
+          </a:p>
+          <a:p>
+            <a:pPr lvl="1">
+              <a:lnSpc>
+                <a:spcPct val="150000"/>
+              </a:lnSpc>
+              <a:buFontTx/>
+              <a:buChar char="-"/>
+            </a:pPr>
+            <a:endParaRPr lang="en-US" altLang="ko-KR" sz="1400" dirty="0" smtClean="0">
+              <a:latin typeface="+mn-ea"/>
+            </a:endParaRPr>
+          </a:p>
+        </p:txBody>
+      </p:sp>
+      <p:pic>
+        <p:nvPicPr>
+          <p:cNvPr id="2050" name="Picture 2"/>
+          <p:cNvPicPr>
+            <a:picLocks noChangeAspect="1" noChangeArrowheads="1"/>
+          </p:cNvPicPr>
+          <p:nvPr/>
+        </p:nvPicPr>
+        <p:blipFill>
+          <a:blip r:embed="rId2">
+            <a:extLst>
+              <a:ext uri="{28A0092B-C50C-407E-A947-70E740481C1C}">
+                <a14:useLocalDpi xmlns:a14="http://schemas.microsoft.com/office/drawing/2010/main" val="0"/>
+              </a:ext>
+            </a:extLst>
+          </a:blip>
+          <a:srcRect/>
+          <a:stretch>
+            <a:fillRect/>
+          </a:stretch>
+        </p:blipFill>
+        <p:spPr bwMode="auto">
+          <a:xfrm>
+            <a:off x="899593" y="2492896"/>
+            <a:ext cx="4463097" cy="1728192"/>
+          </a:xfrm>
+          <a:prstGeom prst="rect">
+            <a:avLst/>
+          </a:prstGeom>
+          <a:noFill/>
+          <a:ln>
+            <a:noFill/>
+          </a:ln>
+          <a:extLst>
+            <a:ext uri="{909E8E84-426E-40DD-AFC4-6F175D3DCCD1}">
+              <a14:hiddenFill xmlns:a14="http://schemas.microsoft.com/office/drawing/2010/main">
+                <a:solidFill>
+                  <a:schemeClr val="accent1"/>
+                </a:solidFill>
+              </a14:hiddenFill>
+            </a:ext>
+            <a:ext uri="{91240B29-F687-4F45-9708-019B960494DF}">
+              <a14:hiddenLine xmlns:a14="http://schemas.microsoft.com/office/drawing/2010/main" w="9525">
+                <a:solidFill>
+                  <a:schemeClr val="tx1"/>
+                </a:solidFill>
+                <a:miter lim="800000"/>
+                <a:headEnd/>
+                <a:tailEnd/>
+              </a14:hiddenLine>
+            </a:ext>
+          </a:extLst>
+        </p:spPr>
+      </p:pic>
+      <p:pic>
+        <p:nvPicPr>
+          <p:cNvPr id="2052" name="Picture 4"/>
+          <p:cNvPicPr>
+            <a:picLocks noChangeAspect="1" noChangeArrowheads="1"/>
+          </p:cNvPicPr>
+          <p:nvPr/>
+        </p:nvPicPr>
+        <p:blipFill>
+          <a:blip r:embed="rId3">
+            <a:extLst>
+              <a:ext uri="{28A0092B-C50C-407E-A947-70E740481C1C}">
+                <a14:useLocalDpi xmlns:a14="http://schemas.microsoft.com/office/drawing/2010/main" val="0"/>
+              </a:ext>
+            </a:extLst>
+          </a:blip>
+          <a:srcRect/>
+          <a:stretch>
+            <a:fillRect/>
+          </a:stretch>
+        </p:blipFill>
+        <p:spPr bwMode="auto">
+          <a:xfrm>
+            <a:off x="755576" y="4941168"/>
+            <a:ext cx="4989856" cy="632517"/>
+          </a:xfrm>
+          <a:prstGeom prst="rect">
+            <a:avLst/>
+          </a:prstGeom>
+          <a:noFill/>
+          <a:ln>
+            <a:noFill/>
+          </a:ln>
+          <a:extLst>
+            <a:ext uri="{909E8E84-426E-40DD-AFC4-6F175D3DCCD1}">
+              <a14:hiddenFill xmlns:a14="http://schemas.microsoft.com/office/drawing/2010/main">
+                <a:solidFill>
+                  <a:schemeClr val="accent1"/>
+                </a:solidFill>
+              </a14:hiddenFill>
+            </a:ext>
+            <a:ext uri="{91240B29-F687-4F45-9708-019B960494DF}">
+              <a14:hiddenLine xmlns:a14="http://schemas.microsoft.com/office/drawing/2010/main" w="9525">
+                <a:solidFill>
+                  <a:schemeClr val="tx1"/>
+                </a:solidFill>
+                <a:miter lim="800000"/>
+                <a:headEnd/>
+                <a:tailEnd/>
+              </a14:hiddenLine>
+            </a:ext>
+          </a:extLst>
+        </p:spPr>
+      </p:pic>
+    </p:spTree>
+    <p:extLst>
+      <p:ext uri="{BB962C8B-B14F-4D97-AF65-F5344CB8AC3E}">
+        <p14:creationId xmlns:p14="http://schemas.microsoft.com/office/powerpoint/2010/main" val="3004735178"/>
+      </p:ext>
+    </p:extLst>
+  </p:cSld>
+  <p:clrMapOvr>
+    <a:masterClrMapping/>
+  </p:clrMapOvr>
+  <p:timing>
+    <p:tnLst>
+      <p:par>
+        <p:cTn id="1" dur="indefinite" restart="never" nodeType="tmRoot"/>
+      </p:par>
+    </p:tnLst>
+  </p:timing>
+</p:sld>
+</file>
+
+<file path=ppt/slides/slide15.xml><?xml version="1.0" encoding="utf-8"?>
+<p:sld xmlns:a="http://schemas.openxmlformats.org/drawingml/2006/main" xmlns:r="http://schemas.openxmlformats.org/officeDocument/2006/relationships" xmlns:p="http://schemas.openxmlformats.org/presentationml/2006/main">
+  <p:cSld>
+    <p:spTree>
+      <p:nvGrpSpPr>
+        <p:cNvPr id="1" name=""/>
+        <p:cNvGrpSpPr/>
+        <p:nvPr/>
+      </p:nvGrpSpPr>
+      <p:grpSpPr>
+        <a:xfrm>
+          <a:off x="0" y="0"/>
+          <a:ext cx="0" cy="0"/>
+          <a:chOff x="0" y="0"/>
+          <a:chExt cx="0" cy="0"/>
+        </a:xfrm>
+      </p:grpSpPr>
+      <p:sp>
+        <p:nvSpPr>
+          <p:cNvPr id="2" name="제목 1"/>
+          <p:cNvSpPr>
+            <a:spLocks noGrp="1"/>
+          </p:cNvSpPr>
+          <p:nvPr>
+            <p:ph type="title"/>
+          </p:nvPr>
+        </p:nvSpPr>
+        <p:spPr/>
+        <p:txBody>
+          <a:bodyPr>
+            <a:normAutofit/>
+          </a:bodyPr>
+          <a:lstStyle/>
+          <a:p>
+            <a:r>
+              <a:rPr lang="en-US" altLang="ko-KR" sz="3600" b="1" dirty="0" smtClean="0">
+                <a:latin typeface="+mn-ea"/>
+                <a:ea typeface="+mn-ea"/>
+              </a:rPr>
+              <a:t>05. </a:t>
+            </a:r>
+            <a:r>
+              <a:rPr lang="en-US" altLang="ko-KR" sz="3600" b="1" dirty="0" smtClean="0">
+                <a:latin typeface="+mn-ea"/>
+                <a:ea typeface="+mn-ea"/>
+              </a:rPr>
+              <a:t>Deep </a:t>
+            </a:r>
+            <a:r>
+              <a:rPr lang="en-US" altLang="ko-KR" sz="3600" b="1" dirty="0" smtClean="0">
+                <a:latin typeface="+mn-ea"/>
+                <a:ea typeface="+mn-ea"/>
+              </a:rPr>
+              <a:t>Learning </a:t>
+            </a:r>
+            <a:r>
+              <a:rPr lang="ko-KR" altLang="en-US" sz="3600" b="1" dirty="0" smtClean="0">
+                <a:latin typeface="+mn-ea"/>
+                <a:ea typeface="+mn-ea"/>
+              </a:rPr>
+              <a:t>주요 모델</a:t>
+            </a:r>
+            <a:endParaRPr lang="ko-KR" altLang="en-US" sz="3600" b="1" dirty="0">
+              <a:latin typeface="+mn-ea"/>
+              <a:ea typeface="+mn-ea"/>
+            </a:endParaRPr>
+          </a:p>
+        </p:txBody>
+      </p:sp>
+      <mc:AlternateContent xmlns:mc="http://schemas.openxmlformats.org/markup-compatibility/2006">
+        <mc:Choice xmlns:a14="http://schemas.microsoft.com/office/drawing/2010/main" Requires="a14">
+          <p:sp>
+            <p:nvSpPr>
+              <p:cNvPr id="4" name="내용 개체 틀 3"/>
+              <p:cNvSpPr>
+                <a:spLocks noGrp="1"/>
+              </p:cNvSpPr>
+              <p:nvPr>
+                <p:ph sz="quarter" idx="1"/>
+              </p:nvPr>
+            </p:nvSpPr>
+            <p:spPr>
+              <a:xfrm>
+                <a:off x="467544" y="1124744"/>
+                <a:ext cx="8229600" cy="5181506"/>
+              </a:xfrm>
+            </p:spPr>
+            <p:txBody>
+              <a:bodyPr>
+                <a:normAutofit/>
+              </a:bodyPr>
+              <a:lstStyle/>
+              <a:p>
+                <a:pPr marL="274320" lvl="1" indent="0">
+                  <a:lnSpc>
+                    <a:spcPct val="150000"/>
+                  </a:lnSpc>
+                  <a:buNone/>
+                </a:pPr>
+                <a:endParaRPr lang="en-US" altLang="ko-KR" sz="1800" b="1" dirty="0" smtClean="0">
+                  <a:latin typeface="+mn-ea"/>
+                  <a:ea typeface="바탕"/>
+                </a:endParaRPr>
+              </a:p>
+              <a:p>
+                <a:pPr marL="274320" lvl="1" indent="0">
+                  <a:lnSpc>
+                    <a:spcPct val="150000"/>
+                  </a:lnSpc>
+                  <a:buNone/>
+                </a:pPr>
+                <a:r>
+                  <a:rPr lang="en-US" altLang="ko-KR" sz="1800" b="1" dirty="0" smtClean="0">
+                    <a:latin typeface="+mn-ea"/>
+                    <a:ea typeface="바탕"/>
+                  </a:rPr>
+                  <a:t>☞ </a:t>
+                </a:r>
+                <a:r>
+                  <a:rPr lang="en-US" altLang="ko-KR" sz="1800" b="1" dirty="0" smtClean="0">
+                    <a:latin typeface="+mn-ea"/>
+                  </a:rPr>
+                  <a:t> DQN </a:t>
+                </a:r>
+                <a:r>
+                  <a:rPr lang="ko-KR" altLang="en-US" sz="1800" b="1" dirty="0" smtClean="0">
+                    <a:latin typeface="+mn-ea"/>
+                  </a:rPr>
+                  <a:t>벨만 방정식 해석</a:t>
+                </a:r>
+                <a:endParaRPr lang="en-US" altLang="ko-KR" sz="1800" b="1" dirty="0" smtClean="0">
+                  <a:latin typeface="+mn-ea"/>
+                </a:endParaRPr>
+              </a:p>
+              <a:p>
+                <a:pPr marL="274320" lvl="1" indent="0">
+                  <a:lnSpc>
+                    <a:spcPct val="150000"/>
+                  </a:lnSpc>
+                  <a:buNone/>
+                </a:pPr>
+                <a:endParaRPr lang="en-US" altLang="ko-KR" sz="1800" b="1" dirty="0">
+                  <a:latin typeface="+mn-ea"/>
+                </a:endParaRPr>
+              </a:p>
+              <a:p>
+                <a:pPr marL="274320" lvl="1" indent="0">
+                  <a:lnSpc>
+                    <a:spcPct val="150000"/>
+                  </a:lnSpc>
+                  <a:buNone/>
+                </a:pPr>
+                <a:endParaRPr lang="en-US" altLang="ko-KR" sz="1400" dirty="0" smtClean="0"/>
+              </a:p>
+              <a:p>
+                <a:pPr marL="274320" lvl="1" indent="0">
+                  <a:lnSpc>
+                    <a:spcPct val="150000"/>
+                  </a:lnSpc>
+                  <a:buNone/>
+                </a:pPr>
+                <a:endParaRPr lang="en-US" altLang="ko-KR" sz="1400" dirty="0" smtClean="0"/>
+              </a:p>
+              <a:p>
+                <a:pPr lvl="1">
+                  <a:lnSpc>
+                    <a:spcPct val="150000"/>
+                  </a:lnSpc>
+                  <a:buFont typeface="Wingdings" panose="05000000000000000000" pitchFamily="2" charset="2"/>
+                  <a:buChar char="l"/>
+                </a:pPr>
+                <a14:m>
+                  <m:oMath xmlns:m="http://schemas.openxmlformats.org/officeDocument/2006/math">
+                    <m:r>
+                      <a:rPr lang="en-US" altLang="ko-KR" sz="1400" b="0" i="1" smtClean="0">
+                        <a:latin typeface="+mn-ea"/>
+                      </a:rPr>
+                      <m:t>𝑄</m:t>
+                    </m:r>
+                    <m:d>
+                      <m:dPr>
+                        <m:ctrlPr>
+                          <a:rPr lang="en-US" altLang="ko-KR" sz="1400" b="0" i="1" smtClean="0">
+                            <a:latin typeface="+mn-ea"/>
+                          </a:rPr>
+                        </m:ctrlPr>
+                      </m:dPr>
+                      <m:e>
+                        <m:r>
+                          <a:rPr lang="en-US" altLang="ko-KR" sz="1400" b="0" i="1" smtClean="0">
+                            <a:latin typeface="+mn-ea"/>
+                          </a:rPr>
+                          <m:t>𝑠</m:t>
+                        </m:r>
+                        <m:r>
+                          <a:rPr lang="en-US" altLang="ko-KR" sz="1400" b="0" i="1" smtClean="0">
+                            <a:latin typeface="+mn-ea"/>
+                          </a:rPr>
+                          <m:t>,</m:t>
+                        </m:r>
+                        <m:r>
+                          <a:rPr lang="en-US" altLang="ko-KR" sz="1400" b="0" i="1" smtClean="0">
+                            <a:latin typeface="+mn-ea"/>
+                          </a:rPr>
+                          <m:t>𝑎</m:t>
+                        </m:r>
+                      </m:e>
+                    </m:d>
+                    <m:r>
+                      <a:rPr lang="en-US" altLang="ko-KR" sz="1400" b="0" i="1" smtClean="0">
+                        <a:latin typeface="+mn-ea"/>
+                      </a:rPr>
+                      <m:t> </m:t>
+                    </m:r>
+                    <m:r>
+                      <a:rPr lang="en-US" altLang="ko-KR" sz="1400" i="1">
+                        <a:latin typeface="+mn-ea"/>
+                      </a:rPr>
+                      <m:t>:</m:t>
+                    </m:r>
+                    <m:r>
+                      <a:rPr lang="ko-KR" altLang="en-US" sz="1400" b="0" i="1" smtClean="0">
+                        <a:latin typeface="+mn-ea"/>
+                      </a:rPr>
+                      <m:t>상태</m:t>
+                    </m:r>
+                    <m:r>
+                      <a:rPr lang="en-US" altLang="ko-KR" sz="1400" b="0" i="1" smtClean="0">
+                        <a:latin typeface="+mn-ea"/>
+                      </a:rPr>
+                      <m:t>𝑠</m:t>
+                    </m:r>
+                    <m:r>
+                      <a:rPr lang="ko-KR" altLang="en-US" sz="1400" b="0" i="1" smtClean="0">
+                        <a:latin typeface="+mn-ea"/>
+                      </a:rPr>
+                      <m:t>에서</m:t>
+                    </m:r>
+                    <m:r>
+                      <a:rPr lang="en-US" altLang="ko-KR" sz="1400" b="0" i="1" smtClean="0">
+                        <a:latin typeface="+mn-ea"/>
+                      </a:rPr>
+                      <m:t> </m:t>
+                    </m:r>
+                    <m:r>
+                      <a:rPr lang="ko-KR" altLang="en-US" sz="1400" b="0" i="1" smtClean="0">
+                        <a:latin typeface="+mn-ea"/>
+                      </a:rPr>
+                      <m:t>행동</m:t>
+                    </m:r>
+                    <m:r>
+                      <a:rPr lang="en-US" altLang="ko-KR" sz="1400" b="0" i="1" smtClean="0">
+                        <a:latin typeface="+mn-ea"/>
+                      </a:rPr>
+                      <m:t> </m:t>
+                    </m:r>
+                    <m:r>
+                      <a:rPr lang="en-US" altLang="ko-KR" sz="1400" b="0" i="1" smtClean="0">
+                        <a:latin typeface="+mn-ea"/>
+                      </a:rPr>
+                      <m:t>𝑎</m:t>
+                    </m:r>
+                    <m:r>
+                      <a:rPr lang="ko-KR" altLang="en-US" sz="1400" b="0" i="1" smtClean="0">
+                        <a:latin typeface="+mn-ea"/>
+                      </a:rPr>
+                      <m:t>를</m:t>
+                    </m:r>
+                    <m:r>
+                      <a:rPr lang="en-US" altLang="ko-KR" sz="1400" b="0" i="1" smtClean="0">
+                        <a:latin typeface="+mn-ea"/>
+                      </a:rPr>
+                      <m:t> </m:t>
+                    </m:r>
+                    <m:r>
+                      <a:rPr lang="ko-KR" altLang="en-US" sz="1400" b="0" i="1" smtClean="0">
+                        <a:latin typeface="+mn-ea"/>
+                      </a:rPr>
+                      <m:t>취할</m:t>
+                    </m:r>
+                    <m:r>
+                      <a:rPr lang="en-US" altLang="ko-KR" sz="1400" b="0" i="1" smtClean="0">
+                        <a:latin typeface="+mn-ea"/>
+                      </a:rPr>
+                      <m:t> </m:t>
+                    </m:r>
+                    <m:r>
+                      <a:rPr lang="ko-KR" altLang="en-US" sz="1400" b="0" i="1" smtClean="0">
+                        <a:latin typeface="+mn-ea"/>
+                      </a:rPr>
+                      <m:t>때</m:t>
+                    </m:r>
+                    <m:r>
+                      <a:rPr lang="en-US" altLang="ko-KR" sz="1400" b="0" i="1" smtClean="0">
+                        <a:latin typeface="+mn-ea"/>
+                      </a:rPr>
+                      <m:t> </m:t>
+                    </m:r>
+                    <m:r>
+                      <a:rPr lang="ko-KR" altLang="en-US" sz="1400" b="0" i="1" smtClean="0">
+                        <a:latin typeface="+mn-ea"/>
+                      </a:rPr>
+                      <m:t>받을</m:t>
+                    </m:r>
+                    <m:r>
+                      <a:rPr lang="en-US" altLang="ko-KR" sz="1400" b="0" i="1" smtClean="0">
+                        <a:latin typeface="+mn-ea"/>
+                      </a:rPr>
+                      <m:t> </m:t>
+                    </m:r>
+                    <m:r>
+                      <a:rPr lang="ko-KR" altLang="en-US" sz="1400" b="0" i="1" smtClean="0">
+                        <a:latin typeface="+mn-ea"/>
+                      </a:rPr>
+                      <m:t>수</m:t>
+                    </m:r>
+                    <m:r>
+                      <a:rPr lang="en-US" altLang="ko-KR" sz="1400" b="0" i="1" smtClean="0">
+                        <a:latin typeface="+mn-ea"/>
+                      </a:rPr>
+                      <m:t> </m:t>
+                    </m:r>
+                    <m:r>
+                      <a:rPr lang="ko-KR" altLang="en-US" sz="1400" b="0" i="1" smtClean="0">
+                        <a:latin typeface="+mn-ea"/>
+                      </a:rPr>
+                      <m:t>있는</m:t>
+                    </m:r>
+                    <m:r>
+                      <a:rPr lang="en-US" altLang="ko-KR" sz="1400" b="0" i="1" smtClean="0">
+                        <a:latin typeface="+mn-ea"/>
+                      </a:rPr>
+                      <m:t> </m:t>
+                    </m:r>
+                    <m:r>
+                      <a:rPr lang="ko-KR" altLang="en-US" sz="1400" b="1" i="0" smtClean="0">
+                        <a:latin typeface="+mn-ea"/>
+                      </a:rPr>
+                      <m:t>모든</m:t>
+                    </m:r>
+                    <m:r>
+                      <a:rPr lang="en-US" altLang="ko-KR" sz="1400" b="1" i="0" smtClean="0">
+                        <a:latin typeface="+mn-ea"/>
+                      </a:rPr>
+                      <m:t> </m:t>
+                    </m:r>
+                    <m:r>
+                      <a:rPr lang="ko-KR" altLang="en-US" sz="1400" b="1" i="0" smtClean="0">
+                        <a:latin typeface="+mn-ea"/>
+                      </a:rPr>
+                      <m:t>보상의</m:t>
+                    </m:r>
+                    <m:r>
+                      <a:rPr lang="en-US" altLang="ko-KR" sz="1400" b="1" i="0" smtClean="0">
+                        <a:latin typeface="+mn-ea"/>
+                      </a:rPr>
+                      <m:t> </m:t>
+                    </m:r>
+                    <m:r>
+                      <a:rPr lang="ko-KR" altLang="en-US" sz="1400" b="1" i="0" smtClean="0">
+                        <a:latin typeface="+mn-ea"/>
+                      </a:rPr>
+                      <m:t>총합</m:t>
+                    </m:r>
+                  </m:oMath>
+                </a14:m>
+                <a:endParaRPr lang="en-US" altLang="ko-KR" sz="1400" b="1" dirty="0" smtClean="0">
+                  <a:latin typeface="+mn-ea"/>
+                </a:endParaRPr>
+              </a:p>
+              <a:p>
+                <a:pPr lvl="1">
+                  <a:lnSpc>
+                    <a:spcPct val="150000"/>
+                  </a:lnSpc>
+                  <a:buFont typeface="Wingdings" panose="05000000000000000000" pitchFamily="2" charset="2"/>
+                  <a:buChar char="l"/>
+                </a:pPr>
+                <a14:m>
+                  <m:oMath xmlns:m="http://schemas.openxmlformats.org/officeDocument/2006/math">
+                    <m:r>
+                      <a:rPr lang="en-US" altLang="ko-KR" sz="1400" b="0" i="1" smtClean="0">
+                        <a:latin typeface="+mn-ea"/>
+                      </a:rPr>
+                      <m:t>𝑟</m:t>
+                    </m:r>
+                    <m:d>
+                      <m:dPr>
+                        <m:ctrlPr>
+                          <a:rPr lang="en-US" altLang="ko-KR" sz="1400" b="0" i="1" smtClean="0">
+                            <a:latin typeface="+mn-ea"/>
+                          </a:rPr>
+                        </m:ctrlPr>
+                      </m:dPr>
+                      <m:e>
+                        <m:r>
+                          <a:rPr lang="en-US" altLang="ko-KR" sz="1400" b="0" i="1" smtClean="0">
+                            <a:latin typeface="+mn-ea"/>
+                          </a:rPr>
+                          <m:t>𝑠</m:t>
+                        </m:r>
+                        <m:r>
+                          <a:rPr lang="en-US" altLang="ko-KR" sz="1400" b="0" i="1" smtClean="0">
+                            <a:latin typeface="+mn-ea"/>
+                          </a:rPr>
+                          <m:t>,</m:t>
+                        </m:r>
+                        <m:r>
+                          <a:rPr lang="en-US" altLang="ko-KR" sz="1400" b="0" i="1" smtClean="0">
+                            <a:latin typeface="+mn-ea"/>
+                          </a:rPr>
+                          <m:t>𝑎</m:t>
+                        </m:r>
+                      </m:e>
+                    </m:d>
+                    <m:r>
+                      <a:rPr lang="en-US" altLang="ko-KR" sz="1400" b="0" i="1" smtClean="0">
+                        <a:latin typeface="+mn-ea"/>
+                      </a:rPr>
+                      <m:t>:</m:t>
+                    </m:r>
+                    <m:r>
+                      <a:rPr lang="ko-KR" altLang="en-US" sz="1400" b="0" i="1" smtClean="0">
+                        <a:latin typeface="+mn-ea"/>
+                      </a:rPr>
+                      <m:t>현재</m:t>
+                    </m:r>
+                    <m:r>
+                      <a:rPr lang="en-US" altLang="ko-KR" sz="1400" b="0" i="1" smtClean="0">
+                        <a:latin typeface="+mn-ea"/>
+                      </a:rPr>
+                      <m:t> </m:t>
+                    </m:r>
+                    <m:r>
+                      <a:rPr lang="ko-KR" altLang="en-US" sz="1400" b="0" i="1" smtClean="0">
+                        <a:latin typeface="+mn-ea"/>
+                      </a:rPr>
+                      <m:t>상태</m:t>
+                    </m:r>
+                    <m:r>
+                      <a:rPr lang="en-US" altLang="ko-KR" sz="1400" b="0" i="1" smtClean="0">
+                        <a:latin typeface="+mn-ea"/>
+                      </a:rPr>
+                      <m:t> </m:t>
+                    </m:r>
+                    <m:r>
+                      <a:rPr lang="en-US" altLang="ko-KR" sz="1400" b="0" i="1" smtClean="0">
+                        <a:latin typeface="+mn-ea"/>
+                      </a:rPr>
+                      <m:t>𝑠</m:t>
+                    </m:r>
+                    <m:r>
+                      <a:rPr lang="ko-KR" altLang="en-US" sz="1400" b="0" i="1" smtClean="0">
+                        <a:latin typeface="+mn-ea"/>
+                      </a:rPr>
+                      <m:t>에서</m:t>
+                    </m:r>
+                    <m:r>
+                      <a:rPr lang="en-US" altLang="ko-KR" sz="1400" b="0" i="1" smtClean="0">
+                        <a:latin typeface="+mn-ea"/>
+                      </a:rPr>
+                      <m:t> </m:t>
+                    </m:r>
+                    <m:r>
+                      <a:rPr lang="ko-KR" altLang="en-US" sz="1400" b="0" i="1" smtClean="0">
+                        <a:latin typeface="+mn-ea"/>
+                      </a:rPr>
+                      <m:t>행동</m:t>
+                    </m:r>
+                    <m:r>
+                      <a:rPr lang="en-US" altLang="ko-KR" sz="1400" b="0" i="1" smtClean="0">
+                        <a:latin typeface="+mn-ea"/>
+                      </a:rPr>
+                      <m:t> </m:t>
+                    </m:r>
+                    <m:r>
+                      <a:rPr lang="en-US" altLang="ko-KR" sz="1400" b="0" i="1" smtClean="0">
+                        <a:latin typeface="+mn-ea"/>
+                      </a:rPr>
+                      <m:t>𝑎</m:t>
+                    </m:r>
+                    <m:r>
+                      <a:rPr lang="ko-KR" altLang="en-US" sz="1400" b="0" i="1" smtClean="0">
+                        <a:latin typeface="+mn-ea"/>
+                      </a:rPr>
+                      <m:t>를</m:t>
+                    </m:r>
+                    <m:r>
+                      <a:rPr lang="en-US" altLang="ko-KR" sz="1400" b="0" i="1" smtClean="0">
+                        <a:latin typeface="+mn-ea"/>
+                      </a:rPr>
+                      <m:t> </m:t>
+                    </m:r>
+                    <m:r>
+                      <a:rPr lang="ko-KR" altLang="en-US" sz="1400" b="0" i="1" smtClean="0">
+                        <a:latin typeface="+mn-ea"/>
+                      </a:rPr>
+                      <m:t>취했을</m:t>
+                    </m:r>
+                    <m:r>
+                      <a:rPr lang="en-US" altLang="ko-KR" sz="1400" b="0" i="1" smtClean="0">
+                        <a:latin typeface="+mn-ea"/>
+                      </a:rPr>
+                      <m:t> </m:t>
+                    </m:r>
+                    <m:r>
+                      <a:rPr lang="ko-KR" altLang="en-US" sz="1400" b="0" i="1" smtClean="0">
+                        <a:latin typeface="+mn-ea"/>
+                      </a:rPr>
+                      <m:t>때</m:t>
+                    </m:r>
+                    <m:r>
+                      <a:rPr lang="en-US" altLang="ko-KR" sz="1400" b="0" i="1" smtClean="0">
+                        <a:latin typeface="+mn-ea"/>
+                      </a:rPr>
+                      <m:t> </m:t>
+                    </m:r>
+                    <m:r>
+                      <a:rPr lang="ko-KR" altLang="en-US" sz="1400" b="0" i="1" smtClean="0">
+                        <a:latin typeface="+mn-ea"/>
+                      </a:rPr>
+                      <m:t>받을</m:t>
+                    </m:r>
+                    <m:r>
+                      <a:rPr lang="en-US" altLang="ko-KR" sz="1400" b="0" i="1" smtClean="0">
+                        <a:latin typeface="+mn-ea"/>
+                      </a:rPr>
+                      <m:t> </m:t>
+                    </m:r>
+                    <m:r>
+                      <a:rPr lang="ko-KR" altLang="en-US" sz="1400" b="0" i="1" smtClean="0">
+                        <a:latin typeface="+mn-ea"/>
+                      </a:rPr>
+                      <m:t>즉각</m:t>
+                    </m:r>
+                    <m:r>
+                      <a:rPr lang="en-US" altLang="ko-KR" sz="1400" b="0" i="1" smtClean="0">
+                        <a:latin typeface="+mn-ea"/>
+                      </a:rPr>
+                      <m:t> </m:t>
+                    </m:r>
+                    <m:r>
+                      <a:rPr lang="ko-KR" altLang="en-US" sz="1400" b="0" i="1" smtClean="0">
+                        <a:latin typeface="+mn-ea"/>
+                      </a:rPr>
+                      <m:t>보상값</m:t>
+                    </m:r>
+                  </m:oMath>
+                </a14:m>
+                <a:endParaRPr lang="en-US" altLang="ko-KR" sz="1400" b="0" dirty="0" smtClean="0">
+                  <a:latin typeface="+mn-ea"/>
+                </a:endParaRPr>
+              </a:p>
+              <a:p>
+                <a:pPr lvl="1">
+                  <a:lnSpc>
+                    <a:spcPct val="150000"/>
+                  </a:lnSpc>
+                  <a:buFont typeface="Wingdings" panose="05000000000000000000" pitchFamily="2" charset="2"/>
+                  <a:buChar char="l"/>
+                </a:pPr>
+                <a14:m>
+                  <m:oMath xmlns:m="http://schemas.openxmlformats.org/officeDocument/2006/math">
+                    <m:sSub>
+                      <m:sSubPr>
+                        <m:ctrlPr>
+                          <a:rPr lang="en-US" altLang="ko-KR" sz="1400" b="0" i="1" dirty="0" smtClean="0">
+                            <a:latin typeface="+mn-ea"/>
+                          </a:rPr>
+                        </m:ctrlPr>
+                      </m:sSubPr>
+                      <m:e>
+                        <m:r>
+                          <a:rPr lang="en-US" altLang="ko-KR" sz="1400" b="0" i="1" dirty="0" smtClean="0">
+                            <a:latin typeface="+mn-ea"/>
+                          </a:rPr>
+                          <m:t>𝑚𝑎𝑥</m:t>
+                        </m:r>
+                      </m:e>
+                      <m:sub>
+                        <m:r>
+                          <a:rPr lang="en-US" altLang="ko-KR" sz="1400" b="0" i="1" dirty="0" smtClean="0">
+                            <a:latin typeface="+mn-ea"/>
+                          </a:rPr>
+                          <m:t>𝑎</m:t>
+                        </m:r>
+                      </m:sub>
+                    </m:sSub>
+                    <m:r>
+                      <a:rPr lang="en-US" altLang="ko-KR" sz="1400" b="0" i="1" dirty="0" smtClean="0">
+                        <a:latin typeface="+mn-ea"/>
+                      </a:rPr>
+                      <m:t>𝑄</m:t>
+                    </m:r>
+                    <m:d>
+                      <m:dPr>
+                        <m:ctrlPr>
+                          <a:rPr lang="en-US" altLang="ko-KR" sz="1400" b="0" i="1" dirty="0" smtClean="0">
+                            <a:latin typeface="+mn-ea"/>
+                          </a:rPr>
+                        </m:ctrlPr>
+                      </m:dPr>
+                      <m:e>
+                        <m:sSup>
+                          <m:sSupPr>
+                            <m:ctrlPr>
+                              <a:rPr lang="en-US" altLang="ko-KR" sz="1400" b="0" i="1" dirty="0" smtClean="0">
+                                <a:latin typeface="+mn-ea"/>
+                              </a:rPr>
+                            </m:ctrlPr>
+                          </m:sSupPr>
+                          <m:e>
+                            <m:r>
+                              <a:rPr lang="en-US" altLang="ko-KR" sz="1400" b="0" i="1" dirty="0" smtClean="0">
+                                <a:latin typeface="+mn-ea"/>
+                              </a:rPr>
+                              <m:t>𝑠</m:t>
+                            </m:r>
+                          </m:e>
+                          <m:sup>
+                            <m:r>
+                              <a:rPr lang="en-US" altLang="ko-KR" sz="1400" b="0" i="1" dirty="0" smtClean="0">
+                                <a:latin typeface="+mn-ea"/>
+                              </a:rPr>
+                              <m:t>′</m:t>
+                            </m:r>
+                          </m:sup>
+                        </m:sSup>
+                        <m:r>
+                          <a:rPr lang="en-US" altLang="ko-KR" sz="1400" b="0" i="1" dirty="0" smtClean="0">
+                            <a:latin typeface="+mn-ea"/>
+                          </a:rPr>
+                          <m:t>,</m:t>
+                        </m:r>
+                        <m:r>
+                          <a:rPr lang="en-US" altLang="ko-KR" sz="1400" b="0" i="1" dirty="0" smtClean="0">
+                            <a:latin typeface="+mn-ea"/>
+                          </a:rPr>
+                          <m:t>𝑎</m:t>
+                        </m:r>
+                      </m:e>
+                    </m:d>
+                    <m:r>
+                      <a:rPr lang="en-US" altLang="ko-KR" sz="1400" i="1">
+                        <a:latin typeface="+mn-ea"/>
+                      </a:rPr>
+                      <m:t>:</m:t>
+                    </m:r>
+                    <m:r>
+                      <a:rPr lang="ko-KR" altLang="en-US" sz="1400" b="0" i="1" smtClean="0">
+                        <a:latin typeface="+mn-ea"/>
+                      </a:rPr>
+                      <m:t>다음</m:t>
+                    </m:r>
+                    <m:r>
+                      <a:rPr lang="en-US" altLang="ko-KR" sz="1400" b="0" i="1" smtClean="0">
+                        <a:latin typeface="+mn-ea"/>
+                      </a:rPr>
+                      <m:t> </m:t>
+                    </m:r>
+                    <m:r>
+                      <a:rPr lang="ko-KR" altLang="en-US" sz="1400" i="1">
+                        <a:latin typeface="+mn-ea"/>
+                      </a:rPr>
+                      <m:t>상태</m:t>
+                    </m:r>
+                    <m:sSup>
+                      <m:sSupPr>
+                        <m:ctrlPr>
+                          <a:rPr lang="en-US" altLang="ko-KR" sz="1400" i="1" dirty="0">
+                            <a:latin typeface="+mn-ea"/>
+                          </a:rPr>
+                        </m:ctrlPr>
+                      </m:sSupPr>
+                      <m:e>
+                        <m:r>
+                          <a:rPr lang="en-US" altLang="ko-KR" sz="1400" i="1" dirty="0">
+                            <a:latin typeface="+mn-ea"/>
+                          </a:rPr>
+                          <m:t>𝑠</m:t>
+                        </m:r>
+                      </m:e>
+                      <m:sup>
+                        <m:r>
+                          <a:rPr lang="en-US" altLang="ko-KR" sz="1400" i="1" dirty="0">
+                            <a:latin typeface="+mn-ea"/>
+                          </a:rPr>
+                          <m:t>′</m:t>
+                        </m:r>
+                      </m:sup>
+                    </m:sSup>
+                    <m:r>
+                      <a:rPr lang="ko-KR" altLang="en-US" sz="1400" i="1">
+                        <a:latin typeface="+mn-ea"/>
+                      </a:rPr>
+                      <m:t>에서</m:t>
+                    </m:r>
+                    <m:r>
+                      <a:rPr lang="en-US" altLang="ko-KR" sz="1400" i="1">
+                        <a:latin typeface="+mn-ea"/>
+                      </a:rPr>
+                      <m:t> </m:t>
+                    </m:r>
+                    <m:r>
+                      <a:rPr lang="ko-KR" altLang="en-US" sz="1400" b="0" i="1" dirty="0" smtClean="0">
+                        <a:latin typeface="+mn-ea"/>
+                      </a:rPr>
+                      <m:t>받을</m:t>
+                    </m:r>
+                    <m:r>
+                      <a:rPr lang="en-US" altLang="ko-KR" sz="1400" b="0" i="1" dirty="0" smtClean="0">
+                        <a:latin typeface="+mn-ea"/>
+                      </a:rPr>
+                      <m:t> </m:t>
+                    </m:r>
+                    <m:r>
+                      <a:rPr lang="ko-KR" altLang="en-US" sz="1400" b="0" i="1" dirty="0" smtClean="0">
+                        <a:latin typeface="+mn-ea"/>
+                      </a:rPr>
+                      <m:t>수있는</m:t>
+                    </m:r>
+                    <m:r>
+                      <a:rPr lang="en-US" altLang="ko-KR" sz="1400" b="0" i="1" dirty="0" smtClean="0">
+                        <a:latin typeface="+mn-ea"/>
+                      </a:rPr>
+                      <m:t> </m:t>
+                    </m:r>
+                    <m:r>
+                      <a:rPr lang="ko-KR" altLang="en-US" sz="1400" b="0" i="1" dirty="0" smtClean="0">
+                        <a:latin typeface="+mn-ea"/>
+                      </a:rPr>
+                      <m:t>보상의</m:t>
+                    </m:r>
+                    <m:r>
+                      <a:rPr lang="en-US" altLang="ko-KR" sz="1400" b="0" i="1" dirty="0" smtClean="0">
+                        <a:latin typeface="+mn-ea"/>
+                      </a:rPr>
+                      <m:t> </m:t>
+                    </m:r>
+                    <m:r>
+                      <a:rPr lang="ko-KR" altLang="en-US" sz="1400" b="0" i="1" dirty="0" smtClean="0">
+                        <a:latin typeface="+mn-ea"/>
+                      </a:rPr>
+                      <m:t>최대</m:t>
+                    </m:r>
+                    <m:r>
+                      <a:rPr lang="en-US" altLang="ko-KR" sz="1400" b="0" i="1" dirty="0" smtClean="0">
+                        <a:latin typeface="+mn-ea"/>
+                      </a:rPr>
+                      <m:t> </m:t>
+                    </m:r>
+                    <m:r>
+                      <a:rPr lang="ko-KR" altLang="en-US" sz="1400" b="0" i="1" dirty="0" smtClean="0">
+                        <a:latin typeface="+mn-ea"/>
+                      </a:rPr>
+                      <m:t>값</m:t>
+                    </m:r>
+                  </m:oMath>
+                </a14:m>
+                <a:endParaRPr lang="en-US" altLang="ko-KR" sz="1400" b="0" dirty="0" smtClean="0">
+                  <a:latin typeface="+mn-ea"/>
+                </a:endParaRPr>
+              </a:p>
+              <a:p>
+                <a:pPr lvl="1">
+                  <a:lnSpc>
+                    <a:spcPct val="150000"/>
+                  </a:lnSpc>
+                  <a:buClr>
+                    <a:srgbClr val="9FB8CD"/>
+                  </a:buClr>
+                  <a:buFont typeface="Wingdings" panose="05000000000000000000" pitchFamily="2" charset="2"/>
+                  <a:buChar char="l"/>
+                </a:pPr>
+                <a14:m>
+                  <m:oMath xmlns:m="http://schemas.openxmlformats.org/officeDocument/2006/math">
+                    <m:r>
+                      <a:rPr lang="en-US" altLang="ko-KR" sz="1400" i="1">
+                        <a:solidFill>
+                          <a:srgbClr val="464653"/>
+                        </a:solidFill>
+                        <a:latin typeface="+mn-ea"/>
+                      </a:rPr>
+                      <m:t> </m:t>
+                    </m:r>
+                    <m:r>
+                      <a:rPr lang="ko-KR" altLang="en-US" sz="1400" i="1" smtClean="0">
+                        <a:solidFill>
+                          <a:srgbClr val="464653"/>
+                        </a:solidFill>
+                        <a:latin typeface="+mn-ea"/>
+                      </a:rPr>
+                      <m:t>𝛾</m:t>
+                    </m:r>
+                    <m:r>
+                      <a:rPr lang="en-US" altLang="ko-KR" sz="1400" b="0" i="1" smtClean="0">
+                        <a:solidFill>
+                          <a:srgbClr val="464653"/>
+                        </a:solidFill>
+                        <a:latin typeface="+mn-ea"/>
+                      </a:rPr>
+                      <m:t> :</m:t>
+                    </m:r>
+                    <m:r>
+                      <a:rPr lang="ko-KR" altLang="en-US" sz="1400" b="0" i="1" smtClean="0">
+                        <a:solidFill>
+                          <a:srgbClr val="464653"/>
+                        </a:solidFill>
+                        <a:latin typeface="+mn-ea"/>
+                      </a:rPr>
+                      <m:t>할인율이라</m:t>
+                    </m:r>
+                    <m:r>
+                      <a:rPr lang="en-US" altLang="ko-KR" sz="1400" b="0" i="1" smtClean="0">
+                        <a:solidFill>
+                          <a:srgbClr val="464653"/>
+                        </a:solidFill>
+                        <a:latin typeface="+mn-ea"/>
+                      </a:rPr>
+                      <m:t> </m:t>
+                    </m:r>
+                    <m:r>
+                      <a:rPr lang="ko-KR" altLang="en-US" sz="1400" b="0" i="1" smtClean="0">
+                        <a:solidFill>
+                          <a:srgbClr val="464653"/>
+                        </a:solidFill>
+                        <a:latin typeface="+mn-ea"/>
+                      </a:rPr>
+                      <m:t>부르며</m:t>
+                    </m:r>
+                    <m:r>
+                      <a:rPr lang="en-US" altLang="ko-KR" sz="1400" b="0" i="1" smtClean="0">
+                        <a:solidFill>
+                          <a:srgbClr val="464653"/>
+                        </a:solidFill>
+                        <a:latin typeface="+mn-ea"/>
+                      </a:rPr>
+                      <m:t>, </m:t>
+                    </m:r>
+                    <m:r>
+                      <a:rPr lang="ko-KR" altLang="en-US" sz="1400" b="0" i="1" smtClean="0">
+                        <a:solidFill>
+                          <a:srgbClr val="464653"/>
+                        </a:solidFill>
+                        <a:latin typeface="+mn-ea"/>
+                      </a:rPr>
+                      <m:t>미래</m:t>
+                    </m:r>
+                    <m:r>
+                      <a:rPr lang="en-US" altLang="ko-KR" sz="1400" b="0" i="1" smtClean="0">
+                        <a:solidFill>
+                          <a:srgbClr val="464653"/>
+                        </a:solidFill>
+                        <a:latin typeface="+mn-ea"/>
+                      </a:rPr>
+                      <m:t> </m:t>
+                    </m:r>
+                    <m:r>
+                      <a:rPr lang="ko-KR" altLang="en-US" sz="1400" b="0" i="1" smtClean="0">
+                        <a:solidFill>
+                          <a:srgbClr val="464653"/>
+                        </a:solidFill>
+                        <a:latin typeface="+mn-ea"/>
+                      </a:rPr>
+                      <m:t>가치에</m:t>
+                    </m:r>
+                    <m:r>
+                      <a:rPr lang="en-US" altLang="ko-KR" sz="1400" b="0" i="1" smtClean="0">
+                        <a:solidFill>
+                          <a:srgbClr val="464653"/>
+                        </a:solidFill>
+                        <a:latin typeface="+mn-ea"/>
+                      </a:rPr>
+                      <m:t> </m:t>
+                    </m:r>
+                    <m:r>
+                      <a:rPr lang="ko-KR" altLang="en-US" sz="1400" b="0" i="1" smtClean="0">
+                        <a:solidFill>
+                          <a:srgbClr val="464653"/>
+                        </a:solidFill>
+                        <a:latin typeface="+mn-ea"/>
+                      </a:rPr>
+                      <m:t>대한</m:t>
+                    </m:r>
+                    <m:r>
+                      <a:rPr lang="en-US" altLang="ko-KR" sz="1400" b="0" i="1" smtClean="0">
+                        <a:solidFill>
+                          <a:srgbClr val="464653"/>
+                        </a:solidFill>
+                        <a:latin typeface="+mn-ea"/>
+                      </a:rPr>
+                      <m:t> </m:t>
+                    </m:r>
+                    <m:r>
+                      <a:rPr lang="ko-KR" altLang="en-US" sz="1400" b="0" i="1" smtClean="0">
+                        <a:solidFill>
+                          <a:srgbClr val="464653"/>
+                        </a:solidFill>
+                        <a:latin typeface="+mn-ea"/>
+                      </a:rPr>
+                      <m:t>중요도를</m:t>
+                    </m:r>
+                    <m:r>
+                      <a:rPr lang="en-US" altLang="ko-KR" sz="1400" b="0" i="1" smtClean="0">
+                        <a:solidFill>
+                          <a:srgbClr val="464653"/>
+                        </a:solidFill>
+                        <a:latin typeface="+mn-ea"/>
+                      </a:rPr>
+                      <m:t> </m:t>
+                    </m:r>
+                    <m:r>
+                      <a:rPr lang="ko-KR" altLang="en-US" sz="1400" b="0" i="1" smtClean="0">
+                        <a:solidFill>
+                          <a:srgbClr val="464653"/>
+                        </a:solidFill>
+                        <a:latin typeface="+mn-ea"/>
+                      </a:rPr>
+                      <m:t>나타냄</m:t>
+                    </m:r>
+                    <m:r>
+                      <a:rPr lang="en-US" altLang="ko-KR" sz="1400" b="0" i="1" smtClean="0">
+                        <a:solidFill>
+                          <a:srgbClr val="464653"/>
+                        </a:solidFill>
+                        <a:latin typeface="+mn-ea"/>
+                      </a:rPr>
+                      <m:t>. </m:t>
+                    </m:r>
+                  </m:oMath>
+                </a14:m>
+                <a:endParaRPr lang="en-US" altLang="ko-KR" sz="1400" b="0" i="1" dirty="0" smtClean="0">
+                  <a:solidFill>
+                    <a:srgbClr val="464653"/>
+                  </a:solidFill>
+                  <a:latin typeface="+mn-ea"/>
+                </a:endParaRPr>
+              </a:p>
+              <a:p>
+                <a:pPr marL="274320" lvl="1" indent="0">
+                  <a:lnSpc>
+                    <a:spcPct val="150000"/>
+                  </a:lnSpc>
+                  <a:buClr>
+                    <a:srgbClr val="9FB8CD"/>
+                  </a:buClr>
+                  <a:buNone/>
+                </a:pPr>
+                <a14:m>
+                  <m:oMathPara xmlns:m="http://schemas.openxmlformats.org/officeDocument/2006/math">
+                    <m:oMathParaPr>
+                      <m:jc m:val="centerGroup"/>
+                    </m:oMathParaPr>
+                    <m:oMath xmlns:m="http://schemas.openxmlformats.org/officeDocument/2006/math">
+                      <m:r>
+                        <a:rPr lang="en-US" altLang="ko-KR" sz="1400" b="0" i="1" smtClean="0">
+                          <a:solidFill>
+                            <a:srgbClr val="464653"/>
+                          </a:solidFill>
+                          <a:latin typeface="Cambria Math"/>
+                        </a:rPr>
+                        <m:t>              </m:t>
+                      </m:r>
+                      <m:r>
+                        <a:rPr lang="en-US" altLang="ko-KR" sz="1400" b="0" i="1" smtClean="0">
+                          <a:solidFill>
+                            <a:srgbClr val="464653"/>
+                          </a:solidFill>
+                          <a:latin typeface="+mn-ea"/>
+                        </a:rPr>
+                        <m:t> </m:t>
+                      </m:r>
+                      <m:r>
+                        <a:rPr lang="ko-KR" altLang="en-US" sz="1400" b="0" i="1" smtClean="0">
+                          <a:solidFill>
+                            <a:srgbClr val="464653"/>
+                          </a:solidFill>
+                          <a:latin typeface="+mn-ea"/>
+                        </a:rPr>
+                        <m:t>𝛾</m:t>
+                      </m:r>
+                      <m:r>
+                        <a:rPr lang="ko-KR" altLang="en-US" sz="1400" b="0" i="1" smtClean="0">
+                          <a:solidFill>
+                            <a:srgbClr val="464653"/>
+                          </a:solidFill>
+                          <a:latin typeface="+mn-ea"/>
+                        </a:rPr>
+                        <m:t>이</m:t>
+                      </m:r>
+                      <m:r>
+                        <a:rPr lang="en-US" altLang="ko-KR" sz="1400" b="0" i="1" smtClean="0">
+                          <a:solidFill>
+                            <a:srgbClr val="464653"/>
+                          </a:solidFill>
+                          <a:latin typeface="+mn-ea"/>
+                        </a:rPr>
+                        <m:t> </m:t>
+                      </m:r>
+                      <m:r>
+                        <a:rPr lang="ko-KR" altLang="en-US" sz="1400" b="0" i="1" smtClean="0">
+                          <a:solidFill>
+                            <a:srgbClr val="464653"/>
+                          </a:solidFill>
+                          <a:latin typeface="+mn-ea"/>
+                        </a:rPr>
+                        <m:t>커질수록</m:t>
+                      </m:r>
+                      <m:r>
+                        <a:rPr lang="en-US" altLang="ko-KR" sz="1400" b="0" i="1" smtClean="0">
+                          <a:solidFill>
+                            <a:srgbClr val="464653"/>
+                          </a:solidFill>
+                          <a:latin typeface="+mn-ea"/>
+                        </a:rPr>
+                        <m:t> </m:t>
+                      </m:r>
+                      <m:r>
+                        <a:rPr lang="ko-KR" altLang="en-US" sz="1400" b="0" i="1" smtClean="0">
+                          <a:solidFill>
+                            <a:srgbClr val="464653"/>
+                          </a:solidFill>
+                          <a:latin typeface="+mn-ea"/>
+                        </a:rPr>
+                        <m:t>미래에</m:t>
+                      </m:r>
+                      <m:r>
+                        <a:rPr lang="en-US" altLang="ko-KR" sz="1400" b="0" i="1" smtClean="0">
+                          <a:solidFill>
+                            <a:srgbClr val="464653"/>
+                          </a:solidFill>
+                          <a:latin typeface="+mn-ea"/>
+                        </a:rPr>
+                        <m:t> </m:t>
+                      </m:r>
+                      <m:r>
+                        <a:rPr lang="ko-KR" altLang="en-US" sz="1400" b="0" i="1" smtClean="0">
+                          <a:solidFill>
+                            <a:srgbClr val="464653"/>
+                          </a:solidFill>
+                          <a:latin typeface="+mn-ea"/>
+                        </a:rPr>
+                        <m:t>받을</m:t>
+                      </m:r>
+                      <m:r>
+                        <a:rPr lang="en-US" altLang="ko-KR" sz="1400" b="0" i="1" smtClean="0">
+                          <a:solidFill>
+                            <a:srgbClr val="464653"/>
+                          </a:solidFill>
+                          <a:latin typeface="+mn-ea"/>
+                        </a:rPr>
+                        <m:t> </m:t>
+                      </m:r>
+                      <m:r>
+                        <a:rPr lang="ko-KR" altLang="en-US" sz="1400" b="0" i="1" smtClean="0">
+                          <a:solidFill>
+                            <a:srgbClr val="464653"/>
+                          </a:solidFill>
+                          <a:latin typeface="+mn-ea"/>
+                        </a:rPr>
+                        <m:t>보상에</m:t>
+                      </m:r>
+                      <m:r>
+                        <a:rPr lang="en-US" altLang="ko-KR" sz="1400" b="0" i="1" smtClean="0">
+                          <a:solidFill>
+                            <a:srgbClr val="464653"/>
+                          </a:solidFill>
+                          <a:latin typeface="+mn-ea"/>
+                        </a:rPr>
+                        <m:t> </m:t>
+                      </m:r>
+                      <m:r>
+                        <a:rPr lang="ko-KR" altLang="en-US" sz="1400" b="0" i="1" smtClean="0">
+                          <a:solidFill>
+                            <a:srgbClr val="464653"/>
+                          </a:solidFill>
+                          <a:latin typeface="+mn-ea"/>
+                        </a:rPr>
+                        <m:t>더큰</m:t>
+                      </m:r>
+                      <m:r>
+                        <a:rPr lang="en-US" altLang="ko-KR" sz="1400" b="0" i="1" smtClean="0">
+                          <a:solidFill>
+                            <a:srgbClr val="464653"/>
+                          </a:solidFill>
+                          <a:latin typeface="+mn-ea"/>
+                        </a:rPr>
+                        <m:t> </m:t>
+                      </m:r>
+                      <m:r>
+                        <a:rPr lang="ko-KR" altLang="en-US" sz="1400" b="0" i="1" smtClean="0">
+                          <a:solidFill>
+                            <a:srgbClr val="464653"/>
+                          </a:solidFill>
+                          <a:latin typeface="+mn-ea"/>
+                        </a:rPr>
+                        <m:t>가치를</m:t>
+                      </m:r>
+                      <m:r>
+                        <a:rPr lang="en-US" altLang="ko-KR" sz="1400" b="0" i="1" smtClean="0">
+                          <a:solidFill>
+                            <a:srgbClr val="464653"/>
+                          </a:solidFill>
+                          <a:latin typeface="+mn-ea"/>
+                        </a:rPr>
+                        <m:t>, </m:t>
+                      </m:r>
+                      <m:r>
+                        <a:rPr lang="ko-KR" altLang="en-US" sz="1400" b="0" i="1" smtClean="0">
+                          <a:solidFill>
+                            <a:srgbClr val="464653"/>
+                          </a:solidFill>
+                          <a:latin typeface="+mn-ea"/>
+                        </a:rPr>
+                        <m:t>작아질</m:t>
+                      </m:r>
+                      <m:r>
+                        <a:rPr lang="en-US" altLang="ko-KR" sz="1400" b="0" i="1" smtClean="0">
+                          <a:solidFill>
+                            <a:srgbClr val="464653"/>
+                          </a:solidFill>
+                          <a:latin typeface="+mn-ea"/>
+                        </a:rPr>
+                        <m:t> </m:t>
+                      </m:r>
+                      <m:r>
+                        <a:rPr lang="ko-KR" altLang="en-US" sz="1400" b="0" i="1" smtClean="0">
+                          <a:solidFill>
+                            <a:srgbClr val="464653"/>
+                          </a:solidFill>
+                          <a:latin typeface="+mn-ea"/>
+                        </a:rPr>
+                        <m:t>수록</m:t>
+                      </m:r>
+                      <m:r>
+                        <a:rPr lang="en-US" altLang="ko-KR" sz="1400" b="0" i="1" smtClean="0">
+                          <a:solidFill>
+                            <a:srgbClr val="464653"/>
+                          </a:solidFill>
+                          <a:latin typeface="+mn-ea"/>
+                        </a:rPr>
+                        <m:t> </m:t>
+                      </m:r>
+                      <m:r>
+                        <a:rPr lang="ko-KR" altLang="en-US" sz="1400" b="0" i="1" smtClean="0">
+                          <a:solidFill>
+                            <a:srgbClr val="464653"/>
+                          </a:solidFill>
+                          <a:latin typeface="+mn-ea"/>
+                        </a:rPr>
+                        <m:t>즉각</m:t>
+                      </m:r>
+                      <m:r>
+                        <a:rPr lang="en-US" altLang="ko-KR" sz="1400" b="0" i="1" smtClean="0">
+                          <a:solidFill>
+                            <a:srgbClr val="464653"/>
+                          </a:solidFill>
+                          <a:latin typeface="+mn-ea"/>
+                        </a:rPr>
+                        <m:t> </m:t>
+                      </m:r>
+                      <m:r>
+                        <a:rPr lang="ko-KR" altLang="en-US" sz="1400" b="0" i="1" smtClean="0">
+                          <a:solidFill>
+                            <a:srgbClr val="464653"/>
+                          </a:solidFill>
+                          <a:latin typeface="+mn-ea"/>
+                        </a:rPr>
+                        <m:t>보상을</m:t>
+                      </m:r>
+                      <m:r>
+                        <a:rPr lang="en-US" altLang="ko-KR" sz="1400" b="0" i="1" smtClean="0">
+                          <a:solidFill>
+                            <a:srgbClr val="464653"/>
+                          </a:solidFill>
+                          <a:latin typeface="+mn-ea"/>
+                        </a:rPr>
+                        <m:t> </m:t>
+                      </m:r>
+                      <m:r>
+                        <a:rPr lang="ko-KR" altLang="en-US" sz="1400" b="0" i="1" smtClean="0">
+                          <a:solidFill>
+                            <a:srgbClr val="464653"/>
+                          </a:solidFill>
+                          <a:latin typeface="+mn-ea"/>
+                        </a:rPr>
+                        <m:t>더</m:t>
+                      </m:r>
+                      <m:r>
+                        <a:rPr lang="en-US" altLang="ko-KR" sz="1400" b="0" i="1" smtClean="0">
+                          <a:solidFill>
+                            <a:srgbClr val="464653"/>
+                          </a:solidFill>
+                          <a:latin typeface="+mn-ea"/>
+                        </a:rPr>
+                        <m:t> </m:t>
+                      </m:r>
+                      <m:r>
+                        <a:rPr lang="ko-KR" altLang="en-US" sz="1400" b="0" i="1" smtClean="0">
+                          <a:solidFill>
+                            <a:srgbClr val="464653"/>
+                          </a:solidFill>
+                          <a:latin typeface="+mn-ea"/>
+                        </a:rPr>
+                        <m:t>중요하게</m:t>
+                      </m:r>
+                      <m:r>
+                        <a:rPr lang="en-US" altLang="ko-KR" sz="1400" b="0" i="1" smtClean="0">
+                          <a:solidFill>
+                            <a:srgbClr val="464653"/>
+                          </a:solidFill>
+                          <a:latin typeface="+mn-ea"/>
+                        </a:rPr>
+                        <m:t> </m:t>
+                      </m:r>
+                      <m:r>
+                        <a:rPr lang="ko-KR" altLang="en-US" sz="1400" b="0" i="1" smtClean="0">
+                          <a:solidFill>
+                            <a:srgbClr val="464653"/>
+                          </a:solidFill>
+                          <a:latin typeface="+mn-ea"/>
+                        </a:rPr>
+                        <m:t>함</m:t>
+                      </m:r>
+                      <m:r>
+                        <a:rPr lang="en-US" altLang="ko-KR" sz="1400" b="0" i="1" smtClean="0">
+                          <a:solidFill>
+                            <a:srgbClr val="464653"/>
+                          </a:solidFill>
+                          <a:latin typeface="+mn-ea"/>
+                        </a:rPr>
+                        <m:t>. </m:t>
+                      </m:r>
+                    </m:oMath>
+                  </m:oMathPara>
+                </a14:m>
+                <a:endParaRPr lang="en-US" altLang="ko-KR" sz="1400" dirty="0">
+                  <a:solidFill>
+                    <a:srgbClr val="464653"/>
+                  </a:solidFill>
+                  <a:latin typeface="+mn-ea"/>
+                </a:endParaRPr>
+              </a:p>
+              <a:p>
+                <a:pPr marL="274320" lvl="1" indent="0">
+                  <a:lnSpc>
+                    <a:spcPct val="150000"/>
+                  </a:lnSpc>
+                  <a:buNone/>
+                </a:pPr>
+                <a:endParaRPr lang="en-US" altLang="ko-KR" sz="1400" b="0" dirty="0" smtClean="0"/>
+              </a:p>
+              <a:p>
+                <a:pPr lvl="1">
+                  <a:lnSpc>
+                    <a:spcPct val="150000"/>
+                  </a:lnSpc>
+                  <a:buFontTx/>
+                  <a:buChar char="-"/>
+                </a:pPr>
+                <a:endParaRPr lang="en-US" altLang="ko-KR" sz="1400" dirty="0" smtClean="0">
+                  <a:latin typeface="+mn-ea"/>
+                </a:endParaRPr>
+              </a:p>
+            </p:txBody>
+          </p:sp>
+        </mc:Choice>
+        <mc:Fallback>
+          <p:sp>
+            <p:nvSpPr>
+              <p:cNvPr id="4" name="내용 개체 틀 3"/>
+              <p:cNvSpPr>
+                <a:spLocks noGrp="1" noRot="1" noChangeAspect="1" noMove="1" noResize="1" noEditPoints="1" noAdjustHandles="1" noChangeArrowheads="1" noChangeShapeType="1" noTextEdit="1"/>
+              </p:cNvSpPr>
+              <p:nvPr>
+                <p:ph sz="quarter" idx="1"/>
+              </p:nvPr>
+            </p:nvSpPr>
+            <p:spPr>
+              <a:xfrm>
+                <a:off x="467544" y="1124744"/>
+                <a:ext cx="8229600" cy="5181506"/>
+              </a:xfrm>
+              <a:blipFill rotWithShape="1">
+                <a:blip r:embed="rId2"/>
+                <a:stretch>
+                  <a:fillRect/>
+                </a:stretch>
+              </a:blipFill>
+            </p:spPr>
+            <p:txBody>
+              <a:bodyPr/>
+              <a:lstStyle/>
+              <a:p>
+                <a:r>
+                  <a:rPr lang="ko-KR" altLang="en-US">
+                    <a:noFill/>
+                  </a:rPr>
+                  <a:t> </a:t>
+                </a:r>
+              </a:p>
+            </p:txBody>
+          </p:sp>
+        </mc:Fallback>
+      </mc:AlternateContent>
+      <p:pic>
+        <p:nvPicPr>
+          <p:cNvPr id="2052" name="Picture 4"/>
+          <p:cNvPicPr>
+            <a:picLocks noChangeAspect="1" noChangeArrowheads="1"/>
+          </p:cNvPicPr>
+          <p:nvPr/>
+        </p:nvPicPr>
+        <p:blipFill>
+          <a:blip r:embed="rId3">
+            <a:extLst>
+              <a:ext uri="{28A0092B-C50C-407E-A947-70E740481C1C}">
+                <a14:useLocalDpi xmlns:a14="http://schemas.microsoft.com/office/drawing/2010/main" val="0"/>
+              </a:ext>
+            </a:extLst>
+          </a:blip>
+          <a:srcRect/>
+          <a:stretch>
+            <a:fillRect/>
+          </a:stretch>
+        </p:blipFill>
+        <p:spPr bwMode="auto">
+          <a:xfrm>
+            <a:off x="899592" y="2276872"/>
+            <a:ext cx="5680631" cy="720080"/>
+          </a:xfrm>
+          <a:prstGeom prst="rect">
+            <a:avLst/>
+          </a:prstGeom>
+          <a:noFill/>
+          <a:ln>
+            <a:noFill/>
+          </a:ln>
+          <a:extLst>
+            <a:ext uri="{909E8E84-426E-40DD-AFC4-6F175D3DCCD1}">
+              <a14:hiddenFill xmlns:a14="http://schemas.microsoft.com/office/drawing/2010/main">
+                <a:solidFill>
+                  <a:schemeClr val="accent1"/>
+                </a:solidFill>
+              </a14:hiddenFill>
+            </a:ext>
+            <a:ext uri="{91240B29-F687-4F45-9708-019B960494DF}">
+              <a14:hiddenLine xmlns:a14="http://schemas.microsoft.com/office/drawing/2010/main" w="9525">
+                <a:solidFill>
+                  <a:schemeClr val="tx1"/>
+                </a:solidFill>
+                <a:miter lim="800000"/>
+                <a:headEnd/>
+                <a:tailEnd/>
+              </a14:hiddenLine>
+            </a:ext>
+          </a:extLst>
+        </p:spPr>
+      </p:pic>
+      <p:sp>
+        <p:nvSpPr>
+          <p:cNvPr id="3" name="직사각형 2"/>
+          <p:cNvSpPr/>
+          <p:nvPr/>
+        </p:nvSpPr>
+        <p:spPr>
+          <a:xfrm>
+            <a:off x="755576" y="4149080"/>
+            <a:ext cx="4968552" cy="432048"/>
+          </a:xfrm>
+          <a:prstGeom prst="rect">
+            <a:avLst/>
+          </a:prstGeom>
+          <a:noFill/>
+          <a:ln>
+            <a:prstDash val="lgDash"/>
+          </a:ln>
+        </p:spPr>
+        <p:style>
+          <a:lnRef idx="2">
+            <a:schemeClr val="accent1">
+              <a:shade val="50000"/>
+            </a:schemeClr>
+          </a:lnRef>
+          <a:fillRef idx="1">
+            <a:schemeClr val="accent1"/>
+          </a:fillRef>
+          <a:effectRef idx="0">
+            <a:schemeClr val="accent1"/>
+          </a:effectRef>
+          <a:fontRef idx="minor">
+            <a:schemeClr val="lt1"/>
+          </a:fontRef>
+        </p:style>
+        <p:txBody>
+          <a:bodyPr rtlCol="0" anchor="ctr"/>
+          <a:lstStyle/>
+          <a:p>
+            <a:pPr algn="ctr"/>
+            <a:endParaRPr lang="ko-KR" altLang="en-US"/>
+          </a:p>
+        </p:txBody>
+      </p:sp>
+      <p:sp>
+        <p:nvSpPr>
+          <p:cNvPr id="5" name="TextBox 4"/>
+          <p:cNvSpPr txBox="1"/>
+          <p:nvPr/>
+        </p:nvSpPr>
+        <p:spPr>
+          <a:xfrm>
+            <a:off x="755576" y="5589240"/>
+            <a:ext cx="6901954" cy="369332"/>
+          </a:xfrm>
+          <a:prstGeom prst="rect">
+            <a:avLst/>
+          </a:prstGeom>
+          <a:noFill/>
+        </p:spPr>
+        <p:txBody>
+          <a:bodyPr wrap="none" rtlCol="0">
+            <a:spAutoFit/>
+          </a:bodyPr>
+          <a:lstStyle/>
+          <a:p>
+            <a:r>
+              <a:rPr lang="en-US" altLang="ko-KR" b="1" dirty="0" smtClean="0">
+                <a:solidFill>
+                  <a:srgbClr val="C00000"/>
+                </a:solidFill>
+                <a:latin typeface="바탕"/>
+                <a:ea typeface="바탕"/>
+              </a:rPr>
+              <a:t>※ </a:t>
+            </a:r>
+            <a:r>
+              <a:rPr lang="ko-KR" altLang="en-US" b="1" dirty="0" smtClean="0">
+                <a:solidFill>
+                  <a:srgbClr val="C00000"/>
+                </a:solidFill>
+              </a:rPr>
+              <a:t>해당 값을 최대화 할 수 있는 행동을 고르는 것이 </a:t>
+            </a:r>
+            <a:r>
+              <a:rPr lang="en-US" altLang="ko-KR" b="1" dirty="0" smtClean="0">
+                <a:solidFill>
+                  <a:srgbClr val="C00000"/>
+                </a:solidFill>
+              </a:rPr>
+              <a:t>Agent</a:t>
+            </a:r>
+            <a:r>
+              <a:rPr lang="ko-KR" altLang="en-US" b="1" dirty="0" smtClean="0">
+                <a:solidFill>
+                  <a:srgbClr val="C00000"/>
+                </a:solidFill>
+              </a:rPr>
+              <a:t>의 목표 </a:t>
+            </a:r>
+            <a:endParaRPr lang="ko-KR" altLang="en-US" b="1" dirty="0">
+              <a:solidFill>
+                <a:srgbClr val="C00000"/>
+              </a:solidFill>
+            </a:endParaRPr>
+          </a:p>
+        </p:txBody>
+      </p:sp>
+      <p:cxnSp>
+        <p:nvCxnSpPr>
+          <p:cNvPr id="13" name="꺾인 연결선 12"/>
+          <p:cNvCxnSpPr>
+            <a:stCxn id="3" idx="1"/>
+            <a:endCxn id="5" idx="1"/>
+          </p:cNvCxnSpPr>
+          <p:nvPr/>
+        </p:nvCxnSpPr>
+        <p:spPr>
+          <a:xfrm rot="10800000" flipV="1">
+            <a:off x="755576" y="4365104"/>
+            <a:ext cx="12700" cy="1408802"/>
+          </a:xfrm>
+          <a:prstGeom prst="bentConnector3">
+            <a:avLst>
+              <a:gd name="adj1" fmla="val 1800000"/>
+            </a:avLst>
+          </a:prstGeom>
+          <a:ln w="19050">
+            <a:prstDash val="lgDash"/>
+            <a:tailEnd type="arrow"/>
+          </a:ln>
+        </p:spPr>
+        <p:style>
+          <a:lnRef idx="1">
+            <a:schemeClr val="accent1"/>
+          </a:lnRef>
+          <a:fillRef idx="0">
+            <a:schemeClr val="accent1"/>
+          </a:fillRef>
+          <a:effectRef idx="0">
+            <a:schemeClr val="accent1"/>
+          </a:effectRef>
+          <a:fontRef idx="minor">
+            <a:schemeClr val="tx1"/>
+          </a:fontRef>
+        </p:style>
+      </p:cxnSp>
+    </p:spTree>
+    <p:extLst>
+      <p:ext uri="{BB962C8B-B14F-4D97-AF65-F5344CB8AC3E}">
+        <p14:creationId xmlns:p14="http://schemas.microsoft.com/office/powerpoint/2010/main" val="3707015318"/>
+      </p:ext>
+    </p:extLst>
+  </p:cSld>
+  <p:clrMapOvr>
+    <a:masterClrMapping/>
+  </p:clrMapOvr>
+  <p:timing>
+    <p:tnLst>
+      <p:par>
+        <p:cTn id="1" dur="indefinite" restart="never" nodeType="tmRoot"/>
+      </p:par>
+    </p:tnLst>
+  </p:timing>
+</p:sld>
+</file>
+
+<file path=ppt/slides/slide16.xml><?xml version="1.0" encoding="utf-8"?>
+<p:sld xmlns:a="http://schemas.openxmlformats.org/drawingml/2006/main" xmlns:r="http://schemas.openxmlformats.org/officeDocument/2006/relationships" xmlns:p="http://schemas.openxmlformats.org/presentationml/2006/main">
+  <p:cSld>
+    <p:spTree>
+      <p:nvGrpSpPr>
+        <p:cNvPr id="1" name=""/>
+        <p:cNvGrpSpPr/>
+        <p:nvPr/>
+      </p:nvGrpSpPr>
+      <p:grpSpPr>
+        <a:xfrm>
+          <a:off x="0" y="0"/>
+          <a:ext cx="0" cy="0"/>
+          <a:chOff x="0" y="0"/>
+          <a:chExt cx="0" cy="0"/>
+        </a:xfrm>
+      </p:grpSpPr>
+      <p:sp>
+        <p:nvSpPr>
+          <p:cNvPr id="2" name="제목 1"/>
+          <p:cNvSpPr>
+            <a:spLocks noGrp="1"/>
+          </p:cNvSpPr>
+          <p:nvPr>
+            <p:ph type="title"/>
+          </p:nvPr>
+        </p:nvSpPr>
+        <p:spPr/>
+        <p:txBody>
+          <a:bodyPr>
+            <a:normAutofit/>
+          </a:bodyPr>
+          <a:lstStyle/>
+          <a:p>
+            <a:r>
+              <a:rPr lang="en-US" altLang="ko-KR" sz="3600" b="1" dirty="0" smtClean="0">
+                <a:latin typeface="+mn-ea"/>
+                <a:ea typeface="+mn-ea"/>
+              </a:rPr>
+              <a:t>05. </a:t>
+            </a:r>
+            <a:r>
+              <a:rPr lang="en-US" altLang="ko-KR" sz="3600" b="1" dirty="0" smtClean="0">
+                <a:latin typeface="+mn-ea"/>
+                <a:ea typeface="+mn-ea"/>
+              </a:rPr>
+              <a:t>Deep </a:t>
+            </a:r>
+            <a:r>
+              <a:rPr lang="en-US" altLang="ko-KR" sz="3600" b="1" dirty="0" smtClean="0">
+                <a:latin typeface="+mn-ea"/>
+                <a:ea typeface="+mn-ea"/>
+              </a:rPr>
+              <a:t>Learning </a:t>
+            </a:r>
+            <a:r>
+              <a:rPr lang="ko-KR" altLang="en-US" sz="3600" b="1" dirty="0" smtClean="0">
+                <a:latin typeface="+mn-ea"/>
+                <a:ea typeface="+mn-ea"/>
+              </a:rPr>
+              <a:t>주요 모델</a:t>
+            </a:r>
+            <a:endParaRPr lang="ko-KR" altLang="en-US" sz="3600" b="1" dirty="0">
+              <a:latin typeface="+mn-ea"/>
+              <a:ea typeface="+mn-ea"/>
+            </a:endParaRPr>
+          </a:p>
+        </p:txBody>
+      </p:sp>
+      <p:sp>
+        <p:nvSpPr>
+          <p:cNvPr id="4" name="내용 개체 틀 3"/>
+          <p:cNvSpPr>
+            <a:spLocks noGrp="1"/>
+          </p:cNvSpPr>
+          <p:nvPr>
+            <p:ph sz="quarter" idx="1"/>
+          </p:nvPr>
+        </p:nvSpPr>
+        <p:spPr>
+          <a:xfrm>
+            <a:off x="467544" y="1124744"/>
+            <a:ext cx="8229600" cy="5181506"/>
+          </a:xfrm>
+        </p:spPr>
+        <p:txBody>
+          <a:bodyPr>
+            <a:normAutofit/>
+          </a:bodyPr>
+          <a:lstStyle/>
+          <a:p>
+            <a:pPr>
+              <a:lnSpc>
+                <a:spcPct val="150000"/>
+              </a:lnSpc>
+            </a:pPr>
+            <a:r>
+              <a:rPr lang="en-US" altLang="ko-KR" sz="2000" b="1" dirty="0" smtClean="0"/>
+              <a:t>Deep Reinforcement Learning</a:t>
+            </a:r>
+          </a:p>
+          <a:p>
+            <a:pPr marL="0" indent="0">
+              <a:lnSpc>
+                <a:spcPct val="150000"/>
+              </a:lnSpc>
+              <a:buNone/>
+            </a:pPr>
+            <a:r>
+              <a:rPr lang="en-US" altLang="ko-KR" sz="1400" dirty="0" smtClean="0">
+                <a:latin typeface="+mn-ea"/>
+              </a:rPr>
+              <a:t>: </a:t>
+            </a:r>
+            <a:r>
+              <a:rPr lang="ko-KR" altLang="en-US" sz="1400" dirty="0" smtClean="0">
+                <a:latin typeface="+mn-ea"/>
+              </a:rPr>
+              <a:t>더 효율적으로 빠르게 학습할 수 있는 강화 모델</a:t>
+            </a:r>
+            <a:endParaRPr lang="en-US" altLang="ko-KR" sz="1400" dirty="0" smtClean="0">
+              <a:latin typeface="+mn-ea"/>
+            </a:endParaRPr>
+          </a:p>
+          <a:p>
+            <a:pPr marL="0" indent="0">
+              <a:lnSpc>
+                <a:spcPct val="150000"/>
+              </a:lnSpc>
+              <a:buNone/>
+            </a:pPr>
+            <a:endParaRPr lang="en-US" altLang="ko-KR" sz="1100" dirty="0" smtClean="0">
+              <a:latin typeface="+mn-ea"/>
+            </a:endParaRPr>
+          </a:p>
+          <a:p>
+            <a:pPr lvl="1">
+              <a:lnSpc>
+                <a:spcPct val="150000"/>
+              </a:lnSpc>
+              <a:buFont typeface="Wingdings" panose="05000000000000000000" pitchFamily="2" charset="2"/>
+              <a:buChar char="l"/>
+            </a:pPr>
+            <a:r>
+              <a:rPr lang="ko-KR" altLang="en-US" sz="1200" dirty="0" smtClean="0">
+                <a:latin typeface="+mn-ea"/>
+              </a:rPr>
+              <a:t>최고의 </a:t>
+            </a:r>
+            <a:r>
+              <a:rPr lang="en-US" altLang="ko-KR" sz="1200" dirty="0" smtClean="0">
+                <a:latin typeface="+mn-ea"/>
+              </a:rPr>
+              <a:t>Reward</a:t>
+            </a:r>
+            <a:r>
+              <a:rPr lang="ko-KR" altLang="en-US" sz="1200" dirty="0" smtClean="0">
+                <a:latin typeface="+mn-ea"/>
+              </a:rPr>
+              <a:t>을 위한 행동 선택</a:t>
+            </a:r>
+            <a:endParaRPr lang="en-US" altLang="ko-KR" sz="1200" dirty="0" smtClean="0">
+              <a:latin typeface="+mn-ea"/>
+            </a:endParaRPr>
+          </a:p>
+          <a:p>
+            <a:pPr lvl="1">
+              <a:lnSpc>
+                <a:spcPct val="150000"/>
+              </a:lnSpc>
+              <a:buFont typeface="Wingdings" panose="05000000000000000000" pitchFamily="2" charset="2"/>
+              <a:buChar char="l"/>
+            </a:pPr>
+            <a:r>
+              <a:rPr lang="ko-KR" altLang="en-US" sz="1200" dirty="0" smtClean="0">
+                <a:latin typeface="+mn-ea"/>
+              </a:rPr>
+              <a:t>동적으로 학습 하며 </a:t>
+            </a:r>
+            <a:r>
+              <a:rPr lang="en-US" altLang="ko-KR" sz="1200" dirty="0" smtClean="0">
+                <a:latin typeface="+mn-ea"/>
+              </a:rPr>
+              <a:t>Action</a:t>
+            </a:r>
+            <a:r>
+              <a:rPr lang="ko-KR" altLang="en-US" sz="1200" dirty="0" smtClean="0">
+                <a:latin typeface="+mn-ea"/>
+              </a:rPr>
+              <a:t>을 조정</a:t>
+            </a:r>
+            <a:endParaRPr lang="en-US" altLang="ko-KR" sz="1200" dirty="0" smtClean="0">
+              <a:latin typeface="+mn-ea"/>
+            </a:endParaRPr>
+          </a:p>
+          <a:p>
+            <a:pPr lvl="1">
+              <a:lnSpc>
+                <a:spcPct val="150000"/>
+              </a:lnSpc>
+              <a:buFont typeface="Wingdings" panose="05000000000000000000" pitchFamily="2" charset="2"/>
+              <a:buChar char="l"/>
+            </a:pPr>
+            <a:endParaRPr lang="en-US" altLang="ko-KR" sz="1100" dirty="0" smtClean="0">
+              <a:latin typeface="+mn-ea"/>
+            </a:endParaRPr>
+          </a:p>
+          <a:p>
+            <a:pPr marL="274320" lvl="1" indent="0">
+              <a:lnSpc>
+                <a:spcPct val="150000"/>
+              </a:lnSpc>
+              <a:buNone/>
+            </a:pPr>
+            <a:endParaRPr lang="en-US" altLang="ko-KR" sz="1400" dirty="0">
+              <a:latin typeface="+mn-ea"/>
+            </a:endParaRPr>
+          </a:p>
+          <a:p>
+            <a:pPr marL="274320" lvl="1" indent="0">
+              <a:lnSpc>
+                <a:spcPct val="150000"/>
+              </a:lnSpc>
+              <a:buNone/>
+            </a:pPr>
+            <a:endParaRPr lang="en-US" altLang="ko-KR" sz="1400" dirty="0" smtClean="0">
+              <a:latin typeface="+mn-ea"/>
+            </a:endParaRPr>
+          </a:p>
+          <a:p>
+            <a:pPr marL="274320" lvl="1" indent="0">
+              <a:lnSpc>
+                <a:spcPct val="150000"/>
+              </a:lnSpc>
+              <a:buNone/>
+            </a:pPr>
+            <a:endParaRPr lang="en-US" altLang="ko-KR" sz="1400" dirty="0" smtClean="0">
+              <a:latin typeface="+mn-ea"/>
+            </a:endParaRPr>
+          </a:p>
+          <a:p>
+            <a:pPr marL="274320" lvl="1" indent="0">
+              <a:lnSpc>
+                <a:spcPct val="150000"/>
+              </a:lnSpc>
+              <a:buNone/>
+            </a:pPr>
+            <a:endParaRPr lang="en-US" altLang="ko-KR" sz="1400" dirty="0">
+              <a:latin typeface="+mn-ea"/>
+            </a:endParaRPr>
+          </a:p>
+        </p:txBody>
+      </p:sp>
+      <p:pic>
+        <p:nvPicPr>
+          <p:cNvPr id="3074" name="Picture 2"/>
+          <p:cNvPicPr>
+            <a:picLocks noChangeAspect="1" noChangeArrowheads="1"/>
+          </p:cNvPicPr>
+          <p:nvPr/>
+        </p:nvPicPr>
+        <p:blipFill>
+          <a:blip r:embed="rId2">
+            <a:extLst>
+              <a:ext uri="{28A0092B-C50C-407E-A947-70E740481C1C}">
+                <a14:useLocalDpi xmlns:a14="http://schemas.microsoft.com/office/drawing/2010/main" val="0"/>
+              </a:ext>
+            </a:extLst>
+          </a:blip>
+          <a:srcRect/>
+          <a:stretch>
+            <a:fillRect/>
+          </a:stretch>
+        </p:blipFill>
+        <p:spPr bwMode="auto">
+          <a:xfrm>
+            <a:off x="827584" y="3685674"/>
+            <a:ext cx="3456384" cy="2223120"/>
+          </a:xfrm>
+          <a:prstGeom prst="rect">
+            <a:avLst/>
+          </a:prstGeom>
+          <a:noFill/>
+          <a:ln>
+            <a:noFill/>
+          </a:ln>
+          <a:extLst>
+            <a:ext uri="{909E8E84-426E-40DD-AFC4-6F175D3DCCD1}">
+              <a14:hiddenFill xmlns:a14="http://schemas.microsoft.com/office/drawing/2010/main">
+                <a:solidFill>
+                  <a:schemeClr val="accent1"/>
+                </a:solidFill>
+              </a14:hiddenFill>
+            </a:ext>
+            <a:ext uri="{91240B29-F687-4F45-9708-019B960494DF}">
+              <a14:hiddenLine xmlns:a14="http://schemas.microsoft.com/office/drawing/2010/main" w="9525">
+                <a:solidFill>
+                  <a:schemeClr val="tx1"/>
+                </a:solidFill>
+                <a:miter lim="800000"/>
+                <a:headEnd/>
+                <a:tailEnd/>
+              </a14:hiddenLine>
+            </a:ext>
+          </a:extLst>
+        </p:spPr>
+      </p:pic>
+      <p:pic>
+        <p:nvPicPr>
+          <p:cNvPr id="3075" name="Picture 3"/>
+          <p:cNvPicPr>
+            <a:picLocks noChangeAspect="1" noChangeArrowheads="1"/>
+          </p:cNvPicPr>
+          <p:nvPr/>
+        </p:nvPicPr>
+        <p:blipFill>
+          <a:blip r:embed="rId3">
+            <a:extLst>
+              <a:ext uri="{28A0092B-C50C-407E-A947-70E740481C1C}">
+                <a14:useLocalDpi xmlns:a14="http://schemas.microsoft.com/office/drawing/2010/main" val="0"/>
+              </a:ext>
+            </a:extLst>
+          </a:blip>
+          <a:srcRect/>
+          <a:stretch>
+            <a:fillRect/>
+          </a:stretch>
+        </p:blipFill>
+        <p:spPr bwMode="auto">
+          <a:xfrm>
+            <a:off x="4644008" y="3685674"/>
+            <a:ext cx="3528392" cy="2231842"/>
+          </a:xfrm>
+          <a:prstGeom prst="rect">
+            <a:avLst/>
+          </a:prstGeom>
+          <a:noFill/>
+          <a:ln>
+            <a:noFill/>
+          </a:ln>
+          <a:extLst>
+            <a:ext uri="{909E8E84-426E-40DD-AFC4-6F175D3DCCD1}">
+              <a14:hiddenFill xmlns:a14="http://schemas.microsoft.com/office/drawing/2010/main">
+                <a:solidFill>
+                  <a:schemeClr val="accent1"/>
+                </a:solidFill>
+              </a14:hiddenFill>
+            </a:ext>
+            <a:ext uri="{91240B29-F687-4F45-9708-019B960494DF}">
+              <a14:hiddenLine xmlns:a14="http://schemas.microsoft.com/office/drawing/2010/main" w="9525">
+                <a:solidFill>
+                  <a:schemeClr val="tx1"/>
+                </a:solidFill>
+                <a:miter lim="800000"/>
+                <a:headEnd/>
+                <a:tailEnd/>
+              </a14:hiddenLine>
+            </a:ext>
+          </a:extLst>
+        </p:spPr>
+      </p:pic>
+      <p:sp>
+        <p:nvSpPr>
+          <p:cNvPr id="5" name="직사각형 4"/>
+          <p:cNvSpPr/>
+          <p:nvPr/>
+        </p:nvSpPr>
+        <p:spPr>
+          <a:xfrm>
+            <a:off x="683568" y="3356992"/>
+            <a:ext cx="7704856" cy="2664296"/>
+          </a:xfrm>
+          <a:prstGeom prst="rect">
+            <a:avLst/>
+          </a:prstGeom>
+          <a:noFill/>
+        </p:spPr>
+        <p:style>
+          <a:lnRef idx="2">
+            <a:schemeClr val="accent1">
+              <a:shade val="50000"/>
+            </a:schemeClr>
+          </a:lnRef>
+          <a:fillRef idx="1">
+            <a:schemeClr val="accent1"/>
+          </a:fillRef>
+          <a:effectRef idx="0">
+            <a:schemeClr val="accent1"/>
+          </a:effectRef>
+          <a:fontRef idx="minor">
+            <a:schemeClr val="lt1"/>
+          </a:fontRef>
+        </p:style>
+        <p:txBody>
+          <a:bodyPr rtlCol="0" anchor="ctr"/>
+          <a:lstStyle/>
+          <a:p>
+            <a:pPr algn="ctr"/>
+            <a:endParaRPr lang="ko-KR" altLang="en-US"/>
+          </a:p>
+        </p:txBody>
+      </p:sp>
+      <p:sp>
+        <p:nvSpPr>
+          <p:cNvPr id="7" name="TextBox 6"/>
+          <p:cNvSpPr txBox="1"/>
+          <p:nvPr/>
+        </p:nvSpPr>
+        <p:spPr>
+          <a:xfrm>
+            <a:off x="4067944" y="3172326"/>
+            <a:ext cx="1172116" cy="369332"/>
+          </a:xfrm>
+          <a:prstGeom prst="rect">
+            <a:avLst/>
+          </a:prstGeom>
+          <a:solidFill>
+            <a:schemeClr val="bg1"/>
+          </a:solidFill>
+        </p:spPr>
+        <p:txBody>
+          <a:bodyPr wrap="none" rtlCol="0">
+            <a:spAutoFit/>
+          </a:bodyPr>
+          <a:lstStyle/>
+          <a:p>
+            <a:r>
+              <a:rPr lang="ko-KR" altLang="en-US" dirty="0" smtClean="0"/>
+              <a:t>학습 사례</a:t>
+            </a:r>
+            <a:endParaRPr lang="ko-KR" altLang="en-US" dirty="0"/>
+          </a:p>
+        </p:txBody>
+      </p:sp>
+    </p:spTree>
+    <p:extLst>
+      <p:ext uri="{BB962C8B-B14F-4D97-AF65-F5344CB8AC3E}">
+        <p14:creationId xmlns:p14="http://schemas.microsoft.com/office/powerpoint/2010/main" val="1784254280"/>
+      </p:ext>
+    </p:extLst>
+  </p:cSld>
+  <p:clrMapOvr>
+    <a:masterClrMapping/>
+  </p:clrMapOvr>
+  <p:timing>
+    <p:tnLst>
+      <p:par>
+        <p:cTn id="1" dur="indefinite" restart="never" nodeType="tmRoot"/>
+      </p:par>
+    </p:tnLst>
+  </p:timing>
+</p:sld>
+</file>
+
+<file path=ppt/slides/slide17.xml><?xml version="1.0" encoding="utf-8"?>
+<p:sld xmlns:a="http://schemas.openxmlformats.org/drawingml/2006/main" xmlns:r="http://schemas.openxmlformats.org/officeDocument/2006/relationships" xmlns:p="http://schemas.openxmlformats.org/presentationml/2006/main">
+  <p:cSld>
+    <p:spTree>
+      <p:nvGrpSpPr>
+        <p:cNvPr id="1" name=""/>
+        <p:cNvGrpSpPr/>
+        <p:nvPr/>
+      </p:nvGrpSpPr>
+      <p:grpSpPr>
+        <a:xfrm>
+          <a:off x="0" y="0"/>
+          <a:ext cx="0" cy="0"/>
+          <a:chOff x="0" y="0"/>
+          <a:chExt cx="0" cy="0"/>
+        </a:xfrm>
+      </p:grpSpPr>
+      <p:sp>
+        <p:nvSpPr>
+          <p:cNvPr id="2" name="제목 1"/>
+          <p:cNvSpPr>
+            <a:spLocks noGrp="1"/>
+          </p:cNvSpPr>
+          <p:nvPr>
+            <p:ph type="title"/>
+          </p:nvPr>
+        </p:nvSpPr>
+        <p:spPr/>
+        <p:txBody>
+          <a:bodyPr>
+            <a:normAutofit/>
+          </a:bodyPr>
+          <a:lstStyle/>
+          <a:p>
+            <a:r>
+              <a:rPr lang="en-US" altLang="ko-KR" sz="3600" b="1" dirty="0" smtClean="0">
+                <a:latin typeface="+mn-ea"/>
+                <a:ea typeface="+mn-ea"/>
+              </a:rPr>
+              <a:t>[</a:t>
+            </a:r>
+            <a:r>
+              <a:rPr lang="ko-KR" altLang="en-US" sz="3600" b="1" dirty="0" smtClean="0">
+                <a:latin typeface="+mn-ea"/>
+                <a:ea typeface="+mn-ea"/>
+              </a:rPr>
+              <a:t>별첨</a:t>
+            </a:r>
+            <a:r>
+              <a:rPr lang="en-US" altLang="ko-KR" sz="3600" b="1" dirty="0" smtClean="0">
+                <a:latin typeface="+mn-ea"/>
+                <a:ea typeface="+mn-ea"/>
+              </a:rPr>
+              <a:t>] </a:t>
+            </a:r>
+            <a:r>
+              <a:rPr lang="ko-KR" altLang="en-US" sz="3600" b="1" dirty="0" smtClean="0">
+                <a:latin typeface="+mn-ea"/>
+                <a:ea typeface="+mn-ea"/>
+              </a:rPr>
+              <a:t>요약 구성도</a:t>
+            </a:r>
+            <a:endParaRPr lang="ko-KR" altLang="en-US" sz="3600" b="1" dirty="0">
+              <a:latin typeface="+mn-ea"/>
+              <a:ea typeface="+mn-ea"/>
+            </a:endParaRPr>
+          </a:p>
+        </p:txBody>
+      </p:sp>
+      <p:pic>
+        <p:nvPicPr>
+          <p:cNvPr id="4098" name="Picture 2"/>
+          <p:cNvPicPr>
+            <a:picLocks noChangeAspect="1" noChangeArrowheads="1"/>
+          </p:cNvPicPr>
+          <p:nvPr/>
+        </p:nvPicPr>
+        <p:blipFill>
+          <a:blip r:embed="rId2">
+            <a:extLst>
+              <a:ext uri="{28A0092B-C50C-407E-A947-70E740481C1C}">
+                <a14:useLocalDpi xmlns:a14="http://schemas.microsoft.com/office/drawing/2010/main" val="0"/>
+              </a:ext>
+            </a:extLst>
+          </a:blip>
+          <a:srcRect/>
+          <a:stretch>
+            <a:fillRect/>
+          </a:stretch>
+        </p:blipFill>
+        <p:spPr bwMode="auto">
+          <a:xfrm>
+            <a:off x="336550" y="1556792"/>
+            <a:ext cx="8470900" cy="4267200"/>
+          </a:xfrm>
+          <a:prstGeom prst="rect">
+            <a:avLst/>
+          </a:prstGeom>
+          <a:noFill/>
+          <a:ln>
+            <a:noFill/>
+          </a:ln>
+          <a:extLst>
+            <a:ext uri="{909E8E84-426E-40DD-AFC4-6F175D3DCCD1}">
+              <a14:hiddenFill xmlns:a14="http://schemas.microsoft.com/office/drawing/2010/main">
+                <a:solidFill>
+                  <a:schemeClr val="accent1"/>
+                </a:solidFill>
+              </a14:hiddenFill>
+            </a:ext>
+            <a:ext uri="{91240B29-F687-4F45-9708-019B960494DF}">
+              <a14:hiddenLine xmlns:a14="http://schemas.microsoft.com/office/drawing/2010/main" w="9525">
+                <a:solidFill>
+                  <a:schemeClr val="tx1"/>
+                </a:solidFill>
+                <a:miter lim="800000"/>
+                <a:headEnd/>
+                <a:tailEnd/>
+              </a14:hiddenLine>
+            </a:ext>
+          </a:extLst>
+        </p:spPr>
+      </p:pic>
+    </p:spTree>
+    <p:extLst>
+      <p:ext uri="{BB962C8B-B14F-4D97-AF65-F5344CB8AC3E}">
+        <p14:creationId xmlns:p14="http://schemas.microsoft.com/office/powerpoint/2010/main" val="1783522585"/>
       </p:ext>
     </p:extLst>
   </p:cSld>
@@ -12128,21 +15780,7 @@
                 <a:latin typeface="+mn-ea"/>
                 <a:ea typeface="+mn-ea"/>
               </a:rPr>
-              <a:t>04. </a:t>
-            </a:r>
-            <a:r>
-              <a:rPr lang="en-US" altLang="ko-KR" sz="3600" b="1" dirty="0" smtClean="0">
-                <a:latin typeface="+mn-ea"/>
-                <a:ea typeface="+mn-ea"/>
-              </a:rPr>
-              <a:t>Deep </a:t>
-            </a:r>
-            <a:r>
-              <a:rPr lang="en-US" altLang="ko-KR" sz="3600" b="1" dirty="0" smtClean="0">
-                <a:latin typeface="+mn-ea"/>
-                <a:ea typeface="+mn-ea"/>
-              </a:rPr>
-              <a:t>Learning</a:t>
+              <a:t>04. Deep Learning</a:t>
             </a:r>
             <a:endParaRPr lang="ko-KR" altLang="en-US" sz="3600" b="1" dirty="0">
               <a:latin typeface="+mn-ea"/>
@@ -12383,7 +16021,6 @@
               <a:rPr lang="en-US" altLang="ko-KR" sz="2000" b="1" dirty="0" smtClean="0"/>
               <a:t>  </a:t>
             </a:r>
-            <a:endParaRPr lang="en-US" altLang="ko-KR" sz="2000" b="1" dirty="0" smtClean="0"/>
           </a:p>
         </p:txBody>
       </p:sp>

--- a/Machine Learning 개념과 종류.pptx
+++ b/Machine Learning 개념과 종류.pptx
@@ -5,7 +5,7 @@
     <p:sldMasterId id="2147483672" r:id="rId1"/>
   </p:sldMasterIdLst>
   <p:notesMasterIdLst>
-    <p:notesMasterId r:id="rId19"/>
+    <p:notesMasterId r:id="rId25"/>
   </p:notesMasterIdLst>
   <p:sldIdLst>
     <p:sldId id="258" r:id="rId2"/>
@@ -25,6 +25,12 @@
     <p:sldId id="272" r:id="rId16"/>
     <p:sldId id="273" r:id="rId17"/>
     <p:sldId id="274" r:id="rId18"/>
+    <p:sldId id="275" r:id="rId19"/>
+    <p:sldId id="276" r:id="rId20"/>
+    <p:sldId id="277" r:id="rId21"/>
+    <p:sldId id="278" r:id="rId22"/>
+    <p:sldId id="279" r:id="rId23"/>
+    <p:sldId id="280" r:id="rId24"/>
   </p:sldIdLst>
   <p:sldSz cx="9144000" cy="6858000" type="screen4x3"/>
   <p:notesSz cx="6858000" cy="9144000"/>
@@ -208,7 +214,7 @@
           <a:p>
             <a:fld id="{693111F3-E7F7-4110-B747-A18B068C936E}" type="datetimeFigureOut">
               <a:rPr lang="ko-KR" altLang="en-US" smtClean="0"/>
-              <a:t>2020-10-16</a:t>
+              <a:t>2020-10-21</a:t>
             </a:fld>
             <a:endParaRPr lang="ko-KR" altLang="en-US"/>
           </a:p>
@@ -619,7 +625,7 @@
           <a:p>
             <a:fld id="{426225CE-111E-4274-8066-27895E711E53}" type="datetimeFigureOut">
               <a:rPr lang="ko-KR" altLang="en-US" smtClean="0"/>
-              <a:t>2020-10-16</a:t>
+              <a:t>2020-10-21</a:t>
             </a:fld>
             <a:endParaRPr lang="ko-KR" altLang="en-US"/>
           </a:p>
@@ -978,7 +984,7 @@
           <a:p>
             <a:fld id="{426225CE-111E-4274-8066-27895E711E53}" type="datetimeFigureOut">
               <a:rPr lang="ko-KR" altLang="en-US" smtClean="0"/>
-              <a:t>2020-10-16</a:t>
+              <a:t>2020-10-21</a:t>
             </a:fld>
             <a:endParaRPr lang="ko-KR" altLang="en-US"/>
           </a:p>
@@ -1153,7 +1159,7 @@
           <a:p>
             <a:fld id="{426225CE-111E-4274-8066-27895E711E53}" type="datetimeFigureOut">
               <a:rPr lang="ko-KR" altLang="en-US" smtClean="0"/>
-              <a:t>2020-10-16</a:t>
+              <a:t>2020-10-21</a:t>
             </a:fld>
             <a:endParaRPr lang="ko-KR" altLang="en-US"/>
           </a:p>
@@ -1388,7 +1394,7 @@
           <a:p>
             <a:fld id="{426225CE-111E-4274-8066-27895E711E53}" type="datetimeFigureOut">
               <a:rPr lang="ko-KR" altLang="en-US" smtClean="0"/>
-              <a:t>2020-10-16</a:t>
+              <a:t>2020-10-21</a:t>
             </a:fld>
             <a:endParaRPr lang="ko-KR" altLang="en-US"/>
           </a:p>
@@ -1657,7 +1663,7 @@
           <a:p>
             <a:fld id="{426225CE-111E-4274-8066-27895E711E53}" type="datetimeFigureOut">
               <a:rPr lang="ko-KR" altLang="en-US" smtClean="0"/>
-              <a:t>2020-10-16</a:t>
+              <a:t>2020-10-21</a:t>
             </a:fld>
             <a:endParaRPr lang="ko-KR" altLang="en-US"/>
           </a:p>
@@ -1877,7 +1883,7 @@
           <a:p>
             <a:fld id="{426225CE-111E-4274-8066-27895E711E53}" type="datetimeFigureOut">
               <a:rPr lang="ko-KR" altLang="en-US" smtClean="0"/>
-              <a:t>2020-10-16</a:t>
+              <a:t>2020-10-21</a:t>
             </a:fld>
             <a:endParaRPr lang="ko-KR" altLang="en-US"/>
           </a:p>
@@ -2229,7 +2235,7 @@
           <a:p>
             <a:fld id="{426225CE-111E-4274-8066-27895E711E53}" type="datetimeFigureOut">
               <a:rPr lang="ko-KR" altLang="en-US" smtClean="0"/>
-              <a:t>2020-10-16</a:t>
+              <a:t>2020-10-21</a:t>
             </a:fld>
             <a:endParaRPr lang="ko-KR" altLang="en-US"/>
           </a:p>
@@ -2461,7 +2467,7 @@
           <a:p>
             <a:fld id="{426225CE-111E-4274-8066-27895E711E53}" type="datetimeFigureOut">
               <a:rPr lang="ko-KR" altLang="en-US" smtClean="0"/>
-              <a:t>2020-10-16</a:t>
+              <a:t>2020-10-21</a:t>
             </a:fld>
             <a:endParaRPr lang="ko-KR" altLang="en-US"/>
           </a:p>
@@ -2601,7 +2607,7 @@
           <a:p>
             <a:fld id="{426225CE-111E-4274-8066-27895E711E53}" type="datetimeFigureOut">
               <a:rPr lang="ko-KR" altLang="en-US" smtClean="0"/>
-              <a:t>2020-10-16</a:t>
+              <a:t>2020-10-21</a:t>
             </a:fld>
             <a:endParaRPr lang="ko-KR" altLang="en-US"/>
           </a:p>
@@ -2878,7 +2884,7 @@
           <a:p>
             <a:fld id="{426225CE-111E-4274-8066-27895E711E53}" type="datetimeFigureOut">
               <a:rPr lang="ko-KR" altLang="en-US" smtClean="0"/>
-              <a:t>2020-10-16</a:t>
+              <a:t>2020-10-21</a:t>
             </a:fld>
             <a:endParaRPr lang="ko-KR" altLang="en-US"/>
           </a:p>
@@ -3285,7 +3291,7 @@
           <a:p>
             <a:fld id="{426225CE-111E-4274-8066-27895E711E53}" type="datetimeFigureOut">
               <a:rPr lang="ko-KR" altLang="en-US" smtClean="0"/>
-              <a:t>2020-10-16</a:t>
+              <a:t>2020-10-21</a:t>
             </a:fld>
             <a:endParaRPr lang="ko-KR" altLang="en-US"/>
           </a:p>
@@ -3623,7 +3629,7 @@
           <a:p>
             <a:fld id="{426225CE-111E-4274-8066-27895E711E53}" type="datetimeFigureOut">
               <a:rPr lang="ko-KR" altLang="en-US" smtClean="0"/>
-              <a:t>2020-10-16</a:t>
+              <a:t>2020-10-21</a:t>
             </a:fld>
             <a:endParaRPr lang="ko-KR" altLang="en-US"/>
           </a:p>
@@ -5997,21 +6003,7 @@
                 <a:latin typeface="+mn-ea"/>
                 <a:ea typeface="+mn-ea"/>
               </a:rPr>
-              <a:t>05. </a:t>
-            </a:r>
-            <a:r>
-              <a:rPr lang="en-US" altLang="ko-KR" sz="3600" b="1" dirty="0" smtClean="0">
-                <a:latin typeface="+mn-ea"/>
-                <a:ea typeface="+mn-ea"/>
-              </a:rPr>
-              <a:t>Deep </a:t>
-            </a:r>
-            <a:r>
-              <a:rPr lang="en-US" altLang="ko-KR" sz="3600" b="1" dirty="0" smtClean="0">
-                <a:latin typeface="+mn-ea"/>
-                <a:ea typeface="+mn-ea"/>
-              </a:rPr>
-              <a:t>Learning </a:t>
+              <a:t>05. Deep Learning </a:t>
             </a:r>
             <a:r>
               <a:rPr lang="ko-KR" altLang="en-US" sz="3600" b="1" dirty="0" smtClean="0">
@@ -6206,13 +6198,7 @@
               <a:rPr lang="en-US" altLang="ko-KR" sz="1400" dirty="0" smtClean="0">
                 <a:latin typeface="+mn-ea"/>
               </a:rPr>
-              <a:t>1)</a:t>
-            </a:r>
-            <a:r>
-              <a:rPr lang="en-US" altLang="ko-KR" sz="1400" dirty="0" smtClean="0">
-                <a:latin typeface="+mn-ea"/>
-              </a:rPr>
-              <a:t> </a:t>
+              <a:t>1) </a:t>
             </a:r>
             <a:r>
               <a:rPr lang="en-US" altLang="ko-KR" sz="1400" b="1" dirty="0" smtClean="0">
@@ -6373,65 +6359,56 @@
               <a:rPr lang="en-US" altLang="ko-KR" sz="1400" dirty="0" smtClean="0">
                 <a:latin typeface="+mn-ea"/>
               </a:rPr>
-              <a:t> : </a:t>
+              <a:t> : D(G(z))</a:t>
+            </a:r>
+            <a:r>
+              <a:rPr lang="ko-KR" altLang="en-US" sz="1400" dirty="0" smtClean="0">
+                <a:latin typeface="+mn-ea"/>
+              </a:rPr>
+              <a:t>가 </a:t>
             </a:r>
             <a:r>
               <a:rPr lang="en-US" altLang="ko-KR" sz="1400" dirty="0" smtClean="0">
                 <a:latin typeface="+mn-ea"/>
               </a:rPr>
-              <a:t>D(G(z))</a:t>
+              <a:t>1</a:t>
             </a:r>
             <a:r>
               <a:rPr lang="ko-KR" altLang="en-US" sz="1400" dirty="0" smtClean="0">
                 <a:latin typeface="+mn-ea"/>
               </a:rPr>
-              <a:t>가 </a:t>
+              <a:t>이 되도록 학습 </a:t>
             </a:r>
             <a:r>
               <a:rPr lang="en-US" altLang="ko-KR" sz="1400" dirty="0" smtClean="0">
                 <a:latin typeface="+mn-ea"/>
               </a:rPr>
-              <a:t>1</a:t>
+              <a:t>(=</a:t>
             </a:r>
             <a:r>
               <a:rPr lang="ko-KR" altLang="en-US" sz="1400" dirty="0" smtClean="0">
                 <a:latin typeface="+mn-ea"/>
               </a:rPr>
-              <a:t>이 되도록 학습 </a:t>
+              <a:t>가짜 데이터를 </a:t>
             </a:r>
             <a:r>
               <a:rPr lang="en-US" altLang="ko-KR" sz="1400" dirty="0" smtClean="0">
                 <a:latin typeface="+mn-ea"/>
               </a:rPr>
-              <a:t>(=</a:t>
+              <a:t>Discriminator</a:t>
             </a:r>
             <a:r>
               <a:rPr lang="ko-KR" altLang="en-US" sz="1400" dirty="0" smtClean="0">
                 <a:latin typeface="+mn-ea"/>
               </a:rPr>
-              <a:t>가짜 데이터를 </a:t>
+              <a:t>가 구분하지 못하도록 학습</a:t>
             </a:r>
             <a:r>
               <a:rPr lang="en-US" altLang="ko-KR" sz="1400" dirty="0" smtClean="0">
                 <a:latin typeface="+mn-ea"/>
               </a:rPr>
-              <a:t>Discriminator</a:t>
-            </a:r>
-            <a:r>
-              <a:rPr lang="ko-KR" altLang="en-US" sz="1400" dirty="0" smtClean="0">
-                <a:latin typeface="+mn-ea"/>
-              </a:rPr>
-              <a:t>가 구분하지 못하도록 학습</a:t>
-            </a:r>
-            <a:r>
-              <a:rPr lang="en-US" altLang="ko-KR" sz="1400" dirty="0" smtClean="0">
-                <a:latin typeface="+mn-ea"/>
-              </a:rPr>
               <a:t>)</a:t>
             </a:r>
-            <a:endParaRPr lang="en-US" altLang="ko-KR" sz="1400" dirty="0" smtClean="0">
-              <a:latin typeface="+mn-ea"/>
-            </a:endParaRPr>
           </a:p>
         </p:txBody>
       </p:sp>
@@ -6675,21 +6652,7 @@
                 <a:latin typeface="+mn-ea"/>
                 <a:ea typeface="+mn-ea"/>
               </a:rPr>
-              <a:t>05. </a:t>
-            </a:r>
-            <a:r>
-              <a:rPr lang="en-US" altLang="ko-KR" sz="3600" b="1" dirty="0" smtClean="0">
-                <a:latin typeface="+mn-ea"/>
-                <a:ea typeface="+mn-ea"/>
-              </a:rPr>
-              <a:t>Deep </a:t>
-            </a:r>
-            <a:r>
-              <a:rPr lang="en-US" altLang="ko-KR" sz="3600" b="1" dirty="0" smtClean="0">
-                <a:latin typeface="+mn-ea"/>
-                <a:ea typeface="+mn-ea"/>
-              </a:rPr>
-              <a:t>Learning </a:t>
+              <a:t>05. Deep Learning </a:t>
             </a:r>
             <a:r>
               <a:rPr lang="ko-KR" altLang="en-US" sz="3600" b="1" dirty="0" smtClean="0">
@@ -6779,13 +6742,7 @@
               <a:rPr lang="ko-KR" altLang="en-US" sz="1400" dirty="0" smtClean="0">
                 <a:latin typeface="+mn-ea"/>
               </a:rPr>
-              <a:t>현재 </a:t>
-            </a:r>
-            <a:r>
-              <a:rPr lang="ko-KR" altLang="en-US" sz="1400" dirty="0" smtClean="0">
-                <a:latin typeface="+mn-ea"/>
-              </a:rPr>
-              <a:t>상태부터 먼 미래까지 가장 큰 보상을 얻을 수 있는 행동을 학습 시키는 것</a:t>
+              <a:t>현재 상태부터 먼 미래까지 가장 큰 보상을 얻을 수 있는 행동을 학습 시키는 것</a:t>
             </a:r>
             <a:endParaRPr lang="en-US" altLang="ko-KR" sz="1400" dirty="0" smtClean="0">
               <a:latin typeface="+mn-ea"/>
@@ -7074,21 +7031,7 @@
                 <a:latin typeface="+mn-ea"/>
                 <a:ea typeface="+mn-ea"/>
               </a:rPr>
-              <a:t>05. </a:t>
-            </a:r>
-            <a:r>
-              <a:rPr lang="en-US" altLang="ko-KR" sz="3600" b="1" dirty="0" smtClean="0">
-                <a:latin typeface="+mn-ea"/>
-                <a:ea typeface="+mn-ea"/>
-              </a:rPr>
-              <a:t>Deep </a:t>
-            </a:r>
-            <a:r>
-              <a:rPr lang="en-US" altLang="ko-KR" sz="3600" b="1" dirty="0" smtClean="0">
-                <a:latin typeface="+mn-ea"/>
-                <a:ea typeface="+mn-ea"/>
-              </a:rPr>
-              <a:t>Learning </a:t>
+              <a:t>05. Deep Learning </a:t>
             </a:r>
             <a:r>
               <a:rPr lang="ko-KR" altLang="en-US" sz="3600" b="1" dirty="0" smtClean="0">
@@ -7104,8 +7047,8 @@
           </a:p>
         </p:txBody>
       </p:sp>
-      <mc:AlternateContent xmlns:mc="http://schemas.openxmlformats.org/markup-compatibility/2006">
-        <mc:Choice xmlns:a14="http://schemas.microsoft.com/office/drawing/2010/main" Requires="a14">
+      <mc:AlternateContent xmlns:mc="http://schemas.openxmlformats.org/markup-compatibility/2006" xmlns:a14="http://schemas.microsoft.com/office/drawing/2010/main">
+        <mc:Choice Requires="a14">
           <p:sp>
             <p:nvSpPr>
               <p:cNvPr id="4" name="내용 개체 틀 3"/>
@@ -7210,7 +7153,7 @@
                   <m:oMath xmlns:m="http://schemas.openxmlformats.org/officeDocument/2006/math">
                     <m:r>
                       <a:rPr lang="en-US" altLang="ko-KR" sz="1400" b="0" i="1" smtClean="0">
-                        <a:latin typeface="+mn-ea"/>
+                        <a:latin typeface="Cambria Math"/>
                       </a:rPr>
                       <m:t>𝑄</m:t>
                     </m:r>
@@ -7218,26 +7161,26 @@
                       <m:dPr>
                         <m:ctrlPr>
                           <a:rPr lang="en-US" altLang="ko-KR" sz="1400" b="0" i="1" smtClean="0">
-                            <a:latin typeface="+mn-ea"/>
+                            <a:latin typeface="Cambria Math"/>
                           </a:rPr>
                         </m:ctrlPr>
                       </m:dPr>
                       <m:e>
                         <m:r>
                           <a:rPr lang="en-US" altLang="ko-KR" sz="1400" b="0" i="1" smtClean="0">
-                            <a:latin typeface="+mn-ea"/>
+                            <a:latin typeface="Cambria Math"/>
                           </a:rPr>
                           <m:t>𝑠</m:t>
                         </m:r>
                         <m:r>
                           <a:rPr lang="en-US" altLang="ko-KR" sz="1400" b="0" i="1" smtClean="0">
-                            <a:latin typeface="+mn-ea"/>
+                            <a:latin typeface="Cambria Math"/>
                           </a:rPr>
                           <m:t>,</m:t>
                         </m:r>
                         <m:r>
                           <a:rPr lang="en-US" altLang="ko-KR" sz="1400" b="0" i="1" smtClean="0">
-                            <a:latin typeface="+mn-ea"/>
+                            <a:latin typeface="Cambria Math"/>
                           </a:rPr>
                           <m:t>𝑎</m:t>
                         </m:r>
@@ -7245,157 +7188,157 @@
                     </m:d>
                     <m:r>
                       <a:rPr lang="en-US" altLang="ko-KR" sz="1400" b="0" i="1" smtClean="0">
-                        <a:latin typeface="+mn-ea"/>
+                        <a:latin typeface="Cambria Math"/>
                       </a:rPr>
                       <m:t> </m:t>
                     </m:r>
                     <m:r>
                       <a:rPr lang="en-US" altLang="ko-KR" sz="1400" i="1">
-                        <a:latin typeface="+mn-ea"/>
+                        <a:latin typeface="Cambria Math"/>
                       </a:rPr>
                       <m:t>:</m:t>
                     </m:r>
                     <m:r>
                       <a:rPr lang="ko-KR" altLang="en-US" sz="1400" b="0" i="1" smtClean="0">
-                        <a:latin typeface="+mn-ea"/>
+                        <a:latin typeface="Cambria Math"/>
                       </a:rPr>
                       <m:t>상태</m:t>
                     </m:r>
                     <m:r>
                       <a:rPr lang="en-US" altLang="ko-KR" sz="1400" b="0" i="1" smtClean="0">
-                        <a:latin typeface="+mn-ea"/>
+                        <a:latin typeface="Cambria Math"/>
                       </a:rPr>
                       <m:t>𝑠</m:t>
                     </m:r>
                     <m:r>
                       <a:rPr lang="ko-KR" altLang="en-US" sz="1400" b="0" i="1" smtClean="0">
-                        <a:latin typeface="+mn-ea"/>
+                        <a:latin typeface="Cambria Math"/>
                       </a:rPr>
                       <m:t>에서</m:t>
                     </m:r>
                     <m:r>
                       <a:rPr lang="en-US" altLang="ko-KR" sz="1400" b="0" i="1" smtClean="0">
-                        <a:latin typeface="+mn-ea"/>
+                        <a:latin typeface="Cambria Math"/>
                       </a:rPr>
                       <m:t> </m:t>
                     </m:r>
                     <m:r>
                       <a:rPr lang="ko-KR" altLang="en-US" sz="1400" b="0" i="1" smtClean="0">
-                        <a:latin typeface="+mn-ea"/>
+                        <a:latin typeface="Cambria Math"/>
                       </a:rPr>
                       <m:t>행동</m:t>
                     </m:r>
                     <m:r>
                       <a:rPr lang="en-US" altLang="ko-KR" sz="1400" b="0" i="1" smtClean="0">
-                        <a:latin typeface="+mn-ea"/>
+                        <a:latin typeface="Cambria Math"/>
                       </a:rPr>
                       <m:t> </m:t>
                     </m:r>
                     <m:r>
                       <a:rPr lang="en-US" altLang="ko-KR" sz="1400" b="0" i="1" smtClean="0">
-                        <a:latin typeface="+mn-ea"/>
+                        <a:latin typeface="Cambria Math"/>
                       </a:rPr>
                       <m:t>𝑎</m:t>
                     </m:r>
                     <m:r>
                       <a:rPr lang="ko-KR" altLang="en-US" sz="1400" b="0" i="1" smtClean="0">
-                        <a:latin typeface="+mn-ea"/>
+                        <a:latin typeface="Cambria Math"/>
                       </a:rPr>
                       <m:t>를</m:t>
                     </m:r>
                     <m:r>
                       <a:rPr lang="en-US" altLang="ko-KR" sz="1400" b="0" i="1" smtClean="0">
-                        <a:latin typeface="+mn-ea"/>
+                        <a:latin typeface="Cambria Math"/>
                       </a:rPr>
                       <m:t> </m:t>
                     </m:r>
                     <m:r>
                       <a:rPr lang="ko-KR" altLang="en-US" sz="1400" b="0" i="1" smtClean="0">
-                        <a:latin typeface="+mn-ea"/>
+                        <a:latin typeface="Cambria Math"/>
                       </a:rPr>
                       <m:t>취할</m:t>
                     </m:r>
                     <m:r>
                       <a:rPr lang="en-US" altLang="ko-KR" sz="1400" b="0" i="1" smtClean="0">
-                        <a:latin typeface="+mn-ea"/>
+                        <a:latin typeface="Cambria Math"/>
                       </a:rPr>
                       <m:t> </m:t>
                     </m:r>
                     <m:r>
                       <a:rPr lang="ko-KR" altLang="en-US" sz="1400" b="0" i="1" smtClean="0">
-                        <a:latin typeface="+mn-ea"/>
+                        <a:latin typeface="Cambria Math"/>
                       </a:rPr>
                       <m:t>때</m:t>
                     </m:r>
                     <m:r>
                       <a:rPr lang="en-US" altLang="ko-KR" sz="1400" b="0" i="1" smtClean="0">
-                        <a:latin typeface="+mn-ea"/>
+                        <a:latin typeface="Cambria Math"/>
                       </a:rPr>
                       <m:t> </m:t>
                     </m:r>
                     <m:r>
                       <a:rPr lang="ko-KR" altLang="en-US" sz="1400" b="0" i="1" smtClean="0">
-                        <a:latin typeface="+mn-ea"/>
+                        <a:latin typeface="Cambria Math"/>
                       </a:rPr>
                       <m:t>받을</m:t>
                     </m:r>
                     <m:r>
                       <a:rPr lang="en-US" altLang="ko-KR" sz="1400" b="0" i="1" smtClean="0">
-                        <a:latin typeface="+mn-ea"/>
+                        <a:latin typeface="Cambria Math"/>
                       </a:rPr>
                       <m:t> </m:t>
                     </m:r>
                     <m:r>
                       <a:rPr lang="ko-KR" altLang="en-US" sz="1400" b="0" i="1" smtClean="0">
-                        <a:latin typeface="+mn-ea"/>
+                        <a:latin typeface="Cambria Math"/>
                       </a:rPr>
                       <m:t>수</m:t>
                     </m:r>
                     <m:r>
                       <a:rPr lang="en-US" altLang="ko-KR" sz="1400" b="0" i="1" smtClean="0">
-                        <a:latin typeface="+mn-ea"/>
+                        <a:latin typeface="Cambria Math"/>
                       </a:rPr>
                       <m:t> </m:t>
                     </m:r>
                     <m:r>
                       <a:rPr lang="ko-KR" altLang="en-US" sz="1400" b="0" i="1" smtClean="0">
-                        <a:latin typeface="+mn-ea"/>
+                        <a:latin typeface="Cambria Math"/>
                       </a:rPr>
                       <m:t>있는</m:t>
                     </m:r>
                     <m:r>
                       <a:rPr lang="en-US" altLang="ko-KR" sz="1400" b="0" i="1" smtClean="0">
-                        <a:latin typeface="+mn-ea"/>
+                        <a:latin typeface="Cambria Math"/>
                       </a:rPr>
                       <m:t> </m:t>
                     </m:r>
                     <m:r>
                       <a:rPr lang="ko-KR" altLang="en-US" sz="1400" b="1" i="0" smtClean="0">
-                        <a:latin typeface="+mn-ea"/>
+                        <a:latin typeface="Cambria Math"/>
                       </a:rPr>
                       <m:t>모든</m:t>
                     </m:r>
                     <m:r>
                       <a:rPr lang="en-US" altLang="ko-KR" sz="1400" b="1" i="0" smtClean="0">
-                        <a:latin typeface="+mn-ea"/>
+                        <a:latin typeface="Cambria Math"/>
                       </a:rPr>
                       <m:t> </m:t>
                     </m:r>
                     <m:r>
                       <a:rPr lang="ko-KR" altLang="en-US" sz="1400" b="1" i="0" smtClean="0">
-                        <a:latin typeface="+mn-ea"/>
+                        <a:latin typeface="Cambria Math"/>
                       </a:rPr>
                       <m:t>보상의</m:t>
                     </m:r>
                     <m:r>
                       <a:rPr lang="en-US" altLang="ko-KR" sz="1400" b="1" i="0" smtClean="0">
-                        <a:latin typeface="+mn-ea"/>
+                        <a:latin typeface="Cambria Math"/>
                       </a:rPr>
                       <m:t> </m:t>
                     </m:r>
                     <m:r>
                       <a:rPr lang="ko-KR" altLang="en-US" sz="1400" b="1" i="0" smtClean="0">
-                        <a:latin typeface="+mn-ea"/>
+                        <a:latin typeface="Cambria Math"/>
                       </a:rPr>
                       <m:t>총합</m:t>
                     </m:r>
@@ -7417,7 +7360,7 @@
                   <m:oMath xmlns:m="http://schemas.openxmlformats.org/officeDocument/2006/math">
                     <m:r>
                       <a:rPr lang="en-US" altLang="ko-KR" sz="1400" b="0" i="1" smtClean="0">
-                        <a:latin typeface="+mn-ea"/>
+                        <a:latin typeface="Cambria Math"/>
                       </a:rPr>
                       <m:t>𝑟</m:t>
                     </m:r>
@@ -7425,26 +7368,26 @@
                       <m:dPr>
                         <m:ctrlPr>
                           <a:rPr lang="en-US" altLang="ko-KR" sz="1400" b="0" i="1" smtClean="0">
-                            <a:latin typeface="+mn-ea"/>
+                            <a:latin typeface="Cambria Math"/>
                           </a:rPr>
                         </m:ctrlPr>
                       </m:dPr>
                       <m:e>
                         <m:r>
                           <a:rPr lang="en-US" altLang="ko-KR" sz="1400" b="0" i="1" smtClean="0">
-                            <a:latin typeface="+mn-ea"/>
+                            <a:latin typeface="Cambria Math"/>
                           </a:rPr>
                           <m:t>𝑠</m:t>
                         </m:r>
                         <m:r>
                           <a:rPr lang="en-US" altLang="ko-KR" sz="1400" b="0" i="1" smtClean="0">
-                            <a:latin typeface="+mn-ea"/>
+                            <a:latin typeface="Cambria Math"/>
                           </a:rPr>
                           <m:t>,</m:t>
                         </m:r>
                         <m:r>
                           <a:rPr lang="en-US" altLang="ko-KR" sz="1400" b="0" i="1" smtClean="0">
-                            <a:latin typeface="+mn-ea"/>
+                            <a:latin typeface="Cambria Math"/>
                           </a:rPr>
                           <m:t>𝑎</m:t>
                         </m:r>
@@ -7452,133 +7395,133 @@
                     </m:d>
                     <m:r>
                       <a:rPr lang="en-US" altLang="ko-KR" sz="1400" b="0" i="1" smtClean="0">
-                        <a:latin typeface="+mn-ea"/>
+                        <a:latin typeface="Cambria Math"/>
                       </a:rPr>
                       <m:t>:</m:t>
                     </m:r>
                     <m:r>
                       <a:rPr lang="ko-KR" altLang="en-US" sz="1400" b="0" i="1" smtClean="0">
-                        <a:latin typeface="+mn-ea"/>
+                        <a:latin typeface="Cambria Math"/>
                       </a:rPr>
                       <m:t>현재</m:t>
                     </m:r>
                     <m:r>
                       <a:rPr lang="en-US" altLang="ko-KR" sz="1400" b="0" i="1" smtClean="0">
-                        <a:latin typeface="+mn-ea"/>
+                        <a:latin typeface="Cambria Math"/>
                       </a:rPr>
                       <m:t> </m:t>
                     </m:r>
                     <m:r>
                       <a:rPr lang="ko-KR" altLang="en-US" sz="1400" b="0" i="1" smtClean="0">
-                        <a:latin typeface="+mn-ea"/>
+                        <a:latin typeface="Cambria Math"/>
                       </a:rPr>
                       <m:t>상태</m:t>
                     </m:r>
                     <m:r>
                       <a:rPr lang="en-US" altLang="ko-KR" sz="1400" b="0" i="1" smtClean="0">
-                        <a:latin typeface="+mn-ea"/>
+                        <a:latin typeface="Cambria Math"/>
                       </a:rPr>
                       <m:t> </m:t>
                     </m:r>
                     <m:r>
                       <a:rPr lang="en-US" altLang="ko-KR" sz="1400" b="0" i="1" smtClean="0">
-                        <a:latin typeface="+mn-ea"/>
+                        <a:latin typeface="Cambria Math"/>
                       </a:rPr>
                       <m:t>𝑠</m:t>
                     </m:r>
                     <m:r>
                       <a:rPr lang="ko-KR" altLang="en-US" sz="1400" b="0" i="1" smtClean="0">
-                        <a:latin typeface="+mn-ea"/>
+                        <a:latin typeface="Cambria Math"/>
                       </a:rPr>
                       <m:t>에서</m:t>
                     </m:r>
                     <m:r>
                       <a:rPr lang="en-US" altLang="ko-KR" sz="1400" b="0" i="1" smtClean="0">
-                        <a:latin typeface="+mn-ea"/>
+                        <a:latin typeface="Cambria Math"/>
                       </a:rPr>
                       <m:t> </m:t>
                     </m:r>
                     <m:r>
                       <a:rPr lang="ko-KR" altLang="en-US" sz="1400" b="0" i="1" smtClean="0">
-                        <a:latin typeface="+mn-ea"/>
+                        <a:latin typeface="Cambria Math"/>
                       </a:rPr>
                       <m:t>행동</m:t>
                     </m:r>
                     <m:r>
                       <a:rPr lang="en-US" altLang="ko-KR" sz="1400" b="0" i="1" smtClean="0">
-                        <a:latin typeface="+mn-ea"/>
+                        <a:latin typeface="Cambria Math"/>
                       </a:rPr>
                       <m:t> </m:t>
                     </m:r>
                     <m:r>
                       <a:rPr lang="en-US" altLang="ko-KR" sz="1400" b="0" i="1" smtClean="0">
-                        <a:latin typeface="+mn-ea"/>
+                        <a:latin typeface="Cambria Math"/>
                       </a:rPr>
                       <m:t>𝑎</m:t>
                     </m:r>
                     <m:r>
                       <a:rPr lang="ko-KR" altLang="en-US" sz="1400" b="0" i="1" smtClean="0">
-                        <a:latin typeface="+mn-ea"/>
+                        <a:latin typeface="Cambria Math"/>
                       </a:rPr>
                       <m:t>를</m:t>
                     </m:r>
                     <m:r>
                       <a:rPr lang="en-US" altLang="ko-KR" sz="1400" b="0" i="1" smtClean="0">
-                        <a:latin typeface="+mn-ea"/>
+                        <a:latin typeface="Cambria Math"/>
                       </a:rPr>
                       <m:t> </m:t>
                     </m:r>
                     <m:r>
                       <a:rPr lang="ko-KR" altLang="en-US" sz="1400" b="0" i="1" smtClean="0">
-                        <a:latin typeface="+mn-ea"/>
+                        <a:latin typeface="Cambria Math"/>
                       </a:rPr>
                       <m:t>취했을</m:t>
                     </m:r>
                     <m:r>
                       <a:rPr lang="en-US" altLang="ko-KR" sz="1400" b="0" i="1" smtClean="0">
-                        <a:latin typeface="+mn-ea"/>
+                        <a:latin typeface="Cambria Math"/>
                       </a:rPr>
                       <m:t> </m:t>
                     </m:r>
                     <m:r>
                       <a:rPr lang="ko-KR" altLang="en-US" sz="1400" b="0" i="1" smtClean="0">
-                        <a:latin typeface="+mn-ea"/>
+                        <a:latin typeface="Cambria Math"/>
                       </a:rPr>
                       <m:t>때</m:t>
                     </m:r>
                     <m:r>
                       <a:rPr lang="en-US" altLang="ko-KR" sz="1400" b="0" i="1" smtClean="0">
-                        <a:latin typeface="+mn-ea"/>
+                        <a:latin typeface="Cambria Math"/>
                       </a:rPr>
                       <m:t> </m:t>
                     </m:r>
                     <m:r>
                       <a:rPr lang="ko-KR" altLang="en-US" sz="1400" b="0" i="1" smtClean="0">
-                        <a:latin typeface="+mn-ea"/>
+                        <a:latin typeface="Cambria Math"/>
                       </a:rPr>
                       <m:t>받을</m:t>
                     </m:r>
                     <m:r>
                       <a:rPr lang="en-US" altLang="ko-KR" sz="1400" b="0" i="1" smtClean="0">
-                        <a:latin typeface="+mn-ea"/>
+                        <a:latin typeface="Cambria Math"/>
                       </a:rPr>
                       <m:t> </m:t>
                     </m:r>
                     <m:r>
                       <a:rPr lang="ko-KR" altLang="en-US" sz="1400" b="0" i="1" smtClean="0">
-                        <a:latin typeface="+mn-ea"/>
+                        <a:latin typeface="Cambria Math"/>
                       </a:rPr>
                       <m:t>즉각</m:t>
                     </m:r>
                     <m:r>
                       <a:rPr lang="en-US" altLang="ko-KR" sz="1400" b="0" i="1" smtClean="0">
-                        <a:latin typeface="+mn-ea"/>
+                        <a:latin typeface="Cambria Math"/>
                       </a:rPr>
                       <m:t> </m:t>
                     </m:r>
                     <m:r>
                       <a:rPr lang="ko-KR" altLang="en-US" sz="1400" b="0" i="1" smtClean="0">
-                        <a:latin typeface="+mn-ea"/>
+                        <a:latin typeface="Cambria Math"/>
                       </a:rPr>
                       <m:t>보상값</m:t>
                     </m:r>
@@ -7602,14 +7545,14 @@
                       <m:sSubPr>
                         <m:ctrlPr>
                           <a:rPr lang="en-US" altLang="ko-KR" sz="1400" b="0" i="1" dirty="0" smtClean="0">
-                            <a:latin typeface="+mn-ea"/>
+                            <a:latin typeface="Cambria Math"/>
                           </a:rPr>
                         </m:ctrlPr>
                       </m:sSubPr>
                       <m:e>
                         <m:r>
                           <a:rPr lang="en-US" altLang="ko-KR" sz="1400" b="0" i="1" dirty="0" smtClean="0">
-                            <a:latin typeface="+mn-ea"/>
+                            <a:latin typeface="Cambria Math"/>
                           </a:rPr>
                           <m:t>𝑚𝑎𝑥</m:t>
                         </m:r>
@@ -7617,7 +7560,7 @@
                       <m:sub>
                         <m:r>
                           <a:rPr lang="en-US" altLang="ko-KR" sz="1400" b="0" i="1" dirty="0" smtClean="0">
-                            <a:latin typeface="+mn-ea"/>
+                            <a:latin typeface="Cambria Math"/>
                           </a:rPr>
                           <m:t>𝑎</m:t>
                         </m:r>
@@ -7625,7 +7568,7 @@
                     </m:sSub>
                     <m:r>
                       <a:rPr lang="en-US" altLang="ko-KR" sz="1400" b="0" i="1" dirty="0" smtClean="0">
-                        <a:latin typeface="+mn-ea"/>
+                        <a:latin typeface="Cambria Math"/>
                       </a:rPr>
                       <m:t>𝑄</m:t>
                     </m:r>
@@ -7633,7 +7576,7 @@
                       <m:dPr>
                         <m:ctrlPr>
                           <a:rPr lang="en-US" altLang="ko-KR" sz="1400" b="0" i="1" dirty="0" smtClean="0">
-                            <a:latin typeface="+mn-ea"/>
+                            <a:latin typeface="Cambria Math"/>
                           </a:rPr>
                         </m:ctrlPr>
                       </m:dPr>
@@ -7642,14 +7585,14 @@
                           <m:sSupPr>
                             <m:ctrlPr>
                               <a:rPr lang="en-US" altLang="ko-KR" sz="1400" b="0" i="1" dirty="0" smtClean="0">
-                                <a:latin typeface="+mn-ea"/>
+                                <a:latin typeface="Cambria Math"/>
                               </a:rPr>
                             </m:ctrlPr>
                           </m:sSupPr>
                           <m:e>
                             <m:r>
                               <a:rPr lang="en-US" altLang="ko-KR" sz="1400" b="0" i="1" dirty="0" smtClean="0">
-                                <a:latin typeface="+mn-ea"/>
+                                <a:latin typeface="Cambria Math"/>
                               </a:rPr>
                               <m:t>𝑠</m:t>
                             </m:r>
@@ -7657,7 +7600,7 @@
                           <m:sup>
                             <m:r>
                               <a:rPr lang="en-US" altLang="ko-KR" sz="1400" b="0" i="1" dirty="0" smtClean="0">
-                                <a:latin typeface="+mn-ea"/>
+                                <a:latin typeface="Cambria Math"/>
                               </a:rPr>
                               <m:t>′</m:t>
                             </m:r>
@@ -7665,13 +7608,13 @@
                         </m:sSup>
                         <m:r>
                           <a:rPr lang="en-US" altLang="ko-KR" sz="1400" b="0" i="1" dirty="0" smtClean="0">
-                            <a:latin typeface="+mn-ea"/>
+                            <a:latin typeface="Cambria Math"/>
                           </a:rPr>
                           <m:t>,</m:t>
                         </m:r>
                         <m:r>
                           <a:rPr lang="en-US" altLang="ko-KR" sz="1400" b="0" i="1" dirty="0" smtClean="0">
-                            <a:latin typeface="+mn-ea"/>
+                            <a:latin typeface="Cambria Math"/>
                           </a:rPr>
                           <m:t>𝑎</m:t>
                         </m:r>
@@ -7679,25 +7622,25 @@
                     </m:d>
                     <m:r>
                       <a:rPr lang="en-US" altLang="ko-KR" sz="1400" i="1">
-                        <a:latin typeface="+mn-ea"/>
+                        <a:latin typeface="Cambria Math"/>
                       </a:rPr>
                       <m:t>:</m:t>
                     </m:r>
                     <m:r>
                       <a:rPr lang="ko-KR" altLang="en-US" sz="1400" b="0" i="1" smtClean="0">
-                        <a:latin typeface="+mn-ea"/>
+                        <a:latin typeface="Cambria Math"/>
                       </a:rPr>
                       <m:t>다음</m:t>
                     </m:r>
                     <m:r>
                       <a:rPr lang="en-US" altLang="ko-KR" sz="1400" b="0" i="1" smtClean="0">
-                        <a:latin typeface="+mn-ea"/>
+                        <a:latin typeface="Cambria Math"/>
                       </a:rPr>
                       <m:t> </m:t>
                     </m:r>
                     <m:r>
                       <a:rPr lang="ko-KR" altLang="en-US" sz="1400" i="1">
-                        <a:latin typeface="+mn-ea"/>
+                        <a:latin typeface="Cambria Math"/>
                       </a:rPr>
                       <m:t>상태</m:t>
                     </m:r>
@@ -7705,14 +7648,14 @@
                       <m:sSupPr>
                         <m:ctrlPr>
                           <a:rPr lang="en-US" altLang="ko-KR" sz="1400" i="1" dirty="0">
-                            <a:latin typeface="+mn-ea"/>
+                            <a:latin typeface="Cambria Math"/>
                           </a:rPr>
                         </m:ctrlPr>
                       </m:sSupPr>
                       <m:e>
                         <m:r>
                           <a:rPr lang="en-US" altLang="ko-KR" sz="1400" i="1" dirty="0">
-                            <a:latin typeface="+mn-ea"/>
+                            <a:latin typeface="Cambria Math"/>
                           </a:rPr>
                           <m:t>𝑠</m:t>
                         </m:r>
@@ -7720,7 +7663,7 @@
                       <m:sup>
                         <m:r>
                           <a:rPr lang="en-US" altLang="ko-KR" sz="1400" i="1" dirty="0">
-                            <a:latin typeface="+mn-ea"/>
+                            <a:latin typeface="Cambria Math"/>
                           </a:rPr>
                           <m:t>′</m:t>
                         </m:r>
@@ -7728,67 +7671,67 @@
                     </m:sSup>
                     <m:r>
                       <a:rPr lang="ko-KR" altLang="en-US" sz="1400" i="1">
-                        <a:latin typeface="+mn-ea"/>
+                        <a:latin typeface="Cambria Math"/>
                       </a:rPr>
                       <m:t>에서</m:t>
                     </m:r>
                     <m:r>
                       <a:rPr lang="en-US" altLang="ko-KR" sz="1400" i="1">
-                        <a:latin typeface="+mn-ea"/>
+                        <a:latin typeface="Cambria Math"/>
                       </a:rPr>
                       <m:t> </m:t>
                     </m:r>
                     <m:r>
                       <a:rPr lang="ko-KR" altLang="en-US" sz="1400" b="0" i="1" dirty="0" smtClean="0">
-                        <a:latin typeface="+mn-ea"/>
+                        <a:latin typeface="Cambria Math"/>
                       </a:rPr>
                       <m:t>받을</m:t>
                     </m:r>
                     <m:r>
                       <a:rPr lang="en-US" altLang="ko-KR" sz="1400" b="0" i="1" dirty="0" smtClean="0">
-                        <a:latin typeface="+mn-ea"/>
+                        <a:latin typeface="Cambria Math"/>
                       </a:rPr>
                       <m:t> </m:t>
                     </m:r>
                     <m:r>
                       <a:rPr lang="ko-KR" altLang="en-US" sz="1400" b="0" i="1" dirty="0" smtClean="0">
-                        <a:latin typeface="+mn-ea"/>
+                        <a:latin typeface="Cambria Math"/>
                       </a:rPr>
                       <m:t>수있는</m:t>
                     </m:r>
                     <m:r>
                       <a:rPr lang="en-US" altLang="ko-KR" sz="1400" b="0" i="1" dirty="0" smtClean="0">
-                        <a:latin typeface="+mn-ea"/>
+                        <a:latin typeface="Cambria Math"/>
                       </a:rPr>
                       <m:t> </m:t>
                     </m:r>
                     <m:r>
                       <a:rPr lang="ko-KR" altLang="en-US" sz="1400" b="0" i="1" dirty="0" smtClean="0">
-                        <a:latin typeface="+mn-ea"/>
+                        <a:latin typeface="Cambria Math"/>
                       </a:rPr>
                       <m:t>보상의</m:t>
                     </m:r>
                     <m:r>
                       <a:rPr lang="en-US" altLang="ko-KR" sz="1400" b="0" i="1" dirty="0" smtClean="0">
-                        <a:latin typeface="+mn-ea"/>
+                        <a:latin typeface="Cambria Math"/>
                       </a:rPr>
                       <m:t> </m:t>
                     </m:r>
                     <m:r>
                       <a:rPr lang="ko-KR" altLang="en-US" sz="1400" b="0" i="1" dirty="0" smtClean="0">
-                        <a:latin typeface="+mn-ea"/>
+                        <a:latin typeface="Cambria Math"/>
                       </a:rPr>
                       <m:t>최대</m:t>
                     </m:r>
                     <m:r>
                       <a:rPr lang="en-US" altLang="ko-KR" sz="1400" b="0" i="1" dirty="0" smtClean="0">
-                        <a:latin typeface="+mn-ea"/>
+                        <a:latin typeface="Cambria Math"/>
                       </a:rPr>
                       <m:t> </m:t>
                     </m:r>
                     <m:r>
                       <a:rPr lang="ko-KR" altLang="en-US" sz="1400" b="0" i="1" dirty="0" smtClean="0">
-                        <a:latin typeface="+mn-ea"/>
+                        <a:latin typeface="Cambria Math"/>
                       </a:rPr>
                       <m:t>값</m:t>
                     </m:r>
@@ -7816,7 +7759,7 @@
                         <a:solidFill>
                           <a:srgbClr val="464653"/>
                         </a:solidFill>
-                        <a:latin typeface="+mn-ea"/>
+                        <a:latin typeface="Cambria Math"/>
                       </a:rPr>
                       <m:t> </m:t>
                     </m:r>
@@ -7825,7 +7768,7 @@
                         <a:solidFill>
                           <a:srgbClr val="464653"/>
                         </a:solidFill>
-                        <a:latin typeface="+mn-ea"/>
+                        <a:latin typeface="Cambria Math"/>
                       </a:rPr>
                       <m:t>𝛾</m:t>
                     </m:r>
@@ -7834,7 +7777,7 @@
                         <a:solidFill>
                           <a:srgbClr val="464653"/>
                         </a:solidFill>
-                        <a:latin typeface="+mn-ea"/>
+                        <a:latin typeface="Cambria Math"/>
                       </a:rPr>
                       <m:t> :</m:t>
                     </m:r>
@@ -7843,7 +7786,7 @@
                         <a:solidFill>
                           <a:srgbClr val="464653"/>
                         </a:solidFill>
-                        <a:latin typeface="+mn-ea"/>
+                        <a:latin typeface="Cambria Math"/>
                       </a:rPr>
                       <m:t>할인율이라</m:t>
                     </m:r>
@@ -7852,7 +7795,7 @@
                         <a:solidFill>
                           <a:srgbClr val="464653"/>
                         </a:solidFill>
-                        <a:latin typeface="+mn-ea"/>
+                        <a:latin typeface="Cambria Math"/>
                       </a:rPr>
                       <m:t> </m:t>
                     </m:r>
@@ -7861,7 +7804,7 @@
                         <a:solidFill>
                           <a:srgbClr val="464653"/>
                         </a:solidFill>
-                        <a:latin typeface="+mn-ea"/>
+                        <a:latin typeface="Cambria Math"/>
                       </a:rPr>
                       <m:t>부르며</m:t>
                     </m:r>
@@ -7870,7 +7813,7 @@
                         <a:solidFill>
                           <a:srgbClr val="464653"/>
                         </a:solidFill>
-                        <a:latin typeface="+mn-ea"/>
+                        <a:latin typeface="Cambria Math"/>
                       </a:rPr>
                       <m:t>, </m:t>
                     </m:r>
@@ -7879,7 +7822,7 @@
                         <a:solidFill>
                           <a:srgbClr val="464653"/>
                         </a:solidFill>
-                        <a:latin typeface="+mn-ea"/>
+                        <a:latin typeface="Cambria Math"/>
                       </a:rPr>
                       <m:t>미래</m:t>
                     </m:r>
@@ -7888,7 +7831,7 @@
                         <a:solidFill>
                           <a:srgbClr val="464653"/>
                         </a:solidFill>
-                        <a:latin typeface="+mn-ea"/>
+                        <a:latin typeface="Cambria Math"/>
                       </a:rPr>
                       <m:t> </m:t>
                     </m:r>
@@ -7897,7 +7840,7 @@
                         <a:solidFill>
                           <a:srgbClr val="464653"/>
                         </a:solidFill>
-                        <a:latin typeface="+mn-ea"/>
+                        <a:latin typeface="Cambria Math"/>
                       </a:rPr>
                       <m:t>가치에</m:t>
                     </m:r>
@@ -7906,7 +7849,7 @@
                         <a:solidFill>
                           <a:srgbClr val="464653"/>
                         </a:solidFill>
-                        <a:latin typeface="+mn-ea"/>
+                        <a:latin typeface="Cambria Math"/>
                       </a:rPr>
                       <m:t> </m:t>
                     </m:r>
@@ -7915,7 +7858,7 @@
                         <a:solidFill>
                           <a:srgbClr val="464653"/>
                         </a:solidFill>
-                        <a:latin typeface="+mn-ea"/>
+                        <a:latin typeface="Cambria Math"/>
                       </a:rPr>
                       <m:t>대한</m:t>
                     </m:r>
@@ -7924,7 +7867,7 @@
                         <a:solidFill>
                           <a:srgbClr val="464653"/>
                         </a:solidFill>
-                        <a:latin typeface="+mn-ea"/>
+                        <a:latin typeface="Cambria Math"/>
                       </a:rPr>
                       <m:t> </m:t>
                     </m:r>
@@ -7933,7 +7876,7 @@
                         <a:solidFill>
                           <a:srgbClr val="464653"/>
                         </a:solidFill>
-                        <a:latin typeface="+mn-ea"/>
+                        <a:latin typeface="Cambria Math"/>
                       </a:rPr>
                       <m:t>중요도를</m:t>
                     </m:r>
@@ -7942,7 +7885,7 @@
                         <a:solidFill>
                           <a:srgbClr val="464653"/>
                         </a:solidFill>
-                        <a:latin typeface="+mn-ea"/>
+                        <a:latin typeface="Cambria Math"/>
                       </a:rPr>
                       <m:t> </m:t>
                     </m:r>
@@ -7951,7 +7894,7 @@
                         <a:solidFill>
                           <a:srgbClr val="464653"/>
                         </a:solidFill>
-                        <a:latin typeface="+mn-ea"/>
+                        <a:latin typeface="Cambria Math"/>
                       </a:rPr>
                       <m:t>나타냄</m:t>
                     </m:r>
@@ -7960,7 +7903,7 @@
                         <a:solidFill>
                           <a:srgbClr val="464653"/>
                         </a:solidFill>
-                        <a:latin typeface="+mn-ea"/>
+                        <a:latin typeface="Cambria Math"/>
                       </a:rPr>
                       <m:t>. </m:t>
                     </m:r>
@@ -7996,14 +7939,32 @@
                           </a:solidFill>
                           <a:latin typeface="Cambria Math"/>
                         </a:rPr>
-                        <m:t>              </m:t>
+                        <m:t>               </m:t>
+                      </m:r>
+                      <m:r>
+                        <a:rPr lang="ko-KR" altLang="en-US" sz="1400" b="0" i="1" smtClean="0">
+                          <a:solidFill>
+                            <a:srgbClr val="464653"/>
+                          </a:solidFill>
+                          <a:latin typeface="Cambria Math"/>
+                        </a:rPr>
+                        <m:t>𝛾</m:t>
+                      </m:r>
+                      <m:r>
+                        <a:rPr lang="ko-KR" altLang="en-US" sz="1400" b="0" i="1" smtClean="0">
+                          <a:solidFill>
+                            <a:srgbClr val="464653"/>
+                          </a:solidFill>
+                          <a:latin typeface="Cambria Math"/>
+                        </a:rPr>
+                        <m:t>이</m:t>
                       </m:r>
                       <m:r>
                         <a:rPr lang="en-US" altLang="ko-KR" sz="1400" b="0" i="1" smtClean="0">
                           <a:solidFill>
                             <a:srgbClr val="464653"/>
                           </a:solidFill>
-                          <a:latin typeface="+mn-ea"/>
+                          <a:latin typeface="Cambria Math"/>
                         </a:rPr>
                         <m:t> </m:t>
                       </m:r>
@@ -8012,25 +7973,16 @@
                           <a:solidFill>
                             <a:srgbClr val="464653"/>
                           </a:solidFill>
-                          <a:latin typeface="+mn-ea"/>
+                          <a:latin typeface="Cambria Math"/>
                         </a:rPr>
-                        <m:t>𝛾</m:t>
-                      </m:r>
-                      <m:r>
-                        <a:rPr lang="ko-KR" altLang="en-US" sz="1400" b="0" i="1" smtClean="0">
-                          <a:solidFill>
-                            <a:srgbClr val="464653"/>
-                          </a:solidFill>
-                          <a:latin typeface="+mn-ea"/>
-                        </a:rPr>
-                        <m:t>이</m:t>
+                        <m:t>커질수록</m:t>
                       </m:r>
                       <m:r>
                         <a:rPr lang="en-US" altLang="ko-KR" sz="1400" b="0" i="1" smtClean="0">
                           <a:solidFill>
                             <a:srgbClr val="464653"/>
                           </a:solidFill>
-                          <a:latin typeface="+mn-ea"/>
+                          <a:latin typeface="Cambria Math"/>
                         </a:rPr>
                         <m:t> </m:t>
                       </m:r>
@@ -8039,16 +7991,16 @@
                           <a:solidFill>
                             <a:srgbClr val="464653"/>
                           </a:solidFill>
-                          <a:latin typeface="+mn-ea"/>
+                          <a:latin typeface="Cambria Math"/>
                         </a:rPr>
-                        <m:t>커질수록</m:t>
+                        <m:t>미래에</m:t>
                       </m:r>
                       <m:r>
                         <a:rPr lang="en-US" altLang="ko-KR" sz="1400" b="0" i="1" smtClean="0">
                           <a:solidFill>
                             <a:srgbClr val="464653"/>
                           </a:solidFill>
-                          <a:latin typeface="+mn-ea"/>
+                          <a:latin typeface="Cambria Math"/>
                         </a:rPr>
                         <m:t> </m:t>
                       </m:r>
@@ -8057,16 +8009,16 @@
                           <a:solidFill>
                             <a:srgbClr val="464653"/>
                           </a:solidFill>
-                          <a:latin typeface="+mn-ea"/>
+                          <a:latin typeface="Cambria Math"/>
                         </a:rPr>
-                        <m:t>미래에</m:t>
+                        <m:t>받을</m:t>
                       </m:r>
                       <m:r>
                         <a:rPr lang="en-US" altLang="ko-KR" sz="1400" b="0" i="1" smtClean="0">
                           <a:solidFill>
                             <a:srgbClr val="464653"/>
                           </a:solidFill>
-                          <a:latin typeface="+mn-ea"/>
+                          <a:latin typeface="Cambria Math"/>
                         </a:rPr>
                         <m:t> </m:t>
                       </m:r>
@@ -8075,16 +8027,16 @@
                           <a:solidFill>
                             <a:srgbClr val="464653"/>
                           </a:solidFill>
-                          <a:latin typeface="+mn-ea"/>
+                          <a:latin typeface="Cambria Math"/>
                         </a:rPr>
-                        <m:t>받을</m:t>
+                        <m:t>보상에</m:t>
                       </m:r>
                       <m:r>
                         <a:rPr lang="en-US" altLang="ko-KR" sz="1400" b="0" i="1" smtClean="0">
                           <a:solidFill>
                             <a:srgbClr val="464653"/>
                           </a:solidFill>
-                          <a:latin typeface="+mn-ea"/>
+                          <a:latin typeface="Cambria Math"/>
                         </a:rPr>
                         <m:t> </m:t>
                       </m:r>
@@ -8093,16 +8045,16 @@
                           <a:solidFill>
                             <a:srgbClr val="464653"/>
                           </a:solidFill>
-                          <a:latin typeface="+mn-ea"/>
+                          <a:latin typeface="Cambria Math"/>
                         </a:rPr>
-                        <m:t>보상에</m:t>
+                        <m:t>더큰</m:t>
                       </m:r>
                       <m:r>
                         <a:rPr lang="en-US" altLang="ko-KR" sz="1400" b="0" i="1" smtClean="0">
                           <a:solidFill>
                             <a:srgbClr val="464653"/>
                           </a:solidFill>
-                          <a:latin typeface="+mn-ea"/>
+                          <a:latin typeface="Cambria Math"/>
                         </a:rPr>
                         <m:t> </m:t>
                       </m:r>
@@ -8111,16 +8063,34 @@
                           <a:solidFill>
                             <a:srgbClr val="464653"/>
                           </a:solidFill>
-                          <a:latin typeface="+mn-ea"/>
+                          <a:latin typeface="Cambria Math"/>
                         </a:rPr>
-                        <m:t>더큰</m:t>
+                        <m:t>가치를</m:t>
                       </m:r>
                       <m:r>
                         <a:rPr lang="en-US" altLang="ko-KR" sz="1400" b="0" i="1" smtClean="0">
                           <a:solidFill>
                             <a:srgbClr val="464653"/>
                           </a:solidFill>
-                          <a:latin typeface="+mn-ea"/>
+                          <a:latin typeface="Cambria Math"/>
+                        </a:rPr>
+                        <m:t>, </m:t>
+                      </m:r>
+                      <m:r>
+                        <a:rPr lang="ko-KR" altLang="en-US" sz="1400" b="0" i="1" smtClean="0">
+                          <a:solidFill>
+                            <a:srgbClr val="464653"/>
+                          </a:solidFill>
+                          <a:latin typeface="Cambria Math"/>
+                        </a:rPr>
+                        <m:t>작아질</m:t>
+                      </m:r>
+                      <m:r>
+                        <a:rPr lang="en-US" altLang="ko-KR" sz="1400" b="0" i="1" smtClean="0">
+                          <a:solidFill>
+                            <a:srgbClr val="464653"/>
+                          </a:solidFill>
+                          <a:latin typeface="Cambria Math"/>
                         </a:rPr>
                         <m:t> </m:t>
                       </m:r>
@@ -8129,34 +8099,16 @@
                           <a:solidFill>
                             <a:srgbClr val="464653"/>
                           </a:solidFill>
-                          <a:latin typeface="+mn-ea"/>
+                          <a:latin typeface="Cambria Math"/>
                         </a:rPr>
-                        <m:t>가치를</m:t>
+                        <m:t>수록</m:t>
                       </m:r>
                       <m:r>
                         <a:rPr lang="en-US" altLang="ko-KR" sz="1400" b="0" i="1" smtClean="0">
                           <a:solidFill>
                             <a:srgbClr val="464653"/>
                           </a:solidFill>
-                          <a:latin typeface="+mn-ea"/>
-                        </a:rPr>
-                        <m:t>, </m:t>
-                      </m:r>
-                      <m:r>
-                        <a:rPr lang="ko-KR" altLang="en-US" sz="1400" b="0" i="1" smtClean="0">
-                          <a:solidFill>
-                            <a:srgbClr val="464653"/>
-                          </a:solidFill>
-                          <a:latin typeface="+mn-ea"/>
-                        </a:rPr>
-                        <m:t>작아질</m:t>
-                      </m:r>
-                      <m:r>
-                        <a:rPr lang="en-US" altLang="ko-KR" sz="1400" b="0" i="1" smtClean="0">
-                          <a:solidFill>
-                            <a:srgbClr val="464653"/>
-                          </a:solidFill>
-                          <a:latin typeface="+mn-ea"/>
+                          <a:latin typeface="Cambria Math"/>
                         </a:rPr>
                         <m:t> </m:t>
                       </m:r>
@@ -8165,16 +8117,16 @@
                           <a:solidFill>
                             <a:srgbClr val="464653"/>
                           </a:solidFill>
-                          <a:latin typeface="+mn-ea"/>
+                          <a:latin typeface="Cambria Math"/>
                         </a:rPr>
-                        <m:t>수록</m:t>
+                        <m:t>즉각</m:t>
                       </m:r>
                       <m:r>
                         <a:rPr lang="en-US" altLang="ko-KR" sz="1400" b="0" i="1" smtClean="0">
                           <a:solidFill>
                             <a:srgbClr val="464653"/>
                           </a:solidFill>
-                          <a:latin typeface="+mn-ea"/>
+                          <a:latin typeface="Cambria Math"/>
                         </a:rPr>
                         <m:t> </m:t>
                       </m:r>
@@ -8183,16 +8135,16 @@
                           <a:solidFill>
                             <a:srgbClr val="464653"/>
                           </a:solidFill>
-                          <a:latin typeface="+mn-ea"/>
+                          <a:latin typeface="Cambria Math"/>
                         </a:rPr>
-                        <m:t>즉각</m:t>
+                        <m:t>보상을</m:t>
                       </m:r>
                       <m:r>
                         <a:rPr lang="en-US" altLang="ko-KR" sz="1400" b="0" i="1" smtClean="0">
                           <a:solidFill>
                             <a:srgbClr val="464653"/>
                           </a:solidFill>
-                          <a:latin typeface="+mn-ea"/>
+                          <a:latin typeface="Cambria Math"/>
                         </a:rPr>
                         <m:t> </m:t>
                       </m:r>
@@ -8201,16 +8153,16 @@
                           <a:solidFill>
                             <a:srgbClr val="464653"/>
                           </a:solidFill>
-                          <a:latin typeface="+mn-ea"/>
+                          <a:latin typeface="Cambria Math"/>
                         </a:rPr>
-                        <m:t>보상을</m:t>
+                        <m:t>더</m:t>
                       </m:r>
                       <m:r>
                         <a:rPr lang="en-US" altLang="ko-KR" sz="1400" b="0" i="1" smtClean="0">
                           <a:solidFill>
                             <a:srgbClr val="464653"/>
                           </a:solidFill>
-                          <a:latin typeface="+mn-ea"/>
+                          <a:latin typeface="Cambria Math"/>
                         </a:rPr>
                         <m:t> </m:t>
                       </m:r>
@@ -8219,16 +8171,16 @@
                           <a:solidFill>
                             <a:srgbClr val="464653"/>
                           </a:solidFill>
-                          <a:latin typeface="+mn-ea"/>
+                          <a:latin typeface="Cambria Math"/>
                         </a:rPr>
-                        <m:t>더</m:t>
+                        <m:t>중요하게</m:t>
                       </m:r>
                       <m:r>
                         <a:rPr lang="en-US" altLang="ko-KR" sz="1400" b="0" i="1" smtClean="0">
                           <a:solidFill>
                             <a:srgbClr val="464653"/>
                           </a:solidFill>
-                          <a:latin typeface="+mn-ea"/>
+                          <a:latin typeface="Cambria Math"/>
                         </a:rPr>
                         <m:t> </m:t>
                       </m:r>
@@ -8237,25 +8189,7 @@
                           <a:solidFill>
                             <a:srgbClr val="464653"/>
                           </a:solidFill>
-                          <a:latin typeface="+mn-ea"/>
-                        </a:rPr>
-                        <m:t>중요하게</m:t>
-                      </m:r>
-                      <m:r>
-                        <a:rPr lang="en-US" altLang="ko-KR" sz="1400" b="0" i="1" smtClean="0">
-                          <a:solidFill>
-                            <a:srgbClr val="464653"/>
-                          </a:solidFill>
-                          <a:latin typeface="+mn-ea"/>
-                        </a:rPr>
-                        <m:t> </m:t>
-                      </m:r>
-                      <m:r>
-                        <a:rPr lang="ko-KR" altLang="en-US" sz="1400" b="0" i="1" smtClean="0">
-                          <a:solidFill>
-                            <a:srgbClr val="464653"/>
-                          </a:solidFill>
-                          <a:latin typeface="+mn-ea"/>
+                          <a:latin typeface="Cambria Math"/>
                         </a:rPr>
                         <m:t>함</m:t>
                       </m:r>
@@ -8264,7 +8198,7 @@
                           <a:solidFill>
                             <a:srgbClr val="464653"/>
                           </a:solidFill>
-                          <a:latin typeface="+mn-ea"/>
+                          <a:latin typeface="Cambria Math"/>
                         </a:rPr>
                         <m:t>. </m:t>
                       </m:r>
@@ -8302,7 +8236,7 @@
             </p:txBody>
           </p:sp>
         </mc:Choice>
-        <mc:Fallback>
+        <mc:Fallback xmlns="">
           <p:sp>
             <p:nvSpPr>
               <p:cNvPr id="4" name="내용 개체 틀 3"/>
@@ -8600,21 +8534,7 @@
                 <a:latin typeface="+mn-ea"/>
                 <a:ea typeface="+mn-ea"/>
               </a:rPr>
-              <a:t>05. </a:t>
-            </a:r>
-            <a:r>
-              <a:rPr lang="en-US" altLang="ko-KR" sz="3600" b="1" dirty="0" smtClean="0">
-                <a:latin typeface="+mn-ea"/>
-                <a:ea typeface="+mn-ea"/>
-              </a:rPr>
-              <a:t>Deep </a:t>
-            </a:r>
-            <a:r>
-              <a:rPr lang="en-US" altLang="ko-KR" sz="3600" b="1" dirty="0" smtClean="0">
-                <a:latin typeface="+mn-ea"/>
-                <a:ea typeface="+mn-ea"/>
-              </a:rPr>
-              <a:t>Learning </a:t>
+              <a:t>05. Deep Learning </a:t>
             </a:r>
             <a:r>
               <a:rPr lang="ko-KR" altLang="en-US" sz="3600" b="1" dirty="0" smtClean="0">
@@ -9142,6 +9062,1508 @@
     <p:extLst>
       <p:ext uri="{BB962C8B-B14F-4D97-AF65-F5344CB8AC3E}">
         <p14:creationId xmlns:p14="http://schemas.microsoft.com/office/powerpoint/2010/main" val="1783522585"/>
+      </p:ext>
+    </p:extLst>
+  </p:cSld>
+  <p:clrMapOvr>
+    <a:masterClrMapping/>
+  </p:clrMapOvr>
+  <p:timing>
+    <p:tnLst>
+      <p:par>
+        <p:cTn id="1" dur="indefinite" restart="never" nodeType="tmRoot"/>
+      </p:par>
+    </p:tnLst>
+  </p:timing>
+</p:sld>
+</file>
+
+<file path=ppt/slides/slide18.xml><?xml version="1.0" encoding="utf-8"?>
+<p:sld xmlns:a="http://schemas.openxmlformats.org/drawingml/2006/main" xmlns:r="http://schemas.openxmlformats.org/officeDocument/2006/relationships" xmlns:p="http://schemas.openxmlformats.org/presentationml/2006/main">
+  <p:cSld>
+    <p:spTree>
+      <p:nvGrpSpPr>
+        <p:cNvPr id="1" name=""/>
+        <p:cNvGrpSpPr/>
+        <p:nvPr/>
+      </p:nvGrpSpPr>
+      <p:grpSpPr>
+        <a:xfrm>
+          <a:off x="0" y="0"/>
+          <a:ext cx="0" cy="0"/>
+          <a:chOff x="0" y="0"/>
+          <a:chExt cx="0" cy="0"/>
+        </a:xfrm>
+      </p:grpSpPr>
+      <p:sp>
+        <p:nvSpPr>
+          <p:cNvPr id="2" name="제목 1"/>
+          <p:cNvSpPr>
+            <a:spLocks noGrp="1"/>
+          </p:cNvSpPr>
+          <p:nvPr>
+            <p:ph type="title"/>
+          </p:nvPr>
+        </p:nvSpPr>
+        <p:spPr/>
+        <p:txBody>
+          <a:bodyPr>
+            <a:normAutofit/>
+          </a:bodyPr>
+          <a:lstStyle/>
+          <a:p>
+            <a:r>
+              <a:rPr lang="en-US" altLang="ko-KR" sz="3600" b="1" dirty="0" smtClean="0">
+                <a:latin typeface="+mn-ea"/>
+                <a:ea typeface="+mn-ea"/>
+              </a:rPr>
+              <a:t>06. </a:t>
+            </a:r>
+            <a:r>
+              <a:rPr lang="ko-KR" altLang="en-US" sz="3600" b="1" dirty="0" smtClean="0">
+                <a:latin typeface="+mn-ea"/>
+                <a:ea typeface="+mn-ea"/>
+              </a:rPr>
+              <a:t>모형의 적합성 및 실험설계</a:t>
+            </a:r>
+            <a:endParaRPr lang="ko-KR" altLang="en-US" sz="3600" b="1" dirty="0">
+              <a:latin typeface="+mn-ea"/>
+              <a:ea typeface="+mn-ea"/>
+            </a:endParaRPr>
+          </a:p>
+        </p:txBody>
+      </p:sp>
+      <mc:AlternateContent xmlns:mc="http://schemas.openxmlformats.org/markup-compatibility/2006">
+        <mc:Choice xmlns:a14="http://schemas.microsoft.com/office/drawing/2010/main" Requires="a14">
+          <p:sp>
+            <p:nvSpPr>
+              <p:cNvPr id="4" name="내용 개체 틀 3"/>
+              <p:cNvSpPr>
+                <a:spLocks noGrp="1"/>
+              </p:cNvSpPr>
+              <p:nvPr>
+                <p:ph sz="quarter" idx="1"/>
+              </p:nvPr>
+            </p:nvSpPr>
+            <p:spPr>
+              <a:xfrm>
+                <a:off x="467544" y="1124744"/>
+                <a:ext cx="8229600" cy="5181506"/>
+              </a:xfrm>
+            </p:spPr>
+            <p:txBody>
+              <a:bodyPr>
+                <a:normAutofit/>
+              </a:bodyPr>
+              <a:lstStyle/>
+              <a:p>
+                <a:pPr>
+                  <a:lnSpc>
+                    <a:spcPct val="150000"/>
+                  </a:lnSpc>
+                </a:pPr>
+                <a:r>
+                  <a:rPr lang="ko-KR" altLang="en-US" sz="2000" b="1" dirty="0" smtClean="0"/>
+                  <a:t>모형 적합성 평가 방법 </a:t>
+                </a:r>
+                <a:endParaRPr lang="en-US" altLang="ko-KR" sz="2000" b="1" dirty="0" smtClean="0"/>
+              </a:p>
+              <a:p>
+                <a:pPr marL="0" indent="0">
+                  <a:lnSpc>
+                    <a:spcPct val="150000"/>
+                  </a:lnSpc>
+                  <a:buNone/>
+                </a:pPr>
+                <a:r>
+                  <a:rPr lang="en-US" altLang="ko-KR" sz="1200" dirty="0" smtClean="0">
+                    <a:latin typeface="+mn-ea"/>
+                  </a:rPr>
+                  <a:t>: </a:t>
+                </a:r>
+                <a:r>
+                  <a:rPr lang="ko-KR" altLang="en-US" sz="1200" dirty="0">
+                    <a:latin typeface="+mn-ea"/>
+                  </a:rPr>
+                  <a:t>검증 데이터 </a:t>
+                </a:r>
+                <a:r>
+                  <a:rPr lang="en-US" altLang="ko-KR" sz="1200" dirty="0" smtClean="0">
+                    <a:latin typeface="+mn-ea"/>
+                  </a:rPr>
+                  <a:t>MSE</a:t>
+                </a:r>
+                <a:r>
+                  <a:rPr lang="ko-KR" altLang="en-US" sz="1200" dirty="0" smtClean="0">
+                    <a:latin typeface="+mn-ea"/>
+                  </a:rPr>
+                  <a:t>가 낮은 모형</a:t>
+                </a:r>
+                <a:r>
+                  <a:rPr lang="en-US" altLang="ko-KR" sz="1200" dirty="0" smtClean="0">
+                    <a:latin typeface="+mn-ea"/>
+                  </a:rPr>
+                  <a:t>, </a:t>
+                </a:r>
+                <a:r>
+                  <a:rPr lang="ko-KR" altLang="en-US" sz="1200" dirty="0" smtClean="0">
+                    <a:latin typeface="+mn-ea"/>
+                  </a:rPr>
+                  <a:t>즉 분산 및 편파성이 적절히 낮은 모형이 적합하다 평가</a:t>
+                </a:r>
+                <a:endParaRPr lang="en-US" altLang="ko-KR" sz="1200" dirty="0" smtClean="0">
+                  <a:latin typeface="+mn-ea"/>
+                </a:endParaRPr>
+              </a:p>
+              <a:p>
+                <a:pPr marL="0" indent="0">
+                  <a:buNone/>
+                </a:pPr>
+                <a:endParaRPr lang="en-US" altLang="ko-KR" sz="1200" dirty="0" smtClean="0">
+                  <a:latin typeface="+mn-ea"/>
+                </a:endParaRPr>
+              </a:p>
+              <a:p>
+                <a:pPr lvl="1">
+                  <a:buFont typeface="Wingdings" panose="05000000000000000000" pitchFamily="2" charset="2"/>
+                  <a:buChar char="§"/>
+                </a:pPr>
+                <a:r>
+                  <a:rPr lang="ko-KR" altLang="en-US" sz="1200" dirty="0" smtClean="0">
+                    <a:latin typeface="+mn-ea"/>
+                  </a:rPr>
+                  <a:t>검은색 </a:t>
+                </a:r>
+                <a:r>
+                  <a:rPr lang="en-US" altLang="ko-KR" sz="1200" dirty="0" smtClean="0">
+                    <a:latin typeface="+mn-ea"/>
+                  </a:rPr>
+                  <a:t>: </a:t>
+                </a:r>
+                <a:r>
+                  <a:rPr lang="ko-KR" altLang="en-US" sz="1200" dirty="0" smtClean="0">
+                    <a:latin typeface="+mn-ea"/>
+                  </a:rPr>
+                  <a:t>실제 </a:t>
+                </a:r>
+                <a14:m>
+                  <m:oMath xmlns:m="http://schemas.openxmlformats.org/officeDocument/2006/math">
+                    <m:r>
+                      <a:rPr lang="en-US" altLang="ko-KR" sz="1200" i="1">
+                        <a:latin typeface="+mn-ea"/>
+                      </a:rPr>
+                      <m:t>𝑓</m:t>
+                    </m:r>
+                    <m:r>
+                      <a:rPr lang="ko-KR" altLang="en-US" sz="1200" b="0" i="1" smtClean="0">
+                        <a:latin typeface="+mn-ea"/>
+                      </a:rPr>
+                      <m:t>를</m:t>
+                    </m:r>
+                    <m:r>
+                      <a:rPr lang="en-US" altLang="ko-KR" sz="1200" b="0" i="1" smtClean="0">
+                        <a:latin typeface="+mn-ea"/>
+                      </a:rPr>
+                      <m:t> </m:t>
+                    </m:r>
+                    <m:r>
+                      <a:rPr lang="ko-KR" altLang="en-US" sz="1200" b="0" i="1" smtClean="0">
+                        <a:latin typeface="+mn-ea"/>
+                      </a:rPr>
+                      <m:t>나타내는</m:t>
+                    </m:r>
+                  </m:oMath>
+                </a14:m>
+                <a:r>
+                  <a:rPr lang="ko-KR" altLang="en-US" sz="1200" dirty="0" smtClean="0">
+                    <a:latin typeface="+mn-ea"/>
+                  </a:rPr>
+                  <a:t> 모형 </a:t>
+                </a:r>
+                <a:endParaRPr lang="en-US" altLang="ko-KR" sz="1200" dirty="0" smtClean="0">
+                  <a:latin typeface="+mn-ea"/>
+                </a:endParaRPr>
+              </a:p>
+              <a:p>
+                <a:pPr lvl="1">
+                  <a:buFont typeface="Wingdings" panose="05000000000000000000" pitchFamily="2" charset="2"/>
+                  <a:buChar char="§"/>
+                </a:pPr>
+                <a:r>
+                  <a:rPr lang="ko-KR" altLang="en-US" sz="1200" dirty="0" smtClean="0">
+                    <a:latin typeface="+mn-ea"/>
+                  </a:rPr>
+                  <a:t>노란색 </a:t>
+                </a:r>
+                <a:r>
+                  <a:rPr lang="en-US" altLang="ko-KR" sz="1200" dirty="0" smtClean="0">
+                    <a:latin typeface="+mn-ea"/>
+                  </a:rPr>
+                  <a:t>: </a:t>
+                </a:r>
+                <a:r>
+                  <a:rPr lang="ko-KR" altLang="en-US" sz="1200" dirty="0" smtClean="0">
+                    <a:latin typeface="+mn-ea"/>
+                  </a:rPr>
+                  <a:t>가장 낮은 </a:t>
+                </a:r>
+                <a:r>
+                  <a:rPr lang="ko-KR" altLang="en-US" sz="1200" dirty="0" smtClean="0">
+                    <a:latin typeface="+mn-ea"/>
+                  </a:rPr>
+                  <a:t>복잡도  </a:t>
+                </a:r>
+                <a:r>
+                  <a:rPr lang="ko-KR" altLang="en-US" sz="1200" dirty="0" smtClean="0">
+                    <a:latin typeface="+mn-ea"/>
+                  </a:rPr>
+                  <a:t>☞ 편파성이 높아져 가장 높은 </a:t>
+                </a:r>
+                <a:r>
+                  <a:rPr lang="en-US" altLang="ko-KR" sz="1200" dirty="0" smtClean="0">
+                    <a:latin typeface="+mn-ea"/>
+                  </a:rPr>
+                  <a:t>MSE</a:t>
+                </a:r>
+                <a:r>
+                  <a:rPr lang="ko-KR" altLang="en-US" sz="1200" dirty="0" smtClean="0">
+                    <a:latin typeface="+mn-ea"/>
+                  </a:rPr>
+                  <a:t>가 나옴</a:t>
+                </a:r>
+                <a:endParaRPr lang="en-US" altLang="ko-KR" sz="1200" dirty="0">
+                  <a:latin typeface="+mn-ea"/>
+                </a:endParaRPr>
+              </a:p>
+              <a:p>
+                <a:pPr lvl="1">
+                  <a:buFont typeface="Wingdings" panose="05000000000000000000" pitchFamily="2" charset="2"/>
+                  <a:buChar char="§"/>
+                </a:pPr>
+                <a:r>
+                  <a:rPr lang="ko-KR" altLang="en-US" sz="1200" dirty="0" smtClean="0">
+                    <a:latin typeface="+mn-ea"/>
+                  </a:rPr>
+                  <a:t>초록색 </a:t>
+                </a:r>
+                <a:r>
+                  <a:rPr lang="en-US" altLang="ko-KR" sz="1200" dirty="0" smtClean="0">
+                    <a:latin typeface="+mn-ea"/>
+                  </a:rPr>
+                  <a:t>: </a:t>
+                </a:r>
+                <a:r>
+                  <a:rPr lang="ko-KR" altLang="en-US" sz="1200" dirty="0" smtClean="0">
+                    <a:latin typeface="+mn-ea"/>
+                  </a:rPr>
+                  <a:t>가장 높은 </a:t>
+                </a:r>
+                <a:r>
+                  <a:rPr lang="ko-KR" altLang="en-US" sz="1200" dirty="0" smtClean="0">
+                    <a:latin typeface="+mn-ea"/>
+                  </a:rPr>
+                  <a:t>복잡도  </a:t>
+                </a:r>
+                <a:r>
+                  <a:rPr lang="ko-KR" altLang="en-US" sz="1200" dirty="0" smtClean="0">
+                    <a:latin typeface="+mn-ea"/>
+                  </a:rPr>
+                  <a:t>☞ </a:t>
+                </a:r>
+                <a:r>
+                  <a:rPr lang="ko-KR" altLang="en-US" sz="1200" b="1" dirty="0" smtClean="0">
+                    <a:solidFill>
+                      <a:srgbClr val="FF0000"/>
+                    </a:solidFill>
+                    <a:latin typeface="+mn-ea"/>
+                  </a:rPr>
+                  <a:t>학습 집합에 </a:t>
+                </a:r>
+                <a:r>
+                  <a:rPr lang="ko-KR" altLang="en-US" sz="1200" b="1" dirty="0" err="1" smtClean="0">
+                    <a:solidFill>
+                      <a:srgbClr val="FF0000"/>
+                    </a:solidFill>
+                    <a:latin typeface="+mn-ea"/>
+                  </a:rPr>
+                  <a:t>과적합</a:t>
+                </a:r>
+                <a:r>
+                  <a:rPr lang="ko-KR" altLang="en-US" sz="1200" b="1" dirty="0" smtClean="0">
+                    <a:solidFill>
+                      <a:srgbClr val="FF0000"/>
+                    </a:solidFill>
+                    <a:latin typeface="+mn-ea"/>
+                  </a:rPr>
+                  <a:t> 되어 분산이 높아짐</a:t>
+                </a:r>
+                <a:r>
+                  <a:rPr lang="en-US" altLang="ko-KR" sz="1200" dirty="0" smtClean="0">
+                    <a:latin typeface="+mn-ea"/>
+                  </a:rPr>
+                  <a:t>(=</a:t>
+                </a:r>
+                <a:r>
+                  <a:rPr lang="ko-KR" altLang="en-US" sz="1200" dirty="0" smtClean="0">
+                    <a:latin typeface="+mn-ea"/>
+                  </a:rPr>
+                  <a:t>검증 데이터 </a:t>
+                </a:r>
+                <a:r>
+                  <a:rPr lang="en-US" altLang="ko-KR" sz="1200" dirty="0" smtClean="0">
+                    <a:latin typeface="+mn-ea"/>
+                  </a:rPr>
+                  <a:t>MSE</a:t>
+                </a:r>
+                <a:r>
+                  <a:rPr lang="ko-KR" altLang="en-US" sz="1200" dirty="0">
+                    <a:latin typeface="+mn-ea"/>
+                  </a:rPr>
+                  <a:t> </a:t>
+                </a:r>
+                <a:r>
+                  <a:rPr lang="ko-KR" altLang="en-US" sz="1200" dirty="0" smtClean="0">
+                    <a:latin typeface="+mn-ea"/>
+                  </a:rPr>
+                  <a:t>높음</a:t>
+                </a:r>
+                <a:r>
+                  <a:rPr lang="en-US" altLang="ko-KR" sz="1200" dirty="0" smtClean="0">
+                    <a:latin typeface="+mn-ea"/>
+                  </a:rPr>
+                  <a:t>)</a:t>
+                </a:r>
+              </a:p>
+              <a:p>
+                <a:pPr lvl="1">
+                  <a:buFont typeface="Wingdings" panose="05000000000000000000" pitchFamily="2" charset="2"/>
+                  <a:buChar char="§"/>
+                </a:pPr>
+                <a:r>
+                  <a:rPr lang="ko-KR" altLang="en-US" sz="1200" dirty="0" smtClean="0">
+                    <a:latin typeface="+mn-ea"/>
+                  </a:rPr>
+                  <a:t>하늘색 </a:t>
+                </a:r>
+                <a:r>
+                  <a:rPr lang="en-US" altLang="ko-KR" sz="1200" dirty="0" smtClean="0">
+                    <a:latin typeface="+mn-ea"/>
+                  </a:rPr>
+                  <a:t>: </a:t>
+                </a:r>
+                <a:r>
+                  <a:rPr lang="ko-KR" altLang="en-US" sz="1200" dirty="0" smtClean="0">
+                    <a:latin typeface="+mn-ea"/>
+                  </a:rPr>
+                  <a:t>검은색 모형과 가장 유사 </a:t>
+                </a:r>
+                <a:r>
+                  <a:rPr lang="ko-KR" altLang="en-US" sz="1200" dirty="0" smtClean="0">
+                    <a:latin typeface="+mn-ea"/>
+                  </a:rPr>
+                  <a:t>형태</a:t>
+                </a:r>
+                <a:r>
+                  <a:rPr lang="en-US" altLang="ko-KR" sz="1200" dirty="0">
+                    <a:latin typeface="+mn-ea"/>
+                  </a:rPr>
+                  <a:t> </a:t>
+                </a:r>
+                <a:r>
+                  <a:rPr lang="ko-KR" altLang="en-US" sz="1200" dirty="0">
+                    <a:latin typeface="+mn-ea"/>
+                  </a:rPr>
+                  <a:t>☞</a:t>
+                </a:r>
+                <a:r>
+                  <a:rPr lang="en-US" altLang="ko-KR" sz="1200" dirty="0" smtClean="0">
+                    <a:latin typeface="+mn-ea"/>
+                  </a:rPr>
+                  <a:t> </a:t>
+                </a:r>
+                <a:r>
+                  <a:rPr lang="ko-KR" altLang="en-US" sz="1200" b="1" dirty="0" smtClean="0">
+                    <a:solidFill>
+                      <a:srgbClr val="FF0000"/>
+                    </a:solidFill>
+                    <a:latin typeface="+mn-ea"/>
+                  </a:rPr>
+                  <a:t>분산 및 편파성이 </a:t>
+                </a:r>
+                <a:r>
+                  <a:rPr lang="ko-KR" altLang="en-US" sz="1200" b="1" dirty="0" smtClean="0">
+                    <a:solidFill>
+                      <a:srgbClr val="FF0000"/>
+                    </a:solidFill>
+                    <a:latin typeface="+mn-ea"/>
+                  </a:rPr>
+                  <a:t>적절히 </a:t>
+                </a:r>
+                <a:r>
+                  <a:rPr lang="ko-KR" altLang="en-US" sz="1200" b="1" dirty="0" smtClean="0">
+                    <a:solidFill>
+                      <a:srgbClr val="FF0000"/>
+                    </a:solidFill>
+                    <a:latin typeface="+mn-ea"/>
+                  </a:rPr>
+                  <a:t>낮아져</a:t>
+                </a:r>
+                <a:r>
+                  <a:rPr lang="ko-KR" altLang="en-US" sz="1200" dirty="0" smtClean="0">
+                    <a:latin typeface="+mn-ea"/>
+                  </a:rPr>
+                  <a:t> 검증 데이터의 </a:t>
+                </a:r>
+                <a:r>
+                  <a:rPr lang="en-US" altLang="ko-KR" sz="1200" dirty="0" smtClean="0">
+                    <a:latin typeface="+mn-ea"/>
+                  </a:rPr>
+                  <a:t>MSE</a:t>
+                </a:r>
+                <a:r>
+                  <a:rPr lang="ko-KR" altLang="en-US" sz="1200" dirty="0" smtClean="0">
+                    <a:latin typeface="+mn-ea"/>
+                  </a:rPr>
+                  <a:t>가 가장 낮음</a:t>
+                </a:r>
+                <a:endParaRPr lang="en-US" altLang="ko-KR" sz="1200" dirty="0" smtClean="0">
+                  <a:latin typeface="+mn-ea"/>
+                </a:endParaRPr>
+              </a:p>
+              <a:p>
+                <a:pPr lvl="1">
+                  <a:lnSpc>
+                    <a:spcPct val="150000"/>
+                  </a:lnSpc>
+                  <a:buFont typeface="Wingdings" panose="05000000000000000000" pitchFamily="2" charset="2"/>
+                  <a:buChar char="§"/>
+                </a:pPr>
+                <a:endParaRPr lang="en-US" altLang="ko-KR" sz="1100" dirty="0" smtClean="0">
+                  <a:latin typeface="+mn-ea"/>
+                </a:endParaRPr>
+              </a:p>
+              <a:p>
+                <a:pPr lvl="1">
+                  <a:lnSpc>
+                    <a:spcPct val="150000"/>
+                  </a:lnSpc>
+                  <a:buFontTx/>
+                  <a:buChar char="-"/>
+                </a:pPr>
+                <a:endParaRPr lang="en-US" altLang="ko-KR" sz="1400" dirty="0">
+                  <a:latin typeface="+mn-ea"/>
+                </a:endParaRPr>
+              </a:p>
+              <a:p>
+                <a:pPr marL="274320" lvl="1" indent="0">
+                  <a:lnSpc>
+                    <a:spcPct val="150000"/>
+                  </a:lnSpc>
+                  <a:buNone/>
+                </a:pPr>
+                <a:endParaRPr lang="en-US" altLang="ko-KR" sz="1400" dirty="0" smtClean="0">
+                  <a:latin typeface="+mn-ea"/>
+                </a:endParaRPr>
+              </a:p>
+              <a:p>
+                <a:pPr marL="274320" lvl="1" indent="0">
+                  <a:lnSpc>
+                    <a:spcPct val="150000"/>
+                  </a:lnSpc>
+                  <a:buNone/>
+                </a:pPr>
+                <a:endParaRPr lang="en-US" altLang="ko-KR" sz="1400" dirty="0" smtClean="0">
+                  <a:latin typeface="+mn-ea"/>
+                </a:endParaRPr>
+              </a:p>
+              <a:p>
+                <a:pPr marL="274320" lvl="1" indent="0">
+                  <a:lnSpc>
+                    <a:spcPct val="150000"/>
+                  </a:lnSpc>
+                  <a:buNone/>
+                </a:pPr>
+                <a:endParaRPr lang="en-US" altLang="ko-KR" sz="1400" dirty="0">
+                  <a:latin typeface="+mn-ea"/>
+                </a:endParaRPr>
+              </a:p>
+            </p:txBody>
+          </p:sp>
+        </mc:Choice>
+        <mc:Fallback>
+          <p:sp>
+            <p:nvSpPr>
+              <p:cNvPr id="4" name="내용 개체 틀 3"/>
+              <p:cNvSpPr>
+                <a:spLocks noGrp="1" noRot="1" noChangeAspect="1" noMove="1" noResize="1" noEditPoints="1" noAdjustHandles="1" noChangeArrowheads="1" noChangeShapeType="1" noTextEdit="1"/>
+              </p:cNvSpPr>
+              <p:nvPr>
+                <p:ph sz="quarter" idx="1"/>
+              </p:nvPr>
+            </p:nvSpPr>
+            <p:spPr>
+              <a:xfrm>
+                <a:off x="467544" y="1124744"/>
+                <a:ext cx="8229600" cy="5181506"/>
+              </a:xfrm>
+              <a:blipFill rotWithShape="1">
+                <a:blip r:embed="rId2"/>
+                <a:stretch>
+                  <a:fillRect l="-296"/>
+                </a:stretch>
+              </a:blipFill>
+            </p:spPr>
+            <p:txBody>
+              <a:bodyPr/>
+              <a:lstStyle/>
+              <a:p>
+                <a:r>
+                  <a:rPr lang="ko-KR" altLang="en-US">
+                    <a:noFill/>
+                  </a:rPr>
+                  <a:t> </a:t>
+                </a:r>
+              </a:p>
+            </p:txBody>
+          </p:sp>
+        </mc:Fallback>
+      </mc:AlternateContent>
+      <p:pic>
+        <p:nvPicPr>
+          <p:cNvPr id="1026" name="Picture 2"/>
+          <p:cNvPicPr>
+            <a:picLocks noChangeAspect="1" noChangeArrowheads="1"/>
+          </p:cNvPicPr>
+          <p:nvPr/>
+        </p:nvPicPr>
+        <p:blipFill rotWithShape="1">
+          <a:blip r:embed="rId3">
+            <a:extLst>
+              <a:ext uri="{28A0092B-C50C-407E-A947-70E740481C1C}">
+                <a14:useLocalDpi xmlns:a14="http://schemas.microsoft.com/office/drawing/2010/main" val="0"/>
+              </a:ext>
+            </a:extLst>
+          </a:blip>
+          <a:srcRect l="3599" r="50000" b="14879"/>
+          <a:stretch/>
+        </p:blipFill>
+        <p:spPr bwMode="auto">
+          <a:xfrm>
+            <a:off x="467544" y="3349023"/>
+            <a:ext cx="2685264" cy="2915966"/>
+          </a:xfrm>
+          <a:prstGeom prst="rect">
+            <a:avLst/>
+          </a:prstGeom>
+          <a:noFill/>
+          <a:ln>
+            <a:noFill/>
+          </a:ln>
+          <a:extLst>
+            <a:ext uri="{909E8E84-426E-40DD-AFC4-6F175D3DCCD1}">
+              <a14:hiddenFill xmlns:a14="http://schemas.microsoft.com/office/drawing/2010/main">
+                <a:solidFill>
+                  <a:schemeClr val="accent1"/>
+                </a:solidFill>
+              </a14:hiddenFill>
+            </a:ext>
+            <a:ext uri="{91240B29-F687-4F45-9708-019B960494DF}">
+              <a14:hiddenLine xmlns:a14="http://schemas.microsoft.com/office/drawing/2010/main" w="9525">
+                <a:solidFill>
+                  <a:schemeClr val="tx1"/>
+                </a:solidFill>
+                <a:miter lim="800000"/>
+                <a:headEnd/>
+                <a:tailEnd/>
+              </a14:hiddenLine>
+            </a:ext>
+          </a:extLst>
+        </p:spPr>
+      </p:pic>
+      <p:pic>
+        <p:nvPicPr>
+          <p:cNvPr id="1028" name="Picture 4"/>
+          <p:cNvPicPr>
+            <a:picLocks noChangeAspect="1" noChangeArrowheads="1"/>
+          </p:cNvPicPr>
+          <p:nvPr/>
+        </p:nvPicPr>
+        <p:blipFill>
+          <a:blip r:embed="rId4">
+            <a:extLst>
+              <a:ext uri="{28A0092B-C50C-407E-A947-70E740481C1C}">
+                <a14:useLocalDpi xmlns:a14="http://schemas.microsoft.com/office/drawing/2010/main" val="0"/>
+              </a:ext>
+            </a:extLst>
+          </a:blip>
+          <a:srcRect/>
+          <a:stretch>
+            <a:fillRect/>
+          </a:stretch>
+        </p:blipFill>
+        <p:spPr bwMode="auto">
+          <a:xfrm>
+            <a:off x="3995936" y="3429000"/>
+            <a:ext cx="2699481" cy="2898518"/>
+          </a:xfrm>
+          <a:prstGeom prst="rect">
+            <a:avLst/>
+          </a:prstGeom>
+          <a:noFill/>
+          <a:ln>
+            <a:noFill/>
+          </a:ln>
+          <a:extLst>
+            <a:ext uri="{909E8E84-426E-40DD-AFC4-6F175D3DCCD1}">
+              <a14:hiddenFill xmlns:a14="http://schemas.microsoft.com/office/drawing/2010/main">
+                <a:solidFill>
+                  <a:schemeClr val="accent1"/>
+                </a:solidFill>
+              </a14:hiddenFill>
+            </a:ext>
+            <a:ext uri="{91240B29-F687-4F45-9708-019B960494DF}">
+              <a14:hiddenLine xmlns:a14="http://schemas.microsoft.com/office/drawing/2010/main" w="9525">
+                <a:solidFill>
+                  <a:schemeClr val="tx1"/>
+                </a:solidFill>
+                <a:miter lim="800000"/>
+                <a:headEnd/>
+                <a:tailEnd/>
+              </a14:hiddenLine>
+            </a:ext>
+          </a:extLst>
+        </p:spPr>
+      </p:pic>
+      <p:sp>
+        <p:nvSpPr>
+          <p:cNvPr id="3" name="오른쪽 화살표 2"/>
+          <p:cNvSpPr/>
+          <p:nvPr/>
+        </p:nvSpPr>
+        <p:spPr>
+          <a:xfrm>
+            <a:off x="3286404" y="4355189"/>
+            <a:ext cx="576064" cy="397631"/>
+          </a:xfrm>
+          <a:prstGeom prst="rightArrow">
+            <a:avLst/>
+          </a:prstGeom>
+          <a:ln>
+            <a:noFill/>
+          </a:ln>
+        </p:spPr>
+        <p:style>
+          <a:lnRef idx="2">
+            <a:schemeClr val="accent1">
+              <a:shade val="50000"/>
+            </a:schemeClr>
+          </a:lnRef>
+          <a:fillRef idx="1">
+            <a:schemeClr val="accent1"/>
+          </a:fillRef>
+          <a:effectRef idx="0">
+            <a:schemeClr val="accent1"/>
+          </a:effectRef>
+          <a:fontRef idx="minor">
+            <a:schemeClr val="lt1"/>
+          </a:fontRef>
+        </p:style>
+        <p:txBody>
+          <a:bodyPr rtlCol="0" anchor="ctr"/>
+          <a:lstStyle/>
+          <a:p>
+            <a:pPr algn="ctr"/>
+            <a:endParaRPr lang="ko-KR" altLang="en-US"/>
+          </a:p>
+        </p:txBody>
+      </p:sp>
+      <p:cxnSp>
+        <p:nvCxnSpPr>
+          <p:cNvPr id="8" name="직선 화살표 연결선 7"/>
+          <p:cNvCxnSpPr/>
+          <p:nvPr/>
+        </p:nvCxnSpPr>
+        <p:spPr>
+          <a:xfrm>
+            <a:off x="6430349" y="4088928"/>
+            <a:ext cx="432048" cy="0"/>
+          </a:xfrm>
+          <a:prstGeom prst="straightConnector1">
+            <a:avLst/>
+          </a:prstGeom>
+          <a:ln>
+            <a:tailEnd type="arrow"/>
+          </a:ln>
+        </p:spPr>
+        <p:style>
+          <a:lnRef idx="1">
+            <a:schemeClr val="accent1"/>
+          </a:lnRef>
+          <a:fillRef idx="0">
+            <a:schemeClr val="accent1"/>
+          </a:fillRef>
+          <a:effectRef idx="0">
+            <a:schemeClr val="accent1"/>
+          </a:effectRef>
+          <a:fontRef idx="minor">
+            <a:schemeClr val="tx1"/>
+          </a:fontRef>
+        </p:style>
+      </p:cxnSp>
+      <p:sp>
+        <p:nvSpPr>
+          <p:cNvPr id="11" name="TextBox 10"/>
+          <p:cNvSpPr txBox="1"/>
+          <p:nvPr/>
+        </p:nvSpPr>
+        <p:spPr>
+          <a:xfrm>
+            <a:off x="6821085" y="3950428"/>
+            <a:ext cx="1308371" cy="276999"/>
+          </a:xfrm>
+          <a:prstGeom prst="rect">
+            <a:avLst/>
+          </a:prstGeom>
+          <a:noFill/>
+        </p:spPr>
+        <p:txBody>
+          <a:bodyPr wrap="none" rtlCol="0">
+            <a:spAutoFit/>
+          </a:bodyPr>
+          <a:lstStyle/>
+          <a:p>
+            <a:r>
+              <a:rPr lang="ko-KR" altLang="en-US" sz="1200" b="1" dirty="0" smtClean="0"/>
+              <a:t>검</a:t>
+            </a:r>
+            <a:r>
+              <a:rPr lang="ko-KR" altLang="en-US" sz="1200" b="1" dirty="0"/>
+              <a:t>증</a:t>
+            </a:r>
+            <a:r>
+              <a:rPr lang="ko-KR" altLang="en-US" sz="1200" dirty="0" smtClean="0"/>
+              <a:t> 집합의 </a:t>
+            </a:r>
+            <a:r>
+              <a:rPr lang="en-US" altLang="ko-KR" sz="1200" dirty="0" smtClean="0"/>
+              <a:t>MSE</a:t>
+            </a:r>
+            <a:endParaRPr lang="ko-KR" altLang="en-US" sz="1200" dirty="0"/>
+          </a:p>
+        </p:txBody>
+      </p:sp>
+      <p:cxnSp>
+        <p:nvCxnSpPr>
+          <p:cNvPr id="18" name="직선 화살표 연결선 17"/>
+          <p:cNvCxnSpPr/>
+          <p:nvPr/>
+        </p:nvCxnSpPr>
+        <p:spPr>
+          <a:xfrm>
+            <a:off x="6301344" y="5400893"/>
+            <a:ext cx="432048" cy="0"/>
+          </a:xfrm>
+          <a:prstGeom prst="straightConnector1">
+            <a:avLst/>
+          </a:prstGeom>
+          <a:ln>
+            <a:tailEnd type="arrow"/>
+          </a:ln>
+        </p:spPr>
+        <p:style>
+          <a:lnRef idx="1">
+            <a:schemeClr val="accent1"/>
+          </a:lnRef>
+          <a:fillRef idx="0">
+            <a:schemeClr val="accent1"/>
+          </a:fillRef>
+          <a:effectRef idx="0">
+            <a:schemeClr val="accent1"/>
+          </a:effectRef>
+          <a:fontRef idx="minor">
+            <a:schemeClr val="tx1"/>
+          </a:fontRef>
+        </p:style>
+      </p:cxnSp>
+      <p:sp>
+        <p:nvSpPr>
+          <p:cNvPr id="19" name="TextBox 18"/>
+          <p:cNvSpPr txBox="1"/>
+          <p:nvPr/>
+        </p:nvSpPr>
+        <p:spPr>
+          <a:xfrm>
+            <a:off x="6821084" y="5262393"/>
+            <a:ext cx="1308371" cy="276999"/>
+          </a:xfrm>
+          <a:prstGeom prst="rect">
+            <a:avLst/>
+          </a:prstGeom>
+          <a:noFill/>
+        </p:spPr>
+        <p:txBody>
+          <a:bodyPr wrap="none" rtlCol="0">
+            <a:spAutoFit/>
+          </a:bodyPr>
+          <a:lstStyle/>
+          <a:p>
+            <a:r>
+              <a:rPr lang="ko-KR" altLang="en-US" sz="1200" b="1" dirty="0" smtClean="0"/>
+              <a:t>학습</a:t>
+            </a:r>
+            <a:r>
+              <a:rPr lang="ko-KR" altLang="en-US" sz="1200" dirty="0" smtClean="0"/>
+              <a:t> 집합의 </a:t>
+            </a:r>
+            <a:r>
+              <a:rPr lang="en-US" altLang="ko-KR" sz="1200" dirty="0" smtClean="0"/>
+              <a:t>MSE</a:t>
+            </a:r>
+            <a:endParaRPr lang="ko-KR" altLang="en-US" sz="1200" dirty="0"/>
+          </a:p>
+        </p:txBody>
+      </p:sp>
+    </p:spTree>
+    <p:extLst>
+      <p:ext uri="{BB962C8B-B14F-4D97-AF65-F5344CB8AC3E}">
+        <p14:creationId xmlns:p14="http://schemas.microsoft.com/office/powerpoint/2010/main" val="116222653"/>
+      </p:ext>
+    </p:extLst>
+  </p:cSld>
+  <p:clrMapOvr>
+    <a:masterClrMapping/>
+  </p:clrMapOvr>
+  <p:timing>
+    <p:tnLst>
+      <p:par>
+        <p:cTn id="1" dur="indefinite" restart="never" nodeType="tmRoot"/>
+      </p:par>
+    </p:tnLst>
+  </p:timing>
+</p:sld>
+</file>
+
+<file path=ppt/slides/slide19.xml><?xml version="1.0" encoding="utf-8"?>
+<p:sld xmlns:a="http://schemas.openxmlformats.org/drawingml/2006/main" xmlns:r="http://schemas.openxmlformats.org/officeDocument/2006/relationships" xmlns:p="http://schemas.openxmlformats.org/presentationml/2006/main">
+  <p:cSld>
+    <p:spTree>
+      <p:nvGrpSpPr>
+        <p:cNvPr id="1" name=""/>
+        <p:cNvGrpSpPr/>
+        <p:nvPr/>
+      </p:nvGrpSpPr>
+      <p:grpSpPr>
+        <a:xfrm>
+          <a:off x="0" y="0"/>
+          <a:ext cx="0" cy="0"/>
+          <a:chOff x="0" y="0"/>
+          <a:chExt cx="0" cy="0"/>
+        </a:xfrm>
+      </p:grpSpPr>
+      <p:sp>
+        <p:nvSpPr>
+          <p:cNvPr id="2" name="제목 1"/>
+          <p:cNvSpPr>
+            <a:spLocks noGrp="1"/>
+          </p:cNvSpPr>
+          <p:nvPr>
+            <p:ph type="title"/>
+          </p:nvPr>
+        </p:nvSpPr>
+        <p:spPr/>
+        <p:txBody>
+          <a:bodyPr>
+            <a:normAutofit/>
+          </a:bodyPr>
+          <a:lstStyle/>
+          <a:p>
+            <a:r>
+              <a:rPr lang="en-US" altLang="ko-KR" sz="3600" b="1" dirty="0" smtClean="0">
+                <a:latin typeface="+mn-ea"/>
+                <a:ea typeface="+mn-ea"/>
+              </a:rPr>
+              <a:t>06. </a:t>
+            </a:r>
+            <a:r>
+              <a:rPr lang="ko-KR" altLang="en-US" sz="3600" b="1" dirty="0" smtClean="0">
+                <a:latin typeface="+mn-ea"/>
+                <a:ea typeface="+mn-ea"/>
+              </a:rPr>
+              <a:t>모형의 적합성 및 실험설계</a:t>
+            </a:r>
+            <a:endParaRPr lang="ko-KR" altLang="en-US" sz="3600" b="1" dirty="0">
+              <a:latin typeface="+mn-ea"/>
+              <a:ea typeface="+mn-ea"/>
+            </a:endParaRPr>
+          </a:p>
+        </p:txBody>
+      </p:sp>
+      <mc:AlternateContent xmlns:mc="http://schemas.openxmlformats.org/markup-compatibility/2006">
+        <mc:Choice xmlns:a14="http://schemas.microsoft.com/office/drawing/2010/main" Requires="a14">
+          <p:sp>
+            <p:nvSpPr>
+              <p:cNvPr id="4" name="내용 개체 틀 3"/>
+              <p:cNvSpPr>
+                <a:spLocks noGrp="1"/>
+              </p:cNvSpPr>
+              <p:nvPr>
+                <p:ph sz="quarter" idx="1"/>
+              </p:nvPr>
+            </p:nvSpPr>
+            <p:spPr>
+              <a:xfrm>
+                <a:off x="467544" y="1124744"/>
+                <a:ext cx="8229600" cy="5181506"/>
+              </a:xfrm>
+            </p:spPr>
+            <p:txBody>
+              <a:bodyPr>
+                <a:normAutofit/>
+              </a:bodyPr>
+              <a:lstStyle/>
+              <a:p>
+                <a:pPr>
+                  <a:lnSpc>
+                    <a:spcPct val="150000"/>
+                  </a:lnSpc>
+                </a:pPr>
+                <a:r>
+                  <a:rPr lang="ko-KR" altLang="en-US" sz="2000" b="1" dirty="0" smtClean="0"/>
+                  <a:t>데이터 분할</a:t>
+                </a:r>
+                <a:endParaRPr lang="en-US" altLang="ko-KR" sz="2000" b="1" dirty="0" smtClean="0"/>
+              </a:p>
+              <a:p>
+                <a:pPr marL="0" indent="0">
+                  <a:lnSpc>
+                    <a:spcPct val="150000"/>
+                  </a:lnSpc>
+                  <a:buNone/>
+                </a:pPr>
+                <a:r>
+                  <a:rPr lang="en-US" altLang="ko-KR" sz="1400" dirty="0" smtClean="0">
+                    <a:latin typeface="+mn-ea"/>
+                  </a:rPr>
+                  <a:t>: </a:t>
+                </a:r>
+                <a:r>
+                  <a:rPr lang="ko-KR" altLang="en-US" sz="1400" dirty="0" err="1" smtClean="0">
+                    <a:latin typeface="+mn-ea"/>
+                  </a:rPr>
+                  <a:t>과적합</a:t>
+                </a:r>
+                <a:r>
+                  <a:rPr lang="ko-KR" altLang="en-US" sz="1400" dirty="0" smtClean="0">
+                    <a:latin typeface="+mn-ea"/>
+                  </a:rPr>
+                  <a:t> 방지를 위해 전체 데이터 대상</a:t>
+                </a:r>
+                <a:r>
+                  <a:rPr lang="en-US" altLang="ko-KR" sz="1400" dirty="0" smtClean="0">
+                    <a:latin typeface="+mn-ea"/>
+                  </a:rPr>
+                  <a:t>,</a:t>
+                </a:r>
+                <a:r>
+                  <a:rPr lang="ko-KR" altLang="en-US" sz="1400" dirty="0" smtClean="0">
+                    <a:latin typeface="+mn-ea"/>
+                  </a:rPr>
+                  <a:t> </a:t>
+                </a:r>
+                <a:r>
+                  <a:rPr lang="ko-KR" altLang="en-US" sz="1400" b="1" u="sng" dirty="0" smtClean="0">
+                    <a:latin typeface="+mn-ea"/>
+                  </a:rPr>
+                  <a:t>학습</a:t>
+                </a:r>
+                <a:r>
+                  <a:rPr lang="en-US" altLang="ko-KR" sz="1400" b="1" u="sng" dirty="0" smtClean="0">
+                    <a:latin typeface="+mn-ea"/>
+                  </a:rPr>
+                  <a:t>(Training) / </a:t>
+                </a:r>
+                <a:r>
+                  <a:rPr lang="ko-KR" altLang="en-US" sz="1400" b="1" u="sng" dirty="0" smtClean="0">
+                    <a:latin typeface="+mn-ea"/>
+                  </a:rPr>
+                  <a:t>검증</a:t>
+                </a:r>
+                <a:r>
+                  <a:rPr lang="en-US" altLang="ko-KR" sz="1400" b="1" u="sng" dirty="0" smtClean="0">
+                    <a:latin typeface="+mn-ea"/>
+                  </a:rPr>
+                  <a:t>(Validation) / </a:t>
+                </a:r>
+                <a:r>
+                  <a:rPr lang="ko-KR" altLang="en-US" sz="1400" b="1" u="sng" dirty="0" smtClean="0">
+                    <a:latin typeface="+mn-ea"/>
+                  </a:rPr>
+                  <a:t>테스트</a:t>
+                </a:r>
+                <a:r>
+                  <a:rPr lang="en-US" altLang="ko-KR" sz="1400" b="1" u="sng" dirty="0" smtClean="0">
+                    <a:latin typeface="+mn-ea"/>
+                  </a:rPr>
+                  <a:t>(Test) </a:t>
+                </a:r>
+                <a:r>
+                  <a:rPr lang="ko-KR" altLang="en-US" sz="1400" b="1" u="sng" dirty="0" smtClean="0">
+                    <a:latin typeface="+mn-ea"/>
+                  </a:rPr>
+                  <a:t>데이터</a:t>
+                </a:r>
+                <a:endParaRPr lang="en-US" altLang="ko-KR" sz="1400" dirty="0" smtClean="0">
+                  <a:latin typeface="+mn-ea"/>
+                </a:endParaRPr>
+              </a:p>
+              <a:p>
+                <a:pPr marL="0" indent="0">
+                  <a:lnSpc>
+                    <a:spcPct val="150000"/>
+                  </a:lnSpc>
+                  <a:buNone/>
+                </a:pPr>
+                <a:r>
+                  <a:rPr lang="en-US" altLang="ko-KR" sz="1400" dirty="0">
+                    <a:latin typeface="+mn-ea"/>
+                  </a:rPr>
+                  <a:t> </a:t>
+                </a:r>
+                <a:r>
+                  <a:rPr lang="ko-KR" altLang="en-US" sz="1400" dirty="0" smtClean="0">
+                    <a:latin typeface="+mn-ea"/>
+                  </a:rPr>
+                  <a:t>분할 수행</a:t>
+                </a:r>
+                <a:r>
+                  <a:rPr lang="en-US" altLang="ko-KR" sz="1400" dirty="0" smtClean="0">
+                    <a:latin typeface="+mn-ea"/>
+                  </a:rPr>
+                  <a:t>. </a:t>
+                </a:r>
+                <a:r>
+                  <a:rPr lang="ko-KR" altLang="en-US" sz="1400" dirty="0" smtClean="0">
+                    <a:latin typeface="+mn-ea"/>
+                  </a:rPr>
+                  <a:t>이때 </a:t>
+                </a:r>
+                <a:r>
+                  <a:rPr lang="ko-KR" altLang="en-US" sz="1400" b="1" dirty="0" smtClean="0">
+                    <a:latin typeface="+mn-ea"/>
+                  </a:rPr>
+                  <a:t>데이터 분할의 비율은 보통 </a:t>
+                </a:r>
+                <a:r>
+                  <a:rPr lang="en-US" altLang="ko-KR" sz="1400" b="1" dirty="0" smtClean="0">
+                    <a:latin typeface="+mn-ea"/>
+                  </a:rPr>
+                  <a:t>5:3:2</a:t>
+                </a:r>
+                <a:r>
+                  <a:rPr lang="ko-KR" altLang="en-US" sz="1400" dirty="0" smtClean="0">
+                    <a:latin typeface="+mn-ea"/>
+                  </a:rPr>
+                  <a:t>로 정한다</a:t>
+                </a:r>
+                <a:r>
+                  <a:rPr lang="en-US" altLang="ko-KR" sz="1400" dirty="0" smtClean="0">
+                    <a:latin typeface="+mn-ea"/>
+                  </a:rPr>
+                  <a:t>.</a:t>
+                </a:r>
+              </a:p>
+              <a:p>
+                <a:pPr marL="0" indent="0">
+                  <a:buNone/>
+                </a:pPr>
+                <a:endParaRPr lang="en-US" altLang="ko-KR" sz="1200" dirty="0" smtClean="0">
+                  <a:latin typeface="+mn-ea"/>
+                </a:endParaRPr>
+              </a:p>
+              <a:p>
+                <a:pPr marL="0" indent="0">
+                  <a:buNone/>
+                </a:pPr>
+                <a:endParaRPr lang="en-US" altLang="ko-KR" sz="1200" dirty="0">
+                  <a:latin typeface="+mn-ea"/>
+                </a:endParaRPr>
+              </a:p>
+              <a:p>
+                <a:pPr marL="0" indent="0">
+                  <a:buNone/>
+                </a:pPr>
+                <a:endParaRPr lang="en-US" altLang="ko-KR" sz="1200" dirty="0" smtClean="0">
+                  <a:latin typeface="+mn-ea"/>
+                </a:endParaRPr>
+              </a:p>
+              <a:p>
+                <a:pPr marL="0" indent="0">
+                  <a:buNone/>
+                </a:pPr>
+                <a:endParaRPr lang="en-US" altLang="ko-KR" sz="1200" dirty="0">
+                  <a:latin typeface="+mn-ea"/>
+                </a:endParaRPr>
+              </a:p>
+              <a:p>
+                <a:pPr marL="0" indent="0">
+                  <a:buNone/>
+                </a:pPr>
+                <a:endParaRPr lang="en-US" altLang="ko-KR" sz="1200" dirty="0" smtClean="0">
+                  <a:latin typeface="+mn-ea"/>
+                </a:endParaRPr>
+              </a:p>
+              <a:p>
+                <a:pPr marL="0" indent="0">
+                  <a:buNone/>
+                </a:pPr>
+                <a:endParaRPr lang="en-US" altLang="ko-KR" sz="1200" dirty="0">
+                  <a:latin typeface="+mn-ea"/>
+                </a:endParaRPr>
+              </a:p>
+              <a:p>
+                <a:pPr marL="0" indent="0">
+                  <a:buNone/>
+                </a:pPr>
+                <a:endParaRPr lang="en-US" altLang="ko-KR" sz="1200" dirty="0" smtClean="0">
+                  <a:latin typeface="+mn-ea"/>
+                </a:endParaRPr>
+              </a:p>
+              <a:p>
+                <a:pPr marL="0" indent="0">
+                  <a:buNone/>
+                </a:pPr>
+                <a:endParaRPr lang="en-US" altLang="ko-KR" sz="1200" dirty="0">
+                  <a:latin typeface="+mn-ea"/>
+                </a:endParaRPr>
+              </a:p>
+              <a:p>
+                <a:pPr marL="0" indent="0">
+                  <a:buNone/>
+                </a:pPr>
+                <a:endParaRPr lang="en-US" altLang="ko-KR" sz="1200" dirty="0" smtClean="0">
+                  <a:latin typeface="+mn-ea"/>
+                </a:endParaRPr>
+              </a:p>
+              <a:p>
+                <a:pPr lvl="1">
+                  <a:lnSpc>
+                    <a:spcPct val="150000"/>
+                  </a:lnSpc>
+                  <a:buFont typeface="Wingdings" panose="05000000000000000000" pitchFamily="2" charset="2"/>
+                  <a:buChar char="§"/>
+                </a:pPr>
+                <a:r>
+                  <a:rPr lang="ko-KR" altLang="en-US" sz="1400" dirty="0" smtClean="0">
+                    <a:latin typeface="+mn-ea"/>
+                  </a:rPr>
+                  <a:t>학습 데이터 </a:t>
+                </a:r>
+                <a:r>
+                  <a:rPr lang="en-US" altLang="ko-KR" sz="1400" dirty="0" smtClean="0">
+                    <a:latin typeface="+mn-ea"/>
+                  </a:rPr>
+                  <a:t>: </a:t>
+                </a:r>
+                <a:r>
+                  <a:rPr lang="ko-KR" altLang="en-US" sz="1400" dirty="0" smtClean="0">
+                    <a:latin typeface="+mn-ea"/>
+                  </a:rPr>
+                  <a:t>모형 </a:t>
+                </a:r>
+                <a14:m>
+                  <m:oMath xmlns:m="http://schemas.openxmlformats.org/officeDocument/2006/math">
+                    <m:r>
+                      <a:rPr lang="en-US" altLang="ko-KR" sz="1400" b="0" i="1" smtClean="0">
+                        <a:latin typeface="Cambria Math"/>
+                      </a:rPr>
+                      <m:t>𝑓</m:t>
+                    </m:r>
+                    <m:r>
+                      <a:rPr lang="ko-KR" altLang="en-US" sz="1400" b="0" i="1" smtClean="0">
+                        <a:latin typeface="Cambria Math"/>
+                      </a:rPr>
+                      <m:t>를</m:t>
+                    </m:r>
+                    <m:r>
+                      <a:rPr lang="en-US" altLang="ko-KR" sz="1400" b="0" i="1" smtClean="0">
+                        <a:latin typeface="Cambria Math"/>
+                      </a:rPr>
+                      <m:t> </m:t>
+                    </m:r>
+                    <m:r>
+                      <a:rPr lang="ko-KR" altLang="en-US" sz="1400" b="0" i="1" smtClean="0">
+                        <a:latin typeface="Cambria Math"/>
+                      </a:rPr>
+                      <m:t>추정하기</m:t>
+                    </m:r>
+                    <m:r>
+                      <a:rPr lang="en-US" altLang="ko-KR" sz="1400" b="0" i="1" smtClean="0">
+                        <a:latin typeface="Cambria Math"/>
+                      </a:rPr>
+                      <m:t> </m:t>
+                    </m:r>
+                    <m:r>
+                      <a:rPr lang="ko-KR" altLang="en-US" sz="1400" b="0" i="1" smtClean="0">
+                        <a:latin typeface="Cambria Math"/>
+                      </a:rPr>
+                      <m:t>위함</m:t>
+                    </m:r>
+                  </m:oMath>
+                </a14:m>
+                <a:endParaRPr lang="en-US" altLang="ko-KR" sz="1400" dirty="0" smtClean="0">
+                  <a:latin typeface="+mn-ea"/>
+                </a:endParaRPr>
+              </a:p>
+              <a:p>
+                <a:pPr lvl="1">
+                  <a:lnSpc>
+                    <a:spcPct val="150000"/>
+                  </a:lnSpc>
+                  <a:buFont typeface="Wingdings" panose="05000000000000000000" pitchFamily="2" charset="2"/>
+                  <a:buChar char="§"/>
+                </a:pPr>
+                <a:r>
+                  <a:rPr lang="ko-KR" altLang="en-US" sz="1400" dirty="0" smtClean="0">
+                    <a:latin typeface="+mn-ea"/>
+                  </a:rPr>
+                  <a:t>검증 </a:t>
+                </a:r>
+                <a:r>
+                  <a:rPr lang="ko-KR" altLang="en-US" sz="1400" dirty="0" smtClean="0">
+                    <a:latin typeface="+mn-ea"/>
+                  </a:rPr>
+                  <a:t>데이터 </a:t>
+                </a:r>
+                <a:r>
+                  <a:rPr lang="en-US" altLang="ko-KR" sz="1400" dirty="0" smtClean="0">
+                    <a:latin typeface="+mn-ea"/>
+                  </a:rPr>
+                  <a:t>: </a:t>
+                </a:r>
+                <a:r>
+                  <a:rPr lang="ko-KR" altLang="en-US" sz="1400" dirty="0" smtClean="0">
+                    <a:latin typeface="+mn-ea"/>
+                  </a:rPr>
+                  <a:t>추정한 모형 </a:t>
+                </a:r>
+                <a14:m>
+                  <m:oMath xmlns:m="http://schemas.openxmlformats.org/officeDocument/2006/math">
+                    <m:r>
+                      <a:rPr lang="en-US" altLang="ko-KR" sz="1400" i="1">
+                        <a:latin typeface="Cambria Math"/>
+                      </a:rPr>
+                      <m:t>𝑓</m:t>
+                    </m:r>
+                    <m:r>
+                      <a:rPr lang="ko-KR" altLang="en-US" sz="1400" b="0" i="1" smtClean="0">
+                        <a:latin typeface="Cambria Math"/>
+                      </a:rPr>
+                      <m:t>가</m:t>
+                    </m:r>
+                    <m:r>
+                      <a:rPr lang="en-US" altLang="ko-KR" sz="1400" b="0" i="1" smtClean="0">
+                        <a:latin typeface="Cambria Math"/>
+                      </a:rPr>
+                      <m:t> </m:t>
+                    </m:r>
+                    <m:r>
+                      <a:rPr lang="ko-KR" altLang="en-US" sz="1400" b="0" i="1" smtClean="0">
+                        <a:latin typeface="Cambria Math"/>
+                      </a:rPr>
+                      <m:t>적합한지</m:t>
+                    </m:r>
+                    <m:r>
+                      <a:rPr lang="en-US" altLang="ko-KR" sz="1400" b="0" i="1" smtClean="0">
+                        <a:latin typeface="Cambria Math"/>
+                      </a:rPr>
+                      <m:t> </m:t>
+                    </m:r>
+                    <m:r>
+                      <a:rPr lang="ko-KR" altLang="en-US" sz="1400" b="0" i="1" smtClean="0">
+                        <a:latin typeface="Cambria Math"/>
+                      </a:rPr>
+                      <m:t>검증</m:t>
+                    </m:r>
+                  </m:oMath>
+                </a14:m>
+                <a:endParaRPr lang="en-US" altLang="ko-KR" sz="1400" dirty="0">
+                  <a:latin typeface="+mn-ea"/>
+                </a:endParaRPr>
+              </a:p>
+              <a:p>
+                <a:pPr lvl="1">
+                  <a:lnSpc>
+                    <a:spcPct val="150000"/>
+                  </a:lnSpc>
+                  <a:buFont typeface="Wingdings" panose="05000000000000000000" pitchFamily="2" charset="2"/>
+                  <a:buChar char="§"/>
+                </a:pPr>
+                <a:r>
+                  <a:rPr lang="ko-KR" altLang="en-US" sz="1400" dirty="0" smtClean="0">
+                    <a:latin typeface="+mn-ea"/>
+                  </a:rPr>
+                  <a:t>테스트 데이터 </a:t>
+                </a:r>
+                <a:r>
+                  <a:rPr lang="en-US" altLang="ko-KR" sz="1400" dirty="0" smtClean="0">
+                    <a:latin typeface="+mn-ea"/>
+                  </a:rPr>
+                  <a:t>: </a:t>
+                </a:r>
+                <a:r>
+                  <a:rPr lang="ko-KR" altLang="en-US" sz="1400" dirty="0" smtClean="0">
+                    <a:latin typeface="+mn-ea"/>
+                  </a:rPr>
+                  <a:t>최종적으로 선택한 모형의 성능을 평가</a:t>
+                </a:r>
+                <a:endParaRPr lang="en-US" altLang="ko-KR" sz="1200" dirty="0" smtClean="0">
+                  <a:latin typeface="+mn-ea"/>
+                </a:endParaRPr>
+              </a:p>
+              <a:p>
+                <a:pPr lvl="1">
+                  <a:lnSpc>
+                    <a:spcPct val="150000"/>
+                  </a:lnSpc>
+                  <a:buFontTx/>
+                  <a:buChar char="-"/>
+                </a:pPr>
+                <a:endParaRPr lang="en-US" altLang="ko-KR" sz="1400" dirty="0">
+                  <a:latin typeface="+mn-ea"/>
+                </a:endParaRPr>
+              </a:p>
+              <a:p>
+                <a:pPr marL="274320" lvl="1" indent="0">
+                  <a:lnSpc>
+                    <a:spcPct val="150000"/>
+                  </a:lnSpc>
+                  <a:buNone/>
+                </a:pPr>
+                <a:endParaRPr lang="en-US" altLang="ko-KR" sz="1400" dirty="0" smtClean="0">
+                  <a:latin typeface="+mn-ea"/>
+                </a:endParaRPr>
+              </a:p>
+              <a:p>
+                <a:pPr marL="274320" lvl="1" indent="0">
+                  <a:lnSpc>
+                    <a:spcPct val="150000"/>
+                  </a:lnSpc>
+                  <a:buNone/>
+                </a:pPr>
+                <a:endParaRPr lang="en-US" altLang="ko-KR" sz="1400" dirty="0" smtClean="0">
+                  <a:latin typeface="+mn-ea"/>
+                </a:endParaRPr>
+              </a:p>
+              <a:p>
+                <a:pPr marL="274320" lvl="1" indent="0">
+                  <a:lnSpc>
+                    <a:spcPct val="150000"/>
+                  </a:lnSpc>
+                  <a:buNone/>
+                </a:pPr>
+                <a:endParaRPr lang="en-US" altLang="ko-KR" sz="1400" dirty="0">
+                  <a:latin typeface="+mn-ea"/>
+                </a:endParaRPr>
+              </a:p>
+            </p:txBody>
+          </p:sp>
+        </mc:Choice>
+        <mc:Fallback>
+          <p:sp>
+            <p:nvSpPr>
+              <p:cNvPr id="4" name="내용 개체 틀 3"/>
+              <p:cNvSpPr>
+                <a:spLocks noGrp="1" noRot="1" noChangeAspect="1" noMove="1" noResize="1" noEditPoints="1" noAdjustHandles="1" noChangeArrowheads="1" noChangeShapeType="1" noTextEdit="1"/>
+              </p:cNvSpPr>
+              <p:nvPr>
+                <p:ph sz="quarter" idx="1"/>
+              </p:nvPr>
+            </p:nvSpPr>
+            <p:spPr>
+              <a:xfrm>
+                <a:off x="467544" y="1124744"/>
+                <a:ext cx="8229600" cy="5181506"/>
+              </a:xfrm>
+              <a:blipFill rotWithShape="1">
+                <a:blip r:embed="rId2"/>
+                <a:stretch>
+                  <a:fillRect l="-296"/>
+                </a:stretch>
+              </a:blipFill>
+            </p:spPr>
+            <p:txBody>
+              <a:bodyPr/>
+              <a:lstStyle/>
+              <a:p>
+                <a:r>
+                  <a:rPr lang="ko-KR" altLang="en-US">
+                    <a:noFill/>
+                  </a:rPr>
+                  <a:t> </a:t>
+                </a:r>
+              </a:p>
+            </p:txBody>
+          </p:sp>
+        </mc:Fallback>
+      </mc:AlternateContent>
+      <p:pic>
+        <p:nvPicPr>
+          <p:cNvPr id="5" name="Picture 2"/>
+          <p:cNvPicPr>
+            <a:picLocks noChangeAspect="1" noChangeArrowheads="1"/>
+          </p:cNvPicPr>
+          <p:nvPr/>
+        </p:nvPicPr>
+        <p:blipFill>
+          <a:blip r:embed="rId3">
+            <a:extLst>
+              <a:ext uri="{28A0092B-C50C-407E-A947-70E740481C1C}">
+                <a14:useLocalDpi xmlns:a14="http://schemas.microsoft.com/office/drawing/2010/main" val="0"/>
+              </a:ext>
+            </a:extLst>
+          </a:blip>
+          <a:srcRect/>
+          <a:stretch>
+            <a:fillRect/>
+          </a:stretch>
+        </p:blipFill>
+        <p:spPr bwMode="auto">
+          <a:xfrm>
+            <a:off x="899592" y="2708920"/>
+            <a:ext cx="5184576" cy="1794574"/>
+          </a:xfrm>
+          <a:prstGeom prst="rect">
+            <a:avLst/>
+          </a:prstGeom>
+          <a:noFill/>
+          <a:ln>
+            <a:noFill/>
+          </a:ln>
+          <a:extLst>
+            <a:ext uri="{909E8E84-426E-40DD-AFC4-6F175D3DCCD1}">
+              <a14:hiddenFill xmlns:a14="http://schemas.microsoft.com/office/drawing/2010/main">
+                <a:solidFill>
+                  <a:schemeClr val="accent1"/>
+                </a:solidFill>
+              </a14:hiddenFill>
+            </a:ext>
+            <a:ext uri="{91240B29-F687-4F45-9708-019B960494DF}">
+              <a14:hiddenLine xmlns:a14="http://schemas.microsoft.com/office/drawing/2010/main" w="9525">
+                <a:solidFill>
+                  <a:schemeClr val="tx1"/>
+                </a:solidFill>
+                <a:miter lim="800000"/>
+                <a:headEnd/>
+                <a:tailEnd/>
+              </a14:hiddenLine>
+            </a:ext>
+          </a:extLst>
+        </p:spPr>
+      </p:pic>
+    </p:spTree>
+    <p:extLst>
+      <p:ext uri="{BB962C8B-B14F-4D97-AF65-F5344CB8AC3E}">
+        <p14:creationId xmlns:p14="http://schemas.microsoft.com/office/powerpoint/2010/main" val="2662265142"/>
       </p:ext>
     </p:extLst>
   </p:cSld>
@@ -10153,6 +11575,1159 @@
 </p:sld>
 </file>
 
+<file path=ppt/slides/slide20.xml><?xml version="1.0" encoding="utf-8"?>
+<p:sld xmlns:a="http://schemas.openxmlformats.org/drawingml/2006/main" xmlns:r="http://schemas.openxmlformats.org/officeDocument/2006/relationships" xmlns:p="http://schemas.openxmlformats.org/presentationml/2006/main">
+  <p:cSld>
+    <p:spTree>
+      <p:nvGrpSpPr>
+        <p:cNvPr id="1" name=""/>
+        <p:cNvGrpSpPr/>
+        <p:nvPr/>
+      </p:nvGrpSpPr>
+      <p:grpSpPr>
+        <a:xfrm>
+          <a:off x="0" y="0"/>
+          <a:ext cx="0" cy="0"/>
+          <a:chOff x="0" y="0"/>
+          <a:chExt cx="0" cy="0"/>
+        </a:xfrm>
+      </p:grpSpPr>
+      <p:sp>
+        <p:nvSpPr>
+          <p:cNvPr id="2" name="제목 1"/>
+          <p:cNvSpPr>
+            <a:spLocks noGrp="1"/>
+          </p:cNvSpPr>
+          <p:nvPr>
+            <p:ph type="title"/>
+          </p:nvPr>
+        </p:nvSpPr>
+        <p:spPr/>
+        <p:txBody>
+          <a:bodyPr>
+            <a:normAutofit/>
+          </a:bodyPr>
+          <a:lstStyle/>
+          <a:p>
+            <a:r>
+              <a:rPr lang="en-US" altLang="ko-KR" sz="3600" b="1" dirty="0" smtClean="0">
+                <a:latin typeface="+mn-ea"/>
+                <a:ea typeface="+mn-ea"/>
+              </a:rPr>
+              <a:t>06. </a:t>
+            </a:r>
+            <a:r>
+              <a:rPr lang="ko-KR" altLang="en-US" sz="3600" b="1" dirty="0" smtClean="0">
+                <a:latin typeface="+mn-ea"/>
+                <a:ea typeface="+mn-ea"/>
+              </a:rPr>
+              <a:t>모형의 적합성 및 실험설계</a:t>
+            </a:r>
+            <a:endParaRPr lang="ko-KR" altLang="en-US" sz="3600" b="1" dirty="0">
+              <a:latin typeface="+mn-ea"/>
+              <a:ea typeface="+mn-ea"/>
+            </a:endParaRPr>
+          </a:p>
+        </p:txBody>
+      </p:sp>
+      <p:sp>
+        <p:nvSpPr>
+          <p:cNvPr id="4" name="내용 개체 틀 3"/>
+          <p:cNvSpPr>
+            <a:spLocks noGrp="1"/>
+          </p:cNvSpPr>
+          <p:nvPr>
+            <p:ph sz="quarter" idx="1"/>
+          </p:nvPr>
+        </p:nvSpPr>
+        <p:spPr>
+          <a:xfrm>
+            <a:off x="467544" y="1124744"/>
+            <a:ext cx="8229600" cy="5181506"/>
+          </a:xfrm>
+        </p:spPr>
+        <p:txBody>
+          <a:bodyPr>
+            <a:normAutofit/>
+          </a:bodyPr>
+          <a:lstStyle/>
+          <a:p>
+            <a:pPr>
+              <a:lnSpc>
+                <a:spcPct val="150000"/>
+              </a:lnSpc>
+            </a:pPr>
+            <a:r>
+              <a:rPr lang="ko-KR" altLang="en-US" sz="2000" b="1" dirty="0" smtClean="0"/>
+              <a:t>데이터 분할 프로세스</a:t>
+            </a:r>
+            <a:endParaRPr lang="en-US" altLang="ko-KR" sz="2000" b="1" dirty="0"/>
+          </a:p>
+          <a:p>
+            <a:pPr marL="0" indent="0">
+              <a:lnSpc>
+                <a:spcPct val="150000"/>
+              </a:lnSpc>
+              <a:buNone/>
+            </a:pPr>
+            <a:r>
+              <a:rPr lang="en-US" altLang="ko-KR" sz="2000" b="1" dirty="0">
+                <a:latin typeface="+mn-ea"/>
+              </a:rPr>
+              <a:t> </a:t>
+            </a:r>
+            <a:r>
+              <a:rPr lang="ko-KR" altLang="en-US" sz="1600" b="1" dirty="0" smtClean="0">
+                <a:latin typeface="+mn-ea"/>
+              </a:rPr>
+              <a:t>데이터 분할 </a:t>
+            </a:r>
+            <a:r>
+              <a:rPr lang="ko-KR" altLang="en-US" sz="1600" dirty="0" smtClean="0">
+                <a:latin typeface="+mn-ea"/>
+              </a:rPr>
+              <a:t>→ </a:t>
+            </a:r>
+            <a:r>
+              <a:rPr lang="ko-KR" altLang="en-US" sz="1600" dirty="0">
+                <a:latin typeface="+mn-ea"/>
+              </a:rPr>
+              <a:t>모형 학습 → </a:t>
+            </a:r>
+            <a:r>
+              <a:rPr lang="ko-KR" altLang="en-US" sz="1600" dirty="0" smtClean="0">
+                <a:latin typeface="+mn-ea"/>
+              </a:rPr>
+              <a:t>모형 선택 </a:t>
+            </a:r>
+            <a:r>
+              <a:rPr lang="ko-KR" altLang="en-US" sz="1600" dirty="0" smtClean="0">
+                <a:solidFill>
+                  <a:prstClr val="black"/>
+                </a:solidFill>
+                <a:latin typeface="맑은 고딕"/>
+              </a:rPr>
+              <a:t>→ 최종 성능 지표 도출</a:t>
+            </a:r>
+            <a:endParaRPr lang="en-US" altLang="ko-KR" sz="1100" dirty="0">
+              <a:latin typeface="+mn-ea"/>
+            </a:endParaRPr>
+          </a:p>
+          <a:p>
+            <a:pPr marL="274320" lvl="1" indent="0">
+              <a:lnSpc>
+                <a:spcPct val="150000"/>
+              </a:lnSpc>
+              <a:buNone/>
+            </a:pPr>
+            <a:endParaRPr lang="en-US" altLang="ko-KR" sz="1400" dirty="0" smtClean="0">
+              <a:latin typeface="+mn-ea"/>
+            </a:endParaRPr>
+          </a:p>
+          <a:p>
+            <a:pPr marL="274320" lvl="1" indent="0">
+              <a:lnSpc>
+                <a:spcPct val="150000"/>
+              </a:lnSpc>
+              <a:buNone/>
+            </a:pPr>
+            <a:endParaRPr lang="en-US" altLang="ko-KR" sz="1400" dirty="0" smtClean="0">
+              <a:latin typeface="+mn-ea"/>
+            </a:endParaRPr>
+          </a:p>
+          <a:p>
+            <a:pPr marL="274320" lvl="1" indent="0">
+              <a:lnSpc>
+                <a:spcPct val="150000"/>
+              </a:lnSpc>
+              <a:buNone/>
+            </a:pPr>
+            <a:endParaRPr lang="en-US" altLang="ko-KR" sz="1400" dirty="0">
+              <a:latin typeface="+mn-ea"/>
+            </a:endParaRPr>
+          </a:p>
+        </p:txBody>
+      </p:sp>
+      <p:sp>
+        <p:nvSpPr>
+          <p:cNvPr id="3" name="직사각형 2"/>
+          <p:cNvSpPr/>
+          <p:nvPr/>
+        </p:nvSpPr>
+        <p:spPr>
+          <a:xfrm>
+            <a:off x="611560" y="1700808"/>
+            <a:ext cx="6552728" cy="504056"/>
+          </a:xfrm>
+          <a:prstGeom prst="rect">
+            <a:avLst/>
+          </a:prstGeom>
+          <a:noFill/>
+          <a:ln w="9525"/>
+        </p:spPr>
+        <p:style>
+          <a:lnRef idx="2">
+            <a:schemeClr val="accent1">
+              <a:shade val="50000"/>
+            </a:schemeClr>
+          </a:lnRef>
+          <a:fillRef idx="1">
+            <a:schemeClr val="accent1"/>
+          </a:fillRef>
+          <a:effectRef idx="0">
+            <a:schemeClr val="accent1"/>
+          </a:effectRef>
+          <a:fontRef idx="minor">
+            <a:schemeClr val="lt1"/>
+          </a:fontRef>
+        </p:style>
+        <p:txBody>
+          <a:bodyPr rtlCol="0" anchor="ctr"/>
+          <a:lstStyle/>
+          <a:p>
+            <a:pPr algn="ctr"/>
+            <a:endParaRPr lang="ko-KR" altLang="en-US"/>
+          </a:p>
+        </p:txBody>
+      </p:sp>
+      <p:pic>
+        <p:nvPicPr>
+          <p:cNvPr id="2050" name="Picture 2"/>
+          <p:cNvPicPr>
+            <a:picLocks noChangeAspect="1" noChangeArrowheads="1"/>
+          </p:cNvPicPr>
+          <p:nvPr/>
+        </p:nvPicPr>
+        <p:blipFill>
+          <a:blip r:embed="rId2">
+            <a:extLst>
+              <a:ext uri="{28A0092B-C50C-407E-A947-70E740481C1C}">
+                <a14:useLocalDpi xmlns:a14="http://schemas.microsoft.com/office/drawing/2010/main" val="0"/>
+              </a:ext>
+            </a:extLst>
+          </a:blip>
+          <a:srcRect/>
+          <a:stretch>
+            <a:fillRect/>
+          </a:stretch>
+        </p:blipFill>
+        <p:spPr bwMode="auto">
+          <a:xfrm>
+            <a:off x="611560" y="2420888"/>
+            <a:ext cx="6877050" cy="3822700"/>
+          </a:xfrm>
+          <a:prstGeom prst="rect">
+            <a:avLst/>
+          </a:prstGeom>
+          <a:noFill/>
+          <a:ln>
+            <a:noFill/>
+          </a:ln>
+          <a:extLst>
+            <a:ext uri="{909E8E84-426E-40DD-AFC4-6F175D3DCCD1}">
+              <a14:hiddenFill xmlns:a14="http://schemas.microsoft.com/office/drawing/2010/main">
+                <a:solidFill>
+                  <a:schemeClr val="accent1"/>
+                </a:solidFill>
+              </a14:hiddenFill>
+            </a:ext>
+            <a:ext uri="{91240B29-F687-4F45-9708-019B960494DF}">
+              <a14:hiddenLine xmlns:a14="http://schemas.microsoft.com/office/drawing/2010/main" w="9525">
+                <a:solidFill>
+                  <a:schemeClr val="tx1"/>
+                </a:solidFill>
+                <a:miter lim="800000"/>
+                <a:headEnd/>
+                <a:tailEnd/>
+              </a14:hiddenLine>
+            </a:ext>
+          </a:extLst>
+        </p:spPr>
+      </p:pic>
+    </p:spTree>
+    <p:extLst>
+      <p:ext uri="{BB962C8B-B14F-4D97-AF65-F5344CB8AC3E}">
+        <p14:creationId xmlns:p14="http://schemas.microsoft.com/office/powerpoint/2010/main" val="3327896830"/>
+      </p:ext>
+    </p:extLst>
+  </p:cSld>
+  <p:clrMapOvr>
+    <a:masterClrMapping/>
+  </p:clrMapOvr>
+  <p:timing>
+    <p:tnLst>
+      <p:par>
+        <p:cTn id="1" dur="indefinite" restart="never" nodeType="tmRoot"/>
+      </p:par>
+    </p:tnLst>
+  </p:timing>
+</p:sld>
+</file>
+
+<file path=ppt/slides/slide21.xml><?xml version="1.0" encoding="utf-8"?>
+<p:sld xmlns:a="http://schemas.openxmlformats.org/drawingml/2006/main" xmlns:r="http://schemas.openxmlformats.org/officeDocument/2006/relationships" xmlns:p="http://schemas.openxmlformats.org/presentationml/2006/main">
+  <p:cSld>
+    <p:spTree>
+      <p:nvGrpSpPr>
+        <p:cNvPr id="1" name=""/>
+        <p:cNvGrpSpPr/>
+        <p:nvPr/>
+      </p:nvGrpSpPr>
+      <p:grpSpPr>
+        <a:xfrm>
+          <a:off x="0" y="0"/>
+          <a:ext cx="0" cy="0"/>
+          <a:chOff x="0" y="0"/>
+          <a:chExt cx="0" cy="0"/>
+        </a:xfrm>
+      </p:grpSpPr>
+      <p:sp>
+        <p:nvSpPr>
+          <p:cNvPr id="2" name="제목 1"/>
+          <p:cNvSpPr>
+            <a:spLocks noGrp="1"/>
+          </p:cNvSpPr>
+          <p:nvPr>
+            <p:ph type="title"/>
+          </p:nvPr>
+        </p:nvSpPr>
+        <p:spPr/>
+        <p:txBody>
+          <a:bodyPr>
+            <a:normAutofit/>
+          </a:bodyPr>
+          <a:lstStyle/>
+          <a:p>
+            <a:r>
+              <a:rPr lang="en-US" altLang="ko-KR" sz="3600" b="1" dirty="0" smtClean="0">
+                <a:latin typeface="+mn-ea"/>
+                <a:ea typeface="+mn-ea"/>
+              </a:rPr>
+              <a:t>06. </a:t>
+            </a:r>
+            <a:r>
+              <a:rPr lang="ko-KR" altLang="en-US" sz="3600" b="1" dirty="0" smtClean="0">
+                <a:latin typeface="+mn-ea"/>
+                <a:ea typeface="+mn-ea"/>
+              </a:rPr>
+              <a:t>모형의 적합성 및 실험설계</a:t>
+            </a:r>
+            <a:endParaRPr lang="ko-KR" altLang="en-US" sz="3600" b="1" dirty="0">
+              <a:latin typeface="+mn-ea"/>
+              <a:ea typeface="+mn-ea"/>
+            </a:endParaRPr>
+          </a:p>
+        </p:txBody>
+      </p:sp>
+      <p:sp>
+        <p:nvSpPr>
+          <p:cNvPr id="4" name="내용 개체 틀 3"/>
+          <p:cNvSpPr>
+            <a:spLocks noGrp="1"/>
+          </p:cNvSpPr>
+          <p:nvPr>
+            <p:ph sz="quarter" idx="1"/>
+          </p:nvPr>
+        </p:nvSpPr>
+        <p:spPr>
+          <a:xfrm>
+            <a:off x="467544" y="1124744"/>
+            <a:ext cx="8229600" cy="5181506"/>
+          </a:xfrm>
+        </p:spPr>
+        <p:txBody>
+          <a:bodyPr>
+            <a:normAutofit/>
+          </a:bodyPr>
+          <a:lstStyle/>
+          <a:p>
+            <a:pPr>
+              <a:lnSpc>
+                <a:spcPct val="150000"/>
+              </a:lnSpc>
+            </a:pPr>
+            <a:r>
+              <a:rPr lang="ko-KR" altLang="en-US" sz="2000" b="1" dirty="0" smtClean="0"/>
+              <a:t>데이터 분할 프로세스</a:t>
+            </a:r>
+            <a:endParaRPr lang="en-US" altLang="ko-KR" sz="2000" b="1" dirty="0"/>
+          </a:p>
+          <a:p>
+            <a:pPr marL="0" indent="0">
+              <a:lnSpc>
+                <a:spcPct val="150000"/>
+              </a:lnSpc>
+              <a:buNone/>
+            </a:pPr>
+            <a:r>
+              <a:rPr lang="en-US" altLang="ko-KR" sz="2000" b="1" dirty="0">
+                <a:latin typeface="+mn-ea"/>
+              </a:rPr>
+              <a:t> </a:t>
+            </a:r>
+            <a:r>
+              <a:rPr lang="ko-KR" altLang="en-US" sz="1600" dirty="0" smtClean="0">
+                <a:latin typeface="+mn-ea"/>
+              </a:rPr>
+              <a:t>데이터 분할 → </a:t>
+            </a:r>
+            <a:r>
+              <a:rPr lang="ko-KR" altLang="en-US" sz="1600" b="1" dirty="0">
+                <a:latin typeface="+mn-ea"/>
+              </a:rPr>
+              <a:t>모형 학습</a:t>
+            </a:r>
+            <a:r>
+              <a:rPr lang="ko-KR" altLang="en-US" sz="1600" dirty="0">
+                <a:latin typeface="+mn-ea"/>
+              </a:rPr>
+              <a:t> → </a:t>
+            </a:r>
+            <a:r>
+              <a:rPr lang="ko-KR" altLang="en-US" sz="1600" dirty="0" smtClean="0">
+                <a:latin typeface="+mn-ea"/>
+              </a:rPr>
+              <a:t>모형 선택 </a:t>
+            </a:r>
+            <a:r>
+              <a:rPr lang="ko-KR" altLang="en-US" sz="1600" dirty="0" smtClean="0">
+                <a:solidFill>
+                  <a:prstClr val="black"/>
+                </a:solidFill>
+                <a:latin typeface="맑은 고딕"/>
+              </a:rPr>
+              <a:t>→ 최종 성능 지표 도출</a:t>
+            </a:r>
+            <a:endParaRPr lang="en-US" altLang="ko-KR" sz="1100" dirty="0">
+              <a:latin typeface="+mn-ea"/>
+            </a:endParaRPr>
+          </a:p>
+          <a:p>
+            <a:pPr marL="274320" lvl="1" indent="0">
+              <a:lnSpc>
+                <a:spcPct val="150000"/>
+              </a:lnSpc>
+              <a:buNone/>
+            </a:pPr>
+            <a:endParaRPr lang="en-US" altLang="ko-KR" sz="1400" dirty="0" smtClean="0">
+              <a:latin typeface="+mn-ea"/>
+            </a:endParaRPr>
+          </a:p>
+          <a:p>
+            <a:pPr marL="274320" lvl="1" indent="0">
+              <a:lnSpc>
+                <a:spcPct val="150000"/>
+              </a:lnSpc>
+              <a:buNone/>
+            </a:pPr>
+            <a:endParaRPr lang="en-US" altLang="ko-KR" sz="1400" dirty="0" smtClean="0">
+              <a:latin typeface="+mn-ea"/>
+            </a:endParaRPr>
+          </a:p>
+          <a:p>
+            <a:pPr marL="274320" lvl="1" indent="0">
+              <a:lnSpc>
+                <a:spcPct val="150000"/>
+              </a:lnSpc>
+              <a:buNone/>
+            </a:pPr>
+            <a:endParaRPr lang="en-US" altLang="ko-KR" sz="1400" dirty="0">
+              <a:latin typeface="+mn-ea"/>
+            </a:endParaRPr>
+          </a:p>
+        </p:txBody>
+      </p:sp>
+      <p:sp>
+        <p:nvSpPr>
+          <p:cNvPr id="3" name="직사각형 2"/>
+          <p:cNvSpPr/>
+          <p:nvPr/>
+        </p:nvSpPr>
+        <p:spPr>
+          <a:xfrm>
+            <a:off x="611560" y="1700808"/>
+            <a:ext cx="6552728" cy="504056"/>
+          </a:xfrm>
+          <a:prstGeom prst="rect">
+            <a:avLst/>
+          </a:prstGeom>
+          <a:noFill/>
+          <a:ln w="9525"/>
+        </p:spPr>
+        <p:style>
+          <a:lnRef idx="2">
+            <a:schemeClr val="accent1">
+              <a:shade val="50000"/>
+            </a:schemeClr>
+          </a:lnRef>
+          <a:fillRef idx="1">
+            <a:schemeClr val="accent1"/>
+          </a:fillRef>
+          <a:effectRef idx="0">
+            <a:schemeClr val="accent1"/>
+          </a:effectRef>
+          <a:fontRef idx="minor">
+            <a:schemeClr val="lt1"/>
+          </a:fontRef>
+        </p:style>
+        <p:txBody>
+          <a:bodyPr rtlCol="0" anchor="ctr"/>
+          <a:lstStyle/>
+          <a:p>
+            <a:pPr algn="ctr"/>
+            <a:endParaRPr lang="ko-KR" altLang="en-US"/>
+          </a:p>
+        </p:txBody>
+      </p:sp>
+      <p:pic>
+        <p:nvPicPr>
+          <p:cNvPr id="3074" name="Picture 2"/>
+          <p:cNvPicPr>
+            <a:picLocks noChangeAspect="1" noChangeArrowheads="1"/>
+          </p:cNvPicPr>
+          <p:nvPr/>
+        </p:nvPicPr>
+        <p:blipFill>
+          <a:blip r:embed="rId2">
+            <a:extLst>
+              <a:ext uri="{28A0092B-C50C-407E-A947-70E740481C1C}">
+                <a14:useLocalDpi xmlns:a14="http://schemas.microsoft.com/office/drawing/2010/main" val="0"/>
+              </a:ext>
+            </a:extLst>
+          </a:blip>
+          <a:srcRect/>
+          <a:stretch>
+            <a:fillRect/>
+          </a:stretch>
+        </p:blipFill>
+        <p:spPr bwMode="auto">
+          <a:xfrm>
+            <a:off x="467544" y="2420888"/>
+            <a:ext cx="6985000" cy="3911600"/>
+          </a:xfrm>
+          <a:prstGeom prst="rect">
+            <a:avLst/>
+          </a:prstGeom>
+          <a:noFill/>
+          <a:ln>
+            <a:noFill/>
+          </a:ln>
+          <a:extLst>
+            <a:ext uri="{909E8E84-426E-40DD-AFC4-6F175D3DCCD1}">
+              <a14:hiddenFill xmlns:a14="http://schemas.microsoft.com/office/drawing/2010/main">
+                <a:solidFill>
+                  <a:schemeClr val="accent1"/>
+                </a:solidFill>
+              </a14:hiddenFill>
+            </a:ext>
+            <a:ext uri="{91240B29-F687-4F45-9708-019B960494DF}">
+              <a14:hiddenLine xmlns:a14="http://schemas.microsoft.com/office/drawing/2010/main" w="9525">
+                <a:solidFill>
+                  <a:schemeClr val="tx1"/>
+                </a:solidFill>
+                <a:miter lim="800000"/>
+                <a:headEnd/>
+                <a:tailEnd/>
+              </a14:hiddenLine>
+            </a:ext>
+          </a:extLst>
+        </p:spPr>
+      </p:pic>
+    </p:spTree>
+    <p:extLst>
+      <p:ext uri="{BB962C8B-B14F-4D97-AF65-F5344CB8AC3E}">
+        <p14:creationId xmlns:p14="http://schemas.microsoft.com/office/powerpoint/2010/main" val="3916994037"/>
+      </p:ext>
+    </p:extLst>
+  </p:cSld>
+  <p:clrMapOvr>
+    <a:masterClrMapping/>
+  </p:clrMapOvr>
+  <p:timing>
+    <p:tnLst>
+      <p:par>
+        <p:cTn id="1" dur="indefinite" restart="never" nodeType="tmRoot"/>
+      </p:par>
+    </p:tnLst>
+  </p:timing>
+</p:sld>
+</file>
+
+<file path=ppt/slides/slide22.xml><?xml version="1.0" encoding="utf-8"?>
+<p:sld xmlns:a="http://schemas.openxmlformats.org/drawingml/2006/main" xmlns:r="http://schemas.openxmlformats.org/officeDocument/2006/relationships" xmlns:p="http://schemas.openxmlformats.org/presentationml/2006/main">
+  <p:cSld>
+    <p:spTree>
+      <p:nvGrpSpPr>
+        <p:cNvPr id="1" name=""/>
+        <p:cNvGrpSpPr/>
+        <p:nvPr/>
+      </p:nvGrpSpPr>
+      <p:grpSpPr>
+        <a:xfrm>
+          <a:off x="0" y="0"/>
+          <a:ext cx="0" cy="0"/>
+          <a:chOff x="0" y="0"/>
+          <a:chExt cx="0" cy="0"/>
+        </a:xfrm>
+      </p:grpSpPr>
+      <p:sp>
+        <p:nvSpPr>
+          <p:cNvPr id="2" name="제목 1"/>
+          <p:cNvSpPr>
+            <a:spLocks noGrp="1"/>
+          </p:cNvSpPr>
+          <p:nvPr>
+            <p:ph type="title"/>
+          </p:nvPr>
+        </p:nvSpPr>
+        <p:spPr/>
+        <p:txBody>
+          <a:bodyPr>
+            <a:normAutofit/>
+          </a:bodyPr>
+          <a:lstStyle/>
+          <a:p>
+            <a:r>
+              <a:rPr lang="en-US" altLang="ko-KR" sz="3600" b="1" dirty="0" smtClean="0">
+                <a:latin typeface="+mn-ea"/>
+                <a:ea typeface="+mn-ea"/>
+              </a:rPr>
+              <a:t>06. </a:t>
+            </a:r>
+            <a:r>
+              <a:rPr lang="ko-KR" altLang="en-US" sz="3600" b="1" dirty="0" smtClean="0">
+                <a:latin typeface="+mn-ea"/>
+                <a:ea typeface="+mn-ea"/>
+              </a:rPr>
+              <a:t>모형의 적합성 및 실험설계</a:t>
+            </a:r>
+            <a:endParaRPr lang="ko-KR" altLang="en-US" sz="3600" b="1" dirty="0">
+              <a:latin typeface="+mn-ea"/>
+              <a:ea typeface="+mn-ea"/>
+            </a:endParaRPr>
+          </a:p>
+        </p:txBody>
+      </p:sp>
+      <p:sp>
+        <p:nvSpPr>
+          <p:cNvPr id="4" name="내용 개체 틀 3"/>
+          <p:cNvSpPr>
+            <a:spLocks noGrp="1"/>
+          </p:cNvSpPr>
+          <p:nvPr>
+            <p:ph sz="quarter" idx="1"/>
+          </p:nvPr>
+        </p:nvSpPr>
+        <p:spPr>
+          <a:xfrm>
+            <a:off x="467544" y="1124744"/>
+            <a:ext cx="8229600" cy="5181506"/>
+          </a:xfrm>
+        </p:spPr>
+        <p:txBody>
+          <a:bodyPr>
+            <a:normAutofit/>
+          </a:bodyPr>
+          <a:lstStyle/>
+          <a:p>
+            <a:pPr>
+              <a:lnSpc>
+                <a:spcPct val="150000"/>
+              </a:lnSpc>
+            </a:pPr>
+            <a:r>
+              <a:rPr lang="ko-KR" altLang="en-US" sz="2000" b="1" dirty="0" smtClean="0"/>
+              <a:t>데이터 분할 프로세스</a:t>
+            </a:r>
+            <a:endParaRPr lang="en-US" altLang="ko-KR" sz="2000" b="1" dirty="0"/>
+          </a:p>
+          <a:p>
+            <a:pPr marL="0" indent="0">
+              <a:lnSpc>
+                <a:spcPct val="150000"/>
+              </a:lnSpc>
+              <a:buNone/>
+            </a:pPr>
+            <a:r>
+              <a:rPr lang="en-US" altLang="ko-KR" sz="2000" b="1" dirty="0">
+                <a:latin typeface="+mn-ea"/>
+              </a:rPr>
+              <a:t> </a:t>
+            </a:r>
+            <a:r>
+              <a:rPr lang="ko-KR" altLang="en-US" sz="1600" dirty="0" smtClean="0">
+                <a:latin typeface="+mn-ea"/>
+              </a:rPr>
+              <a:t>데이터 분할 → </a:t>
+            </a:r>
+            <a:r>
+              <a:rPr lang="ko-KR" altLang="en-US" sz="1600" dirty="0">
+                <a:latin typeface="+mn-ea"/>
+              </a:rPr>
+              <a:t>모형 학습 → </a:t>
+            </a:r>
+            <a:r>
+              <a:rPr lang="ko-KR" altLang="en-US" sz="1600" b="1" dirty="0" smtClean="0">
+                <a:latin typeface="+mn-ea"/>
+              </a:rPr>
+              <a:t>모형 선택 </a:t>
+            </a:r>
+            <a:r>
+              <a:rPr lang="ko-KR" altLang="en-US" sz="1600" dirty="0" smtClean="0">
+                <a:solidFill>
+                  <a:prstClr val="black"/>
+                </a:solidFill>
+                <a:latin typeface="맑은 고딕"/>
+              </a:rPr>
+              <a:t>→ 최종 성능 지표 도출</a:t>
+            </a:r>
+            <a:endParaRPr lang="en-US" altLang="ko-KR" sz="1100" dirty="0">
+              <a:latin typeface="+mn-ea"/>
+            </a:endParaRPr>
+          </a:p>
+          <a:p>
+            <a:pPr marL="274320" lvl="1" indent="0">
+              <a:lnSpc>
+                <a:spcPct val="150000"/>
+              </a:lnSpc>
+              <a:buNone/>
+            </a:pPr>
+            <a:endParaRPr lang="en-US" altLang="ko-KR" sz="1400" dirty="0" smtClean="0">
+              <a:latin typeface="+mn-ea"/>
+            </a:endParaRPr>
+          </a:p>
+          <a:p>
+            <a:pPr marL="274320" lvl="1" indent="0">
+              <a:lnSpc>
+                <a:spcPct val="150000"/>
+              </a:lnSpc>
+              <a:buNone/>
+            </a:pPr>
+            <a:endParaRPr lang="en-US" altLang="ko-KR" sz="1400" dirty="0" smtClean="0">
+              <a:latin typeface="+mn-ea"/>
+            </a:endParaRPr>
+          </a:p>
+          <a:p>
+            <a:pPr marL="274320" lvl="1" indent="0">
+              <a:lnSpc>
+                <a:spcPct val="150000"/>
+              </a:lnSpc>
+              <a:buNone/>
+            </a:pPr>
+            <a:endParaRPr lang="en-US" altLang="ko-KR" sz="1400" dirty="0">
+              <a:latin typeface="+mn-ea"/>
+            </a:endParaRPr>
+          </a:p>
+        </p:txBody>
+      </p:sp>
+      <p:sp>
+        <p:nvSpPr>
+          <p:cNvPr id="3" name="직사각형 2"/>
+          <p:cNvSpPr/>
+          <p:nvPr/>
+        </p:nvSpPr>
+        <p:spPr>
+          <a:xfrm>
+            <a:off x="611560" y="1700808"/>
+            <a:ext cx="6552728" cy="504056"/>
+          </a:xfrm>
+          <a:prstGeom prst="rect">
+            <a:avLst/>
+          </a:prstGeom>
+          <a:noFill/>
+          <a:ln w="9525"/>
+        </p:spPr>
+        <p:style>
+          <a:lnRef idx="2">
+            <a:schemeClr val="accent1">
+              <a:shade val="50000"/>
+            </a:schemeClr>
+          </a:lnRef>
+          <a:fillRef idx="1">
+            <a:schemeClr val="accent1"/>
+          </a:fillRef>
+          <a:effectRef idx="0">
+            <a:schemeClr val="accent1"/>
+          </a:effectRef>
+          <a:fontRef idx="minor">
+            <a:schemeClr val="lt1"/>
+          </a:fontRef>
+        </p:style>
+        <p:txBody>
+          <a:bodyPr rtlCol="0" anchor="ctr"/>
+          <a:lstStyle/>
+          <a:p>
+            <a:pPr algn="ctr"/>
+            <a:endParaRPr lang="ko-KR" altLang="en-US"/>
+          </a:p>
+        </p:txBody>
+      </p:sp>
+      <p:pic>
+        <p:nvPicPr>
+          <p:cNvPr id="4098" name="Picture 2"/>
+          <p:cNvPicPr>
+            <a:picLocks noChangeAspect="1" noChangeArrowheads="1"/>
+          </p:cNvPicPr>
+          <p:nvPr/>
+        </p:nvPicPr>
+        <p:blipFill>
+          <a:blip r:embed="rId2">
+            <a:extLst>
+              <a:ext uri="{28A0092B-C50C-407E-A947-70E740481C1C}">
+                <a14:useLocalDpi xmlns:a14="http://schemas.microsoft.com/office/drawing/2010/main" val="0"/>
+              </a:ext>
+            </a:extLst>
+          </a:blip>
+          <a:srcRect/>
+          <a:stretch>
+            <a:fillRect/>
+          </a:stretch>
+        </p:blipFill>
+        <p:spPr bwMode="auto">
+          <a:xfrm>
+            <a:off x="539552" y="2348880"/>
+            <a:ext cx="6908800" cy="3962400"/>
+          </a:xfrm>
+          <a:prstGeom prst="rect">
+            <a:avLst/>
+          </a:prstGeom>
+          <a:noFill/>
+          <a:ln>
+            <a:noFill/>
+          </a:ln>
+          <a:extLst>
+            <a:ext uri="{909E8E84-426E-40DD-AFC4-6F175D3DCCD1}">
+              <a14:hiddenFill xmlns:a14="http://schemas.microsoft.com/office/drawing/2010/main">
+                <a:solidFill>
+                  <a:schemeClr val="accent1"/>
+                </a:solidFill>
+              </a14:hiddenFill>
+            </a:ext>
+            <a:ext uri="{91240B29-F687-4F45-9708-019B960494DF}">
+              <a14:hiddenLine xmlns:a14="http://schemas.microsoft.com/office/drawing/2010/main" w="9525">
+                <a:solidFill>
+                  <a:schemeClr val="tx1"/>
+                </a:solidFill>
+                <a:miter lim="800000"/>
+                <a:headEnd/>
+                <a:tailEnd/>
+              </a14:hiddenLine>
+            </a:ext>
+          </a:extLst>
+        </p:spPr>
+      </p:pic>
+    </p:spTree>
+    <p:extLst>
+      <p:ext uri="{BB962C8B-B14F-4D97-AF65-F5344CB8AC3E}">
+        <p14:creationId xmlns:p14="http://schemas.microsoft.com/office/powerpoint/2010/main" val="870854408"/>
+      </p:ext>
+    </p:extLst>
+  </p:cSld>
+  <p:clrMapOvr>
+    <a:masterClrMapping/>
+  </p:clrMapOvr>
+  <p:timing>
+    <p:tnLst>
+      <p:par>
+        <p:cTn id="1" dur="indefinite" restart="never" nodeType="tmRoot"/>
+      </p:par>
+    </p:tnLst>
+  </p:timing>
+</p:sld>
+</file>
+
+<file path=ppt/slides/slide23.xml><?xml version="1.0" encoding="utf-8"?>
+<p:sld xmlns:a="http://schemas.openxmlformats.org/drawingml/2006/main" xmlns:r="http://schemas.openxmlformats.org/officeDocument/2006/relationships" xmlns:p="http://schemas.openxmlformats.org/presentationml/2006/main">
+  <p:cSld>
+    <p:spTree>
+      <p:nvGrpSpPr>
+        <p:cNvPr id="1" name=""/>
+        <p:cNvGrpSpPr/>
+        <p:nvPr/>
+      </p:nvGrpSpPr>
+      <p:grpSpPr>
+        <a:xfrm>
+          <a:off x="0" y="0"/>
+          <a:ext cx="0" cy="0"/>
+          <a:chOff x="0" y="0"/>
+          <a:chExt cx="0" cy="0"/>
+        </a:xfrm>
+      </p:grpSpPr>
+      <p:sp>
+        <p:nvSpPr>
+          <p:cNvPr id="2" name="제목 1"/>
+          <p:cNvSpPr>
+            <a:spLocks noGrp="1"/>
+          </p:cNvSpPr>
+          <p:nvPr>
+            <p:ph type="title"/>
+          </p:nvPr>
+        </p:nvSpPr>
+        <p:spPr/>
+        <p:txBody>
+          <a:bodyPr>
+            <a:normAutofit/>
+          </a:bodyPr>
+          <a:lstStyle/>
+          <a:p>
+            <a:r>
+              <a:rPr lang="en-US" altLang="ko-KR" sz="3600" b="1" dirty="0" smtClean="0">
+                <a:latin typeface="+mn-ea"/>
+                <a:ea typeface="+mn-ea"/>
+              </a:rPr>
+              <a:t>06. </a:t>
+            </a:r>
+            <a:r>
+              <a:rPr lang="ko-KR" altLang="en-US" sz="3600" b="1" dirty="0" smtClean="0">
+                <a:latin typeface="+mn-ea"/>
+                <a:ea typeface="+mn-ea"/>
+              </a:rPr>
+              <a:t>모형의 적합성 및 실험설계</a:t>
+            </a:r>
+            <a:endParaRPr lang="ko-KR" altLang="en-US" sz="3600" b="1" dirty="0">
+              <a:latin typeface="+mn-ea"/>
+              <a:ea typeface="+mn-ea"/>
+            </a:endParaRPr>
+          </a:p>
+        </p:txBody>
+      </p:sp>
+      <p:sp>
+        <p:nvSpPr>
+          <p:cNvPr id="4" name="내용 개체 틀 3"/>
+          <p:cNvSpPr>
+            <a:spLocks noGrp="1"/>
+          </p:cNvSpPr>
+          <p:nvPr>
+            <p:ph sz="quarter" idx="1"/>
+          </p:nvPr>
+        </p:nvSpPr>
+        <p:spPr>
+          <a:xfrm>
+            <a:off x="467544" y="1124744"/>
+            <a:ext cx="8229600" cy="5181506"/>
+          </a:xfrm>
+        </p:spPr>
+        <p:txBody>
+          <a:bodyPr>
+            <a:normAutofit/>
+          </a:bodyPr>
+          <a:lstStyle/>
+          <a:p>
+            <a:pPr>
+              <a:lnSpc>
+                <a:spcPct val="150000"/>
+              </a:lnSpc>
+            </a:pPr>
+            <a:r>
+              <a:rPr lang="ko-KR" altLang="en-US" sz="2000" b="1" dirty="0" smtClean="0"/>
+              <a:t>데이터 분할 프로세스</a:t>
+            </a:r>
+            <a:endParaRPr lang="en-US" altLang="ko-KR" sz="2000" b="1" dirty="0"/>
+          </a:p>
+          <a:p>
+            <a:pPr marL="0" indent="0">
+              <a:lnSpc>
+                <a:spcPct val="150000"/>
+              </a:lnSpc>
+              <a:buNone/>
+            </a:pPr>
+            <a:r>
+              <a:rPr lang="en-US" altLang="ko-KR" sz="2000" b="1" dirty="0">
+                <a:latin typeface="+mn-ea"/>
+              </a:rPr>
+              <a:t> </a:t>
+            </a:r>
+            <a:r>
+              <a:rPr lang="ko-KR" altLang="en-US" sz="1600" dirty="0" smtClean="0">
+                <a:latin typeface="+mn-ea"/>
+              </a:rPr>
+              <a:t>데이터 분할 → </a:t>
+            </a:r>
+            <a:r>
+              <a:rPr lang="ko-KR" altLang="en-US" sz="1600" dirty="0">
+                <a:latin typeface="+mn-ea"/>
+              </a:rPr>
+              <a:t>모형 학습 → </a:t>
+            </a:r>
+            <a:r>
+              <a:rPr lang="ko-KR" altLang="en-US" sz="1600" dirty="0" smtClean="0">
+                <a:latin typeface="+mn-ea"/>
+              </a:rPr>
+              <a:t>모형 선택 </a:t>
+            </a:r>
+            <a:r>
+              <a:rPr lang="ko-KR" altLang="en-US" sz="1600" dirty="0" smtClean="0">
+                <a:solidFill>
+                  <a:prstClr val="black"/>
+                </a:solidFill>
+                <a:latin typeface="맑은 고딕"/>
+              </a:rPr>
+              <a:t>→ </a:t>
+            </a:r>
+            <a:r>
+              <a:rPr lang="ko-KR" altLang="en-US" sz="1600" b="1" dirty="0" smtClean="0">
+                <a:solidFill>
+                  <a:prstClr val="black"/>
+                </a:solidFill>
+                <a:latin typeface="맑은 고딕"/>
+              </a:rPr>
+              <a:t>최종 성능 지표 도출</a:t>
+            </a:r>
+            <a:endParaRPr lang="en-US" altLang="ko-KR" sz="1100" b="1" dirty="0">
+              <a:latin typeface="+mn-ea"/>
+            </a:endParaRPr>
+          </a:p>
+          <a:p>
+            <a:pPr marL="274320" lvl="1" indent="0">
+              <a:lnSpc>
+                <a:spcPct val="150000"/>
+              </a:lnSpc>
+              <a:buNone/>
+            </a:pPr>
+            <a:endParaRPr lang="en-US" altLang="ko-KR" sz="1400" dirty="0" smtClean="0">
+              <a:latin typeface="+mn-ea"/>
+            </a:endParaRPr>
+          </a:p>
+          <a:p>
+            <a:pPr marL="274320" lvl="1" indent="0">
+              <a:lnSpc>
+                <a:spcPct val="150000"/>
+              </a:lnSpc>
+              <a:buNone/>
+            </a:pPr>
+            <a:endParaRPr lang="en-US" altLang="ko-KR" sz="1400" dirty="0" smtClean="0">
+              <a:latin typeface="+mn-ea"/>
+            </a:endParaRPr>
+          </a:p>
+          <a:p>
+            <a:pPr marL="274320" lvl="1" indent="0">
+              <a:lnSpc>
+                <a:spcPct val="150000"/>
+              </a:lnSpc>
+              <a:buNone/>
+            </a:pPr>
+            <a:endParaRPr lang="en-US" altLang="ko-KR" sz="1400" dirty="0">
+              <a:latin typeface="+mn-ea"/>
+            </a:endParaRPr>
+          </a:p>
+        </p:txBody>
+      </p:sp>
+      <p:sp>
+        <p:nvSpPr>
+          <p:cNvPr id="3" name="직사각형 2"/>
+          <p:cNvSpPr/>
+          <p:nvPr/>
+        </p:nvSpPr>
+        <p:spPr>
+          <a:xfrm>
+            <a:off x="611560" y="1700808"/>
+            <a:ext cx="6552728" cy="504056"/>
+          </a:xfrm>
+          <a:prstGeom prst="rect">
+            <a:avLst/>
+          </a:prstGeom>
+          <a:noFill/>
+          <a:ln w="9525"/>
+        </p:spPr>
+        <p:style>
+          <a:lnRef idx="2">
+            <a:schemeClr val="accent1">
+              <a:shade val="50000"/>
+            </a:schemeClr>
+          </a:lnRef>
+          <a:fillRef idx="1">
+            <a:schemeClr val="accent1"/>
+          </a:fillRef>
+          <a:effectRef idx="0">
+            <a:schemeClr val="accent1"/>
+          </a:effectRef>
+          <a:fontRef idx="minor">
+            <a:schemeClr val="lt1"/>
+          </a:fontRef>
+        </p:style>
+        <p:txBody>
+          <a:bodyPr rtlCol="0" anchor="ctr"/>
+          <a:lstStyle/>
+          <a:p>
+            <a:pPr algn="ctr"/>
+            <a:endParaRPr lang="ko-KR" altLang="en-US"/>
+          </a:p>
+        </p:txBody>
+      </p:sp>
+      <p:pic>
+        <p:nvPicPr>
+          <p:cNvPr id="5122" name="Picture 2"/>
+          <p:cNvPicPr>
+            <a:picLocks noChangeAspect="1" noChangeArrowheads="1"/>
+          </p:cNvPicPr>
+          <p:nvPr/>
+        </p:nvPicPr>
+        <p:blipFill>
+          <a:blip r:embed="rId2">
+            <a:extLst>
+              <a:ext uri="{28A0092B-C50C-407E-A947-70E740481C1C}">
+                <a14:useLocalDpi xmlns:a14="http://schemas.microsoft.com/office/drawing/2010/main" val="0"/>
+              </a:ext>
+            </a:extLst>
+          </a:blip>
+          <a:srcRect/>
+          <a:stretch>
+            <a:fillRect/>
+          </a:stretch>
+        </p:blipFill>
+        <p:spPr bwMode="auto">
+          <a:xfrm>
+            <a:off x="574237" y="2348880"/>
+            <a:ext cx="6662059" cy="3888432"/>
+          </a:xfrm>
+          <a:prstGeom prst="rect">
+            <a:avLst/>
+          </a:prstGeom>
+          <a:noFill/>
+          <a:ln>
+            <a:noFill/>
+          </a:ln>
+          <a:extLst>
+            <a:ext uri="{909E8E84-426E-40DD-AFC4-6F175D3DCCD1}">
+              <a14:hiddenFill xmlns:a14="http://schemas.microsoft.com/office/drawing/2010/main">
+                <a:solidFill>
+                  <a:schemeClr val="accent1"/>
+                </a:solidFill>
+              </a14:hiddenFill>
+            </a:ext>
+            <a:ext uri="{91240B29-F687-4F45-9708-019B960494DF}">
+              <a14:hiddenLine xmlns:a14="http://schemas.microsoft.com/office/drawing/2010/main" w="9525">
+                <a:solidFill>
+                  <a:schemeClr val="tx1"/>
+                </a:solidFill>
+                <a:miter lim="800000"/>
+                <a:headEnd/>
+                <a:tailEnd/>
+              </a14:hiddenLine>
+            </a:ext>
+          </a:extLst>
+        </p:spPr>
+      </p:pic>
+    </p:spTree>
+    <p:extLst>
+      <p:ext uri="{BB962C8B-B14F-4D97-AF65-F5344CB8AC3E}">
+        <p14:creationId xmlns:p14="http://schemas.microsoft.com/office/powerpoint/2010/main" val="2435095210"/>
+      </p:ext>
+    </p:extLst>
+  </p:cSld>
+  <p:clrMapOvr>
+    <a:masterClrMapping/>
+  </p:clrMapOvr>
+  <p:timing>
+    <p:tnLst>
+      <p:par>
+        <p:cTn id="1" dur="indefinite" restart="never" nodeType="tmRoot"/>
+      </p:par>
+    </p:tnLst>
+  </p:timing>
+</p:sld>
+</file>
+
 <file path=ppt/slides/slide3.xml><?xml version="1.0" encoding="utf-8"?>
 <p:sld xmlns:a="http://schemas.openxmlformats.org/drawingml/2006/main" xmlns:r="http://schemas.openxmlformats.org/officeDocument/2006/relationships" xmlns:p="http://schemas.openxmlformats.org/presentationml/2006/main">
   <p:cSld>

--- a/Machine Learning 개념과 종류.pptx
+++ b/Machine Learning 개념과 종류.pptx
@@ -5,7 +5,7 @@
     <p:sldMasterId id="2147483672" r:id="rId1"/>
   </p:sldMasterIdLst>
   <p:notesMasterIdLst>
-    <p:notesMasterId r:id="rId25"/>
+    <p:notesMasterId r:id="rId31"/>
   </p:notesMasterIdLst>
   <p:sldIdLst>
     <p:sldId id="258" r:id="rId2"/>
@@ -31,6 +31,12 @@
     <p:sldId id="278" r:id="rId22"/>
     <p:sldId id="279" r:id="rId23"/>
     <p:sldId id="280" r:id="rId24"/>
+    <p:sldId id="281" r:id="rId25"/>
+    <p:sldId id="282" r:id="rId26"/>
+    <p:sldId id="283" r:id="rId27"/>
+    <p:sldId id="284" r:id="rId28"/>
+    <p:sldId id="285" r:id="rId29"/>
+    <p:sldId id="286" r:id="rId30"/>
   </p:sldIdLst>
   <p:sldSz cx="9144000" cy="6858000" type="screen4x3"/>
   <p:notesSz cx="6858000" cy="9144000"/>
@@ -214,7 +220,7 @@
           <a:p>
             <a:fld id="{693111F3-E7F7-4110-B747-A18B068C936E}" type="datetimeFigureOut">
               <a:rPr lang="ko-KR" altLang="en-US" smtClean="0"/>
-              <a:t>2020-10-21</a:t>
+              <a:t>2020-10-23</a:t>
             </a:fld>
             <a:endParaRPr lang="ko-KR" altLang="en-US"/>
           </a:p>
@@ -625,7 +631,7 @@
           <a:p>
             <a:fld id="{426225CE-111E-4274-8066-27895E711E53}" type="datetimeFigureOut">
               <a:rPr lang="ko-KR" altLang="en-US" smtClean="0"/>
-              <a:t>2020-10-21</a:t>
+              <a:t>2020-10-23</a:t>
             </a:fld>
             <a:endParaRPr lang="ko-KR" altLang="en-US"/>
           </a:p>
@@ -984,7 +990,7 @@
           <a:p>
             <a:fld id="{426225CE-111E-4274-8066-27895E711E53}" type="datetimeFigureOut">
               <a:rPr lang="ko-KR" altLang="en-US" smtClean="0"/>
-              <a:t>2020-10-21</a:t>
+              <a:t>2020-10-23</a:t>
             </a:fld>
             <a:endParaRPr lang="ko-KR" altLang="en-US"/>
           </a:p>
@@ -1159,7 +1165,7 @@
           <a:p>
             <a:fld id="{426225CE-111E-4274-8066-27895E711E53}" type="datetimeFigureOut">
               <a:rPr lang="ko-KR" altLang="en-US" smtClean="0"/>
-              <a:t>2020-10-21</a:t>
+              <a:t>2020-10-23</a:t>
             </a:fld>
             <a:endParaRPr lang="ko-KR" altLang="en-US"/>
           </a:p>
@@ -1394,7 +1400,7 @@
           <a:p>
             <a:fld id="{426225CE-111E-4274-8066-27895E711E53}" type="datetimeFigureOut">
               <a:rPr lang="ko-KR" altLang="en-US" smtClean="0"/>
-              <a:t>2020-10-21</a:t>
+              <a:t>2020-10-23</a:t>
             </a:fld>
             <a:endParaRPr lang="ko-KR" altLang="en-US"/>
           </a:p>
@@ -1663,7 +1669,7 @@
           <a:p>
             <a:fld id="{426225CE-111E-4274-8066-27895E711E53}" type="datetimeFigureOut">
               <a:rPr lang="ko-KR" altLang="en-US" smtClean="0"/>
-              <a:t>2020-10-21</a:t>
+              <a:t>2020-10-23</a:t>
             </a:fld>
             <a:endParaRPr lang="ko-KR" altLang="en-US"/>
           </a:p>
@@ -1883,7 +1889,7 @@
           <a:p>
             <a:fld id="{426225CE-111E-4274-8066-27895E711E53}" type="datetimeFigureOut">
               <a:rPr lang="ko-KR" altLang="en-US" smtClean="0"/>
-              <a:t>2020-10-21</a:t>
+              <a:t>2020-10-23</a:t>
             </a:fld>
             <a:endParaRPr lang="ko-KR" altLang="en-US"/>
           </a:p>
@@ -2235,7 +2241,7 @@
           <a:p>
             <a:fld id="{426225CE-111E-4274-8066-27895E711E53}" type="datetimeFigureOut">
               <a:rPr lang="ko-KR" altLang="en-US" smtClean="0"/>
-              <a:t>2020-10-21</a:t>
+              <a:t>2020-10-23</a:t>
             </a:fld>
             <a:endParaRPr lang="ko-KR" altLang="en-US"/>
           </a:p>
@@ -2467,7 +2473,7 @@
           <a:p>
             <a:fld id="{426225CE-111E-4274-8066-27895E711E53}" type="datetimeFigureOut">
               <a:rPr lang="ko-KR" altLang="en-US" smtClean="0"/>
-              <a:t>2020-10-21</a:t>
+              <a:t>2020-10-23</a:t>
             </a:fld>
             <a:endParaRPr lang="ko-KR" altLang="en-US"/>
           </a:p>
@@ -2607,7 +2613,7 @@
           <a:p>
             <a:fld id="{426225CE-111E-4274-8066-27895E711E53}" type="datetimeFigureOut">
               <a:rPr lang="ko-KR" altLang="en-US" smtClean="0"/>
-              <a:t>2020-10-21</a:t>
+              <a:t>2020-10-23</a:t>
             </a:fld>
             <a:endParaRPr lang="ko-KR" altLang="en-US"/>
           </a:p>
@@ -2884,7 +2890,7 @@
           <a:p>
             <a:fld id="{426225CE-111E-4274-8066-27895E711E53}" type="datetimeFigureOut">
               <a:rPr lang="ko-KR" altLang="en-US" smtClean="0"/>
-              <a:t>2020-10-21</a:t>
+              <a:t>2020-10-23</a:t>
             </a:fld>
             <a:endParaRPr lang="ko-KR" altLang="en-US"/>
           </a:p>
@@ -3291,7 +3297,7 @@
           <a:p>
             <a:fld id="{426225CE-111E-4274-8066-27895E711E53}" type="datetimeFigureOut">
               <a:rPr lang="ko-KR" altLang="en-US" smtClean="0"/>
-              <a:t>2020-10-21</a:t>
+              <a:t>2020-10-23</a:t>
             </a:fld>
             <a:endParaRPr lang="ko-KR" altLang="en-US"/>
           </a:p>
@@ -3629,7 +3635,7 @@
           <a:p>
             <a:fld id="{426225CE-111E-4274-8066-27895E711E53}" type="datetimeFigureOut">
               <a:rPr lang="ko-KR" altLang="en-US" smtClean="0"/>
-              <a:t>2020-10-21</a:t>
+              <a:t>2020-10-23</a:t>
             </a:fld>
             <a:endParaRPr lang="ko-KR" altLang="en-US"/>
           </a:p>
@@ -9133,8 +9139,8 @@
           </a:p>
         </p:txBody>
       </p:sp>
-      <mc:AlternateContent xmlns:mc="http://schemas.openxmlformats.org/markup-compatibility/2006">
-        <mc:Choice xmlns:a14="http://schemas.microsoft.com/office/drawing/2010/main" Requires="a14">
+      <mc:AlternateContent xmlns:mc="http://schemas.openxmlformats.org/markup-compatibility/2006" xmlns:a14="http://schemas.microsoft.com/office/drawing/2010/main">
+        <mc:Choice Requires="a14">
           <p:sp>
             <p:nvSpPr>
               <p:cNvPr id="4" name="내용 개체 틀 3"/>
@@ -9250,25 +9256,25 @@
                   <m:oMath xmlns:m="http://schemas.openxmlformats.org/officeDocument/2006/math">
                     <m:r>
                       <a:rPr lang="en-US" altLang="ko-KR" sz="1200" i="1">
-                        <a:latin typeface="+mn-ea"/>
+                        <a:latin typeface="Cambria Math"/>
                       </a:rPr>
                       <m:t>𝑓</m:t>
                     </m:r>
                     <m:r>
                       <a:rPr lang="ko-KR" altLang="en-US" sz="1200" b="0" i="1" smtClean="0">
-                        <a:latin typeface="+mn-ea"/>
+                        <a:latin typeface="Cambria Math"/>
                       </a:rPr>
                       <m:t>를</m:t>
                     </m:r>
                     <m:r>
                       <a:rPr lang="en-US" altLang="ko-KR" sz="1200" b="0" i="1" smtClean="0">
-                        <a:latin typeface="+mn-ea"/>
+                        <a:latin typeface="Cambria Math"/>
                       </a:rPr>
                       <m:t> </m:t>
                     </m:r>
                     <m:r>
                       <a:rPr lang="ko-KR" altLang="en-US" sz="1200" b="0" i="1" smtClean="0">
-                        <a:latin typeface="+mn-ea"/>
+                        <a:latin typeface="Cambria Math"/>
                       </a:rPr>
                       <m:t>나타내는</m:t>
                     </m:r>
@@ -9305,19 +9311,7 @@
                   <a:rPr lang="ko-KR" altLang="en-US" sz="1200" dirty="0" smtClean="0">
                     <a:latin typeface="+mn-ea"/>
                   </a:rPr>
-                  <a:t>가장 낮은 </a:t>
-                </a:r>
-                <a:r>
-                  <a:rPr lang="ko-KR" altLang="en-US" sz="1200" dirty="0" smtClean="0">
-                    <a:latin typeface="+mn-ea"/>
-                  </a:rPr>
-                  <a:t>복잡도  </a:t>
-                </a:r>
-                <a:r>
-                  <a:rPr lang="ko-KR" altLang="en-US" sz="1200" dirty="0" smtClean="0">
-                    <a:latin typeface="+mn-ea"/>
-                  </a:rPr>
-                  <a:t>☞ 편파성이 높아져 가장 높은 </a:t>
+                  <a:t>가장 낮은 복잡도  ☞ 편파성이 높아져 가장 높은 </a:t>
                 </a:r>
                 <a:r>
                   <a:rPr lang="en-US" altLang="ko-KR" sz="1200" dirty="0" smtClean="0">
@@ -9356,19 +9350,7 @@
                   <a:rPr lang="ko-KR" altLang="en-US" sz="1200" dirty="0" smtClean="0">
                     <a:latin typeface="+mn-ea"/>
                   </a:rPr>
-                  <a:t>가장 높은 </a:t>
-                </a:r>
-                <a:r>
-                  <a:rPr lang="ko-KR" altLang="en-US" sz="1200" dirty="0" smtClean="0">
-                    <a:latin typeface="+mn-ea"/>
-                  </a:rPr>
-                  <a:t>복잡도  </a:t>
-                </a:r>
-                <a:r>
-                  <a:rPr lang="ko-KR" altLang="en-US" sz="1200" dirty="0" smtClean="0">
-                    <a:latin typeface="+mn-ea"/>
-                  </a:rPr>
-                  <a:t>☞ </a:t>
+                  <a:t>가장 높은 복잡도  ☞ </a:t>
                 </a:r>
                 <a:r>
                   <a:rPr lang="ko-KR" altLang="en-US" sz="1200" b="1" dirty="0" smtClean="0">
@@ -9455,13 +9437,7 @@
                   <a:rPr lang="ko-KR" altLang="en-US" sz="1200" dirty="0" smtClean="0">
                     <a:latin typeface="+mn-ea"/>
                   </a:rPr>
-                  <a:t>검은색 모형과 가장 유사 </a:t>
-                </a:r>
-                <a:r>
-                  <a:rPr lang="ko-KR" altLang="en-US" sz="1200" dirty="0" smtClean="0">
-                    <a:latin typeface="+mn-ea"/>
-                  </a:rPr>
-                  <a:t>형태</a:t>
+                  <a:t>검은색 모형과 가장 유사 형태</a:t>
                 </a:r>
                 <a:r>
                   <a:rPr lang="en-US" altLang="ko-KR" sz="1200" dirty="0">
@@ -9488,25 +9464,7 @@
                     </a:solidFill>
                     <a:latin typeface="+mn-ea"/>
                   </a:rPr>
-                  <a:t>분산 및 편파성이 </a:t>
-                </a:r>
-                <a:r>
-                  <a:rPr lang="ko-KR" altLang="en-US" sz="1200" b="1" dirty="0" smtClean="0">
-                    <a:solidFill>
-                      <a:srgbClr val="FF0000"/>
-                    </a:solidFill>
-                    <a:latin typeface="+mn-ea"/>
-                  </a:rPr>
-                  <a:t>적절히 </a:t>
-                </a:r>
-                <a:r>
-                  <a:rPr lang="ko-KR" altLang="en-US" sz="1200" b="1" dirty="0" smtClean="0">
-                    <a:solidFill>
-                      <a:srgbClr val="FF0000"/>
-                    </a:solidFill>
-                    <a:latin typeface="+mn-ea"/>
-                  </a:rPr>
-                  <a:t>낮아져</a:t>
+                  <a:t>분산 및 편파성이 적절히 낮아져</a:t>
                 </a:r>
                 <a:r>
                   <a:rPr lang="ko-KR" altLang="en-US" sz="1200" dirty="0" smtClean="0">
@@ -9590,7 +9548,7 @@
             </p:txBody>
           </p:sp>
         </mc:Choice>
-        <mc:Fallback>
+        <mc:Fallback xmlns="">
           <p:sp>
             <p:nvSpPr>
               <p:cNvPr id="4" name="내용 개체 틀 3"/>
@@ -10326,13 +10284,7 @@
                   <a:rPr lang="ko-KR" altLang="en-US" sz="1400" dirty="0" smtClean="0">
                     <a:latin typeface="+mn-ea"/>
                   </a:rPr>
-                  <a:t>검증 </a:t>
-                </a:r>
-                <a:r>
-                  <a:rPr lang="ko-KR" altLang="en-US" sz="1400" dirty="0" smtClean="0">
-                    <a:latin typeface="+mn-ea"/>
-                  </a:rPr>
-                  <a:t>데이터 </a:t>
+                  <a:t>검증 데이터 </a:t>
                 </a:r>
                 <a:r>
                   <a:rPr lang="en-US" altLang="ko-KR" sz="1400" dirty="0" smtClean="0">
@@ -10386,6 +10338,48 @@
                     </m:r>
                   </m:oMath>
                 </a14:m>
+                <a:r>
+                  <a:rPr lang="en-US" altLang="ko-KR" sz="1400" dirty="0" smtClean="0">
+                    <a:latin typeface="+mn-ea"/>
+                  </a:rPr>
+                  <a:t> </a:t>
+                </a:r>
+                <a:r>
+                  <a:rPr lang="en-US" altLang="ko-KR" sz="1200" dirty="0" smtClean="0">
+                    <a:latin typeface="+mn-ea"/>
+                  </a:rPr>
+                  <a:t>-&gt; Validation</a:t>
+                </a:r>
+                <a:r>
+                  <a:rPr lang="ko-KR" altLang="en-US" sz="1200" dirty="0" smtClean="0">
+                    <a:latin typeface="+mn-ea"/>
+                  </a:rPr>
+                  <a:t>의 값을 보고 </a:t>
+                </a:r>
+                <a:r>
+                  <a:rPr lang="en-US" altLang="ko-KR" sz="1200" dirty="0" smtClean="0">
+                    <a:latin typeface="+mn-ea"/>
+                  </a:rPr>
+                  <a:t>Hyper </a:t>
+                </a:r>
+                <a:r>
+                  <a:rPr lang="en-US" altLang="ko-KR" sz="1200" dirty="0" err="1" smtClean="0">
+                    <a:latin typeface="+mn-ea"/>
+                  </a:rPr>
+                  <a:t>Paramter</a:t>
+                </a:r>
+                <a:r>
+                  <a:rPr lang="ko-KR" altLang="en-US" sz="1200" dirty="0" smtClean="0">
+                    <a:latin typeface="+mn-ea"/>
+                  </a:rPr>
+                  <a:t>값을 정한다</a:t>
+                </a:r>
+                <a:r>
+                  <a:rPr lang="en-US" altLang="ko-KR" sz="1200" dirty="0" smtClean="0">
+                    <a:latin typeface="+mn-ea"/>
+                  </a:rPr>
+                  <a:t>.</a:t>
+                </a:r>
                 <a:endParaRPr lang="en-US" altLang="ko-KR" sz="1400" dirty="0">
                   <a:latin typeface="+mn-ea"/>
                 </a:endParaRPr>
@@ -10560,6 +10554,231 @@
           </a:extLst>
         </p:spPr>
       </p:pic>
+      <p:sp>
+        <p:nvSpPr>
+          <p:cNvPr id="3" name="직사각형 2"/>
+          <p:cNvSpPr/>
+          <p:nvPr/>
+        </p:nvSpPr>
+        <p:spPr>
+          <a:xfrm>
+            <a:off x="6300192" y="2249166"/>
+            <a:ext cx="2304256" cy="919508"/>
+          </a:xfrm>
+          <a:prstGeom prst="rect">
+            <a:avLst/>
+          </a:prstGeom>
+          <a:noFill/>
+        </p:spPr>
+        <p:style>
+          <a:lnRef idx="2">
+            <a:schemeClr val="accent1">
+              <a:shade val="50000"/>
+            </a:schemeClr>
+          </a:lnRef>
+          <a:fillRef idx="1">
+            <a:schemeClr val="accent1"/>
+          </a:fillRef>
+          <a:effectRef idx="0">
+            <a:schemeClr val="accent1"/>
+          </a:effectRef>
+          <a:fontRef idx="minor">
+            <a:schemeClr val="lt1"/>
+          </a:fontRef>
+        </p:style>
+        <p:txBody>
+          <a:bodyPr rtlCol="0" anchor="t"/>
+          <a:lstStyle/>
+          <a:p>
+            <a:r>
+              <a:rPr lang="en-US" altLang="ko-KR" sz="1200" b="1" dirty="0" smtClean="0">
+                <a:solidFill>
+                  <a:schemeClr val="tx1"/>
+                </a:solidFill>
+                <a:latin typeface="+mn-ea"/>
+              </a:rPr>
+              <a:t>※ Hyper Parameter</a:t>
+            </a:r>
+          </a:p>
+          <a:p>
+            <a:r>
+              <a:rPr lang="en-US" altLang="ko-KR" sz="1200" dirty="0" smtClean="0">
+                <a:solidFill>
+                  <a:schemeClr val="tx1"/>
+                </a:solidFill>
+                <a:latin typeface="+mn-ea"/>
+              </a:rPr>
+              <a:t>: </a:t>
+            </a:r>
+            <a:r>
+              <a:rPr lang="ko-KR" altLang="en-US" sz="1200" dirty="0" smtClean="0">
+                <a:solidFill>
+                  <a:schemeClr val="tx1"/>
+                </a:solidFill>
+                <a:latin typeface="+mn-ea"/>
+              </a:rPr>
+              <a:t>학습 프로세스를 제어하는데 사용되는 값으로</a:t>
+            </a:r>
+            <a:r>
+              <a:rPr lang="en-US" altLang="ko-KR" sz="1200" dirty="0" smtClean="0">
+                <a:solidFill>
+                  <a:schemeClr val="tx1"/>
+                </a:solidFill>
+                <a:latin typeface="+mn-ea"/>
+              </a:rPr>
+              <a:t>, </a:t>
+            </a:r>
+            <a:r>
+              <a:rPr lang="ko-KR" altLang="en-US" sz="1200" dirty="0" smtClean="0">
+                <a:solidFill>
+                  <a:schemeClr val="tx1"/>
+                </a:solidFill>
+                <a:latin typeface="+mn-ea"/>
+              </a:rPr>
+              <a:t>모델링 할 때 사용자가 직접 설정 해주는 값 </a:t>
+            </a:r>
+            <a:endParaRPr lang="ko-KR" altLang="en-US" sz="1200" dirty="0">
+              <a:solidFill>
+                <a:schemeClr val="tx1"/>
+              </a:solidFill>
+              <a:latin typeface="+mn-ea"/>
+            </a:endParaRPr>
+          </a:p>
+        </p:txBody>
+      </p:sp>
+      <p:sp>
+        <p:nvSpPr>
+          <p:cNvPr id="6" name="직사각형 5"/>
+          <p:cNvSpPr/>
+          <p:nvPr/>
+        </p:nvSpPr>
+        <p:spPr>
+          <a:xfrm>
+            <a:off x="971600" y="3284984"/>
+            <a:ext cx="4824536" cy="576064"/>
+          </a:xfrm>
+          <a:prstGeom prst="rect">
+            <a:avLst/>
+          </a:prstGeom>
+          <a:noFill/>
+          <a:ln>
+            <a:prstDash val="dash"/>
+          </a:ln>
+        </p:spPr>
+        <p:style>
+          <a:lnRef idx="2">
+            <a:schemeClr val="accent1">
+              <a:shade val="50000"/>
+            </a:schemeClr>
+          </a:lnRef>
+          <a:fillRef idx="1">
+            <a:schemeClr val="accent1"/>
+          </a:fillRef>
+          <a:effectRef idx="0">
+            <a:schemeClr val="accent1"/>
+          </a:effectRef>
+          <a:fontRef idx="minor">
+            <a:schemeClr val="lt1"/>
+          </a:fontRef>
+        </p:style>
+        <p:txBody>
+          <a:bodyPr rtlCol="0" anchor="ctr"/>
+          <a:lstStyle/>
+          <a:p>
+            <a:pPr algn="ctr"/>
+            <a:endParaRPr lang="ko-KR" altLang="en-US"/>
+          </a:p>
+        </p:txBody>
+      </p:sp>
+      <p:cxnSp>
+        <p:nvCxnSpPr>
+          <p:cNvPr id="8" name="직선 화살표 연결선 7"/>
+          <p:cNvCxnSpPr>
+            <a:stCxn id="6" idx="3"/>
+          </p:cNvCxnSpPr>
+          <p:nvPr/>
+        </p:nvCxnSpPr>
+        <p:spPr>
+          <a:xfrm>
+            <a:off x="5796136" y="3573016"/>
+            <a:ext cx="576064" cy="432048"/>
+          </a:xfrm>
+          <a:prstGeom prst="straightConnector1">
+            <a:avLst/>
+          </a:prstGeom>
+          <a:ln>
+            <a:tailEnd type="arrow"/>
+          </a:ln>
+        </p:spPr>
+        <p:style>
+          <a:lnRef idx="1">
+            <a:schemeClr val="dk1"/>
+          </a:lnRef>
+          <a:fillRef idx="0">
+            <a:schemeClr val="dk1"/>
+          </a:fillRef>
+          <a:effectRef idx="0">
+            <a:schemeClr val="dk1"/>
+          </a:effectRef>
+          <a:fontRef idx="minor">
+            <a:schemeClr val="tx1"/>
+          </a:fontRef>
+        </p:style>
+      </p:cxnSp>
+      <p:sp>
+        <p:nvSpPr>
+          <p:cNvPr id="9" name="TextBox 8"/>
+          <p:cNvSpPr txBox="1"/>
+          <p:nvPr/>
+        </p:nvSpPr>
+        <p:spPr>
+          <a:xfrm>
+            <a:off x="6372200" y="3868553"/>
+            <a:ext cx="2382383" cy="430887"/>
+          </a:xfrm>
+          <a:prstGeom prst="rect">
+            <a:avLst/>
+          </a:prstGeom>
+          <a:noFill/>
+        </p:spPr>
+        <p:txBody>
+          <a:bodyPr wrap="none" rtlCol="0">
+            <a:spAutoFit/>
+          </a:bodyPr>
+          <a:lstStyle/>
+          <a:p>
+            <a:r>
+              <a:rPr lang="en-US" altLang="ko-KR" sz="1100" dirty="0" smtClean="0">
+                <a:latin typeface="+mn-ea"/>
+              </a:rPr>
+              <a:t>Hyper Parameter</a:t>
+            </a:r>
+            <a:r>
+              <a:rPr lang="ko-KR" altLang="en-US" sz="1100" dirty="0" smtClean="0">
+                <a:latin typeface="+mn-ea"/>
+              </a:rPr>
+              <a:t>가 정해져 있거나</a:t>
+            </a:r>
+            <a:r>
+              <a:rPr lang="en-US" altLang="ko-KR" sz="1100" dirty="0" smtClean="0">
+                <a:latin typeface="+mn-ea"/>
+              </a:rPr>
+              <a:t>,</a:t>
+            </a:r>
+          </a:p>
+          <a:p>
+            <a:r>
+              <a:rPr lang="ko-KR" altLang="en-US" sz="1100" dirty="0" smtClean="0">
+                <a:latin typeface="+mn-ea"/>
+              </a:rPr>
+              <a:t>필요 없을 경우 사용해도 됨</a:t>
+            </a:r>
+            <a:endParaRPr lang="ko-KR" altLang="en-US" sz="1100" dirty="0">
+              <a:latin typeface="+mn-ea"/>
+            </a:endParaRPr>
+          </a:p>
+        </p:txBody>
+      </p:sp>
     </p:spTree>
     <p:extLst>
       <p:ext uri="{BB962C8B-B14F-4D97-AF65-F5344CB8AC3E}">
@@ -12728,6 +12947,2168 @@
 </p:sld>
 </file>
 
+<file path=ppt/slides/slide24.xml><?xml version="1.0" encoding="utf-8"?>
+<p:sld xmlns:a="http://schemas.openxmlformats.org/drawingml/2006/main" xmlns:r="http://schemas.openxmlformats.org/officeDocument/2006/relationships" xmlns:p="http://schemas.openxmlformats.org/presentationml/2006/main">
+  <p:cSld>
+    <p:spTree>
+      <p:nvGrpSpPr>
+        <p:cNvPr id="1" name=""/>
+        <p:cNvGrpSpPr/>
+        <p:nvPr/>
+      </p:nvGrpSpPr>
+      <p:grpSpPr>
+        <a:xfrm>
+          <a:off x="0" y="0"/>
+          <a:ext cx="0" cy="0"/>
+          <a:chOff x="0" y="0"/>
+          <a:chExt cx="0" cy="0"/>
+        </a:xfrm>
+      </p:grpSpPr>
+      <p:sp>
+        <p:nvSpPr>
+          <p:cNvPr id="2" name="제목 1"/>
+          <p:cNvSpPr>
+            <a:spLocks noGrp="1"/>
+          </p:cNvSpPr>
+          <p:nvPr>
+            <p:ph type="title"/>
+          </p:nvPr>
+        </p:nvSpPr>
+        <p:spPr/>
+        <p:txBody>
+          <a:bodyPr>
+            <a:normAutofit/>
+          </a:bodyPr>
+          <a:lstStyle/>
+          <a:p>
+            <a:r>
+              <a:rPr lang="en-US" altLang="ko-KR" sz="3600" b="1" dirty="0" smtClean="0">
+                <a:latin typeface="+mn-ea"/>
+                <a:ea typeface="+mn-ea"/>
+              </a:rPr>
+              <a:t>06. </a:t>
+            </a:r>
+            <a:r>
+              <a:rPr lang="ko-KR" altLang="en-US" sz="3600" b="1" dirty="0" smtClean="0">
+                <a:latin typeface="+mn-ea"/>
+                <a:ea typeface="+mn-ea"/>
+              </a:rPr>
+              <a:t>모형의 적합성 및 실험설계</a:t>
+            </a:r>
+            <a:endParaRPr lang="ko-KR" altLang="en-US" sz="3600" b="1" dirty="0">
+              <a:latin typeface="+mn-ea"/>
+              <a:ea typeface="+mn-ea"/>
+            </a:endParaRPr>
+          </a:p>
+        </p:txBody>
+      </p:sp>
+      <p:sp>
+        <p:nvSpPr>
+          <p:cNvPr id="4" name="내용 개체 틀 3"/>
+          <p:cNvSpPr>
+            <a:spLocks noGrp="1"/>
+          </p:cNvSpPr>
+          <p:nvPr>
+            <p:ph sz="quarter" idx="1"/>
+          </p:nvPr>
+        </p:nvSpPr>
+        <p:spPr>
+          <a:xfrm>
+            <a:off x="467544" y="1124744"/>
+            <a:ext cx="8229600" cy="5181506"/>
+          </a:xfrm>
+        </p:spPr>
+        <p:txBody>
+          <a:bodyPr>
+            <a:normAutofit/>
+          </a:bodyPr>
+          <a:lstStyle/>
+          <a:p>
+            <a:pPr>
+              <a:lnSpc>
+                <a:spcPct val="150000"/>
+              </a:lnSpc>
+            </a:pPr>
+            <a:r>
+              <a:rPr lang="en-US" altLang="ko-KR" sz="2000" b="1" dirty="0" smtClean="0"/>
+              <a:t>K-Fold </a:t>
+            </a:r>
+            <a:r>
+              <a:rPr lang="ko-KR" altLang="en-US" sz="2000" b="1" dirty="0" smtClean="0"/>
+              <a:t>교차 검증 </a:t>
+            </a:r>
+            <a:r>
+              <a:rPr lang="en-US" altLang="ko-KR" sz="2000" b="1" dirty="0" smtClean="0"/>
+              <a:t>(K-Fold Cross Validation)</a:t>
+            </a:r>
+            <a:endParaRPr lang="en-US" altLang="ko-KR" sz="2000" b="1" dirty="0"/>
+          </a:p>
+          <a:p>
+            <a:pPr lvl="1">
+              <a:lnSpc>
+                <a:spcPct val="150000"/>
+              </a:lnSpc>
+            </a:pPr>
+            <a:r>
+              <a:rPr lang="ko-KR" altLang="en-US" sz="1200" dirty="0" smtClean="0">
+                <a:latin typeface="+mn-ea"/>
+              </a:rPr>
+              <a:t>모형의 적합성을 보다 객관적으로 평가하기 위한 방법</a:t>
+            </a:r>
+            <a:endParaRPr lang="en-US" altLang="ko-KR" sz="1200" dirty="0" smtClean="0">
+              <a:latin typeface="+mn-ea"/>
+            </a:endParaRPr>
+          </a:p>
+          <a:p>
+            <a:pPr lvl="1">
+              <a:lnSpc>
+                <a:spcPct val="150000"/>
+              </a:lnSpc>
+            </a:pPr>
+            <a:r>
+              <a:rPr lang="ko-KR" altLang="en-US" sz="1200" dirty="0" smtClean="0">
+                <a:latin typeface="+mn-ea"/>
+              </a:rPr>
+              <a:t>데이터를 </a:t>
+            </a:r>
+            <a:r>
+              <a:rPr lang="en-US" altLang="ko-KR" sz="1200" b="1" dirty="0" smtClean="0">
+                <a:latin typeface="+mn-ea"/>
+              </a:rPr>
+              <a:t>k</a:t>
+            </a:r>
+            <a:r>
+              <a:rPr lang="ko-KR" altLang="en-US" sz="1200" b="1" dirty="0" smtClean="0">
+                <a:latin typeface="+mn-ea"/>
+              </a:rPr>
+              <a:t>개 부분으로 나눈 후</a:t>
+            </a:r>
+            <a:r>
+              <a:rPr lang="en-US" altLang="ko-KR" sz="1200" b="1" dirty="0" smtClean="0">
+                <a:latin typeface="+mn-ea"/>
+              </a:rPr>
+              <a:t>(</a:t>
+            </a:r>
+            <a:r>
+              <a:rPr lang="ko-KR" altLang="en-US" sz="1200" b="1" dirty="0" smtClean="0">
+                <a:latin typeface="+mn-ea"/>
+              </a:rPr>
+              <a:t>주로 </a:t>
+            </a:r>
+            <a:r>
+              <a:rPr lang="en-US" altLang="ko-KR" sz="1200" b="1" dirty="0" smtClean="0">
+                <a:latin typeface="+mn-ea"/>
+              </a:rPr>
+              <a:t>5 or 10)</a:t>
+            </a:r>
+            <a:r>
+              <a:rPr lang="en-US" altLang="ko-KR" sz="1200" dirty="0" smtClean="0">
+                <a:latin typeface="+mn-ea"/>
+              </a:rPr>
+              <a:t>, </a:t>
+            </a:r>
+            <a:r>
+              <a:rPr lang="ko-KR" altLang="en-US" sz="1200" dirty="0" smtClean="0">
+                <a:latin typeface="+mn-ea"/>
+              </a:rPr>
+              <a:t>그 중 </a:t>
+            </a:r>
+            <a:r>
+              <a:rPr lang="ko-KR" altLang="en-US" sz="1200" b="1" u="sng" dirty="0" smtClean="0">
+                <a:latin typeface="+mn-ea"/>
+              </a:rPr>
+              <a:t>하나를 검증 집합</a:t>
+            </a:r>
+            <a:r>
+              <a:rPr lang="ko-KR" altLang="en-US" sz="1200" dirty="0" smtClean="0">
+                <a:latin typeface="+mn-ea"/>
+              </a:rPr>
+              <a:t>으로 </a:t>
+            </a:r>
+            <a:r>
+              <a:rPr lang="ko-KR" altLang="en-US" sz="1200" b="1" u="sng" dirty="0" smtClean="0">
+                <a:latin typeface="+mn-ea"/>
+              </a:rPr>
+              <a:t>나머지는 학습 집합</a:t>
+            </a:r>
+            <a:r>
+              <a:rPr lang="ko-KR" altLang="en-US" sz="1200" dirty="0" smtClean="0">
+                <a:latin typeface="+mn-ea"/>
+              </a:rPr>
+              <a:t>으로 분류</a:t>
+            </a:r>
+            <a:endParaRPr lang="en-US" altLang="ko-KR" sz="1200" dirty="0" smtClean="0">
+              <a:latin typeface="+mn-ea"/>
+            </a:endParaRPr>
+          </a:p>
+          <a:p>
+            <a:pPr lvl="1">
+              <a:lnSpc>
+                <a:spcPct val="150000"/>
+              </a:lnSpc>
+            </a:pPr>
+            <a:r>
+              <a:rPr lang="ko-KR" altLang="en-US" sz="1200" dirty="0" smtClean="0">
+                <a:latin typeface="+mn-ea"/>
+              </a:rPr>
+              <a:t>위 과정을 </a:t>
+            </a:r>
+            <a:r>
+              <a:rPr lang="en-US" altLang="ko-KR" sz="1200" dirty="0">
+                <a:latin typeface="+mn-ea"/>
+              </a:rPr>
+              <a:t> </a:t>
+            </a:r>
+            <a:r>
+              <a:rPr lang="en-US" altLang="ko-KR" sz="1200" b="1" u="sng" dirty="0" smtClean="0">
+                <a:solidFill>
+                  <a:srgbClr val="FF0000"/>
+                </a:solidFill>
+                <a:latin typeface="+mn-ea"/>
+              </a:rPr>
+              <a:t>k</a:t>
+            </a:r>
+            <a:r>
+              <a:rPr lang="ko-KR" altLang="en-US" sz="1200" b="1" u="sng" dirty="0" smtClean="0">
+                <a:solidFill>
+                  <a:srgbClr val="FF0000"/>
+                </a:solidFill>
+                <a:latin typeface="+mn-ea"/>
+              </a:rPr>
+              <a:t>번 반복하고 </a:t>
+            </a:r>
+            <a:r>
+              <a:rPr lang="en-US" altLang="ko-KR" sz="1200" b="1" u="sng" dirty="0" smtClean="0">
+                <a:solidFill>
+                  <a:srgbClr val="FF0000"/>
+                </a:solidFill>
+                <a:latin typeface="+mn-ea"/>
+              </a:rPr>
+              <a:t>k</a:t>
+            </a:r>
+            <a:r>
+              <a:rPr lang="ko-KR" altLang="en-US" sz="1200" b="1" u="sng" dirty="0" smtClean="0">
+                <a:solidFill>
+                  <a:srgbClr val="FF0000"/>
+                </a:solidFill>
+                <a:latin typeface="+mn-ea"/>
+              </a:rPr>
+              <a:t>개의 성능 지표를 평균</a:t>
+            </a:r>
+            <a:r>
+              <a:rPr lang="ko-KR" altLang="en-US" sz="1200" dirty="0" smtClean="0">
+                <a:latin typeface="+mn-ea"/>
+              </a:rPr>
+              <a:t>하여 모형의 적합성을 평가</a:t>
+            </a:r>
+            <a:endParaRPr lang="en-US" altLang="ko-KR" sz="1200" dirty="0">
+              <a:latin typeface="+mn-ea"/>
+            </a:endParaRPr>
+          </a:p>
+        </p:txBody>
+      </p:sp>
+      <p:pic>
+        <p:nvPicPr>
+          <p:cNvPr id="1026" name="Picture 2"/>
+          <p:cNvPicPr>
+            <a:picLocks noChangeAspect="1" noChangeArrowheads="1"/>
+          </p:cNvPicPr>
+          <p:nvPr/>
+        </p:nvPicPr>
+        <p:blipFill>
+          <a:blip r:embed="rId2">
+            <a:extLst>
+              <a:ext uri="{28A0092B-C50C-407E-A947-70E740481C1C}">
+                <a14:useLocalDpi xmlns:a14="http://schemas.microsoft.com/office/drawing/2010/main" val="0"/>
+              </a:ext>
+            </a:extLst>
+          </a:blip>
+          <a:srcRect/>
+          <a:stretch>
+            <a:fillRect/>
+          </a:stretch>
+        </p:blipFill>
+        <p:spPr bwMode="auto">
+          <a:xfrm>
+            <a:off x="758009" y="3140968"/>
+            <a:ext cx="7004050" cy="3067050"/>
+          </a:xfrm>
+          <a:prstGeom prst="rect">
+            <a:avLst/>
+          </a:prstGeom>
+          <a:noFill/>
+          <a:ln>
+            <a:noFill/>
+          </a:ln>
+          <a:extLst>
+            <a:ext uri="{909E8E84-426E-40DD-AFC4-6F175D3DCCD1}">
+              <a14:hiddenFill xmlns:a14="http://schemas.microsoft.com/office/drawing/2010/main">
+                <a:solidFill>
+                  <a:schemeClr val="accent1"/>
+                </a:solidFill>
+              </a14:hiddenFill>
+            </a:ext>
+            <a:ext uri="{91240B29-F687-4F45-9708-019B960494DF}">
+              <a14:hiddenLine xmlns:a14="http://schemas.microsoft.com/office/drawing/2010/main" w="9525">
+                <a:solidFill>
+                  <a:schemeClr val="tx1"/>
+                </a:solidFill>
+                <a:miter lim="800000"/>
+                <a:headEnd/>
+                <a:tailEnd/>
+              </a14:hiddenLine>
+            </a:ext>
+          </a:extLst>
+        </p:spPr>
+      </p:pic>
+      <p:sp>
+        <p:nvSpPr>
+          <p:cNvPr id="5" name="TextBox 4"/>
+          <p:cNvSpPr txBox="1"/>
+          <p:nvPr/>
+        </p:nvSpPr>
+        <p:spPr>
+          <a:xfrm>
+            <a:off x="793506" y="2795259"/>
+            <a:ext cx="6780831" cy="276999"/>
+          </a:xfrm>
+          <a:prstGeom prst="rect">
+            <a:avLst/>
+          </a:prstGeom>
+          <a:noFill/>
+        </p:spPr>
+        <p:txBody>
+          <a:bodyPr wrap="none" rtlCol="0">
+            <a:spAutoFit/>
+          </a:bodyPr>
+          <a:lstStyle/>
+          <a:p>
+            <a:r>
+              <a:rPr lang="en-US" altLang="ko-KR" sz="1200" dirty="0" smtClean="0">
+                <a:latin typeface="+mn-ea"/>
+              </a:rPr>
+              <a:t>※ </a:t>
+            </a:r>
+            <a:r>
+              <a:rPr lang="ko-KR" altLang="en-US" sz="1200" dirty="0" smtClean="0">
+                <a:latin typeface="+mn-ea"/>
+              </a:rPr>
+              <a:t>데이터가 많지 않은 경우</a:t>
+            </a:r>
+            <a:r>
+              <a:rPr lang="en-US" altLang="ko-KR" sz="1200" dirty="0" smtClean="0">
+                <a:latin typeface="+mn-ea"/>
+              </a:rPr>
+              <a:t>, </a:t>
+            </a:r>
+            <a:r>
+              <a:rPr lang="ko-KR" altLang="en-US" sz="1200" dirty="0" smtClean="0">
+                <a:latin typeface="+mn-ea"/>
+              </a:rPr>
+              <a:t>데이터를 </a:t>
+            </a:r>
+            <a:r>
+              <a:rPr lang="en-US" altLang="ko-KR" sz="1200" dirty="0" smtClean="0">
+                <a:latin typeface="+mn-ea"/>
+              </a:rPr>
+              <a:t>Training, Validation, Test</a:t>
+            </a:r>
+            <a:r>
+              <a:rPr lang="ko-KR" altLang="en-US" sz="1200" dirty="0" smtClean="0">
+                <a:latin typeface="+mn-ea"/>
+              </a:rPr>
+              <a:t>로 나누기 애매한 경우 많이 사용</a:t>
+            </a:r>
+            <a:endParaRPr lang="ko-KR" altLang="en-US" dirty="0">
+              <a:latin typeface="+mn-ea"/>
+            </a:endParaRPr>
+          </a:p>
+        </p:txBody>
+      </p:sp>
+    </p:spTree>
+    <p:extLst>
+      <p:ext uri="{BB962C8B-B14F-4D97-AF65-F5344CB8AC3E}">
+        <p14:creationId xmlns:p14="http://schemas.microsoft.com/office/powerpoint/2010/main" val="370489574"/>
+      </p:ext>
+    </p:extLst>
+  </p:cSld>
+  <p:clrMapOvr>
+    <a:masterClrMapping/>
+  </p:clrMapOvr>
+  <p:timing>
+    <p:tnLst>
+      <p:par>
+        <p:cTn id="1" dur="indefinite" restart="never" nodeType="tmRoot"/>
+      </p:par>
+    </p:tnLst>
+  </p:timing>
+</p:sld>
+</file>
+
+<file path=ppt/slides/slide25.xml><?xml version="1.0" encoding="utf-8"?>
+<p:sld xmlns:a="http://schemas.openxmlformats.org/drawingml/2006/main" xmlns:r="http://schemas.openxmlformats.org/officeDocument/2006/relationships" xmlns:p="http://schemas.openxmlformats.org/presentationml/2006/main">
+  <p:cSld>
+    <p:spTree>
+      <p:nvGrpSpPr>
+        <p:cNvPr id="1" name=""/>
+        <p:cNvGrpSpPr/>
+        <p:nvPr/>
+      </p:nvGrpSpPr>
+      <p:grpSpPr>
+        <a:xfrm>
+          <a:off x="0" y="0"/>
+          <a:ext cx="0" cy="0"/>
+          <a:chOff x="0" y="0"/>
+          <a:chExt cx="0" cy="0"/>
+        </a:xfrm>
+      </p:grpSpPr>
+      <p:sp>
+        <p:nvSpPr>
+          <p:cNvPr id="2" name="제목 1"/>
+          <p:cNvSpPr>
+            <a:spLocks noGrp="1"/>
+          </p:cNvSpPr>
+          <p:nvPr>
+            <p:ph type="title"/>
+          </p:nvPr>
+        </p:nvSpPr>
+        <p:spPr/>
+        <p:txBody>
+          <a:bodyPr>
+            <a:normAutofit/>
+          </a:bodyPr>
+          <a:lstStyle/>
+          <a:p>
+            <a:r>
+              <a:rPr lang="en-US" altLang="ko-KR" sz="3600" b="1" dirty="0" smtClean="0">
+                <a:latin typeface="+mn-ea"/>
+                <a:ea typeface="+mn-ea"/>
+              </a:rPr>
+              <a:t>06. </a:t>
+            </a:r>
+            <a:r>
+              <a:rPr lang="ko-KR" altLang="en-US" sz="3600" b="1" dirty="0" smtClean="0">
+                <a:latin typeface="+mn-ea"/>
+                <a:ea typeface="+mn-ea"/>
+              </a:rPr>
+              <a:t>모형의 적합성 및 실험설계</a:t>
+            </a:r>
+            <a:endParaRPr lang="ko-KR" altLang="en-US" sz="3600" b="1" dirty="0">
+              <a:latin typeface="+mn-ea"/>
+              <a:ea typeface="+mn-ea"/>
+            </a:endParaRPr>
+          </a:p>
+        </p:txBody>
+      </p:sp>
+      <mc:AlternateContent xmlns:mc="http://schemas.openxmlformats.org/markup-compatibility/2006">
+        <mc:Choice xmlns:a14="http://schemas.microsoft.com/office/drawing/2010/main" Requires="a14">
+          <p:sp>
+            <p:nvSpPr>
+              <p:cNvPr id="4" name="내용 개체 틀 3"/>
+              <p:cNvSpPr>
+                <a:spLocks noGrp="1"/>
+              </p:cNvSpPr>
+              <p:nvPr>
+                <p:ph sz="quarter" idx="1"/>
+              </p:nvPr>
+            </p:nvSpPr>
+            <p:spPr>
+              <a:xfrm>
+                <a:off x="467544" y="1124744"/>
+                <a:ext cx="8229600" cy="5181506"/>
+              </a:xfrm>
+            </p:spPr>
+            <p:txBody>
+              <a:bodyPr>
+                <a:normAutofit/>
+              </a:bodyPr>
+              <a:lstStyle/>
+              <a:p>
+                <a:pPr>
+                  <a:lnSpc>
+                    <a:spcPct val="150000"/>
+                  </a:lnSpc>
+                </a:pPr>
+                <a:r>
+                  <a:rPr lang="en-US" altLang="ko-KR" sz="2000" b="1" dirty="0" smtClean="0"/>
+                  <a:t>LOOCV(Leave-One-Out Cross Validation)</a:t>
+                </a:r>
+                <a:endParaRPr lang="en-US" altLang="ko-KR" sz="2000" b="1" dirty="0"/>
+              </a:p>
+              <a:p>
+                <a:pPr lvl="1">
+                  <a:lnSpc>
+                    <a:spcPct val="150000"/>
+                  </a:lnSpc>
+                </a:pPr>
+                <a:r>
+                  <a:rPr lang="ko-KR" altLang="en-US" sz="1200" dirty="0" smtClean="0">
+                    <a:latin typeface="+mn-ea"/>
+                  </a:rPr>
+                  <a:t>데이터의 수가 극단적으로 적을 때 사용하는 교차 검증 방법 </a:t>
+                </a:r>
+                <a:r>
+                  <a:rPr lang="en-US" altLang="ko-KR" sz="1200" dirty="0" smtClean="0">
+                    <a:latin typeface="+mn-ea"/>
+                  </a:rPr>
+                  <a:t>(</a:t>
+                </a:r>
+                <a14:m>
+                  <m:oMath xmlns:m="http://schemas.openxmlformats.org/officeDocument/2006/math">
+                    <m:r>
+                      <a:rPr lang="en-US" altLang="ko-KR" sz="1200" i="1">
+                        <a:latin typeface="Cambria Math"/>
+                      </a:rPr>
+                      <m:t>𝑛</m:t>
+                    </m:r>
+                  </m:oMath>
+                </a14:m>
+                <a:r>
+                  <a:rPr lang="en-US" altLang="ko-KR" sz="1200" dirty="0" smtClean="0">
+                    <a:latin typeface="+mn-ea"/>
+                  </a:rPr>
+                  <a:t>-Fold cross validation</a:t>
+                </a:r>
+                <a:r>
+                  <a:rPr lang="ko-KR" altLang="en-US" sz="1200" dirty="0" smtClean="0">
+                    <a:latin typeface="+mn-ea"/>
+                  </a:rPr>
+                  <a:t>이라 생각하면 됨</a:t>
+                </a:r>
+                <a:r>
+                  <a:rPr lang="en-US" altLang="ko-KR" sz="1200" dirty="0" smtClean="0">
+                    <a:latin typeface="+mn-ea"/>
+                  </a:rPr>
+                  <a:t>)</a:t>
+                </a:r>
+              </a:p>
+              <a:p>
+                <a:pPr lvl="1">
+                  <a:lnSpc>
+                    <a:spcPct val="150000"/>
+                  </a:lnSpc>
+                </a:pPr>
+                <a:r>
+                  <a:rPr lang="ko-KR" altLang="en-US" sz="1200" dirty="0" smtClean="0">
+                    <a:latin typeface="+mn-ea"/>
+                  </a:rPr>
+                  <a:t>총 </a:t>
+                </a:r>
+                <a14:m>
+                  <m:oMath xmlns:m="http://schemas.openxmlformats.org/officeDocument/2006/math">
+                    <m:r>
+                      <a:rPr lang="en-US" altLang="ko-KR" sz="1200" b="0" i="1" smtClean="0">
+                        <a:latin typeface="Cambria Math"/>
+                      </a:rPr>
+                      <m:t>𝑛</m:t>
+                    </m:r>
+                  </m:oMath>
+                </a14:m>
+                <a:r>
+                  <a:rPr lang="ko-KR" altLang="en-US" sz="1200" dirty="0" smtClean="0">
+                    <a:latin typeface="+mn-ea"/>
+                  </a:rPr>
+                  <a:t>개 모델을 만들며</a:t>
+                </a:r>
+                <a:r>
+                  <a:rPr lang="en-US" altLang="ko-KR" sz="1200" dirty="0" smtClean="0">
+                    <a:latin typeface="+mn-ea"/>
+                  </a:rPr>
+                  <a:t>, </a:t>
+                </a:r>
+                <a:r>
+                  <a:rPr lang="ko-KR" altLang="en-US" sz="1200" b="1" dirty="0" smtClean="0">
+                    <a:latin typeface="+mn-ea"/>
+                  </a:rPr>
+                  <a:t>각 모델은 </a:t>
+                </a:r>
+                <a:r>
+                  <a:rPr lang="ko-KR" altLang="en-US" sz="1200" b="1" u="sng" dirty="0" smtClean="0">
+                    <a:latin typeface="+mn-ea"/>
+                  </a:rPr>
+                  <a:t>하나의 샘플만 </a:t>
+                </a:r>
+                <a:r>
+                  <a:rPr lang="ko-KR" altLang="en-US" sz="1200" b="1" u="sng" dirty="0" smtClean="0">
+                    <a:latin typeface="+mn-ea"/>
+                  </a:rPr>
+                  <a:t>제외하면서 모델을 생성</a:t>
+                </a:r>
+                <a:r>
+                  <a:rPr lang="ko-KR" altLang="en-US" sz="1200" dirty="0" smtClean="0">
+                    <a:latin typeface="+mn-ea"/>
+                  </a:rPr>
+                  <a:t> </a:t>
+                </a:r>
+                <a:r>
+                  <a:rPr lang="en-US" altLang="ko-KR" sz="1200" dirty="0" smtClean="0">
+                    <a:latin typeface="+mn-ea"/>
+                  </a:rPr>
+                  <a:t>/ </a:t>
+                </a:r>
+                <a:r>
+                  <a:rPr lang="ko-KR" altLang="en-US" sz="1200" b="1" u="sng" dirty="0" smtClean="0">
+                    <a:latin typeface="+mn-ea"/>
+                  </a:rPr>
+                  <a:t>제외한 샘플을 성능 지표</a:t>
+                </a:r>
+                <a:r>
+                  <a:rPr lang="ko-KR" altLang="en-US" sz="1200" dirty="0" smtClean="0">
+                    <a:latin typeface="+mn-ea"/>
+                  </a:rPr>
+                  <a:t>로 계산</a:t>
+                </a:r>
+                <a:endParaRPr lang="en-US" altLang="ko-KR" sz="1200" dirty="0" smtClean="0">
+                  <a:latin typeface="+mn-ea"/>
+                </a:endParaRPr>
+              </a:p>
+              <a:p>
+                <a:pPr marL="274320" lvl="1" indent="0">
+                  <a:lnSpc>
+                    <a:spcPct val="150000"/>
+                  </a:lnSpc>
+                  <a:buNone/>
+                </a:pPr>
+                <a:r>
+                  <a:rPr lang="ko-KR" altLang="en-US" sz="1200" dirty="0" smtClean="0">
+                    <a:latin typeface="+mn-ea"/>
+                  </a:rPr>
+                  <a:t>     이렇게 도출된 </a:t>
+                </a:r>
+                <a14:m>
+                  <m:oMath xmlns:m="http://schemas.openxmlformats.org/officeDocument/2006/math">
+                    <m:r>
+                      <a:rPr lang="en-US" altLang="ko-KR" sz="1200" b="1" i="1" smtClean="0">
+                        <a:solidFill>
+                          <a:srgbClr val="FF0000"/>
+                        </a:solidFill>
+                        <a:latin typeface="Cambria Math"/>
+                      </a:rPr>
+                      <m:t>𝒏</m:t>
+                    </m:r>
+                    <m:r>
+                      <a:rPr lang="en-US" altLang="ko-KR" sz="1200" b="1" i="1" smtClean="0">
+                        <a:solidFill>
+                          <a:srgbClr val="FF0000"/>
+                        </a:solidFill>
+                        <a:latin typeface="Cambria Math"/>
+                      </a:rPr>
+                      <m:t> </m:t>
+                    </m:r>
+                  </m:oMath>
+                </a14:m>
+                <a:r>
+                  <a:rPr lang="ko-KR" altLang="en-US" sz="1200" b="1" dirty="0" smtClean="0">
+                    <a:solidFill>
+                      <a:srgbClr val="FF0000"/>
+                    </a:solidFill>
+                    <a:latin typeface="+mn-ea"/>
+                  </a:rPr>
+                  <a:t>개의 성능 지표를 평균 내어 최종 성능 지표</a:t>
+                </a:r>
+                <a:r>
+                  <a:rPr lang="ko-KR" altLang="en-US" sz="1200" dirty="0" smtClean="0">
+                    <a:latin typeface="+mn-ea"/>
+                  </a:rPr>
+                  <a:t> 도출</a:t>
+                </a:r>
+                <a:endParaRPr lang="en-US" altLang="ko-KR" sz="1200" dirty="0">
+                  <a:latin typeface="+mn-ea"/>
+                </a:endParaRPr>
+              </a:p>
+            </p:txBody>
+          </p:sp>
+        </mc:Choice>
+        <mc:Fallback>
+          <p:sp>
+            <p:nvSpPr>
+              <p:cNvPr id="4" name="내용 개체 틀 3"/>
+              <p:cNvSpPr>
+                <a:spLocks noGrp="1" noRot="1" noChangeAspect="1" noMove="1" noResize="1" noEditPoints="1" noAdjustHandles="1" noChangeArrowheads="1" noChangeShapeType="1" noTextEdit="1"/>
+              </p:cNvSpPr>
+              <p:nvPr>
+                <p:ph sz="quarter" idx="1"/>
+              </p:nvPr>
+            </p:nvSpPr>
+            <p:spPr>
+              <a:xfrm>
+                <a:off x="467544" y="1124744"/>
+                <a:ext cx="8229600" cy="5181506"/>
+              </a:xfrm>
+              <a:blipFill rotWithShape="1">
+                <a:blip r:embed="rId2"/>
+                <a:stretch>
+                  <a:fillRect l="-296"/>
+                </a:stretch>
+              </a:blipFill>
+            </p:spPr>
+            <p:txBody>
+              <a:bodyPr/>
+              <a:lstStyle/>
+              <a:p>
+                <a:r>
+                  <a:rPr lang="ko-KR" altLang="en-US">
+                    <a:noFill/>
+                  </a:rPr>
+                  <a:t> </a:t>
+                </a:r>
+              </a:p>
+            </p:txBody>
+          </p:sp>
+        </mc:Fallback>
+      </mc:AlternateContent>
+      <p:pic>
+        <p:nvPicPr>
+          <p:cNvPr id="2050" name="Picture 2"/>
+          <p:cNvPicPr>
+            <a:picLocks noChangeAspect="1" noChangeArrowheads="1"/>
+          </p:cNvPicPr>
+          <p:nvPr/>
+        </p:nvPicPr>
+        <p:blipFill>
+          <a:blip r:embed="rId3">
+            <a:extLst>
+              <a:ext uri="{28A0092B-C50C-407E-A947-70E740481C1C}">
+                <a14:useLocalDpi xmlns:a14="http://schemas.microsoft.com/office/drawing/2010/main" val="0"/>
+              </a:ext>
+            </a:extLst>
+          </a:blip>
+          <a:srcRect/>
+          <a:stretch>
+            <a:fillRect/>
+          </a:stretch>
+        </p:blipFill>
+        <p:spPr bwMode="auto">
+          <a:xfrm>
+            <a:off x="1043608" y="2852936"/>
+            <a:ext cx="6174687" cy="3024336"/>
+          </a:xfrm>
+          <a:prstGeom prst="rect">
+            <a:avLst/>
+          </a:prstGeom>
+          <a:noFill/>
+          <a:ln>
+            <a:noFill/>
+          </a:ln>
+          <a:extLst>
+            <a:ext uri="{909E8E84-426E-40DD-AFC4-6F175D3DCCD1}">
+              <a14:hiddenFill xmlns:a14="http://schemas.microsoft.com/office/drawing/2010/main">
+                <a:solidFill>
+                  <a:schemeClr val="accent1"/>
+                </a:solidFill>
+              </a14:hiddenFill>
+            </a:ext>
+            <a:ext uri="{91240B29-F687-4F45-9708-019B960494DF}">
+              <a14:hiddenLine xmlns:a14="http://schemas.microsoft.com/office/drawing/2010/main" w="9525">
+                <a:solidFill>
+                  <a:schemeClr val="tx1"/>
+                </a:solidFill>
+                <a:miter lim="800000"/>
+                <a:headEnd/>
+                <a:tailEnd/>
+              </a14:hiddenLine>
+            </a:ext>
+          </a:extLst>
+        </p:spPr>
+      </p:pic>
+    </p:spTree>
+    <p:extLst>
+      <p:ext uri="{BB962C8B-B14F-4D97-AF65-F5344CB8AC3E}">
+        <p14:creationId xmlns:p14="http://schemas.microsoft.com/office/powerpoint/2010/main" val="3472156651"/>
+      </p:ext>
+    </p:extLst>
+  </p:cSld>
+  <p:clrMapOvr>
+    <a:masterClrMapping/>
+  </p:clrMapOvr>
+  <p:timing>
+    <p:tnLst>
+      <p:par>
+        <p:cTn id="1" dur="indefinite" restart="never" nodeType="tmRoot"/>
+      </p:par>
+    </p:tnLst>
+  </p:timing>
+</p:sld>
+</file>
+
+<file path=ppt/slides/slide26.xml><?xml version="1.0" encoding="utf-8"?>
+<p:sld xmlns:a="http://schemas.openxmlformats.org/drawingml/2006/main" xmlns:r="http://schemas.openxmlformats.org/officeDocument/2006/relationships" xmlns:p="http://schemas.openxmlformats.org/presentationml/2006/main">
+  <p:cSld>
+    <p:spTree>
+      <p:nvGrpSpPr>
+        <p:cNvPr id="1" name=""/>
+        <p:cNvGrpSpPr/>
+        <p:nvPr/>
+      </p:nvGrpSpPr>
+      <p:grpSpPr>
+        <a:xfrm>
+          <a:off x="0" y="0"/>
+          <a:ext cx="0" cy="0"/>
+          <a:chOff x="0" y="0"/>
+          <a:chExt cx="0" cy="0"/>
+        </a:xfrm>
+      </p:grpSpPr>
+      <p:sp>
+        <p:nvSpPr>
+          <p:cNvPr id="2" name="제목 1"/>
+          <p:cNvSpPr>
+            <a:spLocks noGrp="1"/>
+          </p:cNvSpPr>
+          <p:nvPr>
+            <p:ph type="title"/>
+          </p:nvPr>
+        </p:nvSpPr>
+        <p:spPr/>
+        <p:txBody>
+          <a:bodyPr>
+            <a:normAutofit/>
+          </a:bodyPr>
+          <a:lstStyle/>
+          <a:p>
+            <a:r>
+              <a:rPr lang="en-US" altLang="ko-KR" sz="3600" b="1" dirty="0" smtClean="0">
+                <a:latin typeface="+mn-ea"/>
+                <a:ea typeface="+mn-ea"/>
+              </a:rPr>
+              <a:t>07. </a:t>
+            </a:r>
+            <a:r>
+              <a:rPr lang="ko-KR" altLang="en-US" sz="3600" b="1" dirty="0" smtClean="0">
+                <a:latin typeface="+mn-ea"/>
+                <a:ea typeface="+mn-ea"/>
+              </a:rPr>
+              <a:t>모형의 적합성 및 </a:t>
+            </a:r>
+            <a:r>
+              <a:rPr lang="ko-KR" altLang="en-US" sz="3600" b="1" dirty="0" smtClean="0">
+                <a:latin typeface="+mn-ea"/>
+                <a:ea typeface="+mn-ea"/>
+              </a:rPr>
+              <a:t>실험설계</a:t>
+            </a:r>
+            <a:r>
+              <a:rPr lang="en-US" altLang="ko-KR" sz="3600" b="1" dirty="0">
+                <a:latin typeface="+mn-ea"/>
+                <a:ea typeface="+mn-ea"/>
+              </a:rPr>
+              <a:t> </a:t>
+            </a:r>
+            <a:r>
+              <a:rPr lang="en-US" altLang="ko-KR" sz="3600" b="1" dirty="0" smtClean="0">
+                <a:latin typeface="+mn-ea"/>
+                <a:ea typeface="+mn-ea"/>
+              </a:rPr>
+              <a:t>2</a:t>
+            </a:r>
+            <a:endParaRPr lang="ko-KR" altLang="en-US" sz="3600" b="1" dirty="0">
+              <a:latin typeface="+mn-ea"/>
+              <a:ea typeface="+mn-ea"/>
+            </a:endParaRPr>
+          </a:p>
+        </p:txBody>
+      </p:sp>
+      <p:sp>
+        <p:nvSpPr>
+          <p:cNvPr id="4" name="내용 개체 틀 3"/>
+          <p:cNvSpPr>
+            <a:spLocks noGrp="1"/>
+          </p:cNvSpPr>
+          <p:nvPr>
+            <p:ph sz="quarter" idx="1"/>
+          </p:nvPr>
+        </p:nvSpPr>
+        <p:spPr>
+          <a:xfrm>
+            <a:off x="467544" y="1124744"/>
+            <a:ext cx="8229600" cy="5181506"/>
+          </a:xfrm>
+        </p:spPr>
+        <p:txBody>
+          <a:bodyPr>
+            <a:normAutofit/>
+          </a:bodyPr>
+          <a:lstStyle/>
+          <a:p>
+            <a:pPr>
+              <a:lnSpc>
+                <a:spcPct val="150000"/>
+              </a:lnSpc>
+            </a:pPr>
+            <a:r>
+              <a:rPr lang="ko-KR" altLang="en-US" sz="2400" b="1" dirty="0" smtClean="0"/>
+              <a:t>데이터 분석 과정</a:t>
+            </a:r>
+            <a:endParaRPr lang="en-US" altLang="ko-KR" sz="2400" b="1" dirty="0" smtClean="0"/>
+          </a:p>
+          <a:p>
+            <a:pPr marL="0" indent="0">
+              <a:lnSpc>
+                <a:spcPct val="150000"/>
+              </a:lnSpc>
+              <a:buNone/>
+            </a:pPr>
+            <a:endParaRPr lang="en-US" altLang="ko-KR" sz="2400" b="1" dirty="0"/>
+          </a:p>
+        </p:txBody>
+      </p:sp>
+      <p:pic>
+        <p:nvPicPr>
+          <p:cNvPr id="3074" name="Picture 2"/>
+          <p:cNvPicPr>
+            <a:picLocks noChangeAspect="1" noChangeArrowheads="1"/>
+          </p:cNvPicPr>
+          <p:nvPr/>
+        </p:nvPicPr>
+        <p:blipFill>
+          <a:blip r:embed="rId2">
+            <a:extLst>
+              <a:ext uri="{28A0092B-C50C-407E-A947-70E740481C1C}">
+                <a14:useLocalDpi xmlns:a14="http://schemas.microsoft.com/office/drawing/2010/main" val="0"/>
+              </a:ext>
+            </a:extLst>
+          </a:blip>
+          <a:srcRect/>
+          <a:stretch>
+            <a:fillRect/>
+          </a:stretch>
+        </p:blipFill>
+        <p:spPr bwMode="auto">
+          <a:xfrm>
+            <a:off x="611560" y="2060848"/>
+            <a:ext cx="8108950" cy="3096344"/>
+          </a:xfrm>
+          <a:prstGeom prst="rect">
+            <a:avLst/>
+          </a:prstGeom>
+          <a:noFill/>
+          <a:ln>
+            <a:noFill/>
+          </a:ln>
+          <a:extLst>
+            <a:ext uri="{909E8E84-426E-40DD-AFC4-6F175D3DCCD1}">
+              <a14:hiddenFill xmlns:a14="http://schemas.microsoft.com/office/drawing/2010/main">
+                <a:solidFill>
+                  <a:schemeClr val="accent1"/>
+                </a:solidFill>
+              </a14:hiddenFill>
+            </a:ext>
+            <a:ext uri="{91240B29-F687-4F45-9708-019B960494DF}">
+              <a14:hiddenLine xmlns:a14="http://schemas.microsoft.com/office/drawing/2010/main" w="9525">
+                <a:solidFill>
+                  <a:schemeClr val="tx1"/>
+                </a:solidFill>
+                <a:miter lim="800000"/>
+                <a:headEnd/>
+                <a:tailEnd/>
+              </a14:hiddenLine>
+            </a:ext>
+          </a:extLst>
+        </p:spPr>
+      </p:pic>
+    </p:spTree>
+    <p:extLst>
+      <p:ext uri="{BB962C8B-B14F-4D97-AF65-F5344CB8AC3E}">
+        <p14:creationId xmlns:p14="http://schemas.microsoft.com/office/powerpoint/2010/main" val="1456717212"/>
+      </p:ext>
+    </p:extLst>
+  </p:cSld>
+  <p:clrMapOvr>
+    <a:masterClrMapping/>
+  </p:clrMapOvr>
+  <p:timing>
+    <p:tnLst>
+      <p:par>
+        <p:cTn id="1" dur="indefinite" restart="never" nodeType="tmRoot"/>
+      </p:par>
+    </p:tnLst>
+  </p:timing>
+</p:sld>
+</file>
+
+<file path=ppt/slides/slide27.xml><?xml version="1.0" encoding="utf-8"?>
+<p:sld xmlns:a="http://schemas.openxmlformats.org/drawingml/2006/main" xmlns:r="http://schemas.openxmlformats.org/officeDocument/2006/relationships" xmlns:p="http://schemas.openxmlformats.org/presentationml/2006/main">
+  <p:cSld>
+    <p:spTree>
+      <p:nvGrpSpPr>
+        <p:cNvPr id="1" name=""/>
+        <p:cNvGrpSpPr/>
+        <p:nvPr/>
+      </p:nvGrpSpPr>
+      <p:grpSpPr>
+        <a:xfrm>
+          <a:off x="0" y="0"/>
+          <a:ext cx="0" cy="0"/>
+          <a:chOff x="0" y="0"/>
+          <a:chExt cx="0" cy="0"/>
+        </a:xfrm>
+      </p:grpSpPr>
+      <p:sp>
+        <p:nvSpPr>
+          <p:cNvPr id="2" name="제목 1"/>
+          <p:cNvSpPr>
+            <a:spLocks noGrp="1"/>
+          </p:cNvSpPr>
+          <p:nvPr>
+            <p:ph type="title"/>
+          </p:nvPr>
+        </p:nvSpPr>
+        <p:spPr/>
+        <p:txBody>
+          <a:bodyPr>
+            <a:normAutofit/>
+          </a:bodyPr>
+          <a:lstStyle/>
+          <a:p>
+            <a:r>
+              <a:rPr lang="en-US" altLang="ko-KR" sz="3600" b="1" dirty="0" smtClean="0">
+                <a:latin typeface="+mn-ea"/>
+                <a:ea typeface="+mn-ea"/>
+              </a:rPr>
+              <a:t>07. </a:t>
+            </a:r>
+            <a:r>
+              <a:rPr lang="ko-KR" altLang="en-US" sz="3600" b="1" dirty="0" smtClean="0">
+                <a:latin typeface="+mn-ea"/>
+                <a:ea typeface="+mn-ea"/>
+              </a:rPr>
+              <a:t>모형의 적합성 및 </a:t>
+            </a:r>
+            <a:r>
+              <a:rPr lang="ko-KR" altLang="en-US" sz="3600" b="1" dirty="0" smtClean="0">
+                <a:latin typeface="+mn-ea"/>
+                <a:ea typeface="+mn-ea"/>
+              </a:rPr>
+              <a:t>실험설계</a:t>
+            </a:r>
+            <a:r>
+              <a:rPr lang="en-US" altLang="ko-KR" sz="3600" b="1" dirty="0">
+                <a:latin typeface="+mn-ea"/>
+                <a:ea typeface="+mn-ea"/>
+              </a:rPr>
+              <a:t> </a:t>
+            </a:r>
+            <a:r>
+              <a:rPr lang="en-US" altLang="ko-KR" sz="3600" b="1" dirty="0" smtClean="0">
+                <a:latin typeface="+mn-ea"/>
+                <a:ea typeface="+mn-ea"/>
+              </a:rPr>
+              <a:t>2</a:t>
+            </a:r>
+            <a:endParaRPr lang="ko-KR" altLang="en-US" sz="3600" b="1" dirty="0">
+              <a:latin typeface="+mn-ea"/>
+              <a:ea typeface="+mn-ea"/>
+            </a:endParaRPr>
+          </a:p>
+        </p:txBody>
+      </p:sp>
+      <p:sp>
+        <p:nvSpPr>
+          <p:cNvPr id="4" name="내용 개체 틀 3"/>
+          <p:cNvSpPr>
+            <a:spLocks noGrp="1"/>
+          </p:cNvSpPr>
+          <p:nvPr>
+            <p:ph sz="quarter" idx="1"/>
+          </p:nvPr>
+        </p:nvSpPr>
+        <p:spPr>
+          <a:xfrm>
+            <a:off x="467544" y="1124744"/>
+            <a:ext cx="8229600" cy="5181506"/>
+          </a:xfrm>
+        </p:spPr>
+        <p:txBody>
+          <a:bodyPr>
+            <a:normAutofit/>
+          </a:bodyPr>
+          <a:lstStyle/>
+          <a:p>
+            <a:pPr>
+              <a:lnSpc>
+                <a:spcPct val="150000"/>
+              </a:lnSpc>
+            </a:pPr>
+            <a:r>
+              <a:rPr lang="ko-KR" altLang="en-US" sz="2000" b="1" dirty="0" smtClean="0"/>
+              <a:t>데이터 분석 과정 </a:t>
+            </a:r>
+            <a:r>
+              <a:rPr lang="en-US" altLang="ko-KR" sz="2000" b="1" dirty="0" smtClean="0"/>
+              <a:t>&gt; </a:t>
+            </a:r>
+            <a:r>
+              <a:rPr lang="ko-KR" altLang="en-US" sz="2000" b="1" dirty="0" smtClean="0"/>
+              <a:t>전처리</a:t>
+            </a:r>
+            <a:endParaRPr lang="en-US" altLang="ko-KR" sz="2000" b="1" dirty="0"/>
+          </a:p>
+        </p:txBody>
+      </p:sp>
+      <p:pic>
+        <p:nvPicPr>
+          <p:cNvPr id="4098" name="Picture 2"/>
+          <p:cNvPicPr>
+            <a:picLocks noChangeAspect="1" noChangeArrowheads="1"/>
+          </p:cNvPicPr>
+          <p:nvPr/>
+        </p:nvPicPr>
+        <p:blipFill rotWithShape="1">
+          <a:blip r:embed="rId2">
+            <a:extLst>
+              <a:ext uri="{28A0092B-C50C-407E-A947-70E740481C1C}">
+                <a14:useLocalDpi xmlns:a14="http://schemas.microsoft.com/office/drawing/2010/main" val="0"/>
+              </a:ext>
+            </a:extLst>
+          </a:blip>
+          <a:srcRect r="43503"/>
+          <a:stretch/>
+        </p:blipFill>
+        <p:spPr bwMode="auto">
+          <a:xfrm>
+            <a:off x="500810" y="1916832"/>
+            <a:ext cx="4659627" cy="3302000"/>
+          </a:xfrm>
+          <a:prstGeom prst="rect">
+            <a:avLst/>
+          </a:prstGeom>
+          <a:noFill/>
+          <a:ln>
+            <a:noFill/>
+          </a:ln>
+          <a:extLst>
+            <a:ext uri="{909E8E84-426E-40DD-AFC4-6F175D3DCCD1}">
+              <a14:hiddenFill xmlns:a14="http://schemas.microsoft.com/office/drawing/2010/main">
+                <a:solidFill>
+                  <a:schemeClr val="accent1"/>
+                </a:solidFill>
+              </a14:hiddenFill>
+            </a:ext>
+            <a:ext uri="{91240B29-F687-4F45-9708-019B960494DF}">
+              <a14:hiddenLine xmlns:a14="http://schemas.microsoft.com/office/drawing/2010/main" w="9525">
+                <a:solidFill>
+                  <a:schemeClr val="tx1"/>
+                </a:solidFill>
+                <a:miter lim="800000"/>
+                <a:headEnd/>
+                <a:tailEnd/>
+              </a14:hiddenLine>
+            </a:ext>
+          </a:extLst>
+        </p:spPr>
+      </p:pic>
+      <p:pic>
+        <p:nvPicPr>
+          <p:cNvPr id="4099" name="Picture 3"/>
+          <p:cNvPicPr>
+            <a:picLocks noChangeAspect="1" noChangeArrowheads="1"/>
+          </p:cNvPicPr>
+          <p:nvPr/>
+        </p:nvPicPr>
+        <p:blipFill>
+          <a:blip r:embed="rId3">
+            <a:extLst>
+              <a:ext uri="{28A0092B-C50C-407E-A947-70E740481C1C}">
+                <a14:useLocalDpi xmlns:a14="http://schemas.microsoft.com/office/drawing/2010/main" val="0"/>
+              </a:ext>
+            </a:extLst>
+          </a:blip>
+          <a:srcRect/>
+          <a:stretch>
+            <a:fillRect/>
+          </a:stretch>
+        </p:blipFill>
+        <p:spPr bwMode="auto">
+          <a:xfrm>
+            <a:off x="1567948" y="5343196"/>
+            <a:ext cx="7184978" cy="929579"/>
+          </a:xfrm>
+          <a:prstGeom prst="rect">
+            <a:avLst/>
+          </a:prstGeom>
+          <a:noFill/>
+          <a:ln>
+            <a:noFill/>
+          </a:ln>
+          <a:extLst>
+            <a:ext uri="{909E8E84-426E-40DD-AFC4-6F175D3DCCD1}">
+              <a14:hiddenFill xmlns:a14="http://schemas.microsoft.com/office/drawing/2010/main">
+                <a:solidFill>
+                  <a:schemeClr val="accent1"/>
+                </a:solidFill>
+              </a14:hiddenFill>
+            </a:ext>
+            <a:ext uri="{91240B29-F687-4F45-9708-019B960494DF}">
+              <a14:hiddenLine xmlns:a14="http://schemas.microsoft.com/office/drawing/2010/main" w="9525">
+                <a:solidFill>
+                  <a:schemeClr val="tx1"/>
+                </a:solidFill>
+                <a:miter lim="800000"/>
+                <a:headEnd/>
+                <a:tailEnd/>
+              </a14:hiddenLine>
+            </a:ext>
+          </a:extLst>
+        </p:spPr>
+      </p:pic>
+      <p:sp>
+        <p:nvSpPr>
+          <p:cNvPr id="5" name="직사각형 4"/>
+          <p:cNvSpPr/>
+          <p:nvPr/>
+        </p:nvSpPr>
+        <p:spPr>
+          <a:xfrm>
+            <a:off x="500810" y="2564904"/>
+            <a:ext cx="4659627" cy="2653928"/>
+          </a:xfrm>
+          <a:prstGeom prst="rect">
+            <a:avLst/>
+          </a:prstGeom>
+          <a:noFill/>
+          <a:ln>
+            <a:prstDash val="dash"/>
+          </a:ln>
+        </p:spPr>
+        <p:style>
+          <a:lnRef idx="2">
+            <a:schemeClr val="accent1">
+              <a:shade val="50000"/>
+            </a:schemeClr>
+          </a:lnRef>
+          <a:fillRef idx="1">
+            <a:schemeClr val="accent1"/>
+          </a:fillRef>
+          <a:effectRef idx="0">
+            <a:schemeClr val="accent1"/>
+          </a:effectRef>
+          <a:fontRef idx="minor">
+            <a:schemeClr val="lt1"/>
+          </a:fontRef>
+        </p:style>
+        <p:txBody>
+          <a:bodyPr rtlCol="0" anchor="ctr"/>
+          <a:lstStyle/>
+          <a:p>
+            <a:pPr algn="ctr"/>
+            <a:endParaRPr lang="ko-KR" altLang="en-US"/>
+          </a:p>
+        </p:txBody>
+      </p:sp>
+      <p:cxnSp>
+        <p:nvCxnSpPr>
+          <p:cNvPr id="7" name="꺾인 연결선 6"/>
+          <p:cNvCxnSpPr/>
+          <p:nvPr/>
+        </p:nvCxnSpPr>
+        <p:spPr>
+          <a:xfrm rot="16200000" flipH="1">
+            <a:off x="1011201" y="5251239"/>
+            <a:ext cx="589154" cy="524340"/>
+          </a:xfrm>
+          <a:prstGeom prst="bentConnector2">
+            <a:avLst/>
+          </a:prstGeom>
+          <a:ln>
+            <a:prstDash val="lgDash"/>
+            <a:tailEnd type="arrow"/>
+          </a:ln>
+        </p:spPr>
+        <p:style>
+          <a:lnRef idx="1">
+            <a:schemeClr val="dk1"/>
+          </a:lnRef>
+          <a:fillRef idx="0">
+            <a:schemeClr val="dk1"/>
+          </a:fillRef>
+          <a:effectRef idx="0">
+            <a:schemeClr val="dk1"/>
+          </a:effectRef>
+          <a:fontRef idx="minor">
+            <a:schemeClr val="tx1"/>
+          </a:fontRef>
+        </p:style>
+      </p:cxnSp>
+      <p:sp>
+        <p:nvSpPr>
+          <p:cNvPr id="8" name="TextBox 7"/>
+          <p:cNvSpPr txBox="1"/>
+          <p:nvPr/>
+        </p:nvSpPr>
+        <p:spPr>
+          <a:xfrm>
+            <a:off x="251520" y="5677475"/>
+            <a:ext cx="843501" cy="461665"/>
+          </a:xfrm>
+          <a:prstGeom prst="rect">
+            <a:avLst/>
+          </a:prstGeom>
+          <a:noFill/>
+        </p:spPr>
+        <p:txBody>
+          <a:bodyPr wrap="none" rtlCol="0">
+            <a:spAutoFit/>
+          </a:bodyPr>
+          <a:lstStyle/>
+          <a:p>
+            <a:pPr algn="ctr"/>
+            <a:r>
+              <a:rPr lang="ko-KR" altLang="en-US" sz="1200" dirty="0" smtClean="0"/>
+              <a:t>파생변수 </a:t>
+            </a:r>
+            <a:endParaRPr lang="en-US" altLang="ko-KR" sz="1200" dirty="0" smtClean="0"/>
+          </a:p>
+          <a:p>
+            <a:pPr algn="ctr"/>
+            <a:r>
+              <a:rPr lang="ko-KR" altLang="en-US" sz="1200" dirty="0" smtClean="0"/>
+              <a:t>생성</a:t>
+            </a:r>
+            <a:endParaRPr lang="ko-KR" altLang="en-US" sz="1200" dirty="0"/>
+          </a:p>
+        </p:txBody>
+      </p:sp>
+      <p:pic>
+        <p:nvPicPr>
+          <p:cNvPr id="4100" name="Picture 4"/>
+          <p:cNvPicPr>
+            <a:picLocks noChangeAspect="1" noChangeArrowheads="1"/>
+          </p:cNvPicPr>
+          <p:nvPr/>
+        </p:nvPicPr>
+        <p:blipFill>
+          <a:blip r:embed="rId4">
+            <a:extLst>
+              <a:ext uri="{28A0092B-C50C-407E-A947-70E740481C1C}">
+                <a14:useLocalDpi xmlns:a14="http://schemas.microsoft.com/office/drawing/2010/main" val="0"/>
+              </a:ext>
+            </a:extLst>
+          </a:blip>
+          <a:srcRect/>
+          <a:stretch>
+            <a:fillRect/>
+          </a:stretch>
+        </p:blipFill>
+        <p:spPr bwMode="auto">
+          <a:xfrm>
+            <a:off x="6516216" y="2564904"/>
+            <a:ext cx="2160240" cy="1557580"/>
+          </a:xfrm>
+          <a:prstGeom prst="rect">
+            <a:avLst/>
+          </a:prstGeom>
+          <a:noFill/>
+          <a:ln>
+            <a:noFill/>
+          </a:ln>
+          <a:extLst>
+            <a:ext uri="{909E8E84-426E-40DD-AFC4-6F175D3DCCD1}">
+              <a14:hiddenFill xmlns:a14="http://schemas.microsoft.com/office/drawing/2010/main">
+                <a:solidFill>
+                  <a:schemeClr val="accent1"/>
+                </a:solidFill>
+              </a14:hiddenFill>
+            </a:ext>
+            <a:ext uri="{91240B29-F687-4F45-9708-019B960494DF}">
+              <a14:hiddenLine xmlns:a14="http://schemas.microsoft.com/office/drawing/2010/main" w="9525">
+                <a:solidFill>
+                  <a:schemeClr val="tx1"/>
+                </a:solidFill>
+                <a:miter lim="800000"/>
+                <a:headEnd/>
+                <a:tailEnd/>
+              </a14:hiddenLine>
+            </a:ext>
+          </a:extLst>
+        </p:spPr>
+      </p:pic>
+      <p:sp>
+        <p:nvSpPr>
+          <p:cNvPr id="9" name="직사각형 8"/>
+          <p:cNvSpPr/>
+          <p:nvPr/>
+        </p:nvSpPr>
+        <p:spPr>
+          <a:xfrm>
+            <a:off x="1567948" y="5343196"/>
+            <a:ext cx="7184978" cy="929579"/>
+          </a:xfrm>
+          <a:prstGeom prst="rect">
+            <a:avLst/>
+          </a:prstGeom>
+          <a:solidFill>
+            <a:schemeClr val="accent2">
+              <a:lumMod val="60000"/>
+              <a:lumOff val="40000"/>
+              <a:alpha val="52000"/>
+            </a:schemeClr>
+          </a:solidFill>
+          <a:ln>
+            <a:solidFill>
+              <a:schemeClr val="accent1">
+                <a:lumMod val="60000"/>
+                <a:lumOff val="40000"/>
+              </a:schemeClr>
+            </a:solidFill>
+          </a:ln>
+        </p:spPr>
+        <p:style>
+          <a:lnRef idx="2">
+            <a:schemeClr val="accent1">
+              <a:shade val="50000"/>
+            </a:schemeClr>
+          </a:lnRef>
+          <a:fillRef idx="1">
+            <a:schemeClr val="accent1"/>
+          </a:fillRef>
+          <a:effectRef idx="0">
+            <a:schemeClr val="accent1"/>
+          </a:effectRef>
+          <a:fontRef idx="minor">
+            <a:schemeClr val="lt1"/>
+          </a:fontRef>
+        </p:style>
+        <p:txBody>
+          <a:bodyPr rtlCol="0" anchor="ctr"/>
+          <a:lstStyle/>
+          <a:p>
+            <a:pPr algn="ctr"/>
+            <a:endParaRPr lang="ko-KR" altLang="en-US"/>
+          </a:p>
+        </p:txBody>
+      </p:sp>
+      <p:cxnSp>
+        <p:nvCxnSpPr>
+          <p:cNvPr id="11" name="직선 화살표 연결선 10"/>
+          <p:cNvCxnSpPr/>
+          <p:nvPr/>
+        </p:nvCxnSpPr>
+        <p:spPr>
+          <a:xfrm flipV="1">
+            <a:off x="5868144" y="4293096"/>
+            <a:ext cx="1050100" cy="1050100"/>
+          </a:xfrm>
+          <a:prstGeom prst="straightConnector1">
+            <a:avLst/>
+          </a:prstGeom>
+          <a:ln>
+            <a:tailEnd type="arrow"/>
+          </a:ln>
+        </p:spPr>
+        <p:style>
+          <a:lnRef idx="1">
+            <a:schemeClr val="accent1"/>
+          </a:lnRef>
+          <a:fillRef idx="0">
+            <a:schemeClr val="accent1"/>
+          </a:fillRef>
+          <a:effectRef idx="0">
+            <a:schemeClr val="accent1"/>
+          </a:effectRef>
+          <a:fontRef idx="minor">
+            <a:schemeClr val="tx1"/>
+          </a:fontRef>
+        </p:style>
+      </p:cxnSp>
+      <p:sp>
+        <p:nvSpPr>
+          <p:cNvPr id="12" name="타원 11"/>
+          <p:cNvSpPr/>
+          <p:nvPr/>
+        </p:nvSpPr>
+        <p:spPr>
+          <a:xfrm>
+            <a:off x="6295730" y="1988840"/>
+            <a:ext cx="2524742" cy="2448272"/>
+          </a:xfrm>
+          <a:prstGeom prst="ellipse">
+            <a:avLst/>
+          </a:prstGeom>
+          <a:noFill/>
+        </p:spPr>
+        <p:style>
+          <a:lnRef idx="2">
+            <a:schemeClr val="accent1">
+              <a:shade val="50000"/>
+            </a:schemeClr>
+          </a:lnRef>
+          <a:fillRef idx="1">
+            <a:schemeClr val="accent1"/>
+          </a:fillRef>
+          <a:effectRef idx="0">
+            <a:schemeClr val="accent1"/>
+          </a:effectRef>
+          <a:fontRef idx="minor">
+            <a:schemeClr val="lt1"/>
+          </a:fontRef>
+        </p:style>
+        <p:txBody>
+          <a:bodyPr rtlCol="0" anchor="ctr"/>
+          <a:lstStyle/>
+          <a:p>
+            <a:pPr algn="ctr"/>
+            <a:endParaRPr lang="ko-KR" altLang="en-US"/>
+          </a:p>
+        </p:txBody>
+      </p:sp>
+    </p:spTree>
+    <p:extLst>
+      <p:ext uri="{BB962C8B-B14F-4D97-AF65-F5344CB8AC3E}">
+        <p14:creationId xmlns:p14="http://schemas.microsoft.com/office/powerpoint/2010/main" val="2060803789"/>
+      </p:ext>
+    </p:extLst>
+  </p:cSld>
+  <p:clrMapOvr>
+    <a:masterClrMapping/>
+  </p:clrMapOvr>
+  <p:timing>
+    <p:tnLst>
+      <p:par>
+        <p:cTn id="1" dur="indefinite" restart="never" nodeType="tmRoot"/>
+      </p:par>
+    </p:tnLst>
+  </p:timing>
+</p:sld>
+</file>
+
+<file path=ppt/slides/slide28.xml><?xml version="1.0" encoding="utf-8"?>
+<p:sld xmlns:a="http://schemas.openxmlformats.org/drawingml/2006/main" xmlns:r="http://schemas.openxmlformats.org/officeDocument/2006/relationships" xmlns:p="http://schemas.openxmlformats.org/presentationml/2006/main">
+  <p:cSld>
+    <p:spTree>
+      <p:nvGrpSpPr>
+        <p:cNvPr id="1" name=""/>
+        <p:cNvGrpSpPr/>
+        <p:nvPr/>
+      </p:nvGrpSpPr>
+      <p:grpSpPr>
+        <a:xfrm>
+          <a:off x="0" y="0"/>
+          <a:ext cx="0" cy="0"/>
+          <a:chOff x="0" y="0"/>
+          <a:chExt cx="0" cy="0"/>
+        </a:xfrm>
+      </p:grpSpPr>
+      <p:sp>
+        <p:nvSpPr>
+          <p:cNvPr id="2" name="제목 1"/>
+          <p:cNvSpPr>
+            <a:spLocks noGrp="1"/>
+          </p:cNvSpPr>
+          <p:nvPr>
+            <p:ph type="title"/>
+          </p:nvPr>
+        </p:nvSpPr>
+        <p:spPr/>
+        <p:txBody>
+          <a:bodyPr>
+            <a:normAutofit/>
+          </a:bodyPr>
+          <a:lstStyle/>
+          <a:p>
+            <a:r>
+              <a:rPr lang="en-US" altLang="ko-KR" sz="3600" b="1" dirty="0" smtClean="0">
+                <a:latin typeface="+mn-ea"/>
+                <a:ea typeface="+mn-ea"/>
+              </a:rPr>
+              <a:t>07. </a:t>
+            </a:r>
+            <a:r>
+              <a:rPr lang="ko-KR" altLang="en-US" sz="3600" b="1" dirty="0" smtClean="0">
+                <a:latin typeface="+mn-ea"/>
+                <a:ea typeface="+mn-ea"/>
+              </a:rPr>
+              <a:t>모형의 적합성 및 </a:t>
+            </a:r>
+            <a:r>
+              <a:rPr lang="ko-KR" altLang="en-US" sz="3600" b="1" dirty="0" smtClean="0">
+                <a:latin typeface="+mn-ea"/>
+                <a:ea typeface="+mn-ea"/>
+              </a:rPr>
+              <a:t>실험설계</a:t>
+            </a:r>
+            <a:r>
+              <a:rPr lang="en-US" altLang="ko-KR" sz="3600" b="1" dirty="0">
+                <a:latin typeface="+mn-ea"/>
+                <a:ea typeface="+mn-ea"/>
+              </a:rPr>
+              <a:t> </a:t>
+            </a:r>
+            <a:r>
+              <a:rPr lang="en-US" altLang="ko-KR" sz="3600" b="1" dirty="0" smtClean="0">
+                <a:latin typeface="+mn-ea"/>
+                <a:ea typeface="+mn-ea"/>
+              </a:rPr>
+              <a:t>2</a:t>
+            </a:r>
+            <a:endParaRPr lang="ko-KR" altLang="en-US" sz="3600" b="1" dirty="0">
+              <a:latin typeface="+mn-ea"/>
+              <a:ea typeface="+mn-ea"/>
+            </a:endParaRPr>
+          </a:p>
+        </p:txBody>
+      </p:sp>
+      <p:sp>
+        <p:nvSpPr>
+          <p:cNvPr id="4" name="내용 개체 틀 3"/>
+          <p:cNvSpPr>
+            <a:spLocks noGrp="1"/>
+          </p:cNvSpPr>
+          <p:nvPr>
+            <p:ph sz="quarter" idx="1"/>
+          </p:nvPr>
+        </p:nvSpPr>
+        <p:spPr>
+          <a:xfrm>
+            <a:off x="467544" y="1124744"/>
+            <a:ext cx="8229600" cy="5181506"/>
+          </a:xfrm>
+        </p:spPr>
+        <p:txBody>
+          <a:bodyPr>
+            <a:normAutofit/>
+          </a:bodyPr>
+          <a:lstStyle/>
+          <a:p>
+            <a:pPr>
+              <a:lnSpc>
+                <a:spcPct val="150000"/>
+              </a:lnSpc>
+            </a:pPr>
+            <a:r>
+              <a:rPr lang="ko-KR" altLang="en-US" sz="2000" b="1" dirty="0" smtClean="0"/>
+              <a:t>데이터 분석 과정 </a:t>
+            </a:r>
+            <a:r>
+              <a:rPr lang="en-US" altLang="ko-KR" sz="2000" b="1" dirty="0" smtClean="0"/>
+              <a:t>&gt; </a:t>
+            </a:r>
+            <a:r>
+              <a:rPr lang="ko-KR" altLang="en-US" sz="2000" b="1" dirty="0" smtClean="0"/>
+              <a:t>전처리</a:t>
+            </a:r>
+            <a:endParaRPr lang="en-US" altLang="ko-KR" sz="2000" b="1" dirty="0"/>
+          </a:p>
+        </p:txBody>
+      </p:sp>
+      <p:pic>
+        <p:nvPicPr>
+          <p:cNvPr id="5122" name="Picture 2"/>
+          <p:cNvPicPr>
+            <a:picLocks noChangeAspect="1" noChangeArrowheads="1"/>
+          </p:cNvPicPr>
+          <p:nvPr/>
+        </p:nvPicPr>
+        <p:blipFill>
+          <a:blip r:embed="rId2">
+            <a:extLst>
+              <a:ext uri="{28A0092B-C50C-407E-A947-70E740481C1C}">
+                <a14:useLocalDpi xmlns:a14="http://schemas.microsoft.com/office/drawing/2010/main" val="0"/>
+              </a:ext>
+            </a:extLst>
+          </a:blip>
+          <a:srcRect/>
+          <a:stretch>
+            <a:fillRect/>
+          </a:stretch>
+        </p:blipFill>
+        <p:spPr bwMode="auto">
+          <a:xfrm>
+            <a:off x="611560" y="1844824"/>
+            <a:ext cx="8136904" cy="3600450"/>
+          </a:xfrm>
+          <a:prstGeom prst="rect">
+            <a:avLst/>
+          </a:prstGeom>
+          <a:noFill/>
+          <a:ln>
+            <a:noFill/>
+          </a:ln>
+          <a:extLst>
+            <a:ext uri="{909E8E84-426E-40DD-AFC4-6F175D3DCCD1}">
+              <a14:hiddenFill xmlns:a14="http://schemas.microsoft.com/office/drawing/2010/main">
+                <a:solidFill>
+                  <a:schemeClr val="accent1"/>
+                </a:solidFill>
+              </a14:hiddenFill>
+            </a:ext>
+            <a:ext uri="{91240B29-F687-4F45-9708-019B960494DF}">
+              <a14:hiddenLine xmlns:a14="http://schemas.microsoft.com/office/drawing/2010/main" w="9525">
+                <a:solidFill>
+                  <a:schemeClr val="tx1"/>
+                </a:solidFill>
+                <a:miter lim="800000"/>
+                <a:headEnd/>
+                <a:tailEnd/>
+              </a14:hiddenLine>
+            </a:ext>
+          </a:extLst>
+        </p:spPr>
+      </p:pic>
+    </p:spTree>
+    <p:extLst>
+      <p:ext uri="{BB962C8B-B14F-4D97-AF65-F5344CB8AC3E}">
+        <p14:creationId xmlns:p14="http://schemas.microsoft.com/office/powerpoint/2010/main" val="2908350316"/>
+      </p:ext>
+    </p:extLst>
+  </p:cSld>
+  <p:clrMapOvr>
+    <a:masterClrMapping/>
+  </p:clrMapOvr>
+  <p:timing>
+    <p:tnLst>
+      <p:par>
+        <p:cTn id="1" dur="indefinite" restart="never" nodeType="tmRoot"/>
+      </p:par>
+    </p:tnLst>
+  </p:timing>
+</p:sld>
+</file>
+
+<file path=ppt/slides/slide29.xml><?xml version="1.0" encoding="utf-8"?>
+<p:sld xmlns:a="http://schemas.openxmlformats.org/drawingml/2006/main" xmlns:r="http://schemas.openxmlformats.org/officeDocument/2006/relationships" xmlns:p="http://schemas.openxmlformats.org/presentationml/2006/main">
+  <p:cSld>
+    <p:spTree>
+      <p:nvGrpSpPr>
+        <p:cNvPr id="1" name=""/>
+        <p:cNvGrpSpPr/>
+        <p:nvPr/>
+      </p:nvGrpSpPr>
+      <p:grpSpPr>
+        <a:xfrm>
+          <a:off x="0" y="0"/>
+          <a:ext cx="0" cy="0"/>
+          <a:chOff x="0" y="0"/>
+          <a:chExt cx="0" cy="0"/>
+        </a:xfrm>
+      </p:grpSpPr>
+      <p:sp>
+        <p:nvSpPr>
+          <p:cNvPr id="2" name="제목 1"/>
+          <p:cNvSpPr>
+            <a:spLocks noGrp="1"/>
+          </p:cNvSpPr>
+          <p:nvPr>
+            <p:ph type="title"/>
+          </p:nvPr>
+        </p:nvSpPr>
+        <p:spPr/>
+        <p:txBody>
+          <a:bodyPr>
+            <a:normAutofit/>
+          </a:bodyPr>
+          <a:lstStyle/>
+          <a:p>
+            <a:r>
+              <a:rPr lang="en-US" altLang="ko-KR" sz="3600" b="1" dirty="0" smtClean="0">
+                <a:latin typeface="+mn-ea"/>
+                <a:ea typeface="+mn-ea"/>
+              </a:rPr>
+              <a:t>07. </a:t>
+            </a:r>
+            <a:r>
+              <a:rPr lang="ko-KR" altLang="en-US" sz="3600" b="1" dirty="0" smtClean="0">
+                <a:latin typeface="+mn-ea"/>
+                <a:ea typeface="+mn-ea"/>
+              </a:rPr>
+              <a:t>모형의 적합성 및 </a:t>
+            </a:r>
+            <a:r>
+              <a:rPr lang="ko-KR" altLang="en-US" sz="3600" b="1" dirty="0" smtClean="0">
+                <a:latin typeface="+mn-ea"/>
+                <a:ea typeface="+mn-ea"/>
+              </a:rPr>
+              <a:t>실험설계</a:t>
+            </a:r>
+            <a:r>
+              <a:rPr lang="en-US" altLang="ko-KR" sz="3600" b="1" dirty="0">
+                <a:latin typeface="+mn-ea"/>
+                <a:ea typeface="+mn-ea"/>
+              </a:rPr>
+              <a:t> </a:t>
+            </a:r>
+            <a:r>
+              <a:rPr lang="en-US" altLang="ko-KR" sz="3600" b="1" dirty="0" smtClean="0">
+                <a:latin typeface="+mn-ea"/>
+                <a:ea typeface="+mn-ea"/>
+              </a:rPr>
+              <a:t>2</a:t>
+            </a:r>
+            <a:endParaRPr lang="ko-KR" altLang="en-US" sz="3600" b="1" dirty="0">
+              <a:latin typeface="+mn-ea"/>
+              <a:ea typeface="+mn-ea"/>
+            </a:endParaRPr>
+          </a:p>
+        </p:txBody>
+      </p:sp>
+      <p:sp>
+        <p:nvSpPr>
+          <p:cNvPr id="4" name="내용 개체 틀 3"/>
+          <p:cNvSpPr>
+            <a:spLocks noGrp="1"/>
+          </p:cNvSpPr>
+          <p:nvPr>
+            <p:ph sz="quarter" idx="1"/>
+          </p:nvPr>
+        </p:nvSpPr>
+        <p:spPr>
+          <a:xfrm>
+            <a:off x="467544" y="1124744"/>
+            <a:ext cx="8229600" cy="5181506"/>
+          </a:xfrm>
+        </p:spPr>
+        <p:txBody>
+          <a:bodyPr>
+            <a:normAutofit/>
+          </a:bodyPr>
+          <a:lstStyle/>
+          <a:p>
+            <a:pPr>
+              <a:lnSpc>
+                <a:spcPct val="150000"/>
+              </a:lnSpc>
+            </a:pPr>
+            <a:r>
+              <a:rPr lang="ko-KR" altLang="en-US" sz="2000" b="1" dirty="0" smtClean="0"/>
+              <a:t>데이터 분석 과정 </a:t>
+            </a:r>
+            <a:r>
+              <a:rPr lang="en-US" altLang="ko-KR" sz="2000" b="1" dirty="0" smtClean="0"/>
+              <a:t>&gt; </a:t>
+            </a:r>
+            <a:r>
+              <a:rPr lang="ko-KR" altLang="en-US" sz="2000" b="1" dirty="0" smtClean="0"/>
+              <a:t>실험 설계</a:t>
+            </a:r>
+            <a:endParaRPr lang="en-US" altLang="ko-KR" sz="2000" b="1" dirty="0" smtClean="0"/>
+          </a:p>
+          <a:p>
+            <a:pPr lvl="1">
+              <a:lnSpc>
+                <a:spcPct val="150000"/>
+              </a:lnSpc>
+            </a:pPr>
+            <a:r>
+              <a:rPr lang="ko-KR" altLang="en-US" sz="1200" dirty="0" smtClean="0">
+                <a:latin typeface="+mn-ea"/>
+              </a:rPr>
+              <a:t>단순히 데이터를 분할하는 것이 아닌 것이 중요</a:t>
+            </a:r>
+            <a:r>
+              <a:rPr lang="en-US" altLang="ko-KR" sz="1200" dirty="0" smtClean="0">
+                <a:latin typeface="+mn-ea"/>
+              </a:rPr>
+              <a:t>.</a:t>
+            </a:r>
+          </a:p>
+          <a:p>
+            <a:pPr lvl="1">
+              <a:lnSpc>
+                <a:spcPct val="150000"/>
+              </a:lnSpc>
+            </a:pPr>
+            <a:r>
+              <a:rPr lang="en-US" altLang="ko-KR" sz="1200" b="1" u="sng" dirty="0" smtClean="0">
+                <a:solidFill>
+                  <a:srgbClr val="FF0000"/>
+                </a:solidFill>
+                <a:latin typeface="+mn-ea"/>
+              </a:rPr>
+              <a:t>Test </a:t>
+            </a:r>
+            <a:r>
+              <a:rPr lang="ko-KR" altLang="en-US" sz="1200" b="1" u="sng" dirty="0" smtClean="0">
+                <a:solidFill>
+                  <a:srgbClr val="FF0000"/>
+                </a:solidFill>
+                <a:latin typeface="+mn-ea"/>
+              </a:rPr>
+              <a:t>데이터는 실제로 모델을 적용한 다는 가정</a:t>
+            </a:r>
+            <a:r>
+              <a:rPr lang="ko-KR" altLang="en-US" sz="1200" dirty="0" smtClean="0">
+                <a:latin typeface="+mn-ea"/>
+              </a:rPr>
+              <a:t>이 들어가야 함</a:t>
+            </a:r>
+            <a:r>
+              <a:rPr lang="en-US" altLang="ko-KR" sz="1200" dirty="0" smtClean="0">
+                <a:latin typeface="+mn-ea"/>
+              </a:rPr>
+              <a:t>. (</a:t>
+            </a:r>
+            <a:r>
+              <a:rPr lang="ko-KR" altLang="en-US" sz="1200" dirty="0" smtClean="0">
+                <a:latin typeface="+mn-ea"/>
+              </a:rPr>
+              <a:t>따로 떼어놔야 함</a:t>
+            </a:r>
+            <a:r>
+              <a:rPr lang="en-US" altLang="ko-KR" sz="1200" dirty="0" smtClean="0">
+                <a:latin typeface="+mn-ea"/>
+              </a:rPr>
+              <a:t>)</a:t>
+            </a:r>
+          </a:p>
+          <a:p>
+            <a:pPr lvl="1">
+              <a:lnSpc>
+                <a:spcPct val="150000"/>
+              </a:lnSpc>
+            </a:pPr>
+            <a:r>
+              <a:rPr lang="en-US" altLang="ko-KR" sz="1200" dirty="0" smtClean="0">
+                <a:latin typeface="+mn-ea"/>
+              </a:rPr>
+              <a:t>Training</a:t>
+            </a:r>
+            <a:r>
+              <a:rPr lang="ko-KR" altLang="en-US" sz="1200" dirty="0" smtClean="0">
+                <a:latin typeface="+mn-ea"/>
+              </a:rPr>
+              <a:t>과 </a:t>
+            </a:r>
+            <a:r>
+              <a:rPr lang="en-US" altLang="ko-KR" sz="1200" dirty="0" smtClean="0">
+                <a:latin typeface="+mn-ea"/>
+              </a:rPr>
+              <a:t>Validation </a:t>
+            </a:r>
+            <a:r>
+              <a:rPr lang="ko-KR" altLang="en-US" sz="1200" dirty="0" smtClean="0">
+                <a:latin typeface="+mn-ea"/>
+              </a:rPr>
+              <a:t>데이터는 </a:t>
+            </a:r>
+            <a:r>
+              <a:rPr lang="en-US" altLang="ko-KR" sz="1200" dirty="0" smtClean="0">
+                <a:latin typeface="+mn-ea"/>
+              </a:rPr>
+              <a:t>Test </a:t>
+            </a:r>
+            <a:r>
+              <a:rPr lang="ko-KR" altLang="en-US" sz="1200" dirty="0" smtClean="0">
+                <a:latin typeface="+mn-ea"/>
+              </a:rPr>
+              <a:t>데이터 정보가 없어야 한다</a:t>
+            </a:r>
+            <a:r>
+              <a:rPr lang="en-US" altLang="ko-KR" sz="1200" dirty="0" smtClean="0">
+                <a:latin typeface="+mn-ea"/>
+              </a:rPr>
+              <a:t>.</a:t>
+            </a:r>
+          </a:p>
+        </p:txBody>
+      </p:sp>
+      <p:pic>
+        <p:nvPicPr>
+          <p:cNvPr id="6147" name="Picture 3"/>
+          <p:cNvPicPr>
+            <a:picLocks noChangeAspect="1" noChangeArrowheads="1"/>
+          </p:cNvPicPr>
+          <p:nvPr/>
+        </p:nvPicPr>
+        <p:blipFill rotWithShape="1">
+          <a:blip r:embed="rId2">
+            <a:extLst>
+              <a:ext uri="{28A0092B-C50C-407E-A947-70E740481C1C}">
+                <a14:useLocalDpi xmlns:a14="http://schemas.microsoft.com/office/drawing/2010/main" val="0"/>
+              </a:ext>
+            </a:extLst>
+          </a:blip>
+          <a:srcRect t="11190"/>
+          <a:stretch/>
+        </p:blipFill>
+        <p:spPr bwMode="auto">
+          <a:xfrm>
+            <a:off x="899592" y="2780928"/>
+            <a:ext cx="7265495" cy="2302228"/>
+          </a:xfrm>
+          <a:prstGeom prst="rect">
+            <a:avLst/>
+          </a:prstGeom>
+          <a:noFill/>
+          <a:ln>
+            <a:noFill/>
+          </a:ln>
+          <a:extLst>
+            <a:ext uri="{909E8E84-426E-40DD-AFC4-6F175D3DCCD1}">
+              <a14:hiddenFill xmlns:a14="http://schemas.microsoft.com/office/drawing/2010/main">
+                <a:solidFill>
+                  <a:schemeClr val="accent1"/>
+                </a:solidFill>
+              </a14:hiddenFill>
+            </a:ext>
+            <a:ext uri="{91240B29-F687-4F45-9708-019B960494DF}">
+              <a14:hiddenLine xmlns:a14="http://schemas.microsoft.com/office/drawing/2010/main" w="9525">
+                <a:solidFill>
+                  <a:schemeClr val="tx1"/>
+                </a:solidFill>
+                <a:miter lim="800000"/>
+                <a:headEnd/>
+                <a:tailEnd/>
+              </a14:hiddenLine>
+            </a:ext>
+          </a:extLst>
+        </p:spPr>
+      </p:pic>
+      <p:sp>
+        <p:nvSpPr>
+          <p:cNvPr id="3" name="직사각형 2"/>
+          <p:cNvSpPr/>
+          <p:nvPr/>
+        </p:nvSpPr>
+        <p:spPr>
+          <a:xfrm>
+            <a:off x="1052938" y="2978899"/>
+            <a:ext cx="3735085" cy="2160240"/>
+          </a:xfrm>
+          <a:prstGeom prst="rect">
+            <a:avLst/>
+          </a:prstGeom>
+          <a:noFill/>
+          <a:ln>
+            <a:prstDash val="dash"/>
+          </a:ln>
+        </p:spPr>
+        <p:style>
+          <a:lnRef idx="2">
+            <a:schemeClr val="accent1">
+              <a:shade val="50000"/>
+            </a:schemeClr>
+          </a:lnRef>
+          <a:fillRef idx="1">
+            <a:schemeClr val="accent1"/>
+          </a:fillRef>
+          <a:effectRef idx="0">
+            <a:schemeClr val="accent1"/>
+          </a:effectRef>
+          <a:fontRef idx="minor">
+            <a:schemeClr val="lt1"/>
+          </a:fontRef>
+        </p:style>
+        <p:txBody>
+          <a:bodyPr rtlCol="0" anchor="ctr"/>
+          <a:lstStyle/>
+          <a:p>
+            <a:pPr algn="ctr"/>
+            <a:endParaRPr lang="ko-KR" altLang="en-US"/>
+          </a:p>
+        </p:txBody>
+      </p:sp>
+      <p:sp>
+        <p:nvSpPr>
+          <p:cNvPr id="5" name="TextBox 4"/>
+          <p:cNvSpPr txBox="1"/>
+          <p:nvPr/>
+        </p:nvSpPr>
+        <p:spPr>
+          <a:xfrm>
+            <a:off x="1547664" y="5285546"/>
+            <a:ext cx="6142066" cy="461665"/>
+          </a:xfrm>
+          <a:prstGeom prst="rect">
+            <a:avLst/>
+          </a:prstGeom>
+          <a:noFill/>
+        </p:spPr>
+        <p:txBody>
+          <a:bodyPr wrap="none" rtlCol="0">
+            <a:spAutoFit/>
+          </a:bodyPr>
+          <a:lstStyle/>
+          <a:p>
+            <a:r>
+              <a:rPr lang="ko-KR" altLang="en-US" sz="1200" dirty="0" smtClean="0"/>
+              <a:t>불량률 검사와 같이</a:t>
+            </a:r>
+            <a:r>
+              <a:rPr lang="en-US" altLang="ko-KR" sz="1200" dirty="0" smtClean="0"/>
+              <a:t>, </a:t>
+            </a:r>
+            <a:r>
+              <a:rPr lang="ko-KR" altLang="en-US" sz="1200" dirty="0" smtClean="0"/>
+              <a:t>극단적인 비율을 일 경우 랜덤 샘플링이 아니라 비율을 맞춰서 분할</a:t>
+            </a:r>
+            <a:r>
+              <a:rPr lang="en-US" altLang="ko-KR" sz="1200" dirty="0" smtClean="0"/>
+              <a:t>.</a:t>
+            </a:r>
+          </a:p>
+          <a:p>
+            <a:r>
+              <a:rPr lang="ko-KR" altLang="en-US" sz="1200" dirty="0" smtClean="0"/>
+              <a:t>이 후 학습 데이터를 다시 </a:t>
+            </a:r>
+            <a:r>
+              <a:rPr lang="en-US" altLang="ko-KR" sz="1200" dirty="0" smtClean="0"/>
+              <a:t>Resampling</a:t>
+            </a:r>
+            <a:r>
+              <a:rPr lang="ko-KR" altLang="en-US" sz="1200" dirty="0" smtClean="0"/>
+              <a:t>하여 분할 한다</a:t>
+            </a:r>
+            <a:r>
+              <a:rPr lang="en-US" altLang="ko-KR" sz="1200" dirty="0" smtClean="0"/>
+              <a:t>.</a:t>
+            </a:r>
+          </a:p>
+        </p:txBody>
+      </p:sp>
+      <p:cxnSp>
+        <p:nvCxnSpPr>
+          <p:cNvPr id="11" name="꺾인 연결선 10"/>
+          <p:cNvCxnSpPr>
+            <a:endCxn id="5" idx="1"/>
+          </p:cNvCxnSpPr>
+          <p:nvPr/>
+        </p:nvCxnSpPr>
+        <p:spPr>
+          <a:xfrm rot="16200000" flipH="1">
+            <a:off x="1251031" y="5219745"/>
+            <a:ext cx="377243" cy="216024"/>
+          </a:xfrm>
+          <a:prstGeom prst="bentConnector2">
+            <a:avLst/>
+          </a:prstGeom>
+          <a:ln>
+            <a:tailEnd type="arrow"/>
+          </a:ln>
+        </p:spPr>
+        <p:style>
+          <a:lnRef idx="1">
+            <a:schemeClr val="accent1"/>
+          </a:lnRef>
+          <a:fillRef idx="0">
+            <a:schemeClr val="accent1"/>
+          </a:fillRef>
+          <a:effectRef idx="0">
+            <a:schemeClr val="accent1"/>
+          </a:effectRef>
+          <a:fontRef idx="minor">
+            <a:schemeClr val="tx1"/>
+          </a:fontRef>
+        </p:style>
+      </p:cxnSp>
+    </p:spTree>
+    <p:extLst>
+      <p:ext uri="{BB962C8B-B14F-4D97-AF65-F5344CB8AC3E}">
+        <p14:creationId xmlns:p14="http://schemas.microsoft.com/office/powerpoint/2010/main" val="2786099228"/>
+      </p:ext>
+    </p:extLst>
+  </p:cSld>
+  <p:clrMapOvr>
+    <a:masterClrMapping/>
+  </p:clrMapOvr>
+  <p:timing>
+    <p:tnLst>
+      <p:par>
+        <p:cTn id="1" dur="indefinite" restart="never" nodeType="tmRoot"/>
+      </p:par>
+    </p:tnLst>
+  </p:timing>
+</p:sld>
+</file>
+
 <file path=ppt/slides/slide3.xml><?xml version="1.0" encoding="utf-8"?>
 <p:sld xmlns:a="http://schemas.openxmlformats.org/drawingml/2006/main" xmlns:r="http://schemas.openxmlformats.org/officeDocument/2006/relationships" xmlns:p="http://schemas.openxmlformats.org/presentationml/2006/main">
   <p:cSld>

--- a/Machine Learning 개념과 종류.pptx
+++ b/Machine Learning 개념과 종류.pptx
@@ -5,7 +5,7 @@
     <p:sldMasterId id="2147483672" r:id="rId1"/>
   </p:sldMasterIdLst>
   <p:notesMasterIdLst>
-    <p:notesMasterId r:id="rId31"/>
+    <p:notesMasterId r:id="rId34"/>
   </p:notesMasterIdLst>
   <p:sldIdLst>
     <p:sldId id="258" r:id="rId2"/>
@@ -37,6 +37,9 @@
     <p:sldId id="284" r:id="rId28"/>
     <p:sldId id="285" r:id="rId29"/>
     <p:sldId id="286" r:id="rId30"/>
+    <p:sldId id="287" r:id="rId31"/>
+    <p:sldId id="288" r:id="rId32"/>
+    <p:sldId id="290" r:id="rId33"/>
   </p:sldIdLst>
   <p:sldSz cx="9144000" cy="6858000" type="screen4x3"/>
   <p:notesSz cx="6858000" cy="9144000"/>
@@ -220,7 +223,7 @@
           <a:p>
             <a:fld id="{693111F3-E7F7-4110-B747-A18B068C936E}" type="datetimeFigureOut">
               <a:rPr lang="ko-KR" altLang="en-US" smtClean="0"/>
-              <a:t>2020-10-23</a:t>
+              <a:t>2020-10-27</a:t>
             </a:fld>
             <a:endParaRPr lang="ko-KR" altLang="en-US"/>
           </a:p>
@@ -631,7 +634,7 @@
           <a:p>
             <a:fld id="{426225CE-111E-4274-8066-27895E711E53}" type="datetimeFigureOut">
               <a:rPr lang="ko-KR" altLang="en-US" smtClean="0"/>
-              <a:t>2020-10-23</a:t>
+              <a:t>2020-10-27</a:t>
             </a:fld>
             <a:endParaRPr lang="ko-KR" altLang="en-US"/>
           </a:p>
@@ -990,7 +993,7 @@
           <a:p>
             <a:fld id="{426225CE-111E-4274-8066-27895E711E53}" type="datetimeFigureOut">
               <a:rPr lang="ko-KR" altLang="en-US" smtClean="0"/>
-              <a:t>2020-10-23</a:t>
+              <a:t>2020-10-27</a:t>
             </a:fld>
             <a:endParaRPr lang="ko-KR" altLang="en-US"/>
           </a:p>
@@ -1165,7 +1168,7 @@
           <a:p>
             <a:fld id="{426225CE-111E-4274-8066-27895E711E53}" type="datetimeFigureOut">
               <a:rPr lang="ko-KR" altLang="en-US" smtClean="0"/>
-              <a:t>2020-10-23</a:t>
+              <a:t>2020-10-27</a:t>
             </a:fld>
             <a:endParaRPr lang="ko-KR" altLang="en-US"/>
           </a:p>
@@ -1400,7 +1403,7 @@
           <a:p>
             <a:fld id="{426225CE-111E-4274-8066-27895E711E53}" type="datetimeFigureOut">
               <a:rPr lang="ko-KR" altLang="en-US" smtClean="0"/>
-              <a:t>2020-10-23</a:t>
+              <a:t>2020-10-27</a:t>
             </a:fld>
             <a:endParaRPr lang="ko-KR" altLang="en-US"/>
           </a:p>
@@ -1669,7 +1672,7 @@
           <a:p>
             <a:fld id="{426225CE-111E-4274-8066-27895E711E53}" type="datetimeFigureOut">
               <a:rPr lang="ko-KR" altLang="en-US" smtClean="0"/>
-              <a:t>2020-10-23</a:t>
+              <a:t>2020-10-27</a:t>
             </a:fld>
             <a:endParaRPr lang="ko-KR" altLang="en-US"/>
           </a:p>
@@ -1889,7 +1892,7 @@
           <a:p>
             <a:fld id="{426225CE-111E-4274-8066-27895E711E53}" type="datetimeFigureOut">
               <a:rPr lang="ko-KR" altLang="en-US" smtClean="0"/>
-              <a:t>2020-10-23</a:t>
+              <a:t>2020-10-27</a:t>
             </a:fld>
             <a:endParaRPr lang="ko-KR" altLang="en-US"/>
           </a:p>
@@ -2241,7 +2244,7 @@
           <a:p>
             <a:fld id="{426225CE-111E-4274-8066-27895E711E53}" type="datetimeFigureOut">
               <a:rPr lang="ko-KR" altLang="en-US" smtClean="0"/>
-              <a:t>2020-10-23</a:t>
+              <a:t>2020-10-27</a:t>
             </a:fld>
             <a:endParaRPr lang="ko-KR" altLang="en-US"/>
           </a:p>
@@ -2473,7 +2476,7 @@
           <a:p>
             <a:fld id="{426225CE-111E-4274-8066-27895E711E53}" type="datetimeFigureOut">
               <a:rPr lang="ko-KR" altLang="en-US" smtClean="0"/>
-              <a:t>2020-10-23</a:t>
+              <a:t>2020-10-27</a:t>
             </a:fld>
             <a:endParaRPr lang="ko-KR" altLang="en-US"/>
           </a:p>
@@ -2613,7 +2616,7 @@
           <a:p>
             <a:fld id="{426225CE-111E-4274-8066-27895E711E53}" type="datetimeFigureOut">
               <a:rPr lang="ko-KR" altLang="en-US" smtClean="0"/>
-              <a:t>2020-10-23</a:t>
+              <a:t>2020-10-27</a:t>
             </a:fld>
             <a:endParaRPr lang="ko-KR" altLang="en-US"/>
           </a:p>
@@ -2890,7 +2893,7 @@
           <a:p>
             <a:fld id="{426225CE-111E-4274-8066-27895E711E53}" type="datetimeFigureOut">
               <a:rPr lang="ko-KR" altLang="en-US" smtClean="0"/>
-              <a:t>2020-10-23</a:t>
+              <a:t>2020-10-27</a:t>
             </a:fld>
             <a:endParaRPr lang="ko-KR" altLang="en-US"/>
           </a:p>
@@ -3297,7 +3300,7 @@
           <a:p>
             <a:fld id="{426225CE-111E-4274-8066-27895E711E53}" type="datetimeFigureOut">
               <a:rPr lang="ko-KR" altLang="en-US" smtClean="0"/>
-              <a:t>2020-10-23</a:t>
+              <a:t>2020-10-27</a:t>
             </a:fld>
             <a:endParaRPr lang="ko-KR" altLang="en-US"/>
           </a:p>
@@ -3635,7 +3638,7 @@
           <a:p>
             <a:fld id="{426225CE-111E-4274-8066-27895E711E53}" type="datetimeFigureOut">
               <a:rPr lang="ko-KR" altLang="en-US" smtClean="0"/>
-              <a:t>2020-10-23</a:t>
+              <a:t>2020-10-27</a:t>
             </a:fld>
             <a:endParaRPr lang="ko-KR" altLang="en-US"/>
           </a:p>
@@ -9956,8 +9959,8 @@
           </a:p>
         </p:txBody>
       </p:sp>
-      <mc:AlternateContent xmlns:mc="http://schemas.openxmlformats.org/markup-compatibility/2006">
-        <mc:Choice xmlns:a14="http://schemas.microsoft.com/office/drawing/2010/main" Requires="a14">
+      <mc:AlternateContent xmlns:mc="http://schemas.openxmlformats.org/markup-compatibility/2006" xmlns:a14="http://schemas.microsoft.com/office/drawing/2010/main">
+        <mc:Choice Requires="a14">
           <p:sp>
             <p:nvSpPr>
               <p:cNvPr id="4" name="내용 개체 틀 3"/>
@@ -10462,7 +10465,7 @@
             </p:txBody>
           </p:sp>
         </mc:Choice>
-        <mc:Fallback>
+        <mc:Fallback xmlns="">
           <p:sp>
             <p:nvSpPr>
               <p:cNvPr id="4" name="내용 개체 틀 3"/>
@@ -13400,8 +13403,8 @@
           </a:p>
         </p:txBody>
       </p:sp>
-      <mc:AlternateContent xmlns:mc="http://schemas.openxmlformats.org/markup-compatibility/2006">
-        <mc:Choice xmlns:a14="http://schemas.microsoft.com/office/drawing/2010/main" Requires="a14">
+      <mc:AlternateContent xmlns:mc="http://schemas.openxmlformats.org/markup-compatibility/2006" xmlns:a14="http://schemas.microsoft.com/office/drawing/2010/main">
+        <mc:Choice Requires="a14">
           <p:sp>
             <p:nvSpPr>
               <p:cNvPr id="4" name="내용 개체 틀 3"/>
@@ -13526,13 +13529,7 @@
                   <a:rPr lang="ko-KR" altLang="en-US" sz="1200" b="1" u="sng" dirty="0" smtClean="0">
                     <a:latin typeface="+mn-ea"/>
                   </a:rPr>
-                  <a:t>하나의 샘플만 </a:t>
-                </a:r>
-                <a:r>
-                  <a:rPr lang="ko-KR" altLang="en-US" sz="1200" b="1" u="sng" dirty="0" smtClean="0">
-                    <a:latin typeface="+mn-ea"/>
-                  </a:rPr>
-                  <a:t>제외하면서 모델을 생성</a:t>
+                  <a:t>하나의 샘플만 제외하면서 모델을 생성</a:t>
                 </a:r>
                 <a:r>
                   <a:rPr lang="ko-KR" altLang="en-US" sz="1200" dirty="0" smtClean="0">
@@ -13619,7 +13616,7 @@
             </p:txBody>
           </p:sp>
         </mc:Choice>
-        <mc:Fallback>
+        <mc:Fallback xmlns="">
           <p:sp>
             <p:nvSpPr>
               <p:cNvPr id="4" name="내용 개체 틀 3"/>
@@ -13777,14 +13774,7 @@
                 <a:latin typeface="+mn-ea"/>
                 <a:ea typeface="+mn-ea"/>
               </a:rPr>
-              <a:t>모형의 적합성 및 </a:t>
-            </a:r>
-            <a:r>
-              <a:rPr lang="ko-KR" altLang="en-US" sz="3600" b="1" dirty="0" smtClean="0">
-                <a:latin typeface="+mn-ea"/>
-                <a:ea typeface="+mn-ea"/>
-              </a:rPr>
-              <a:t>실험설계</a:t>
+              <a:t>모형의 적합성 및 실험설계</a:t>
             </a:r>
             <a:r>
               <a:rPr lang="en-US" altLang="ko-KR" sz="3600" b="1" dirty="0">
@@ -13971,14 +13961,7 @@
                 <a:latin typeface="+mn-ea"/>
                 <a:ea typeface="+mn-ea"/>
               </a:rPr>
-              <a:t>모형의 적합성 및 </a:t>
-            </a:r>
-            <a:r>
-              <a:rPr lang="ko-KR" altLang="en-US" sz="3600" b="1" dirty="0" smtClean="0">
-                <a:latin typeface="+mn-ea"/>
-                <a:ea typeface="+mn-ea"/>
-              </a:rPr>
-              <a:t>실험설계</a:t>
+              <a:t>모형의 적합성 및 실험설계</a:t>
             </a:r>
             <a:r>
               <a:rPr lang="en-US" altLang="ko-KR" sz="3600" b="1" dirty="0">
@@ -14516,14 +14499,7 @@
                 <a:latin typeface="+mn-ea"/>
                 <a:ea typeface="+mn-ea"/>
               </a:rPr>
-              <a:t>모형의 적합성 및 </a:t>
-            </a:r>
-            <a:r>
-              <a:rPr lang="ko-KR" altLang="en-US" sz="3600" b="1" dirty="0" smtClean="0">
-                <a:latin typeface="+mn-ea"/>
-                <a:ea typeface="+mn-ea"/>
-              </a:rPr>
-              <a:t>실험설계</a:t>
+              <a:t>모형의 적합성 및 실험설계</a:t>
             </a:r>
             <a:r>
               <a:rPr lang="en-US" altLang="ko-KR" sz="3600" b="1" dirty="0">
@@ -14709,14 +14685,7 @@
                 <a:latin typeface="+mn-ea"/>
                 <a:ea typeface="+mn-ea"/>
               </a:rPr>
-              <a:t>모형의 적합성 및 </a:t>
-            </a:r>
-            <a:r>
-              <a:rPr lang="ko-KR" altLang="en-US" sz="3600" b="1" dirty="0" smtClean="0">
-                <a:latin typeface="+mn-ea"/>
-                <a:ea typeface="+mn-ea"/>
-              </a:rPr>
-              <a:t>실험설계</a:t>
+              <a:t>모형의 적합성 및 실험설계</a:t>
             </a:r>
             <a:r>
               <a:rPr lang="en-US" altLang="ko-KR" sz="3600" b="1" dirty="0">
@@ -17843,6 +17812,2348 @@
     <p:extLst>
       <p:ext uri="{BB962C8B-B14F-4D97-AF65-F5344CB8AC3E}">
         <p14:creationId xmlns:p14="http://schemas.microsoft.com/office/powerpoint/2010/main" val="2038950543"/>
+      </p:ext>
+    </p:extLst>
+  </p:cSld>
+  <p:clrMapOvr>
+    <a:masterClrMapping/>
+  </p:clrMapOvr>
+  <p:timing>
+    <p:tnLst>
+      <p:par>
+        <p:cTn id="1" dur="indefinite" restart="never" nodeType="tmRoot"/>
+      </p:par>
+    </p:tnLst>
+  </p:timing>
+</p:sld>
+</file>
+
+<file path=ppt/slides/slide30.xml><?xml version="1.0" encoding="utf-8"?>
+<p:sld xmlns:a="http://schemas.openxmlformats.org/drawingml/2006/main" xmlns:r="http://schemas.openxmlformats.org/officeDocument/2006/relationships" xmlns:p="http://schemas.openxmlformats.org/presentationml/2006/main">
+  <p:cSld>
+    <p:spTree>
+      <p:nvGrpSpPr>
+        <p:cNvPr id="1" name=""/>
+        <p:cNvGrpSpPr/>
+        <p:nvPr/>
+      </p:nvGrpSpPr>
+      <p:grpSpPr>
+        <a:xfrm>
+          <a:off x="0" y="0"/>
+          <a:ext cx="0" cy="0"/>
+          <a:chOff x="0" y="0"/>
+          <a:chExt cx="0" cy="0"/>
+        </a:xfrm>
+      </p:grpSpPr>
+      <p:sp>
+        <p:nvSpPr>
+          <p:cNvPr id="2" name="제목 1"/>
+          <p:cNvSpPr>
+            <a:spLocks noGrp="1"/>
+          </p:cNvSpPr>
+          <p:nvPr>
+            <p:ph type="title"/>
+          </p:nvPr>
+        </p:nvSpPr>
+        <p:spPr/>
+        <p:txBody>
+          <a:bodyPr>
+            <a:normAutofit/>
+          </a:bodyPr>
+          <a:lstStyle/>
+          <a:p>
+            <a:r>
+              <a:rPr lang="en-US" altLang="ko-KR" sz="3600" b="1" dirty="0" smtClean="0">
+                <a:latin typeface="+mn-ea"/>
+                <a:ea typeface="+mn-ea"/>
+              </a:rPr>
+              <a:t>08. </a:t>
+            </a:r>
+            <a:r>
+              <a:rPr lang="ko-KR" altLang="en-US" sz="3600" b="1" dirty="0" err="1" smtClean="0">
+                <a:latin typeface="+mn-ea"/>
+                <a:ea typeface="+mn-ea"/>
+              </a:rPr>
+              <a:t>과적합</a:t>
+            </a:r>
+            <a:r>
+              <a:rPr lang="ko-KR" altLang="en-US" sz="3600" b="1" dirty="0" smtClean="0">
+                <a:latin typeface="+mn-ea"/>
+                <a:ea typeface="+mn-ea"/>
+              </a:rPr>
+              <a:t> </a:t>
+            </a:r>
+            <a:r>
+              <a:rPr lang="en-US" altLang="ko-KR" sz="3600" b="1" dirty="0" smtClean="0">
+                <a:latin typeface="+mn-ea"/>
+                <a:ea typeface="+mn-ea"/>
+              </a:rPr>
+              <a:t>(Overfitting)</a:t>
+            </a:r>
+            <a:endParaRPr lang="ko-KR" altLang="en-US" sz="3600" b="1" dirty="0">
+              <a:latin typeface="+mn-ea"/>
+              <a:ea typeface="+mn-ea"/>
+            </a:endParaRPr>
+          </a:p>
+        </p:txBody>
+      </p:sp>
+      <p:sp>
+        <p:nvSpPr>
+          <p:cNvPr id="4" name="내용 개체 틀 3"/>
+          <p:cNvSpPr>
+            <a:spLocks noGrp="1"/>
+          </p:cNvSpPr>
+          <p:nvPr>
+            <p:ph sz="quarter" idx="1"/>
+          </p:nvPr>
+        </p:nvSpPr>
+        <p:spPr>
+          <a:xfrm>
+            <a:off x="467544" y="1124744"/>
+            <a:ext cx="8229600" cy="5181506"/>
+          </a:xfrm>
+        </p:spPr>
+        <p:txBody>
+          <a:bodyPr>
+            <a:normAutofit/>
+          </a:bodyPr>
+          <a:lstStyle/>
+          <a:p>
+            <a:pPr>
+              <a:lnSpc>
+                <a:spcPct val="150000"/>
+              </a:lnSpc>
+            </a:pPr>
+            <a:r>
+              <a:rPr lang="ko-KR" altLang="en-US" sz="2000" b="1" dirty="0" err="1" smtClean="0"/>
+              <a:t>과적합</a:t>
+            </a:r>
+            <a:endParaRPr lang="en-US" altLang="ko-KR" sz="2000" b="1" dirty="0" smtClean="0"/>
+          </a:p>
+          <a:p>
+            <a:pPr lvl="1">
+              <a:lnSpc>
+                <a:spcPct val="150000"/>
+              </a:lnSpc>
+            </a:pPr>
+            <a:r>
+              <a:rPr lang="ko-KR" altLang="en-US" sz="1200" b="1" u="sng" dirty="0"/>
+              <a:t>학습 데이터에 대해 과하게 학습</a:t>
+            </a:r>
+            <a:r>
+              <a:rPr lang="ko-KR" altLang="en-US" sz="1200" dirty="0"/>
+              <a:t>하여 </a:t>
+            </a:r>
+            <a:r>
+              <a:rPr lang="ko-KR" altLang="en-US" sz="1200" b="1" dirty="0">
+                <a:solidFill>
+                  <a:srgbClr val="FF0000"/>
+                </a:solidFill>
+              </a:rPr>
+              <a:t>실제 데이터에 대한 오차가 증가</a:t>
+            </a:r>
+            <a:r>
+              <a:rPr lang="ko-KR" altLang="en-US" sz="1200" dirty="0"/>
+              <a:t>하는 </a:t>
+            </a:r>
+            <a:r>
+              <a:rPr lang="ko-KR" altLang="en-US" sz="1200" dirty="0" smtClean="0"/>
+              <a:t>현상</a:t>
+            </a:r>
+            <a:endParaRPr lang="en-US" altLang="ko-KR" sz="1200" dirty="0" smtClean="0">
+              <a:latin typeface="+mn-ea"/>
+            </a:endParaRPr>
+          </a:p>
+          <a:p>
+            <a:pPr lvl="1">
+              <a:lnSpc>
+                <a:spcPct val="150000"/>
+              </a:lnSpc>
+            </a:pPr>
+            <a:r>
+              <a:rPr lang="ko-KR" altLang="en-US" sz="1200" dirty="0" smtClean="0">
+                <a:latin typeface="+mn-ea"/>
+              </a:rPr>
+              <a:t>복잡하고 데이터 적은 모형일 수록</a:t>
+            </a:r>
+            <a:r>
+              <a:rPr lang="en-US" altLang="ko-KR" sz="1200" dirty="0">
+                <a:latin typeface="+mn-ea"/>
+              </a:rPr>
+              <a:t> </a:t>
+            </a:r>
+            <a:r>
+              <a:rPr lang="en-US" altLang="ko-KR" sz="1200" dirty="0" smtClean="0">
+                <a:latin typeface="+mn-ea"/>
+              </a:rPr>
+              <a:t>Overfitting </a:t>
+            </a:r>
+            <a:r>
+              <a:rPr lang="ko-KR" altLang="en-US" sz="1200" dirty="0" smtClean="0">
+                <a:latin typeface="+mn-ea"/>
+              </a:rPr>
+              <a:t>발생이 쉬움</a:t>
+            </a:r>
+            <a:endParaRPr lang="en-US" altLang="ko-KR" sz="1200" dirty="0" smtClean="0">
+              <a:latin typeface="+mn-ea"/>
+            </a:endParaRPr>
+          </a:p>
+          <a:p>
+            <a:pPr lvl="1">
+              <a:lnSpc>
+                <a:spcPct val="150000"/>
+              </a:lnSpc>
+            </a:pPr>
+            <a:r>
+              <a:rPr lang="en-US" altLang="ko-KR" sz="1200" dirty="0" smtClean="0">
+                <a:latin typeface="+mn-ea"/>
+              </a:rPr>
+              <a:t>DS</a:t>
+            </a:r>
+            <a:r>
+              <a:rPr lang="ko-KR" altLang="en-US" sz="1200" dirty="0" smtClean="0">
+                <a:latin typeface="+mn-ea"/>
+              </a:rPr>
+              <a:t>뿐만 아니라 </a:t>
+            </a:r>
+            <a:r>
+              <a:rPr lang="en-US" altLang="ko-KR" sz="1200" dirty="0" smtClean="0">
+                <a:latin typeface="+mn-ea"/>
+              </a:rPr>
+              <a:t>AI </a:t>
+            </a:r>
+            <a:r>
+              <a:rPr lang="ko-KR" altLang="en-US" sz="1200" dirty="0" smtClean="0">
+                <a:latin typeface="+mn-ea"/>
+              </a:rPr>
+              <a:t>전반적으로 큰 이슈로 여겨짐</a:t>
+            </a:r>
+            <a:endParaRPr lang="en-US" altLang="ko-KR" sz="1200" dirty="0" smtClean="0">
+              <a:latin typeface="+mn-ea"/>
+            </a:endParaRPr>
+          </a:p>
+        </p:txBody>
+      </p:sp>
+      <p:pic>
+        <p:nvPicPr>
+          <p:cNvPr id="1026" name="Picture 2"/>
+          <p:cNvPicPr>
+            <a:picLocks noChangeAspect="1" noChangeArrowheads="1"/>
+          </p:cNvPicPr>
+          <p:nvPr/>
+        </p:nvPicPr>
+        <p:blipFill>
+          <a:blip r:embed="rId2">
+            <a:extLst>
+              <a:ext uri="{28A0092B-C50C-407E-A947-70E740481C1C}">
+                <a14:useLocalDpi xmlns:a14="http://schemas.microsoft.com/office/drawing/2010/main" val="0"/>
+              </a:ext>
+            </a:extLst>
+          </a:blip>
+          <a:srcRect/>
+          <a:stretch>
+            <a:fillRect/>
+          </a:stretch>
+        </p:blipFill>
+        <p:spPr bwMode="auto">
+          <a:xfrm>
+            <a:off x="1331640" y="3145094"/>
+            <a:ext cx="6192688" cy="2659481"/>
+          </a:xfrm>
+          <a:prstGeom prst="rect">
+            <a:avLst/>
+          </a:prstGeom>
+          <a:noFill/>
+          <a:ln>
+            <a:noFill/>
+          </a:ln>
+          <a:extLst>
+            <a:ext uri="{909E8E84-426E-40DD-AFC4-6F175D3DCCD1}">
+              <a14:hiddenFill xmlns:a14="http://schemas.microsoft.com/office/drawing/2010/main">
+                <a:solidFill>
+                  <a:schemeClr val="accent1"/>
+                </a:solidFill>
+              </a14:hiddenFill>
+            </a:ext>
+            <a:ext uri="{91240B29-F687-4F45-9708-019B960494DF}">
+              <a14:hiddenLine xmlns:a14="http://schemas.microsoft.com/office/drawing/2010/main" w="9525">
+                <a:solidFill>
+                  <a:schemeClr val="tx1"/>
+                </a:solidFill>
+                <a:miter lim="800000"/>
+                <a:headEnd/>
+                <a:tailEnd/>
+              </a14:hiddenLine>
+            </a:ext>
+          </a:extLst>
+        </p:spPr>
+      </p:pic>
+      <p:sp>
+        <p:nvSpPr>
+          <p:cNvPr id="6" name="직사각형 5"/>
+          <p:cNvSpPr/>
+          <p:nvPr/>
+        </p:nvSpPr>
+        <p:spPr>
+          <a:xfrm>
+            <a:off x="935596" y="2924944"/>
+            <a:ext cx="6984776" cy="3023647"/>
+          </a:xfrm>
+          <a:prstGeom prst="rect">
+            <a:avLst/>
+          </a:prstGeom>
+          <a:noFill/>
+        </p:spPr>
+        <p:style>
+          <a:lnRef idx="2">
+            <a:schemeClr val="accent1">
+              <a:shade val="50000"/>
+            </a:schemeClr>
+          </a:lnRef>
+          <a:fillRef idx="1">
+            <a:schemeClr val="accent1"/>
+          </a:fillRef>
+          <a:effectRef idx="0">
+            <a:schemeClr val="accent1"/>
+          </a:effectRef>
+          <a:fontRef idx="minor">
+            <a:schemeClr val="lt1"/>
+          </a:fontRef>
+        </p:style>
+        <p:txBody>
+          <a:bodyPr rtlCol="0" anchor="ctr"/>
+          <a:lstStyle/>
+          <a:p>
+            <a:pPr algn="ctr"/>
+            <a:endParaRPr lang="ko-KR" altLang="en-US"/>
+          </a:p>
+        </p:txBody>
+      </p:sp>
+      <p:sp>
+        <p:nvSpPr>
+          <p:cNvPr id="7" name="TextBox 6"/>
+          <p:cNvSpPr txBox="1"/>
+          <p:nvPr/>
+        </p:nvSpPr>
+        <p:spPr>
+          <a:xfrm>
+            <a:off x="3193511" y="2780928"/>
+            <a:ext cx="2468946" cy="276999"/>
+          </a:xfrm>
+          <a:prstGeom prst="rect">
+            <a:avLst/>
+          </a:prstGeom>
+          <a:solidFill>
+            <a:schemeClr val="bg1"/>
+          </a:solidFill>
+        </p:spPr>
+        <p:txBody>
+          <a:bodyPr wrap="none" rtlCol="0">
+            <a:spAutoFit/>
+          </a:bodyPr>
+          <a:lstStyle/>
+          <a:p>
+            <a:r>
+              <a:rPr lang="ko-KR" altLang="en-US" sz="1200" dirty="0" smtClean="0"/>
+              <a:t>회귀분석에서 </a:t>
+            </a:r>
+            <a:r>
+              <a:rPr lang="ko-KR" altLang="en-US" sz="1200" dirty="0" err="1" smtClean="0"/>
+              <a:t>고차항을</a:t>
+            </a:r>
+            <a:r>
+              <a:rPr lang="ko-KR" altLang="en-US" sz="1200" dirty="0" smtClean="0"/>
+              <a:t> 넣을 경우</a:t>
+            </a:r>
+            <a:endParaRPr lang="ko-KR" altLang="en-US" sz="1200" dirty="0"/>
+          </a:p>
+        </p:txBody>
+      </p:sp>
+    </p:spTree>
+    <p:extLst>
+      <p:ext uri="{BB962C8B-B14F-4D97-AF65-F5344CB8AC3E}">
+        <p14:creationId xmlns:p14="http://schemas.microsoft.com/office/powerpoint/2010/main" val="3953315964"/>
+      </p:ext>
+    </p:extLst>
+  </p:cSld>
+  <p:clrMapOvr>
+    <a:masterClrMapping/>
+  </p:clrMapOvr>
+  <p:timing>
+    <p:tnLst>
+      <p:par>
+        <p:cTn id="1" dur="indefinite" restart="never" nodeType="tmRoot"/>
+      </p:par>
+    </p:tnLst>
+  </p:timing>
+</p:sld>
+</file>
+
+<file path=ppt/slides/slide31.xml><?xml version="1.0" encoding="utf-8"?>
+<p:sld xmlns:a="http://schemas.openxmlformats.org/drawingml/2006/main" xmlns:r="http://schemas.openxmlformats.org/officeDocument/2006/relationships" xmlns:p="http://schemas.openxmlformats.org/presentationml/2006/main">
+  <p:cSld>
+    <p:spTree>
+      <p:nvGrpSpPr>
+        <p:cNvPr id="1" name=""/>
+        <p:cNvGrpSpPr/>
+        <p:nvPr/>
+      </p:nvGrpSpPr>
+      <p:grpSpPr>
+        <a:xfrm>
+          <a:off x="0" y="0"/>
+          <a:ext cx="0" cy="0"/>
+          <a:chOff x="0" y="0"/>
+          <a:chExt cx="0" cy="0"/>
+        </a:xfrm>
+      </p:grpSpPr>
+      <p:sp>
+        <p:nvSpPr>
+          <p:cNvPr id="2" name="제목 1"/>
+          <p:cNvSpPr>
+            <a:spLocks noGrp="1"/>
+          </p:cNvSpPr>
+          <p:nvPr>
+            <p:ph type="title"/>
+          </p:nvPr>
+        </p:nvSpPr>
+        <p:spPr/>
+        <p:txBody>
+          <a:bodyPr>
+            <a:normAutofit/>
+          </a:bodyPr>
+          <a:lstStyle/>
+          <a:p>
+            <a:r>
+              <a:rPr lang="en-US" altLang="ko-KR" sz="3600" b="1" dirty="0" smtClean="0">
+                <a:latin typeface="+mn-ea"/>
+                <a:ea typeface="+mn-ea"/>
+              </a:rPr>
+              <a:t>08. </a:t>
+            </a:r>
+            <a:r>
+              <a:rPr lang="ko-KR" altLang="en-US" sz="3600" b="1" dirty="0" err="1" smtClean="0">
+                <a:latin typeface="+mn-ea"/>
+                <a:ea typeface="+mn-ea"/>
+              </a:rPr>
+              <a:t>과적합</a:t>
+            </a:r>
+            <a:r>
+              <a:rPr lang="ko-KR" altLang="en-US" sz="3600" b="1" dirty="0" smtClean="0">
+                <a:latin typeface="+mn-ea"/>
+                <a:ea typeface="+mn-ea"/>
+              </a:rPr>
+              <a:t> </a:t>
+            </a:r>
+            <a:r>
+              <a:rPr lang="en-US" altLang="ko-KR" sz="3600" b="1" dirty="0" smtClean="0">
+                <a:latin typeface="+mn-ea"/>
+                <a:ea typeface="+mn-ea"/>
+              </a:rPr>
+              <a:t>(Overfitting)</a:t>
+            </a:r>
+            <a:endParaRPr lang="ko-KR" altLang="en-US" sz="3600" b="1" dirty="0">
+              <a:latin typeface="+mn-ea"/>
+              <a:ea typeface="+mn-ea"/>
+            </a:endParaRPr>
+          </a:p>
+        </p:txBody>
+      </p:sp>
+      <mc:AlternateContent xmlns:mc="http://schemas.openxmlformats.org/markup-compatibility/2006">
+        <mc:Choice xmlns:a14="http://schemas.microsoft.com/office/drawing/2010/main" Requires="a14">
+          <p:sp>
+            <p:nvSpPr>
+              <p:cNvPr id="4" name="내용 개체 틀 3"/>
+              <p:cNvSpPr>
+                <a:spLocks noGrp="1"/>
+              </p:cNvSpPr>
+              <p:nvPr>
+                <p:ph sz="quarter" idx="1"/>
+              </p:nvPr>
+            </p:nvSpPr>
+            <p:spPr>
+              <a:xfrm>
+                <a:off x="467544" y="1124744"/>
+                <a:ext cx="8229600" cy="5181506"/>
+              </a:xfrm>
+            </p:spPr>
+            <p:txBody>
+              <a:bodyPr>
+                <a:normAutofit/>
+              </a:bodyPr>
+              <a:lstStyle/>
+              <a:p>
+                <a:pPr>
+                  <a:lnSpc>
+                    <a:spcPct val="150000"/>
+                  </a:lnSpc>
+                </a:pPr>
+                <a:r>
+                  <a:rPr lang="ko-KR" altLang="en-US" sz="2000" b="1" dirty="0" smtClean="0"/>
+                  <a:t>평균제곱오차</a:t>
+                </a:r>
+                <a:r>
+                  <a:rPr lang="en-US" altLang="ko-KR" sz="2000" b="1" dirty="0" smtClean="0"/>
+                  <a:t>(Mean Square Error, MSE)</a:t>
+                </a:r>
+              </a:p>
+              <a:p>
+                <a:pPr lvl="1">
+                  <a:lnSpc>
+                    <a:spcPct val="150000"/>
+                  </a:lnSpc>
+                </a:pPr>
+                <a:r>
+                  <a:rPr lang="ko-KR" altLang="en-US" sz="1200" dirty="0" smtClean="0">
+                    <a:latin typeface="+mn-ea"/>
+                  </a:rPr>
+                  <a:t>회귀 모델의 정확도를 측정하기 위해 사용 </a:t>
+                </a:r>
+                <a:r>
+                  <a:rPr lang="ko-KR" altLang="en-US" sz="1200" dirty="0" smtClean="0">
+                    <a:latin typeface="바탕"/>
+                    <a:ea typeface="바탕"/>
+                  </a:rPr>
+                  <a:t>☞</a:t>
+                </a:r>
+                <a:r>
+                  <a:rPr lang="ko-KR" altLang="en-US" sz="1200" dirty="0" smtClean="0">
+                    <a:latin typeface="+mn-ea"/>
+                  </a:rPr>
+                  <a:t> </a:t>
+                </a:r>
+                <a:r>
+                  <a:rPr lang="ko-KR" altLang="en-US" sz="1200" dirty="0" smtClean="0"/>
+                  <a:t>관측 값 </a:t>
+                </a:r>
+                <a:r>
+                  <a:rPr lang="ko-KR" altLang="en-US" sz="1200" dirty="0" smtClean="0">
+                    <a:latin typeface="바탕"/>
+                    <a:ea typeface="바탕"/>
+                  </a:rPr>
+                  <a:t>↔ </a:t>
+                </a:r>
+                <a:r>
+                  <a:rPr lang="ko-KR" altLang="en-US" sz="1200" dirty="0" smtClean="0"/>
+                  <a:t>예측 값 간 </a:t>
+                </a:r>
+                <a:r>
+                  <a:rPr lang="ko-KR" altLang="en-US" sz="1200" dirty="0"/>
+                  <a:t>차이가 클수록 </a:t>
+                </a:r>
+                <a:r>
+                  <a:rPr lang="en-US" altLang="ko-KR" sz="1200" dirty="0"/>
+                  <a:t>MSE</a:t>
+                </a:r>
+                <a:r>
+                  <a:rPr lang="ko-KR" altLang="en-US" sz="1200" dirty="0"/>
+                  <a:t>는 </a:t>
+                </a:r>
+                <a:r>
+                  <a:rPr lang="ko-KR" altLang="en-US" sz="1200" dirty="0" smtClean="0"/>
+                  <a:t>커짐</a:t>
+                </a:r>
+                <a:endParaRPr lang="en-US" altLang="ko-KR" sz="1200" dirty="0" smtClean="0">
+                  <a:latin typeface="+mn-ea"/>
+                </a:endParaRPr>
+              </a:p>
+              <a:p>
+                <a:pPr lvl="1">
+                  <a:lnSpc>
+                    <a:spcPct val="150000"/>
+                  </a:lnSpc>
+                </a:pPr>
+                <a:r>
+                  <a:rPr lang="ko-KR" altLang="en-US" sz="1200" b="1" dirty="0" smtClean="0">
+                    <a:solidFill>
+                      <a:srgbClr val="FF0000"/>
+                    </a:solidFill>
+                    <a:latin typeface="+mn-ea"/>
+                  </a:rPr>
+                  <a:t>실제 관측 값과 </a:t>
+                </a:r>
+                <a:r>
+                  <a:rPr lang="ko-KR" altLang="en-US" sz="1200" b="1" dirty="0">
+                    <a:solidFill>
+                      <a:srgbClr val="FF0000"/>
+                    </a:solidFill>
+                    <a:latin typeface="+mn-ea"/>
+                  </a:rPr>
+                  <a:t>모델이 예측하는 값의 차이</a:t>
+                </a:r>
+                <a:r>
+                  <a:rPr lang="en-US" altLang="ko-KR" sz="1200" b="1" dirty="0">
+                    <a:solidFill>
+                      <a:srgbClr val="FF0000"/>
+                    </a:solidFill>
+                    <a:latin typeface="+mn-ea"/>
+                  </a:rPr>
+                  <a:t>(=</a:t>
+                </a:r>
+                <a:r>
+                  <a:rPr lang="ko-KR" altLang="en-US" sz="1200" b="1" dirty="0">
+                    <a:solidFill>
+                      <a:srgbClr val="FF0000"/>
+                    </a:solidFill>
+                    <a:latin typeface="+mn-ea"/>
+                  </a:rPr>
+                  <a:t>오차</a:t>
+                </a:r>
+                <a:r>
+                  <a:rPr lang="en-US" altLang="ko-KR" sz="1200" b="1" dirty="0">
+                    <a:solidFill>
+                      <a:srgbClr val="FF0000"/>
+                    </a:solidFill>
+                    <a:latin typeface="+mn-ea"/>
+                  </a:rPr>
+                  <a:t>)</a:t>
+                </a:r>
+                <a:r>
+                  <a:rPr lang="ko-KR" altLang="en-US" sz="1200" b="1" dirty="0">
+                    <a:solidFill>
+                      <a:srgbClr val="FF0000"/>
+                    </a:solidFill>
+                    <a:latin typeface="+mn-ea"/>
+                  </a:rPr>
+                  <a:t>를 제곱한 후 모두 더해 평균</a:t>
+                </a:r>
+                <a:r>
+                  <a:rPr lang="ko-KR" altLang="en-US" sz="1200" dirty="0">
+                    <a:latin typeface="+mn-ea"/>
+                  </a:rPr>
+                  <a:t>을 구하는 </a:t>
+                </a:r>
+                <a:r>
+                  <a:rPr lang="ko-KR" altLang="en-US" sz="1200" dirty="0" smtClean="0">
+                    <a:latin typeface="+mn-ea"/>
+                  </a:rPr>
+                  <a:t>식</a:t>
+                </a:r>
+                <a:endParaRPr lang="en-US" altLang="ko-KR" sz="1200" dirty="0" smtClean="0">
+                  <a:latin typeface="+mn-ea"/>
+                </a:endParaRPr>
+              </a:p>
+              <a:p>
+                <a:pPr marL="274320" lvl="1" indent="0">
+                  <a:lnSpc>
+                    <a:spcPct val="150000"/>
+                  </a:lnSpc>
+                  <a:buNone/>
+                </a:pPr>
+                <a:endParaRPr lang="en-US" altLang="ko-KR" sz="1200" dirty="0" smtClean="0">
+                  <a:latin typeface="+mn-ea"/>
+                </a:endParaRPr>
+              </a:p>
+              <a:p>
+                <a:pPr marL="274320" lvl="1" indent="0">
+                  <a:lnSpc>
+                    <a:spcPct val="150000"/>
+                  </a:lnSpc>
+                  <a:buNone/>
+                </a:pPr>
+                <a:r>
+                  <a:rPr lang="en-US" altLang="ko-KR" sz="1200" dirty="0" smtClean="0">
+                    <a:latin typeface="+mn-ea"/>
+                    <a:ea typeface="바탕"/>
+                  </a:rPr>
+                  <a:t>※ </a:t>
+                </a:r>
+                <a:r>
+                  <a:rPr lang="ko-KR" altLang="en-US" sz="1200" dirty="0" smtClean="0">
+                    <a:latin typeface="+mn-ea"/>
+                  </a:rPr>
+                  <a:t>모형</a:t>
+                </a:r>
+                <a14:m>
+                  <m:oMath xmlns:m="http://schemas.openxmlformats.org/officeDocument/2006/math">
+                    <m:acc>
+                      <m:accPr>
+                        <m:chr m:val="̂"/>
+                        <m:ctrlPr>
+                          <a:rPr lang="en-US" altLang="ko-KR" sz="1200" i="1">
+                            <a:latin typeface="Cambria Math"/>
+                          </a:rPr>
+                        </m:ctrlPr>
+                      </m:accPr>
+                      <m:e>
+                        <m:r>
+                          <a:rPr lang="en-US" altLang="ko-KR" sz="1200" i="1">
+                            <a:latin typeface="Cambria Math"/>
+                          </a:rPr>
+                          <m:t>𝑓</m:t>
+                        </m:r>
+                      </m:e>
+                    </m:acc>
+                    <m:r>
+                      <a:rPr lang="en-US" altLang="ko-KR" sz="1200" i="1">
+                        <a:latin typeface="Cambria Math"/>
+                      </a:rPr>
+                      <m:t>(</m:t>
+                    </m:r>
+                    <m:r>
+                      <a:rPr lang="en-US" altLang="ko-KR" sz="1200" i="1">
+                        <a:latin typeface="Cambria Math"/>
+                      </a:rPr>
+                      <m:t>𝑋</m:t>
+                    </m:r>
+                    <m:r>
+                      <a:rPr lang="en-US" altLang="ko-KR" sz="1200" i="1">
+                        <a:latin typeface="Cambria Math"/>
+                      </a:rPr>
+                      <m:t>)</m:t>
+                    </m:r>
+                  </m:oMath>
+                </a14:m>
+                <a:r>
+                  <a:rPr lang="ko-KR" altLang="en-US" sz="1200" dirty="0">
+                    <a:latin typeface="+mn-ea"/>
+                  </a:rPr>
+                  <a:t>로 모집단</a:t>
+                </a:r>
+                <a:r>
+                  <a:rPr lang="ko-KR" altLang="en-US" sz="1200" dirty="0">
+                    <a:solidFill>
+                      <a:schemeClr val="tx1"/>
+                    </a:solidFill>
+                    <a:latin typeface="+mn-ea"/>
+                  </a:rPr>
+                  <a:t> </a:t>
+                </a:r>
+                <a:r>
+                  <a:rPr lang="ko-KR" altLang="en-US" sz="1200" b="1" dirty="0">
+                    <a:solidFill>
+                      <a:schemeClr val="tx1"/>
+                    </a:solidFill>
+                    <a:latin typeface="+mn-ea"/>
+                  </a:rPr>
+                  <a:t>전체 예측 시</a:t>
+                </a:r>
+                <a:r>
+                  <a:rPr lang="en-US" altLang="ko-KR" sz="1200" b="1" dirty="0">
+                    <a:solidFill>
+                      <a:schemeClr val="tx1"/>
+                    </a:solidFill>
+                    <a:latin typeface="+mn-ea"/>
+                  </a:rPr>
+                  <a:t> </a:t>
+                </a:r>
+                <a:r>
+                  <a:rPr lang="ko-KR" altLang="en-US" sz="1200" b="1" dirty="0">
+                    <a:solidFill>
+                      <a:schemeClr val="tx1"/>
+                    </a:solidFill>
+                    <a:latin typeface="+mn-ea"/>
+                  </a:rPr>
+                  <a:t>발생하는 총 오차</a:t>
+                </a:r>
+                <a:r>
+                  <a:rPr lang="en-US" altLang="ko-KR" sz="1200" b="1" dirty="0">
+                    <a:solidFill>
+                      <a:schemeClr val="tx1"/>
+                    </a:solidFill>
+                    <a:latin typeface="+mn-ea"/>
+                  </a:rPr>
+                  <a:t>(MSE)</a:t>
+                </a:r>
+                <a:r>
+                  <a:rPr lang="ko-KR" altLang="en-US" sz="1200" dirty="0">
+                    <a:latin typeface="+mn-ea"/>
+                  </a:rPr>
+                  <a:t>를 계산하면 </a:t>
+                </a:r>
+                <a:r>
+                  <a:rPr lang="en-US" altLang="ko-KR" sz="1200" b="1" u="sng" dirty="0">
+                    <a:latin typeface="+mn-ea"/>
+                  </a:rPr>
+                  <a:t>Reducible, irreducible Error</a:t>
+                </a:r>
+                <a:r>
+                  <a:rPr lang="ko-KR" altLang="en-US" sz="1200" dirty="0">
+                    <a:latin typeface="+mn-ea"/>
+                  </a:rPr>
+                  <a:t>로 </a:t>
+                </a:r>
+                <a:r>
+                  <a:rPr lang="ko-KR" altLang="en-US" sz="1200" dirty="0" smtClean="0">
+                    <a:latin typeface="+mn-ea"/>
+                  </a:rPr>
+                  <a:t>표현</a:t>
+                </a:r>
+                <a:endParaRPr lang="en-US" altLang="ko-KR" sz="1200" dirty="0" smtClean="0">
+                  <a:latin typeface="+mn-ea"/>
+                </a:endParaRPr>
+              </a:p>
+              <a:p>
+                <a:pPr lvl="1">
+                  <a:lnSpc>
+                    <a:spcPct val="150000"/>
+                  </a:lnSpc>
+                  <a:buFont typeface="Wingdings" panose="05000000000000000000" pitchFamily="2" charset="2"/>
+                  <a:buChar char="l"/>
+                </a:pPr>
+                <a:r>
+                  <a:rPr lang="en-US" altLang="ko-KR" sz="1200" b="1" dirty="0" smtClean="0">
+                    <a:latin typeface="+mn-ea"/>
+                  </a:rPr>
+                  <a:t>Reducible</a:t>
+                </a:r>
+                <a:r>
+                  <a:rPr lang="en-US" altLang="ko-KR" sz="1200" dirty="0" smtClean="0">
+                    <a:latin typeface="+mn-ea"/>
+                  </a:rPr>
+                  <a:t> Error : </a:t>
+                </a:r>
+                <a:r>
+                  <a:rPr lang="ko-KR" altLang="en-US" sz="1200" dirty="0" smtClean="0">
+                    <a:latin typeface="+mn-ea"/>
+                  </a:rPr>
+                  <a:t>어떤 모델을 선택하느냐에 따라 줄일 수 있는 오차</a:t>
+                </a:r>
+                <a:endParaRPr lang="en-US" altLang="ko-KR" sz="1200" dirty="0" smtClean="0">
+                  <a:latin typeface="+mn-ea"/>
+                </a:endParaRPr>
+              </a:p>
+              <a:p>
+                <a:pPr lvl="1">
+                  <a:lnSpc>
+                    <a:spcPct val="150000"/>
+                  </a:lnSpc>
+                  <a:buFont typeface="Wingdings" panose="05000000000000000000" pitchFamily="2" charset="2"/>
+                  <a:buChar char="l"/>
+                </a:pPr>
+                <a:r>
+                  <a:rPr lang="en-US" altLang="ko-KR" sz="1200" b="1" dirty="0" smtClean="0">
+                    <a:latin typeface="+mn-ea"/>
+                  </a:rPr>
+                  <a:t>Irreducible</a:t>
+                </a:r>
+                <a:r>
+                  <a:rPr lang="en-US" altLang="ko-KR" sz="1200" dirty="0" smtClean="0">
+                    <a:latin typeface="+mn-ea"/>
+                  </a:rPr>
+                  <a:t> Error : </a:t>
+                </a:r>
+                <a:r>
+                  <a:rPr lang="ko-KR" altLang="en-US" sz="1200" dirty="0" smtClean="0">
+                    <a:latin typeface="+mn-ea"/>
+                  </a:rPr>
+                  <a:t>데이터가 가진 태생적인 한계 또는 어떤 모델을 사용해도 줄일 수 없는 오차</a:t>
+                </a:r>
+                <a:r>
+                  <a:rPr lang="en-US" altLang="ko-KR" sz="1200" dirty="0" smtClean="0">
+                    <a:latin typeface="+mn-ea"/>
+                  </a:rPr>
+                  <a:t>(=Noise)</a:t>
+                </a:r>
+              </a:p>
+              <a:p>
+                <a:pPr lvl="1">
+                  <a:lnSpc>
+                    <a:spcPct val="150000"/>
+                  </a:lnSpc>
+                  <a:buFont typeface="Wingdings" panose="05000000000000000000" pitchFamily="2" charset="2"/>
+                  <a:buChar char="l"/>
+                </a:pPr>
+                <a:endParaRPr lang="en-US" altLang="ko-KR" sz="1200" dirty="0">
+                  <a:latin typeface="+mn-ea"/>
+                </a:endParaRPr>
+              </a:p>
+              <a:p>
+                <a:pPr lvl="1">
+                  <a:lnSpc>
+                    <a:spcPct val="150000"/>
+                  </a:lnSpc>
+                  <a:buFont typeface="Wingdings" panose="05000000000000000000" pitchFamily="2" charset="2"/>
+                  <a:buChar char="l"/>
+                </a:pPr>
+                <a:endParaRPr lang="en-US" altLang="ko-KR" sz="1200" dirty="0" smtClean="0">
+                  <a:latin typeface="+mn-ea"/>
+                </a:endParaRPr>
+              </a:p>
+              <a:p>
+                <a:pPr lvl="1">
+                  <a:lnSpc>
+                    <a:spcPct val="150000"/>
+                  </a:lnSpc>
+                  <a:buFont typeface="Wingdings" panose="05000000000000000000" pitchFamily="2" charset="2"/>
+                  <a:buChar char="l"/>
+                </a:pPr>
+                <a:endParaRPr lang="en-US" altLang="ko-KR" sz="1200" dirty="0">
+                  <a:latin typeface="+mn-ea"/>
+                </a:endParaRPr>
+              </a:p>
+              <a:p>
+                <a:pPr lvl="1">
+                  <a:lnSpc>
+                    <a:spcPct val="150000"/>
+                  </a:lnSpc>
+                  <a:buFont typeface="Wingdings" panose="05000000000000000000" pitchFamily="2" charset="2"/>
+                  <a:buChar char="l"/>
+                </a:pPr>
+                <a:endParaRPr lang="en-US" altLang="ko-KR" sz="1200" dirty="0" smtClean="0">
+                  <a:latin typeface="+mn-ea"/>
+                </a:endParaRPr>
+              </a:p>
+              <a:p>
+                <a:pPr marL="274320" lvl="1" indent="0">
+                  <a:lnSpc>
+                    <a:spcPct val="150000"/>
+                  </a:lnSpc>
+                  <a:buNone/>
+                </a:pPr>
+                <a:endParaRPr lang="en-US" altLang="ko-KR" sz="1200" dirty="0" smtClean="0">
+                  <a:latin typeface="+mn-ea"/>
+                </a:endParaRPr>
+              </a:p>
+              <a:p>
+                <a:pPr lvl="1">
+                  <a:lnSpc>
+                    <a:spcPct val="150000"/>
+                  </a:lnSpc>
+                  <a:buFont typeface="Wingdings" panose="05000000000000000000" pitchFamily="2" charset="2"/>
+                  <a:buChar char="l"/>
+                </a:pPr>
+                <a:r>
+                  <a:rPr lang="ko-KR" altLang="en-US" sz="1200" dirty="0">
+                    <a:latin typeface="+mn-ea"/>
+                  </a:rPr>
+                  <a:t>이때 </a:t>
+                </a:r>
+                <a:r>
+                  <a:rPr lang="en-US" altLang="ko-KR" sz="1200" b="1" dirty="0">
+                    <a:latin typeface="+mn-ea"/>
+                  </a:rPr>
+                  <a:t>Reducible Error</a:t>
+                </a:r>
+                <a:r>
+                  <a:rPr lang="ko-KR" altLang="en-US" sz="1200" dirty="0">
+                    <a:latin typeface="+mn-ea"/>
+                  </a:rPr>
+                  <a:t>는 다시 </a:t>
+                </a:r>
+                <a:r>
+                  <a:rPr lang="ko-KR" altLang="en-US" sz="1200" b="1" u="sng" dirty="0">
+                    <a:latin typeface="+mn-ea"/>
+                  </a:rPr>
+                  <a:t>편향</a:t>
+                </a:r>
+                <a:r>
+                  <a:rPr lang="en-US" altLang="ko-KR" sz="1200" b="1" u="sng" dirty="0">
+                    <a:latin typeface="+mn-ea"/>
+                  </a:rPr>
+                  <a:t>(Bias)</a:t>
+                </a:r>
+                <a:r>
+                  <a:rPr lang="ko-KR" altLang="en-US" sz="1200" b="1" u="sng" dirty="0">
+                    <a:latin typeface="+mn-ea"/>
+                  </a:rPr>
+                  <a:t>과 분산</a:t>
+                </a:r>
+                <a:r>
+                  <a:rPr lang="en-US" altLang="ko-KR" sz="1200" b="1" u="sng" dirty="0">
+                    <a:latin typeface="+mn-ea"/>
+                  </a:rPr>
+                  <a:t>(Variance)</a:t>
+                </a:r>
+                <a:r>
+                  <a:rPr lang="ko-KR" altLang="en-US" sz="1200" b="1" u="sng" dirty="0">
+                    <a:latin typeface="+mn-ea"/>
+                  </a:rPr>
+                  <a:t>으로 </a:t>
+                </a:r>
+                <a:r>
+                  <a:rPr lang="ko-KR" altLang="en-US" sz="1200" b="1" u="sng" dirty="0" smtClean="0">
+                    <a:latin typeface="+mn-ea"/>
+                  </a:rPr>
+                  <a:t>구성</a:t>
+                </a:r>
+                <a:endParaRPr lang="en-US" altLang="ko-KR" sz="1200" dirty="0">
+                  <a:latin typeface="+mn-ea"/>
+                </a:endParaRPr>
+              </a:p>
+              <a:p>
+                <a:pPr lvl="1">
+                  <a:lnSpc>
+                    <a:spcPct val="150000"/>
+                  </a:lnSpc>
+                </a:pPr>
+                <a:endParaRPr lang="en-US" altLang="ko-KR" sz="1200" dirty="0" smtClean="0">
+                  <a:latin typeface="+mn-ea"/>
+                </a:endParaRPr>
+              </a:p>
+              <a:p>
+                <a:pPr marL="274320" lvl="1" indent="0">
+                  <a:lnSpc>
+                    <a:spcPct val="150000"/>
+                  </a:lnSpc>
+                  <a:buNone/>
+                </a:pPr>
+                <a:endParaRPr lang="en-US" altLang="ko-KR" sz="1400" dirty="0" smtClean="0"/>
+              </a:p>
+              <a:p>
+                <a:pPr marL="274320" lvl="1" indent="0">
+                  <a:lnSpc>
+                    <a:spcPct val="150000"/>
+                  </a:lnSpc>
+                  <a:buNone/>
+                </a:pPr>
+                <a:endParaRPr lang="en-US" altLang="ko-KR" sz="1400" dirty="0"/>
+              </a:p>
+              <a:p>
+                <a:pPr marL="274320" lvl="1" indent="0">
+                  <a:lnSpc>
+                    <a:spcPct val="150000"/>
+                  </a:lnSpc>
+                  <a:buNone/>
+                </a:pPr>
+                <a:endParaRPr lang="en-US" altLang="ko-KR" sz="1400" dirty="0" smtClean="0"/>
+              </a:p>
+              <a:p>
+                <a:pPr marL="274320" lvl="1" indent="0">
+                  <a:lnSpc>
+                    <a:spcPct val="150000"/>
+                  </a:lnSpc>
+                  <a:buNone/>
+                </a:pPr>
+                <a:endParaRPr lang="en-US" altLang="ko-KR" sz="1400" dirty="0" smtClean="0"/>
+              </a:p>
+              <a:p>
+                <a:pPr marL="274320" lvl="1" indent="0">
+                  <a:lnSpc>
+                    <a:spcPct val="150000"/>
+                  </a:lnSpc>
+                  <a:buNone/>
+                </a:pPr>
+                <a:endParaRPr lang="en-US" altLang="ko-KR" sz="1200" dirty="0">
+                  <a:latin typeface="+mn-ea"/>
+                </a:endParaRPr>
+              </a:p>
+              <a:p>
+                <a:pPr lvl="1">
+                  <a:lnSpc>
+                    <a:spcPct val="150000"/>
+                  </a:lnSpc>
+                </a:pPr>
+                <a:endParaRPr lang="en-US" altLang="ko-KR" sz="1200" dirty="0" smtClean="0">
+                  <a:latin typeface="+mn-ea"/>
+                </a:endParaRPr>
+              </a:p>
+              <a:p>
+                <a:pPr lvl="1">
+                  <a:lnSpc>
+                    <a:spcPct val="150000"/>
+                  </a:lnSpc>
+                </a:pPr>
+                <a:endParaRPr lang="en-US" altLang="ko-KR" sz="1200" dirty="0">
+                  <a:latin typeface="+mn-ea"/>
+                </a:endParaRPr>
+              </a:p>
+              <a:p>
+                <a:pPr lvl="1">
+                  <a:lnSpc>
+                    <a:spcPct val="150000"/>
+                  </a:lnSpc>
+                </a:pPr>
+                <a:endParaRPr lang="en-US" altLang="ko-KR" sz="1200" dirty="0" smtClean="0">
+                  <a:latin typeface="+mn-ea"/>
+                </a:endParaRPr>
+              </a:p>
+              <a:p>
+                <a:pPr lvl="1">
+                  <a:lnSpc>
+                    <a:spcPct val="150000"/>
+                  </a:lnSpc>
+                </a:pPr>
+                <a:endParaRPr lang="en-US" altLang="ko-KR" sz="1200" dirty="0" smtClean="0">
+                  <a:latin typeface="+mn-ea"/>
+                </a:endParaRPr>
+              </a:p>
+            </p:txBody>
+          </p:sp>
+        </mc:Choice>
+        <mc:Fallback>
+          <p:sp>
+            <p:nvSpPr>
+              <p:cNvPr id="4" name="내용 개체 틀 3"/>
+              <p:cNvSpPr>
+                <a:spLocks noGrp="1" noRot="1" noChangeAspect="1" noMove="1" noResize="1" noEditPoints="1" noAdjustHandles="1" noChangeArrowheads="1" noChangeShapeType="1" noTextEdit="1"/>
+              </p:cNvSpPr>
+              <p:nvPr>
+                <p:ph sz="quarter" idx="1"/>
+              </p:nvPr>
+            </p:nvSpPr>
+            <p:spPr>
+              <a:xfrm>
+                <a:off x="467544" y="1124744"/>
+                <a:ext cx="8229600" cy="5181506"/>
+              </a:xfrm>
+              <a:blipFill rotWithShape="1">
+                <a:blip r:embed="rId2"/>
+                <a:stretch>
+                  <a:fillRect l="-296"/>
+                </a:stretch>
+              </a:blipFill>
+            </p:spPr>
+            <p:txBody>
+              <a:bodyPr/>
+              <a:lstStyle/>
+              <a:p>
+                <a:r>
+                  <a:rPr lang="ko-KR" altLang="en-US">
+                    <a:noFill/>
+                  </a:rPr>
+                  <a:t> </a:t>
+                </a:r>
+              </a:p>
+            </p:txBody>
+          </p:sp>
+        </mc:Fallback>
+      </mc:AlternateContent>
+      <p:pic>
+        <p:nvPicPr>
+          <p:cNvPr id="2051" name="Picture 3"/>
+          <p:cNvPicPr>
+            <a:picLocks noChangeAspect="1" noChangeArrowheads="1"/>
+          </p:cNvPicPr>
+          <p:nvPr/>
+        </p:nvPicPr>
+        <p:blipFill>
+          <a:blip r:embed="rId3">
+            <a:extLst>
+              <a:ext uri="{28A0092B-C50C-407E-A947-70E740481C1C}">
+                <a14:useLocalDpi xmlns:a14="http://schemas.microsoft.com/office/drawing/2010/main" val="0"/>
+              </a:ext>
+            </a:extLst>
+          </a:blip>
+          <a:srcRect/>
+          <a:stretch>
+            <a:fillRect/>
+          </a:stretch>
+        </p:blipFill>
+        <p:spPr bwMode="auto">
+          <a:xfrm>
+            <a:off x="920268" y="3813060"/>
+            <a:ext cx="7375471" cy="720699"/>
+          </a:xfrm>
+          <a:prstGeom prst="rect">
+            <a:avLst/>
+          </a:prstGeom>
+          <a:noFill/>
+          <a:ln>
+            <a:noFill/>
+          </a:ln>
+          <a:extLst>
+            <a:ext uri="{909E8E84-426E-40DD-AFC4-6F175D3DCCD1}">
+              <a14:hiddenFill xmlns:a14="http://schemas.microsoft.com/office/drawing/2010/main">
+                <a:solidFill>
+                  <a:schemeClr val="accent1"/>
+                </a:solidFill>
+              </a14:hiddenFill>
+            </a:ext>
+            <a:ext uri="{91240B29-F687-4F45-9708-019B960494DF}">
+              <a14:hiddenLine xmlns:a14="http://schemas.microsoft.com/office/drawing/2010/main" w="9525">
+                <a:solidFill>
+                  <a:schemeClr val="tx1"/>
+                </a:solidFill>
+                <a:miter lim="800000"/>
+                <a:headEnd/>
+                <a:tailEnd/>
+              </a14:hiddenLine>
+            </a:ext>
+          </a:extLst>
+        </p:spPr>
+      </p:pic>
+      <p:sp>
+        <p:nvSpPr>
+          <p:cNvPr id="10" name="직사각형 9"/>
+          <p:cNvSpPr/>
+          <p:nvPr/>
+        </p:nvSpPr>
+        <p:spPr>
+          <a:xfrm>
+            <a:off x="683568" y="2636912"/>
+            <a:ext cx="7848872" cy="3456384"/>
+          </a:xfrm>
+          <a:prstGeom prst="rect">
+            <a:avLst/>
+          </a:prstGeom>
+          <a:noFill/>
+        </p:spPr>
+        <p:style>
+          <a:lnRef idx="2">
+            <a:schemeClr val="accent1">
+              <a:shade val="50000"/>
+            </a:schemeClr>
+          </a:lnRef>
+          <a:fillRef idx="1">
+            <a:schemeClr val="accent1"/>
+          </a:fillRef>
+          <a:effectRef idx="0">
+            <a:schemeClr val="accent1"/>
+          </a:effectRef>
+          <a:fontRef idx="minor">
+            <a:schemeClr val="lt1"/>
+          </a:fontRef>
+        </p:style>
+        <p:txBody>
+          <a:bodyPr rtlCol="0" anchor="ctr"/>
+          <a:lstStyle/>
+          <a:p>
+            <a:pPr algn="ctr"/>
+            <a:endParaRPr lang="ko-KR" altLang="en-US"/>
+          </a:p>
+        </p:txBody>
+      </p:sp>
+      <p:sp>
+        <p:nvSpPr>
+          <p:cNvPr id="11" name="직사각형 10"/>
+          <p:cNvSpPr/>
+          <p:nvPr/>
+        </p:nvSpPr>
+        <p:spPr>
+          <a:xfrm>
+            <a:off x="3995936" y="3933056"/>
+            <a:ext cx="2520280" cy="600703"/>
+          </a:xfrm>
+          <a:prstGeom prst="rect">
+            <a:avLst/>
+          </a:prstGeom>
+          <a:noFill/>
+        </p:spPr>
+        <p:style>
+          <a:lnRef idx="2">
+            <a:schemeClr val="accent1">
+              <a:shade val="50000"/>
+            </a:schemeClr>
+          </a:lnRef>
+          <a:fillRef idx="1">
+            <a:schemeClr val="accent1"/>
+          </a:fillRef>
+          <a:effectRef idx="0">
+            <a:schemeClr val="accent1"/>
+          </a:effectRef>
+          <a:fontRef idx="minor">
+            <a:schemeClr val="lt1"/>
+          </a:fontRef>
+        </p:style>
+        <p:txBody>
+          <a:bodyPr rtlCol="0" anchor="ctr"/>
+          <a:lstStyle/>
+          <a:p>
+            <a:pPr algn="ctr"/>
+            <a:endParaRPr lang="ko-KR" altLang="en-US"/>
+          </a:p>
+        </p:txBody>
+      </p:sp>
+      <p:sp>
+        <p:nvSpPr>
+          <p:cNvPr id="15" name="직사각형 14"/>
+          <p:cNvSpPr/>
+          <p:nvPr/>
+        </p:nvSpPr>
+        <p:spPr>
+          <a:xfrm>
+            <a:off x="6876256" y="3933056"/>
+            <a:ext cx="1008112" cy="600703"/>
+          </a:xfrm>
+          <a:prstGeom prst="rect">
+            <a:avLst/>
+          </a:prstGeom>
+          <a:noFill/>
+        </p:spPr>
+        <p:style>
+          <a:lnRef idx="2">
+            <a:schemeClr val="accent1">
+              <a:shade val="50000"/>
+            </a:schemeClr>
+          </a:lnRef>
+          <a:fillRef idx="1">
+            <a:schemeClr val="accent1"/>
+          </a:fillRef>
+          <a:effectRef idx="0">
+            <a:schemeClr val="accent1"/>
+          </a:effectRef>
+          <a:fontRef idx="minor">
+            <a:schemeClr val="lt1"/>
+          </a:fontRef>
+        </p:style>
+        <p:txBody>
+          <a:bodyPr rtlCol="0" anchor="ctr"/>
+          <a:lstStyle/>
+          <a:p>
+            <a:pPr algn="ctr"/>
+            <a:endParaRPr lang="ko-KR" altLang="en-US"/>
+          </a:p>
+        </p:txBody>
+      </p:sp>
+      <p:sp>
+        <p:nvSpPr>
+          <p:cNvPr id="12" name="TextBox 11"/>
+          <p:cNvSpPr txBox="1"/>
+          <p:nvPr/>
+        </p:nvSpPr>
+        <p:spPr>
+          <a:xfrm>
+            <a:off x="3995936" y="4869160"/>
+            <a:ext cx="1720343" cy="369332"/>
+          </a:xfrm>
+          <a:prstGeom prst="rect">
+            <a:avLst/>
+          </a:prstGeom>
+          <a:noFill/>
+        </p:spPr>
+        <p:txBody>
+          <a:bodyPr wrap="none" rtlCol="0">
+            <a:spAutoFit/>
+          </a:bodyPr>
+          <a:lstStyle/>
+          <a:p>
+            <a:r>
+              <a:rPr lang="en-US" altLang="ko-KR" dirty="0" smtClean="0"/>
+              <a:t>Reducible Error</a:t>
+            </a:r>
+            <a:endParaRPr lang="ko-KR" altLang="en-US" dirty="0"/>
+          </a:p>
+        </p:txBody>
+      </p:sp>
+      <p:sp>
+        <p:nvSpPr>
+          <p:cNvPr id="17" name="TextBox 16"/>
+          <p:cNvSpPr txBox="1"/>
+          <p:nvPr/>
+        </p:nvSpPr>
+        <p:spPr>
+          <a:xfrm>
+            <a:off x="6487645" y="4869160"/>
+            <a:ext cx="1756763" cy="369332"/>
+          </a:xfrm>
+          <a:prstGeom prst="rect">
+            <a:avLst/>
+          </a:prstGeom>
+          <a:noFill/>
+        </p:spPr>
+        <p:txBody>
+          <a:bodyPr wrap="none" rtlCol="0">
+            <a:spAutoFit/>
+          </a:bodyPr>
+          <a:lstStyle/>
+          <a:p>
+            <a:r>
+              <a:rPr lang="en-US" altLang="ko-KR" dirty="0" smtClean="0"/>
+              <a:t>irreducible Error</a:t>
+            </a:r>
+            <a:endParaRPr lang="ko-KR" altLang="en-US" dirty="0"/>
+          </a:p>
+        </p:txBody>
+      </p:sp>
+      <p:cxnSp>
+        <p:nvCxnSpPr>
+          <p:cNvPr id="14" name="꺾인 연결선 13"/>
+          <p:cNvCxnSpPr>
+            <a:stCxn id="11" idx="2"/>
+            <a:endCxn id="12" idx="0"/>
+          </p:cNvCxnSpPr>
+          <p:nvPr/>
+        </p:nvCxnSpPr>
+        <p:spPr>
+          <a:xfrm rot="5400000">
+            <a:off x="4888392" y="4501475"/>
+            <a:ext cx="335401" cy="399968"/>
+          </a:xfrm>
+          <a:prstGeom prst="bentConnector3">
+            <a:avLst/>
+          </a:prstGeom>
+          <a:ln>
+            <a:tailEnd type="arrow"/>
+          </a:ln>
+        </p:spPr>
+        <p:style>
+          <a:lnRef idx="1">
+            <a:schemeClr val="accent1"/>
+          </a:lnRef>
+          <a:fillRef idx="0">
+            <a:schemeClr val="accent1"/>
+          </a:fillRef>
+          <a:effectRef idx="0">
+            <a:schemeClr val="accent1"/>
+          </a:effectRef>
+          <a:fontRef idx="minor">
+            <a:schemeClr val="tx1"/>
+          </a:fontRef>
+        </p:style>
+      </p:cxnSp>
+      <p:cxnSp>
+        <p:nvCxnSpPr>
+          <p:cNvPr id="18" name="직선 화살표 연결선 17"/>
+          <p:cNvCxnSpPr>
+            <a:stCxn id="15" idx="2"/>
+            <a:endCxn id="17" idx="0"/>
+          </p:cNvCxnSpPr>
+          <p:nvPr/>
+        </p:nvCxnSpPr>
+        <p:spPr>
+          <a:xfrm flipH="1">
+            <a:off x="7366027" y="4533759"/>
+            <a:ext cx="14285" cy="335401"/>
+          </a:xfrm>
+          <a:prstGeom prst="straightConnector1">
+            <a:avLst/>
+          </a:prstGeom>
+          <a:ln>
+            <a:tailEnd type="arrow"/>
+          </a:ln>
+        </p:spPr>
+        <p:style>
+          <a:lnRef idx="1">
+            <a:schemeClr val="accent1"/>
+          </a:lnRef>
+          <a:fillRef idx="0">
+            <a:schemeClr val="accent1"/>
+          </a:fillRef>
+          <a:effectRef idx="0">
+            <a:schemeClr val="accent1"/>
+          </a:effectRef>
+          <a:fontRef idx="minor">
+            <a:schemeClr val="tx1"/>
+          </a:fontRef>
+        </p:style>
+      </p:cxnSp>
+    </p:spTree>
+    <p:extLst>
+      <p:ext uri="{BB962C8B-B14F-4D97-AF65-F5344CB8AC3E}">
+        <p14:creationId xmlns:p14="http://schemas.microsoft.com/office/powerpoint/2010/main" val="3623795830"/>
+      </p:ext>
+    </p:extLst>
+  </p:cSld>
+  <p:clrMapOvr>
+    <a:masterClrMapping/>
+  </p:clrMapOvr>
+  <p:timing>
+    <p:tnLst>
+      <p:par>
+        <p:cTn id="1" dur="indefinite" restart="never" nodeType="tmRoot"/>
+      </p:par>
+    </p:tnLst>
+  </p:timing>
+</p:sld>
+</file>
+
+<file path=ppt/slides/slide32.xml><?xml version="1.0" encoding="utf-8"?>
+<p:sld xmlns:a="http://schemas.openxmlformats.org/drawingml/2006/main" xmlns:r="http://schemas.openxmlformats.org/officeDocument/2006/relationships" xmlns:p="http://schemas.openxmlformats.org/presentationml/2006/main">
+  <p:cSld>
+    <p:spTree>
+      <p:nvGrpSpPr>
+        <p:cNvPr id="1" name=""/>
+        <p:cNvGrpSpPr/>
+        <p:nvPr/>
+      </p:nvGrpSpPr>
+      <p:grpSpPr>
+        <a:xfrm>
+          <a:off x="0" y="0"/>
+          <a:ext cx="0" cy="0"/>
+          <a:chOff x="0" y="0"/>
+          <a:chExt cx="0" cy="0"/>
+        </a:xfrm>
+      </p:grpSpPr>
+      <p:sp>
+        <p:nvSpPr>
+          <p:cNvPr id="2" name="제목 1"/>
+          <p:cNvSpPr>
+            <a:spLocks noGrp="1"/>
+          </p:cNvSpPr>
+          <p:nvPr>
+            <p:ph type="title"/>
+          </p:nvPr>
+        </p:nvSpPr>
+        <p:spPr/>
+        <p:txBody>
+          <a:bodyPr>
+            <a:normAutofit/>
+          </a:bodyPr>
+          <a:lstStyle/>
+          <a:p>
+            <a:r>
+              <a:rPr lang="en-US" altLang="ko-KR" sz="3600" b="1" dirty="0" smtClean="0">
+                <a:latin typeface="+mn-ea"/>
+                <a:ea typeface="+mn-ea"/>
+              </a:rPr>
+              <a:t>08. </a:t>
+            </a:r>
+            <a:r>
+              <a:rPr lang="ko-KR" altLang="en-US" sz="3600" b="1" dirty="0" err="1" smtClean="0">
+                <a:latin typeface="+mn-ea"/>
+                <a:ea typeface="+mn-ea"/>
+              </a:rPr>
+              <a:t>과적합</a:t>
+            </a:r>
+            <a:r>
+              <a:rPr lang="ko-KR" altLang="en-US" sz="3600" b="1" dirty="0" smtClean="0">
+                <a:latin typeface="+mn-ea"/>
+                <a:ea typeface="+mn-ea"/>
+              </a:rPr>
+              <a:t> </a:t>
+            </a:r>
+            <a:r>
+              <a:rPr lang="en-US" altLang="ko-KR" sz="3600" b="1" dirty="0" smtClean="0">
+                <a:latin typeface="+mn-ea"/>
+                <a:ea typeface="+mn-ea"/>
+              </a:rPr>
+              <a:t>(Overfitting)</a:t>
+            </a:r>
+            <a:endParaRPr lang="ko-KR" altLang="en-US" sz="3600" b="1" dirty="0">
+              <a:latin typeface="+mn-ea"/>
+              <a:ea typeface="+mn-ea"/>
+            </a:endParaRPr>
+          </a:p>
+        </p:txBody>
+      </p:sp>
+      <p:sp>
+        <p:nvSpPr>
+          <p:cNvPr id="4" name="내용 개체 틀 3"/>
+          <p:cNvSpPr>
+            <a:spLocks noGrp="1"/>
+          </p:cNvSpPr>
+          <p:nvPr>
+            <p:ph sz="quarter" idx="1"/>
+          </p:nvPr>
+        </p:nvSpPr>
+        <p:spPr>
+          <a:xfrm>
+            <a:off x="467544" y="1124744"/>
+            <a:ext cx="8229600" cy="5181506"/>
+          </a:xfrm>
+        </p:spPr>
+        <p:txBody>
+          <a:bodyPr>
+            <a:normAutofit/>
+          </a:bodyPr>
+          <a:lstStyle/>
+          <a:p>
+            <a:pPr>
+              <a:lnSpc>
+                <a:spcPct val="150000"/>
+              </a:lnSpc>
+            </a:pPr>
+            <a:r>
+              <a:rPr lang="ko-KR" altLang="en-US" sz="2000" b="1" dirty="0"/>
+              <a:t>편향</a:t>
+            </a:r>
+            <a:r>
+              <a:rPr lang="en-US" altLang="ko-KR" sz="2000" b="1" dirty="0"/>
+              <a:t>(Bias)-</a:t>
+            </a:r>
+            <a:r>
+              <a:rPr lang="ko-KR" altLang="en-US" sz="2000" b="1" dirty="0"/>
+              <a:t>분산</a:t>
+            </a:r>
+            <a:r>
+              <a:rPr lang="en-US" altLang="ko-KR" sz="2000" b="1" dirty="0"/>
+              <a:t>(Variance) </a:t>
+            </a:r>
+            <a:r>
+              <a:rPr lang="ko-KR" altLang="en-US" sz="2000" b="1" dirty="0" smtClean="0"/>
+              <a:t>트레이드 오프</a:t>
+            </a:r>
+            <a:r>
+              <a:rPr lang="en-US" altLang="ko-KR" sz="2000" b="1" dirty="0"/>
+              <a:t>(</a:t>
+            </a:r>
+            <a:r>
+              <a:rPr lang="en-US" altLang="ko-KR" sz="2000" b="1" dirty="0" smtClean="0"/>
+              <a:t>Trade-Off)</a:t>
+            </a:r>
+          </a:p>
+          <a:p>
+            <a:pPr marL="0" indent="0">
+              <a:lnSpc>
+                <a:spcPct val="150000"/>
+              </a:lnSpc>
+              <a:buNone/>
+            </a:pPr>
+            <a:r>
+              <a:rPr lang="en-US" altLang="ko-KR" sz="1200" dirty="0" smtClean="0">
+                <a:latin typeface="+mn-ea"/>
+              </a:rPr>
+              <a:t>: </a:t>
+            </a:r>
+            <a:r>
+              <a:rPr lang="ko-KR" altLang="en-US" sz="1200" b="1" u="sng" dirty="0" smtClean="0">
+                <a:latin typeface="+mn-ea"/>
+              </a:rPr>
+              <a:t>두 </a:t>
+            </a:r>
+            <a:r>
+              <a:rPr lang="ko-KR" altLang="en-US" sz="1200" b="1" u="sng" dirty="0">
+                <a:latin typeface="+mn-ea"/>
+              </a:rPr>
+              <a:t>종류의 오차</a:t>
+            </a:r>
+            <a:r>
+              <a:rPr lang="en-US" altLang="ko-KR" sz="1200" b="1" u="sng" dirty="0">
+                <a:latin typeface="+mn-ea"/>
+              </a:rPr>
+              <a:t>(</a:t>
+            </a:r>
+            <a:r>
+              <a:rPr lang="ko-KR" altLang="en-US" sz="1200" b="1" u="sng" dirty="0">
+                <a:latin typeface="+mn-ea"/>
+              </a:rPr>
+              <a:t>편향</a:t>
+            </a:r>
+            <a:r>
+              <a:rPr lang="en-US" altLang="ko-KR" sz="1200" b="1" u="sng" dirty="0">
+                <a:latin typeface="+mn-ea"/>
+              </a:rPr>
+              <a:t>, </a:t>
+            </a:r>
+            <a:r>
+              <a:rPr lang="ko-KR" altLang="en-US" sz="1200" b="1" u="sng" dirty="0">
+                <a:latin typeface="+mn-ea"/>
+              </a:rPr>
+              <a:t>분산</a:t>
+            </a:r>
+            <a:r>
+              <a:rPr lang="en-US" altLang="ko-KR" sz="1200" b="1" u="sng" dirty="0">
+                <a:latin typeface="+mn-ea"/>
+              </a:rPr>
+              <a:t>)</a:t>
+            </a:r>
+            <a:r>
+              <a:rPr lang="ko-KR" altLang="en-US" sz="1200" b="1" u="sng" dirty="0">
+                <a:latin typeface="+mn-ea"/>
+              </a:rPr>
+              <a:t>를 최소화 시키는 과정에서 발생하는 </a:t>
+            </a:r>
+            <a:r>
+              <a:rPr lang="ko-KR" altLang="en-US" sz="1200" b="1" u="sng" dirty="0" smtClean="0">
+                <a:latin typeface="+mn-ea"/>
+              </a:rPr>
+              <a:t>문제로 </a:t>
+            </a:r>
+            <a:r>
+              <a:rPr lang="ko-KR" altLang="en-US" sz="1200" dirty="0" smtClean="0">
+                <a:latin typeface="+mn-ea"/>
+              </a:rPr>
+              <a:t>편향이 </a:t>
+            </a:r>
+            <a:r>
+              <a:rPr lang="ko-KR" altLang="en-US" sz="1200" dirty="0">
+                <a:latin typeface="+mn-ea"/>
+              </a:rPr>
+              <a:t>작을수록 분산이 커지며</a:t>
+            </a:r>
+            <a:r>
+              <a:rPr lang="en-US" altLang="ko-KR" sz="1200" dirty="0">
+                <a:latin typeface="+mn-ea"/>
+              </a:rPr>
+              <a:t>, </a:t>
+            </a:r>
+            <a:r>
+              <a:rPr lang="ko-KR" altLang="en-US" sz="1200" dirty="0">
+                <a:latin typeface="+mn-ea"/>
+              </a:rPr>
+              <a:t>분산이 작을수록 편향이 커지는 </a:t>
+            </a:r>
+            <a:r>
+              <a:rPr lang="ko-KR" altLang="en-US" sz="1200" b="1" u="sng" dirty="0">
+                <a:solidFill>
+                  <a:srgbClr val="FF0000"/>
+                </a:solidFill>
+                <a:latin typeface="+mn-ea"/>
+              </a:rPr>
+              <a:t>시소 같은 관계를 말하는 개념</a:t>
+            </a:r>
+            <a:endParaRPr lang="en-US" altLang="ko-KR" sz="1200" b="1" u="sng" dirty="0">
+              <a:solidFill>
+                <a:srgbClr val="FF0000"/>
+              </a:solidFill>
+              <a:latin typeface="+mn-ea"/>
+            </a:endParaRPr>
+          </a:p>
+          <a:p>
+            <a:pPr marL="274320" lvl="1" indent="0">
+              <a:lnSpc>
+                <a:spcPct val="150000"/>
+              </a:lnSpc>
+              <a:buNone/>
+            </a:pPr>
+            <a:endParaRPr lang="en-US" altLang="ko-KR" sz="1200" dirty="0" smtClean="0">
+              <a:latin typeface="+mn-ea"/>
+            </a:endParaRPr>
+          </a:p>
+          <a:p>
+            <a:pPr marL="274320" lvl="1" indent="0">
+              <a:lnSpc>
+                <a:spcPct val="150000"/>
+              </a:lnSpc>
+              <a:buNone/>
+            </a:pPr>
+            <a:endParaRPr lang="en-US" altLang="ko-KR" sz="1400" dirty="0" smtClean="0"/>
+          </a:p>
+          <a:p>
+            <a:pPr marL="274320" lvl="1" indent="0">
+              <a:lnSpc>
+                <a:spcPct val="150000"/>
+              </a:lnSpc>
+              <a:buNone/>
+            </a:pPr>
+            <a:endParaRPr lang="en-US" altLang="ko-KR" sz="1400" dirty="0"/>
+          </a:p>
+          <a:p>
+            <a:pPr marL="274320" lvl="1" indent="0">
+              <a:lnSpc>
+                <a:spcPct val="150000"/>
+              </a:lnSpc>
+              <a:buNone/>
+            </a:pPr>
+            <a:endParaRPr lang="en-US" altLang="ko-KR" sz="1400" dirty="0" smtClean="0"/>
+          </a:p>
+          <a:p>
+            <a:pPr marL="274320" lvl="1" indent="0">
+              <a:lnSpc>
+                <a:spcPct val="150000"/>
+              </a:lnSpc>
+              <a:buNone/>
+            </a:pPr>
+            <a:endParaRPr lang="en-US" altLang="ko-KR" sz="1400" dirty="0" smtClean="0"/>
+          </a:p>
+          <a:p>
+            <a:pPr lvl="1">
+              <a:lnSpc>
+                <a:spcPct val="150000"/>
+              </a:lnSpc>
+            </a:pPr>
+            <a:endParaRPr lang="en-US" altLang="ko-KR" sz="1200" dirty="0">
+              <a:latin typeface="+mn-ea"/>
+            </a:endParaRPr>
+          </a:p>
+          <a:p>
+            <a:pPr lvl="1">
+              <a:lnSpc>
+                <a:spcPct val="150000"/>
+              </a:lnSpc>
+            </a:pPr>
+            <a:endParaRPr lang="en-US" altLang="ko-KR" sz="1200" dirty="0" smtClean="0">
+              <a:latin typeface="+mn-ea"/>
+            </a:endParaRPr>
+          </a:p>
+          <a:p>
+            <a:pPr lvl="1">
+              <a:lnSpc>
+                <a:spcPct val="150000"/>
+              </a:lnSpc>
+            </a:pPr>
+            <a:endParaRPr lang="en-US" altLang="ko-KR" sz="1200" dirty="0">
+              <a:latin typeface="+mn-ea"/>
+            </a:endParaRPr>
+          </a:p>
+          <a:p>
+            <a:pPr lvl="1">
+              <a:lnSpc>
+                <a:spcPct val="150000"/>
+              </a:lnSpc>
+            </a:pPr>
+            <a:endParaRPr lang="en-US" altLang="ko-KR" sz="1200" dirty="0" smtClean="0">
+              <a:latin typeface="+mn-ea"/>
+            </a:endParaRPr>
+          </a:p>
+          <a:p>
+            <a:pPr lvl="1">
+              <a:lnSpc>
+                <a:spcPct val="150000"/>
+              </a:lnSpc>
+            </a:pPr>
+            <a:endParaRPr lang="en-US" altLang="ko-KR" sz="1200" dirty="0">
+              <a:latin typeface="+mn-ea"/>
+            </a:endParaRPr>
+          </a:p>
+          <a:p>
+            <a:pPr lvl="1">
+              <a:lnSpc>
+                <a:spcPct val="150000"/>
+              </a:lnSpc>
+            </a:pPr>
+            <a:endParaRPr lang="en-US" altLang="ko-KR" sz="1200" dirty="0" smtClean="0">
+              <a:latin typeface="+mn-ea"/>
+            </a:endParaRPr>
+          </a:p>
+          <a:p>
+            <a:pPr lvl="1">
+              <a:lnSpc>
+                <a:spcPct val="150000"/>
+              </a:lnSpc>
+            </a:pPr>
+            <a:endParaRPr lang="en-US" altLang="ko-KR" sz="1200" dirty="0" smtClean="0">
+              <a:latin typeface="+mn-ea"/>
+            </a:endParaRPr>
+          </a:p>
+        </p:txBody>
+      </p:sp>
+      <p:grpSp>
+        <p:nvGrpSpPr>
+          <p:cNvPr id="9" name="그룹 8"/>
+          <p:cNvGrpSpPr/>
+          <p:nvPr/>
+        </p:nvGrpSpPr>
+        <p:grpSpPr>
+          <a:xfrm>
+            <a:off x="815296" y="2312784"/>
+            <a:ext cx="7239000" cy="1252984"/>
+            <a:chOff x="952500" y="3108436"/>
+            <a:chExt cx="7239000" cy="1252984"/>
+          </a:xfrm>
+        </p:grpSpPr>
+        <p:pic>
+          <p:nvPicPr>
+            <p:cNvPr id="2050" name="Picture 2"/>
+            <p:cNvPicPr>
+              <a:picLocks noChangeAspect="1" noChangeArrowheads="1"/>
+            </p:cNvPicPr>
+            <p:nvPr/>
+          </p:nvPicPr>
+          <p:blipFill>
+            <a:blip r:embed="rId2">
+              <a:extLst>
+                <a:ext uri="{28A0092B-C50C-407E-A947-70E740481C1C}">
+                  <a14:useLocalDpi xmlns:a14="http://schemas.microsoft.com/office/drawing/2010/main" val="0"/>
+                </a:ext>
+              </a:extLst>
+            </a:blip>
+            <a:srcRect/>
+            <a:stretch>
+              <a:fillRect/>
+            </a:stretch>
+          </p:blipFill>
+          <p:spPr bwMode="auto">
+            <a:xfrm>
+              <a:off x="952500" y="3108436"/>
+              <a:ext cx="7239000" cy="1252984"/>
+            </a:xfrm>
+            <a:prstGeom prst="rect">
+              <a:avLst/>
+            </a:prstGeom>
+            <a:noFill/>
+            <a:ln>
+              <a:noFill/>
+            </a:ln>
+            <a:extLst>
+              <a:ext uri="{909E8E84-426E-40DD-AFC4-6F175D3DCCD1}">
+                <a14:hiddenFill xmlns:a14="http://schemas.microsoft.com/office/drawing/2010/main">
+                  <a:solidFill>
+                    <a:schemeClr val="accent1"/>
+                  </a:solidFill>
+                </a14:hiddenFill>
+              </a:ext>
+              <a:ext uri="{91240B29-F687-4F45-9708-019B960494DF}">
+                <a14:hiddenLine xmlns:a14="http://schemas.microsoft.com/office/drawing/2010/main" w="9525">
+                  <a:solidFill>
+                    <a:schemeClr val="tx1"/>
+                  </a:solidFill>
+                  <a:miter lim="800000"/>
+                  <a:headEnd/>
+                  <a:tailEnd/>
+                </a14:hiddenLine>
+              </a:ext>
+            </a:extLst>
+          </p:spPr>
+        </p:pic>
+        <p:sp>
+          <p:nvSpPr>
+            <p:cNvPr id="5" name="직사각형 4"/>
+            <p:cNvSpPr/>
+            <p:nvPr/>
+          </p:nvSpPr>
+          <p:spPr>
+            <a:xfrm>
+              <a:off x="3923928" y="3595937"/>
+              <a:ext cx="2088232" cy="360040"/>
+            </a:xfrm>
+            <a:prstGeom prst="rect">
+              <a:avLst/>
+            </a:prstGeom>
+            <a:noFill/>
+            <a:ln>
+              <a:solidFill>
+                <a:schemeClr val="accent1"/>
+              </a:solidFill>
+              <a:prstDash val="lgDash"/>
+            </a:ln>
+          </p:spPr>
+          <p:style>
+            <a:lnRef idx="2">
+              <a:schemeClr val="accent1">
+                <a:shade val="50000"/>
+              </a:schemeClr>
+            </a:lnRef>
+            <a:fillRef idx="1">
+              <a:schemeClr val="accent1"/>
+            </a:fillRef>
+            <a:effectRef idx="0">
+              <a:schemeClr val="accent1"/>
+            </a:effectRef>
+            <a:fontRef idx="minor">
+              <a:schemeClr val="lt1"/>
+            </a:fontRef>
+          </p:style>
+          <p:txBody>
+            <a:bodyPr rtlCol="0" anchor="ctr"/>
+            <a:lstStyle/>
+            <a:p>
+              <a:pPr algn="ctr"/>
+              <a:endParaRPr lang="ko-KR" altLang="en-US"/>
+            </a:p>
+          </p:txBody>
+        </p:sp>
+        <p:sp>
+          <p:nvSpPr>
+            <p:cNvPr id="8" name="TextBox 7"/>
+            <p:cNvSpPr txBox="1"/>
+            <p:nvPr/>
+          </p:nvSpPr>
+          <p:spPr>
+            <a:xfrm>
+              <a:off x="4380639" y="4084421"/>
+              <a:ext cx="1174809" cy="276999"/>
+            </a:xfrm>
+            <a:prstGeom prst="rect">
+              <a:avLst/>
+            </a:prstGeom>
+            <a:noFill/>
+          </p:spPr>
+          <p:txBody>
+            <a:bodyPr wrap="none" rtlCol="0">
+              <a:spAutoFit/>
+            </a:bodyPr>
+            <a:lstStyle/>
+            <a:p>
+              <a:r>
+                <a:rPr lang="en-US" altLang="ko-KR" sz="1200" dirty="0" smtClean="0"/>
+                <a:t>Reducible Error</a:t>
+              </a:r>
+              <a:endParaRPr lang="ko-KR" altLang="en-US" dirty="0"/>
+            </a:p>
+          </p:txBody>
+        </p:sp>
+      </p:grpSp>
+      <p:pic>
+        <p:nvPicPr>
+          <p:cNvPr id="11" name="Picture 2"/>
+          <p:cNvPicPr>
+            <a:picLocks noChangeAspect="1" noChangeArrowheads="1"/>
+          </p:cNvPicPr>
+          <p:nvPr/>
+        </p:nvPicPr>
+        <p:blipFill>
+          <a:blip r:embed="rId3">
+            <a:extLst>
+              <a:ext uri="{28A0092B-C50C-407E-A947-70E740481C1C}">
+                <a14:useLocalDpi xmlns:a14="http://schemas.microsoft.com/office/drawing/2010/main" val="0"/>
+              </a:ext>
+            </a:extLst>
+          </a:blip>
+          <a:srcRect/>
+          <a:stretch>
+            <a:fillRect/>
+          </a:stretch>
+        </p:blipFill>
+        <p:spPr bwMode="auto">
+          <a:xfrm>
+            <a:off x="755575" y="3494805"/>
+            <a:ext cx="3487859" cy="2557228"/>
+          </a:xfrm>
+          <a:prstGeom prst="rect">
+            <a:avLst/>
+          </a:prstGeom>
+          <a:noFill/>
+          <a:ln>
+            <a:noFill/>
+          </a:ln>
+          <a:extLst>
+            <a:ext uri="{909E8E84-426E-40DD-AFC4-6F175D3DCCD1}">
+              <a14:hiddenFill xmlns:a14="http://schemas.microsoft.com/office/drawing/2010/main">
+                <a:solidFill>
+                  <a:schemeClr val="accent1"/>
+                </a:solidFill>
+              </a14:hiddenFill>
+            </a:ext>
+            <a:ext uri="{91240B29-F687-4F45-9708-019B960494DF}">
+              <a14:hiddenLine xmlns:a14="http://schemas.microsoft.com/office/drawing/2010/main" w="9525">
+                <a:solidFill>
+                  <a:schemeClr val="tx1"/>
+                </a:solidFill>
+                <a:miter lim="800000"/>
+                <a:headEnd/>
+                <a:tailEnd/>
+              </a14:hiddenLine>
+            </a:ext>
+          </a:extLst>
+        </p:spPr>
+      </p:pic>
+      <mc:AlternateContent xmlns:mc="http://schemas.openxmlformats.org/markup-compatibility/2006">
+        <mc:Choice xmlns:a14="http://schemas.microsoft.com/office/drawing/2010/main" Requires="a14">
+          <p:sp>
+            <p:nvSpPr>
+              <p:cNvPr id="12" name="직사각형 11"/>
+              <p:cNvSpPr/>
+              <p:nvPr/>
+            </p:nvSpPr>
+            <p:spPr>
+              <a:xfrm>
+                <a:off x="3815528" y="3830757"/>
+                <a:ext cx="4824536" cy="1885324"/>
+              </a:xfrm>
+              <a:prstGeom prst="rect">
+                <a:avLst/>
+              </a:prstGeom>
+            </p:spPr>
+            <p:txBody>
+              <a:bodyPr wrap="square">
+                <a:spAutoFit/>
+              </a:bodyPr>
+              <a:lstStyle/>
+              <a:p>
+                <a:pPr marL="171450" indent="-171450">
+                  <a:lnSpc>
+                    <a:spcPct val="150000"/>
+                  </a:lnSpc>
+                  <a:buFont typeface="Wingdings" panose="05000000000000000000" pitchFamily="2" charset="2"/>
+                  <a:buChar char="ü"/>
+                </a:pPr>
+                <a:r>
+                  <a:rPr lang="en-US" altLang="ko-KR" sz="1200" b="1" dirty="0" smtClean="0">
+                    <a:latin typeface="+mn-ea"/>
+                  </a:rPr>
+                  <a:t>Variance</a:t>
+                </a:r>
+                <a:r>
+                  <a:rPr lang="en-US" altLang="ko-KR" sz="1200" dirty="0" smtClean="0">
+                    <a:latin typeface="+mn-ea"/>
+                  </a:rPr>
+                  <a:t> </a:t>
+                </a:r>
+                <a:r>
+                  <a:rPr lang="en-US" altLang="ko-KR" sz="1200" dirty="0">
+                    <a:latin typeface="+mn-ea"/>
+                  </a:rPr>
+                  <a:t>: </a:t>
+                </a:r>
+                <a:r>
+                  <a:rPr lang="ko-KR" altLang="en-US" sz="1200" dirty="0"/>
+                  <a:t> </a:t>
+                </a:r>
+                <a:r>
+                  <a:rPr lang="ko-KR" altLang="en-US" sz="1200" dirty="0"/>
+                  <a:t>학습 데이터를 변경할 경우</a:t>
+                </a:r>
+                <a:r>
+                  <a:rPr lang="en-US" altLang="ko-KR" sz="1200" dirty="0"/>
+                  <a:t>, </a:t>
+                </a:r>
+                <a14:m>
+                  <m:oMath xmlns:m="http://schemas.openxmlformats.org/officeDocument/2006/math">
+                    <m:acc>
+                      <m:accPr>
+                        <m:chr m:val="̂"/>
+                        <m:ctrlPr>
+                          <a:rPr lang="en-US" altLang="ko-KR" sz="1200" i="1">
+                            <a:latin typeface="Cambria Math"/>
+                          </a:rPr>
+                        </m:ctrlPr>
+                      </m:accPr>
+                      <m:e>
+                        <m:r>
+                          <a:rPr lang="en-US" altLang="ko-KR" sz="1200" i="1">
+                            <a:latin typeface="Cambria Math"/>
+                          </a:rPr>
+                          <m:t>𝑓</m:t>
+                        </m:r>
+                      </m:e>
+                    </m:acc>
+                    <m:r>
+                      <a:rPr lang="ko-KR" altLang="en-US" sz="1200" i="1">
+                        <a:latin typeface="Cambria Math"/>
+                      </a:rPr>
+                      <m:t>이</m:t>
+                    </m:r>
+                    <m:r>
+                      <a:rPr lang="en-US" altLang="ko-KR" sz="1200" i="1">
+                        <a:latin typeface="Cambria Math"/>
+                      </a:rPr>
+                      <m:t> </m:t>
+                    </m:r>
+                    <m:r>
+                      <a:rPr lang="ko-KR" altLang="en-US" sz="1200" i="1">
+                        <a:latin typeface="Cambria Math"/>
+                      </a:rPr>
+                      <m:t>변하는</m:t>
+                    </m:r>
+                    <m:r>
+                      <a:rPr lang="en-US" altLang="ko-KR" sz="1200" i="1">
+                        <a:latin typeface="Cambria Math"/>
+                      </a:rPr>
+                      <m:t> </m:t>
+                    </m:r>
+                    <m:r>
+                      <a:rPr lang="ko-KR" altLang="en-US" sz="1200" i="1">
+                        <a:latin typeface="Cambria Math"/>
+                      </a:rPr>
+                      <m:t>정도</m:t>
+                    </m:r>
+                  </m:oMath>
+                </a14:m>
+                <a:r>
+                  <a:rPr lang="en-US" altLang="ko-KR" sz="1200" dirty="0">
+                    <a:latin typeface="+mn-ea"/>
+                  </a:rPr>
+                  <a:t> </a:t>
+                </a:r>
+                <a:endParaRPr lang="en-US" altLang="ko-KR" sz="1200" dirty="0" smtClean="0">
+                  <a:latin typeface="+mn-ea"/>
+                </a:endParaRPr>
+              </a:p>
+              <a:p>
+                <a:pPr>
+                  <a:lnSpc>
+                    <a:spcPct val="150000"/>
+                  </a:lnSpc>
+                </a:pPr>
+                <a:r>
+                  <a:rPr lang="en-US" altLang="ko-KR" sz="1200" dirty="0">
+                    <a:latin typeface="+mn-ea"/>
+                  </a:rPr>
+                  <a:t> </a:t>
+                </a:r>
+                <a:r>
+                  <a:rPr lang="en-US" altLang="ko-KR" sz="1200" dirty="0" smtClean="0">
+                    <a:latin typeface="+mn-ea"/>
+                  </a:rPr>
+                  <a:t>              (= </a:t>
+                </a:r>
+                <a:r>
+                  <a:rPr lang="ko-KR" altLang="en-US" sz="1200" b="1" u="sng" dirty="0">
+                    <a:latin typeface="+mn-ea"/>
+                  </a:rPr>
+                  <a:t>복잡한 모형일 수록 분산이 높다</a:t>
+                </a:r>
+                <a:r>
+                  <a:rPr lang="en-US" altLang="ko-KR" sz="1200" dirty="0">
+                    <a:latin typeface="+mn-ea"/>
+                  </a:rPr>
+                  <a:t>)</a:t>
+                </a:r>
+              </a:p>
+              <a:p>
+                <a:pPr marL="137160" lvl="1">
+                  <a:lnSpc>
+                    <a:spcPct val="150000"/>
+                  </a:lnSpc>
+                </a:pPr>
+                <a:r>
+                  <a:rPr lang="ko-KR" altLang="en-US" sz="1000" dirty="0">
+                    <a:latin typeface="바탕"/>
+                    <a:ea typeface="바탕"/>
+                  </a:rPr>
+                  <a:t>☞ </a:t>
+                </a:r>
+                <a:r>
+                  <a:rPr lang="ko-KR" altLang="en-US" sz="1000" dirty="0">
+                    <a:latin typeface="+mn-ea"/>
+                  </a:rPr>
+                  <a:t>의도한 </a:t>
+                </a:r>
+                <a:r>
+                  <a:rPr lang="ko-KR" altLang="en-US" sz="1000" dirty="0">
+                    <a:latin typeface="+mn-ea"/>
+                  </a:rPr>
+                  <a:t>학습결과를 내기보다는 훈련 데이터 내의 무작위 소음을 </a:t>
+                </a:r>
+                <a:endParaRPr lang="en-US" altLang="ko-KR" sz="1000" dirty="0" smtClean="0">
+                  <a:latin typeface="+mn-ea"/>
+                </a:endParaRPr>
+              </a:p>
+              <a:p>
+                <a:pPr marL="137160" lvl="1">
+                  <a:lnSpc>
+                    <a:spcPct val="150000"/>
+                  </a:lnSpc>
+                </a:pPr>
+                <a:r>
+                  <a:rPr lang="en-US" altLang="ko-KR" sz="1000" dirty="0">
+                    <a:latin typeface="+mn-ea"/>
+                  </a:rPr>
+                  <a:t> </a:t>
+                </a:r>
+                <a:r>
+                  <a:rPr lang="en-US" altLang="ko-KR" sz="1000" dirty="0" smtClean="0">
+                    <a:latin typeface="+mn-ea"/>
+                  </a:rPr>
+                  <a:t>   </a:t>
+                </a:r>
+                <a:r>
+                  <a:rPr lang="ko-KR" altLang="en-US" sz="1000" dirty="0" smtClean="0">
+                    <a:latin typeface="+mn-ea"/>
+                  </a:rPr>
+                  <a:t>모델링 함에 </a:t>
+                </a:r>
+                <a:r>
+                  <a:rPr lang="ko-KR" altLang="en-US" sz="1000" dirty="0">
+                    <a:latin typeface="+mn-ea"/>
+                  </a:rPr>
+                  <a:t>따라 </a:t>
+                </a:r>
+                <a:r>
+                  <a:rPr lang="en-US" altLang="ko-KR" sz="1000" dirty="0" smtClean="0">
+                    <a:latin typeface="+mn-ea"/>
+                  </a:rPr>
+                  <a:t>overfitting</a:t>
+                </a:r>
+                <a:r>
+                  <a:rPr lang="ko-KR" altLang="en-US" sz="1000" dirty="0">
+                    <a:latin typeface="+mn-ea"/>
+                  </a:rPr>
+                  <a:t>의 </a:t>
+                </a:r>
+                <a:r>
+                  <a:rPr lang="ko-KR" altLang="en-US" sz="1000" dirty="0">
+                    <a:latin typeface="+mn-ea"/>
+                  </a:rPr>
+                  <a:t>원인이 </a:t>
+                </a:r>
+                <a:r>
+                  <a:rPr lang="ko-KR" altLang="en-US" sz="1000" dirty="0" smtClean="0">
+                    <a:latin typeface="+mn-ea"/>
+                  </a:rPr>
+                  <a:t>됨</a:t>
+                </a:r>
+                <a:endParaRPr lang="en-US" altLang="ko-KR" sz="1000" dirty="0" smtClean="0">
+                  <a:latin typeface="+mn-ea"/>
+                </a:endParaRPr>
+              </a:p>
+              <a:p>
+                <a:pPr marL="137160" lvl="1">
+                  <a:lnSpc>
+                    <a:spcPct val="150000"/>
+                  </a:lnSpc>
+                </a:pPr>
+                <a:endParaRPr lang="en-US" altLang="ko-KR" sz="900" dirty="0">
+                  <a:latin typeface="+mn-ea"/>
+                </a:endParaRPr>
+              </a:p>
+              <a:p>
+                <a:pPr marL="171450" indent="-171450">
+                  <a:lnSpc>
+                    <a:spcPct val="150000"/>
+                  </a:lnSpc>
+                  <a:buFont typeface="Wingdings" panose="05000000000000000000" pitchFamily="2" charset="2"/>
+                  <a:buChar char="ü"/>
+                </a:pPr>
+                <a:r>
+                  <a:rPr lang="en-US" altLang="ko-KR" sz="1200" b="1" dirty="0">
+                    <a:latin typeface="+mn-ea"/>
+                  </a:rPr>
+                  <a:t>Bias</a:t>
+                </a:r>
+                <a:r>
+                  <a:rPr lang="en-US" altLang="ko-KR" sz="1200" dirty="0">
+                    <a:latin typeface="+mn-ea"/>
+                  </a:rPr>
+                  <a:t>  :  </a:t>
+                </a:r>
+                <a:r>
+                  <a:rPr lang="ko-KR" altLang="en-US" sz="1200" dirty="0">
+                    <a:latin typeface="+mn-ea"/>
+                  </a:rPr>
+                  <a:t>학습 알고리즘이 잘못된 가정을 하는 경우 발생하는 오차 </a:t>
+                </a:r>
+                <a:r>
+                  <a:rPr lang="ko-KR" altLang="en-US" sz="1200" dirty="0" smtClean="0">
+                    <a:latin typeface="+mn-ea"/>
+                  </a:rPr>
+                  <a:t>  </a:t>
+                </a:r>
+                <a:endParaRPr lang="en-US" altLang="ko-KR" sz="1200" dirty="0" smtClean="0">
+                  <a:latin typeface="+mn-ea"/>
+                </a:endParaRPr>
+              </a:p>
+              <a:p>
+                <a:pPr>
+                  <a:lnSpc>
+                    <a:spcPct val="150000"/>
+                  </a:lnSpc>
+                </a:pPr>
+                <a:r>
+                  <a:rPr lang="en-US" altLang="ko-KR" sz="1200" dirty="0">
+                    <a:latin typeface="+mn-ea"/>
+                  </a:rPr>
+                  <a:t> </a:t>
+                </a:r>
+                <a:r>
+                  <a:rPr lang="en-US" altLang="ko-KR" sz="1200" dirty="0" smtClean="0">
+                    <a:latin typeface="+mn-ea"/>
+                  </a:rPr>
+                  <a:t>          (= </a:t>
+                </a:r>
+                <a:r>
+                  <a:rPr lang="ko-KR" altLang="en-US" sz="1200" b="1" u="sng" dirty="0">
+                    <a:latin typeface="+mn-ea"/>
+                  </a:rPr>
+                  <a:t>간단한 모형일 수록 편향이 높다</a:t>
+                </a:r>
+                <a:r>
+                  <a:rPr lang="en-US" altLang="ko-KR" sz="1200" dirty="0">
+                    <a:latin typeface="+mn-ea"/>
+                  </a:rPr>
+                  <a:t>)</a:t>
+                </a:r>
+                <a:endParaRPr lang="en-US" altLang="ko-KR" sz="1200" dirty="0">
+                  <a:latin typeface="+mn-ea"/>
+                </a:endParaRPr>
+              </a:p>
+            </p:txBody>
+          </p:sp>
+        </mc:Choice>
+        <mc:Fallback>
+          <p:sp>
+            <p:nvSpPr>
+              <p:cNvPr id="12" name="직사각형 11"/>
+              <p:cNvSpPr>
+                <a:spLocks noRot="1" noChangeAspect="1" noMove="1" noResize="1" noEditPoints="1" noAdjustHandles="1" noChangeArrowheads="1" noChangeShapeType="1" noTextEdit="1"/>
+              </p:cNvSpPr>
+              <p:nvPr/>
+            </p:nvSpPr>
+            <p:spPr>
+              <a:xfrm>
+                <a:off x="3815528" y="3830757"/>
+                <a:ext cx="4824536" cy="1885324"/>
+              </a:xfrm>
+              <a:prstGeom prst="rect">
+                <a:avLst/>
+              </a:prstGeom>
+              <a:blipFill rotWithShape="1">
+                <a:blip r:embed="rId4"/>
+                <a:stretch>
+                  <a:fillRect/>
+                </a:stretch>
+              </a:blipFill>
+            </p:spPr>
+            <p:txBody>
+              <a:bodyPr/>
+              <a:lstStyle/>
+              <a:p>
+                <a:r>
+                  <a:rPr lang="ko-KR" altLang="en-US">
+                    <a:noFill/>
+                  </a:rPr>
+                  <a:t> </a:t>
+                </a:r>
+              </a:p>
+            </p:txBody>
+          </p:sp>
+        </mc:Fallback>
+      </mc:AlternateContent>
+    </p:spTree>
+    <p:extLst>
+      <p:ext uri="{BB962C8B-B14F-4D97-AF65-F5344CB8AC3E}">
+        <p14:creationId xmlns:p14="http://schemas.microsoft.com/office/powerpoint/2010/main" val="229541416"/>
       </p:ext>
     </p:extLst>
   </p:cSld>
